--- a/rc_network.pptx
+++ b/rc_network.pptx
@@ -5,11 +5,12 @@
     <p:sldMasterId id="2147483648" r:id="rId1"/>
   </p:sldMasterIdLst>
   <p:notesMasterIdLst>
-    <p:notesMasterId r:id="rId4"/>
+    <p:notesMasterId r:id="rId5"/>
   </p:notesMasterIdLst>
   <p:sldIdLst>
     <p:sldId id="256" r:id="rId2"/>
     <p:sldId id="257" r:id="rId3"/>
+    <p:sldId id="258" r:id="rId4"/>
   </p:sldIdLst>
   <p:sldSz cx="12192000" cy="6858000"/>
   <p:notesSz cx="6858000" cy="9144000"/>
@@ -198,7 +199,7 @@
           <a:p>
             <a:fld id="{F9805C6D-A8D8-4D9B-9408-35BCC045E291}" type="datetimeFigureOut">
               <a:rPr lang="en-US" smtClean="0"/>
-              <a:t>3/11/2022</a:t>
+              <a:t>3/16/2022</a:t>
             </a:fld>
             <a:endParaRPr lang="en-US"/>
           </a:p>
@@ -696,7 +697,7 @@
           <a:p>
             <a:fld id="{4A870DC3-5F4C-4826-B1E0-8BEE18E96C2E}" type="datetimeFigureOut">
               <a:rPr lang="en-US" smtClean="0"/>
-              <a:t>3/11/2022</a:t>
+              <a:t>3/16/2022</a:t>
             </a:fld>
             <a:endParaRPr lang="en-US"/>
           </a:p>
@@ -894,7 +895,7 @@
           <a:p>
             <a:fld id="{4A870DC3-5F4C-4826-B1E0-8BEE18E96C2E}" type="datetimeFigureOut">
               <a:rPr lang="en-US" smtClean="0"/>
-              <a:t>3/11/2022</a:t>
+              <a:t>3/16/2022</a:t>
             </a:fld>
             <a:endParaRPr lang="en-US"/>
           </a:p>
@@ -1102,7 +1103,7 @@
           <a:p>
             <a:fld id="{4A870DC3-5F4C-4826-B1E0-8BEE18E96C2E}" type="datetimeFigureOut">
               <a:rPr lang="en-US" smtClean="0"/>
-              <a:t>3/11/2022</a:t>
+              <a:t>3/16/2022</a:t>
             </a:fld>
             <a:endParaRPr lang="en-US"/>
           </a:p>
@@ -1300,7 +1301,7 @@
           <a:p>
             <a:fld id="{4A870DC3-5F4C-4826-B1E0-8BEE18E96C2E}" type="datetimeFigureOut">
               <a:rPr lang="en-US" smtClean="0"/>
-              <a:t>3/11/2022</a:t>
+              <a:t>3/16/2022</a:t>
             </a:fld>
             <a:endParaRPr lang="en-US"/>
           </a:p>
@@ -1575,7 +1576,7 @@
           <a:p>
             <a:fld id="{4A870DC3-5F4C-4826-B1E0-8BEE18E96C2E}" type="datetimeFigureOut">
               <a:rPr lang="en-US" smtClean="0"/>
-              <a:t>3/11/2022</a:t>
+              <a:t>3/16/2022</a:t>
             </a:fld>
             <a:endParaRPr lang="en-US"/>
           </a:p>
@@ -1840,7 +1841,7 @@
           <a:p>
             <a:fld id="{4A870DC3-5F4C-4826-B1E0-8BEE18E96C2E}" type="datetimeFigureOut">
               <a:rPr lang="en-US" smtClean="0"/>
-              <a:t>3/11/2022</a:t>
+              <a:t>3/16/2022</a:t>
             </a:fld>
             <a:endParaRPr lang="en-US"/>
           </a:p>
@@ -2252,7 +2253,7 @@
           <a:p>
             <a:fld id="{4A870DC3-5F4C-4826-B1E0-8BEE18E96C2E}" type="datetimeFigureOut">
               <a:rPr lang="en-US" smtClean="0"/>
-              <a:t>3/11/2022</a:t>
+              <a:t>3/16/2022</a:t>
             </a:fld>
             <a:endParaRPr lang="en-US"/>
           </a:p>
@@ -2393,7 +2394,7 @@
           <a:p>
             <a:fld id="{4A870DC3-5F4C-4826-B1E0-8BEE18E96C2E}" type="datetimeFigureOut">
               <a:rPr lang="en-US" smtClean="0"/>
-              <a:t>3/11/2022</a:t>
+              <a:t>3/16/2022</a:t>
             </a:fld>
             <a:endParaRPr lang="en-US"/>
           </a:p>
@@ -2506,7 +2507,7 @@
           <a:p>
             <a:fld id="{4A870DC3-5F4C-4826-B1E0-8BEE18E96C2E}" type="datetimeFigureOut">
               <a:rPr lang="en-US" smtClean="0"/>
-              <a:t>3/11/2022</a:t>
+              <a:t>3/16/2022</a:t>
             </a:fld>
             <a:endParaRPr lang="en-US"/>
           </a:p>
@@ -2817,7 +2818,7 @@
           <a:p>
             <a:fld id="{4A870DC3-5F4C-4826-B1E0-8BEE18E96C2E}" type="datetimeFigureOut">
               <a:rPr lang="en-US" smtClean="0"/>
-              <a:t>3/11/2022</a:t>
+              <a:t>3/16/2022</a:t>
             </a:fld>
             <a:endParaRPr lang="en-US"/>
           </a:p>
@@ -3105,7 +3106,7 @@
           <a:p>
             <a:fld id="{4A870DC3-5F4C-4826-B1E0-8BEE18E96C2E}" type="datetimeFigureOut">
               <a:rPr lang="en-US" smtClean="0"/>
-              <a:t>3/11/2022</a:t>
+              <a:t>3/16/2022</a:t>
             </a:fld>
             <a:endParaRPr lang="en-US"/>
           </a:p>
@@ -3346,7 +3347,7 @@
           <a:p>
             <a:fld id="{4A870DC3-5F4C-4826-B1E0-8BEE18E96C2E}" type="datetimeFigureOut">
               <a:rPr lang="en-US" smtClean="0"/>
-              <a:t>3/11/2022</a:t>
+              <a:t>3/16/2022</a:t>
             </a:fld>
             <a:endParaRPr lang="en-US"/>
           </a:p>
@@ -4272,6 +4273,11 @@
           <a:solidFill>
             <a:schemeClr val="tx1"/>
           </a:solidFill>
+          <a:ln>
+            <a:solidFill>
+              <a:schemeClr val="tx1"/>
+            </a:solidFill>
+          </a:ln>
         </p:spPr>
         <p:style>
           <a:lnRef idx="2">
@@ -4325,6 +4331,11 @@
           <a:solidFill>
             <a:schemeClr val="tx1"/>
           </a:solidFill>
+          <a:ln>
+            <a:solidFill>
+              <a:schemeClr val="tx1"/>
+            </a:solidFill>
+          </a:ln>
         </p:spPr>
         <p:style>
           <a:lnRef idx="2">
@@ -4378,6 +4389,11 @@
           <a:solidFill>
             <a:schemeClr val="tx1"/>
           </a:solidFill>
+          <a:ln>
+            <a:solidFill>
+              <a:schemeClr val="tx1"/>
+            </a:solidFill>
+          </a:ln>
         </p:spPr>
         <p:style>
           <a:lnRef idx="2">
@@ -4485,6 +4501,11 @@
           <a:solidFill>
             <a:schemeClr val="tx1"/>
           </a:solidFill>
+          <a:ln>
+            <a:solidFill>
+              <a:schemeClr val="tx1"/>
+            </a:solidFill>
+          </a:ln>
         </p:spPr>
         <p:style>
           <a:lnRef idx="2">
@@ -4592,6 +4613,11 @@
           <a:solidFill>
             <a:schemeClr val="tx1"/>
           </a:solidFill>
+          <a:ln>
+            <a:solidFill>
+              <a:schemeClr val="tx1"/>
+            </a:solidFill>
+          </a:ln>
         </p:spPr>
         <p:style>
           <a:lnRef idx="2">
@@ -8404,8 +8430,8 @@
           </a:fontRef>
         </p:style>
       </p:cxnSp>
-      <mc:AlternateContent xmlns:mc="http://schemas.openxmlformats.org/markup-compatibility/2006">
-        <mc:Choice xmlns:a14="http://schemas.microsoft.com/office/drawing/2010/main" Requires="a14">
+      <mc:AlternateContent xmlns:mc="http://schemas.openxmlformats.org/markup-compatibility/2006" xmlns:a14="http://schemas.microsoft.com/office/drawing/2010/main">
+        <mc:Choice Requires="a14">
           <p:sp>
             <p:nvSpPr>
               <p:cNvPr id="8" name="TextBox 7">
@@ -8474,7 +8500,7 @@
             </p:txBody>
           </p:sp>
         </mc:Choice>
-        <mc:Fallback>
+        <mc:Fallback xmlns="">
           <p:sp>
             <p:nvSpPr>
               <p:cNvPr id="8" name="TextBox 7">
@@ -8542,6 +8568,11 @@
           <a:solidFill>
             <a:schemeClr val="tx1"/>
           </a:solidFill>
+          <a:ln>
+            <a:solidFill>
+              <a:schemeClr val="tx1"/>
+            </a:solidFill>
+          </a:ln>
         </p:spPr>
         <p:style>
           <a:lnRef idx="2">
@@ -8616,8 +8647,8 @@
           </a:fontRef>
         </p:style>
       </p:cxnSp>
-      <mc:AlternateContent xmlns:mc="http://schemas.openxmlformats.org/markup-compatibility/2006">
-        <mc:Choice xmlns:a14="http://schemas.microsoft.com/office/drawing/2010/main" Requires="a14">
+      <mc:AlternateContent xmlns:mc="http://schemas.openxmlformats.org/markup-compatibility/2006" xmlns:a14="http://schemas.microsoft.com/office/drawing/2010/main">
+        <mc:Choice Requires="a14">
           <p:sp>
             <p:nvSpPr>
               <p:cNvPr id="12" name="TextBox 11">
@@ -8686,7 +8717,7 @@
             </p:txBody>
           </p:sp>
         </mc:Choice>
-        <mc:Fallback>
+        <mc:Fallback xmlns="">
           <p:sp>
             <p:nvSpPr>
               <p:cNvPr id="12" name="TextBox 11">
@@ -8919,8 +8950,8 @@
           </a:p>
         </p:txBody>
       </p:sp>
-      <mc:AlternateContent xmlns:mc="http://schemas.openxmlformats.org/markup-compatibility/2006">
-        <mc:Choice xmlns:a14="http://schemas.microsoft.com/office/drawing/2010/main" Requires="a14">
+      <mc:AlternateContent xmlns:mc="http://schemas.openxmlformats.org/markup-compatibility/2006" xmlns:a14="http://schemas.microsoft.com/office/drawing/2010/main">
+        <mc:Choice Requires="a14">
           <p:sp>
             <p:nvSpPr>
               <p:cNvPr id="19" name="TextBox 18">
@@ -8989,7 +9020,7 @@
             </p:txBody>
           </p:sp>
         </mc:Choice>
-        <mc:Fallback>
+        <mc:Fallback xmlns="">
           <p:sp>
             <p:nvSpPr>
               <p:cNvPr id="19" name="TextBox 18">
@@ -9034,8 +9065,8 @@
           </p:sp>
         </mc:Fallback>
       </mc:AlternateContent>
-      <mc:AlternateContent xmlns:mc="http://schemas.openxmlformats.org/markup-compatibility/2006">
-        <mc:Choice xmlns:a14="http://schemas.microsoft.com/office/drawing/2010/main" Requires="a14">
+      <mc:AlternateContent xmlns:mc="http://schemas.openxmlformats.org/markup-compatibility/2006" xmlns:a14="http://schemas.microsoft.com/office/drawing/2010/main">
+        <mc:Choice Requires="a14">
           <p:sp>
             <p:nvSpPr>
               <p:cNvPr id="20" name="TextBox 19">
@@ -9104,7 +9135,7 @@
             </p:txBody>
           </p:sp>
         </mc:Choice>
-        <mc:Fallback>
+        <mc:Fallback xmlns="">
           <p:sp>
             <p:nvSpPr>
               <p:cNvPr id="20" name="TextBox 19">
@@ -9149,8 +9180,8 @@
           </p:sp>
         </mc:Fallback>
       </mc:AlternateContent>
-      <mc:AlternateContent xmlns:mc="http://schemas.openxmlformats.org/markup-compatibility/2006">
-        <mc:Choice xmlns:a14="http://schemas.microsoft.com/office/drawing/2010/main" Requires="a14">
+      <mc:AlternateContent xmlns:mc="http://schemas.openxmlformats.org/markup-compatibility/2006" xmlns:a14="http://schemas.microsoft.com/office/drawing/2010/main">
+        <mc:Choice Requires="a14">
           <p:sp>
             <p:nvSpPr>
               <p:cNvPr id="21" name="TextBox 20">
@@ -9268,7 +9299,7 @@
             </p:txBody>
           </p:sp>
         </mc:Choice>
-        <mc:Fallback>
+        <mc:Fallback xmlns="">
           <p:sp>
             <p:nvSpPr>
               <p:cNvPr id="21" name="TextBox 20">
@@ -9358,10 +9389,2786 @@
           </a:fontRef>
         </p:style>
       </p:cxnSp>
+      <mc:AlternateContent xmlns:mc="http://schemas.openxmlformats.org/markup-compatibility/2006">
+        <mc:Choice xmlns:a14="http://schemas.microsoft.com/office/drawing/2010/main" Requires="a14">
+          <p:sp>
+            <p:nvSpPr>
+              <p:cNvPr id="50" name="TextBox 49">
+                <a:extLst>
+                  <a:ext uri="{FF2B5EF4-FFF2-40B4-BE49-F238E27FC236}">
+                    <a16:creationId xmlns:a16="http://schemas.microsoft.com/office/drawing/2014/main" id="{B223EBCC-8E18-422C-A3EB-867957BAB03C}"/>
+                  </a:ext>
+                </a:extLst>
+              </p:cNvPr>
+              <p:cNvSpPr txBox="1"/>
+              <p:nvPr/>
+            </p:nvSpPr>
+            <p:spPr>
+              <a:xfrm>
+                <a:off x="2303051" y="677821"/>
+                <a:ext cx="1002134" cy="381515"/>
+              </a:xfrm>
+              <a:prstGeom prst="rect">
+                <a:avLst/>
+              </a:prstGeom>
+              <a:noFill/>
+            </p:spPr>
+            <p:txBody>
+              <a:bodyPr wrap="none" rtlCol="0">
+                <a:spAutoFit/>
+              </a:bodyPr>
+              <a:lstStyle/>
+              <a:p>
+                <a:pPr/>
+                <a14:m>
+                  <m:oMathPara xmlns:m="http://schemas.openxmlformats.org/officeDocument/2006/math">
+                    <m:oMathParaPr>
+                      <m:jc m:val="centerGroup"/>
+                    </m:oMathParaPr>
+                    <m:oMath xmlns:m="http://schemas.openxmlformats.org/officeDocument/2006/math">
+                      <m:sSub>
+                        <m:sSubPr>
+                          <m:ctrlPr>
+                            <a:rPr lang="en-US" b="0" i="1" smtClean="0">
+                              <a:latin typeface="Cambria Math" panose="02040503050406030204" pitchFamily="18" charset="0"/>
+                            </a:rPr>
+                          </m:ctrlPr>
+                        </m:sSubPr>
+                        <m:e>
+                          <m:r>
+                            <a:rPr lang="en-US" b="0" i="1" smtClean="0">
+                              <a:latin typeface="Cambria Math" panose="02040503050406030204" pitchFamily="18" charset="0"/>
+                            </a:rPr>
+                            <m:t>𝑅</m:t>
+                          </m:r>
+                        </m:e>
+                        <m:sub>
+                          <m:r>
+                            <a:rPr lang="en-US" b="0" i="1" smtClean="0">
+                              <a:latin typeface="Cambria Math" panose="02040503050406030204" pitchFamily="18" charset="0"/>
+                            </a:rPr>
+                            <m:t>𝑜𝑢𝑡</m:t>
+                          </m:r>
+                          <m:r>
+                            <a:rPr lang="en-US" b="0" i="1" smtClean="0">
+                              <a:latin typeface="Cambria Math" panose="02040503050406030204" pitchFamily="18" charset="0"/>
+                            </a:rPr>
+                            <m:t>, </m:t>
+                          </m:r>
+                          <m:r>
+                            <a:rPr lang="en-US" b="0" i="1" smtClean="0">
+                              <a:latin typeface="Cambria Math" panose="02040503050406030204" pitchFamily="18" charset="0"/>
+                            </a:rPr>
+                            <m:t>𝑐𝑎𝑣</m:t>
+                          </m:r>
+                        </m:sub>
+                      </m:sSub>
+                    </m:oMath>
+                  </m:oMathPara>
+                </a14:m>
+                <a:endParaRPr lang="en-US" dirty="0"/>
+              </a:p>
+            </p:txBody>
+          </p:sp>
+        </mc:Choice>
+        <mc:Fallback>
+          <p:sp>
+            <p:nvSpPr>
+              <p:cNvPr id="50" name="TextBox 49">
+                <a:extLst>
+                  <a:ext uri="{FF2B5EF4-FFF2-40B4-BE49-F238E27FC236}">
+                    <a16:creationId xmlns:a16="http://schemas.microsoft.com/office/drawing/2014/main" id="{B223EBCC-8E18-422C-A3EB-867957BAB03C}"/>
+                  </a:ext>
+                </a:extLst>
+              </p:cNvPr>
+              <p:cNvSpPr txBox="1">
+                <a:spLocks noRot="1" noChangeAspect="1" noMove="1" noResize="1" noEditPoints="1" noAdjustHandles="1" noChangeArrowheads="1" noChangeShapeType="1" noTextEdit="1"/>
+              </p:cNvSpPr>
+              <p:nvPr/>
+            </p:nvSpPr>
+            <p:spPr>
+              <a:xfrm>
+                <a:off x="2303051" y="677821"/>
+                <a:ext cx="1002134" cy="381515"/>
+              </a:xfrm>
+              <a:prstGeom prst="rect">
+                <a:avLst/>
+              </a:prstGeom>
+              <a:blipFill>
+                <a:blip r:embed="rId8"/>
+                <a:stretch>
+                  <a:fillRect/>
+                </a:stretch>
+              </a:blipFill>
+            </p:spPr>
+            <p:txBody>
+              <a:bodyPr/>
+              <a:lstStyle/>
+              <a:p>
+                <a:r>
+                  <a:rPr lang="en-US">
+                    <a:noFill/>
+                  </a:rPr>
+                  <a:t> </a:t>
+                </a:r>
+              </a:p>
+            </p:txBody>
+          </p:sp>
+        </mc:Fallback>
+      </mc:AlternateContent>
+      <mc:AlternateContent xmlns:mc="http://schemas.openxmlformats.org/markup-compatibility/2006">
+        <mc:Choice xmlns:a14="http://schemas.microsoft.com/office/drawing/2010/main" Requires="a14">
+          <p:sp>
+            <p:nvSpPr>
+              <p:cNvPr id="56" name="TextBox 55">
+                <a:extLst>
+                  <a:ext uri="{FF2B5EF4-FFF2-40B4-BE49-F238E27FC236}">
+                    <a16:creationId xmlns:a16="http://schemas.microsoft.com/office/drawing/2014/main" id="{40DC1061-2AC2-4CD6-8674-F291F671B3BE}"/>
+                  </a:ext>
+                </a:extLst>
+              </p:cNvPr>
+              <p:cNvSpPr txBox="1"/>
+              <p:nvPr/>
+            </p:nvSpPr>
+            <p:spPr>
+              <a:xfrm>
+                <a:off x="4635661" y="676815"/>
+                <a:ext cx="1164037" cy="381515"/>
+              </a:xfrm>
+              <a:prstGeom prst="rect">
+                <a:avLst/>
+              </a:prstGeom>
+              <a:noFill/>
+            </p:spPr>
+            <p:txBody>
+              <a:bodyPr wrap="none" rtlCol="0">
+                <a:spAutoFit/>
+              </a:bodyPr>
+              <a:lstStyle/>
+              <a:p>
+                <a:pPr/>
+                <a14:m>
+                  <m:oMathPara xmlns:m="http://schemas.openxmlformats.org/officeDocument/2006/math">
+                    <m:oMathParaPr>
+                      <m:jc m:val="centerGroup"/>
+                    </m:oMathParaPr>
+                    <m:oMath xmlns:m="http://schemas.openxmlformats.org/officeDocument/2006/math">
+                      <m:sSub>
+                        <m:sSubPr>
+                          <m:ctrlPr>
+                            <a:rPr lang="en-US" b="0" i="1" smtClean="0">
+                              <a:latin typeface="Cambria Math" panose="02040503050406030204" pitchFamily="18" charset="0"/>
+                            </a:rPr>
+                          </m:ctrlPr>
+                        </m:sSubPr>
+                        <m:e>
+                          <m:r>
+                            <a:rPr lang="en-US" b="0" i="1" smtClean="0">
+                              <a:latin typeface="Cambria Math" panose="02040503050406030204" pitchFamily="18" charset="0"/>
+                            </a:rPr>
+                            <m:t>𝑅</m:t>
+                          </m:r>
+                        </m:e>
+                        <m:sub>
+                          <m:r>
+                            <a:rPr lang="en-US" b="0" i="1" smtClean="0">
+                              <a:latin typeface="Cambria Math" panose="02040503050406030204" pitchFamily="18" charset="0"/>
+                            </a:rPr>
+                            <m:t>𝑐𝑎𝑣</m:t>
+                          </m:r>
+                          <m:r>
+                            <a:rPr lang="en-US" b="0" i="1" smtClean="0">
+                              <a:latin typeface="Cambria Math" panose="02040503050406030204" pitchFamily="18" charset="0"/>
+                            </a:rPr>
+                            <m:t>, </m:t>
+                          </m:r>
+                          <m:r>
+                            <a:rPr lang="en-US" b="0" i="1" smtClean="0">
+                              <a:latin typeface="Cambria Math" panose="02040503050406030204" pitchFamily="18" charset="0"/>
+                            </a:rPr>
+                            <m:t>𝑟𝑜𝑜𝑚</m:t>
+                          </m:r>
+                        </m:sub>
+                      </m:sSub>
+                    </m:oMath>
+                  </m:oMathPara>
+                </a14:m>
+                <a:endParaRPr lang="en-US" dirty="0"/>
+              </a:p>
+            </p:txBody>
+          </p:sp>
+        </mc:Choice>
+        <mc:Fallback>
+          <p:sp>
+            <p:nvSpPr>
+              <p:cNvPr id="56" name="TextBox 55">
+                <a:extLst>
+                  <a:ext uri="{FF2B5EF4-FFF2-40B4-BE49-F238E27FC236}">
+                    <a16:creationId xmlns:a16="http://schemas.microsoft.com/office/drawing/2014/main" id="{40DC1061-2AC2-4CD6-8674-F291F671B3BE}"/>
+                  </a:ext>
+                </a:extLst>
+              </p:cNvPr>
+              <p:cNvSpPr txBox="1">
+                <a:spLocks noRot="1" noChangeAspect="1" noMove="1" noResize="1" noEditPoints="1" noAdjustHandles="1" noChangeArrowheads="1" noChangeShapeType="1" noTextEdit="1"/>
+              </p:cNvSpPr>
+              <p:nvPr/>
+            </p:nvSpPr>
+            <p:spPr>
+              <a:xfrm>
+                <a:off x="4635661" y="676815"/>
+                <a:ext cx="1164037" cy="381515"/>
+              </a:xfrm>
+              <a:prstGeom prst="rect">
+                <a:avLst/>
+              </a:prstGeom>
+              <a:blipFill>
+                <a:blip r:embed="rId9"/>
+                <a:stretch>
+                  <a:fillRect/>
+                </a:stretch>
+              </a:blipFill>
+            </p:spPr>
+            <p:txBody>
+              <a:bodyPr/>
+              <a:lstStyle/>
+              <a:p>
+                <a:r>
+                  <a:rPr lang="en-US">
+                    <a:noFill/>
+                  </a:rPr>
+                  <a:t> </a:t>
+                </a:r>
+              </a:p>
+            </p:txBody>
+          </p:sp>
+        </mc:Fallback>
+      </mc:AlternateContent>
     </p:spTree>
     <p:extLst>
       <p:ext uri="{BB962C8B-B14F-4D97-AF65-F5344CB8AC3E}">
         <p14:creationId xmlns:p14="http://schemas.microsoft.com/office/powerpoint/2010/main" val="270746443"/>
+      </p:ext>
+    </p:extLst>
+  </p:cSld>
+  <p:clrMapOvr>
+    <a:masterClrMapping/>
+  </p:clrMapOvr>
+</p:sld>
+</file>
+
+<file path=ppt/slides/slide3.xml><?xml version="1.0" encoding="utf-8"?>
+<p:sld xmlns:a="http://schemas.openxmlformats.org/drawingml/2006/main" xmlns:r="http://schemas.openxmlformats.org/officeDocument/2006/relationships" xmlns:p="http://schemas.openxmlformats.org/presentationml/2006/main">
+  <p:cSld>
+    <p:spTree>
+      <p:nvGrpSpPr>
+        <p:cNvPr id="1" name=""/>
+        <p:cNvGrpSpPr/>
+        <p:nvPr/>
+      </p:nvGrpSpPr>
+      <p:grpSpPr>
+        <a:xfrm>
+          <a:off x="0" y="0"/>
+          <a:ext cx="0" cy="0"/>
+          <a:chOff x="0" y="0"/>
+          <a:chExt cx="0" cy="0"/>
+        </a:xfrm>
+      </p:grpSpPr>
+      <p:pic>
+        <p:nvPicPr>
+          <p:cNvPr id="4" name="Picture 3" descr="Shape&#10;&#10;Description automatically generated with medium confidence">
+            <a:extLst>
+              <a:ext uri="{FF2B5EF4-FFF2-40B4-BE49-F238E27FC236}">
+                <a16:creationId xmlns:a16="http://schemas.microsoft.com/office/drawing/2014/main" id="{3CC63504-583B-49EE-B45B-BBF8D9319C76}"/>
+              </a:ext>
+            </a:extLst>
+          </p:cNvPr>
+          <p:cNvPicPr>
+            <a:picLocks noChangeAspect="1"/>
+          </p:cNvPicPr>
+          <p:nvPr/>
+        </p:nvPicPr>
+        <p:blipFill>
+          <a:blip r:embed="rId2">
+            <a:extLst>
+              <a:ext uri="{28A0092B-C50C-407E-A947-70E740481C1C}">
+                <a14:useLocalDpi xmlns:a14="http://schemas.microsoft.com/office/drawing/2010/main" val="0"/>
+              </a:ext>
+            </a:extLst>
+          </a:blip>
+          <a:stretch>
+            <a:fillRect/>
+          </a:stretch>
+        </p:blipFill>
+        <p:spPr>
+          <a:xfrm>
+            <a:off x="973328" y="368389"/>
+            <a:ext cx="2657856" cy="996696"/>
+          </a:xfrm>
+          <a:prstGeom prst="rect">
+            <a:avLst/>
+          </a:prstGeom>
+        </p:spPr>
+      </p:pic>
+      <p:sp>
+        <p:nvSpPr>
+          <p:cNvPr id="5" name="Oval 4">
+            <a:extLst>
+              <a:ext uri="{FF2B5EF4-FFF2-40B4-BE49-F238E27FC236}">
+                <a16:creationId xmlns:a16="http://schemas.microsoft.com/office/drawing/2014/main" id="{32C27B05-024C-4AE3-80AC-E9F93BDDC57D}"/>
+              </a:ext>
+            </a:extLst>
+          </p:cNvPr>
+          <p:cNvSpPr/>
+          <p:nvPr/>
+        </p:nvSpPr>
+        <p:spPr>
+          <a:xfrm>
+            <a:off x="638165" y="805777"/>
+            <a:ext cx="150622" cy="120920"/>
+          </a:xfrm>
+          <a:prstGeom prst="ellipse">
+            <a:avLst/>
+          </a:prstGeom>
+          <a:solidFill>
+            <a:schemeClr val="tx1"/>
+          </a:solidFill>
+          <a:ln>
+            <a:solidFill>
+              <a:schemeClr val="tx1"/>
+            </a:solidFill>
+          </a:ln>
+        </p:spPr>
+        <p:style>
+          <a:lnRef idx="2">
+            <a:schemeClr val="accent1">
+              <a:shade val="50000"/>
+            </a:schemeClr>
+          </a:lnRef>
+          <a:fillRef idx="1">
+            <a:schemeClr val="accent1"/>
+          </a:fillRef>
+          <a:effectRef idx="0">
+            <a:schemeClr val="accent1"/>
+          </a:effectRef>
+          <a:fontRef idx="minor">
+            <a:schemeClr val="lt1"/>
+          </a:fontRef>
+        </p:style>
+        <p:txBody>
+          <a:bodyPr rtlCol="0" anchor="ctr"/>
+          <a:lstStyle/>
+          <a:p>
+            <a:pPr algn="ctr"/>
+            <a:endParaRPr lang="en-US"/>
+          </a:p>
+        </p:txBody>
+      </p:sp>
+      <p:cxnSp>
+        <p:nvCxnSpPr>
+          <p:cNvPr id="6" name="Straight Connector 5">
+            <a:extLst>
+              <a:ext uri="{FF2B5EF4-FFF2-40B4-BE49-F238E27FC236}">
+                <a16:creationId xmlns:a16="http://schemas.microsoft.com/office/drawing/2014/main" id="{FE682FDD-2C42-4AA7-A8E9-536BFE73483A}"/>
+              </a:ext>
+            </a:extLst>
+          </p:cNvPr>
+          <p:cNvCxnSpPr>
+            <a:cxnSpLocks/>
+            <a:stCxn id="5" idx="6"/>
+          </p:cNvCxnSpPr>
+          <p:nvPr/>
+        </p:nvCxnSpPr>
+        <p:spPr>
+          <a:xfrm>
+            <a:off x="788787" y="866237"/>
+            <a:ext cx="544163" cy="0"/>
+          </a:xfrm>
+          <a:prstGeom prst="line">
+            <a:avLst/>
+          </a:prstGeom>
+          <a:ln w="57150">
+            <a:solidFill>
+              <a:schemeClr val="tx1"/>
+            </a:solidFill>
+          </a:ln>
+        </p:spPr>
+        <p:style>
+          <a:lnRef idx="1">
+            <a:schemeClr val="accent1"/>
+          </a:lnRef>
+          <a:fillRef idx="0">
+            <a:schemeClr val="accent1"/>
+          </a:fillRef>
+          <a:effectRef idx="0">
+            <a:schemeClr val="accent1"/>
+          </a:effectRef>
+          <a:fontRef idx="minor">
+            <a:schemeClr val="tx1"/>
+          </a:fontRef>
+        </p:style>
+      </p:cxnSp>
+      <mc:AlternateContent xmlns:mc="http://schemas.openxmlformats.org/markup-compatibility/2006">
+        <mc:Choice xmlns:a14="http://schemas.microsoft.com/office/drawing/2010/main" Requires="a14">
+          <p:sp>
+            <p:nvSpPr>
+              <p:cNvPr id="7" name="TextBox 6">
+                <a:extLst>
+                  <a:ext uri="{FF2B5EF4-FFF2-40B4-BE49-F238E27FC236}">
+                    <a16:creationId xmlns:a16="http://schemas.microsoft.com/office/drawing/2014/main" id="{A76336A5-CCB8-487A-97AE-BA81803CA1E2}"/>
+                  </a:ext>
+                </a:extLst>
+              </p:cNvPr>
+              <p:cNvSpPr txBox="1"/>
+              <p:nvPr/>
+            </p:nvSpPr>
+            <p:spPr>
+              <a:xfrm>
+                <a:off x="599345" y="436445"/>
+                <a:ext cx="801951" cy="369332"/>
+              </a:xfrm>
+              <a:prstGeom prst="rect">
+                <a:avLst/>
+              </a:prstGeom>
+              <a:noFill/>
+            </p:spPr>
+            <p:txBody>
+              <a:bodyPr wrap="none" rtlCol="0">
+                <a:spAutoFit/>
+              </a:bodyPr>
+              <a:lstStyle/>
+              <a:p>
+                <a:pPr/>
+                <a14:m>
+                  <m:oMathPara xmlns:m="http://schemas.openxmlformats.org/officeDocument/2006/math">
+                    <m:oMathParaPr>
+                      <m:jc m:val="centerGroup"/>
+                    </m:oMathParaPr>
+                    <m:oMath xmlns:m="http://schemas.openxmlformats.org/officeDocument/2006/math">
+                      <m:sSub>
+                        <m:sSubPr>
+                          <m:ctrlPr>
+                            <a:rPr lang="en-US" b="0" i="1" smtClean="0">
+                              <a:latin typeface="Cambria Math" panose="02040503050406030204" pitchFamily="18" charset="0"/>
+                            </a:rPr>
+                          </m:ctrlPr>
+                        </m:sSubPr>
+                        <m:e>
+                          <m:r>
+                            <a:rPr lang="en-US" b="0" i="1" smtClean="0">
+                              <a:latin typeface="Cambria Math" panose="02040503050406030204" pitchFamily="18" charset="0"/>
+                            </a:rPr>
+                            <m:t>𝑇</m:t>
+                          </m:r>
+                        </m:e>
+                        <m:sub>
+                          <m:r>
+                            <a:rPr lang="en-US" b="0" i="1" smtClean="0">
+                              <a:latin typeface="Cambria Math" panose="02040503050406030204" pitchFamily="18" charset="0"/>
+                            </a:rPr>
+                            <m:t>𝑟𝑜𝑜𝑚</m:t>
+                          </m:r>
+                        </m:sub>
+                      </m:sSub>
+                    </m:oMath>
+                  </m:oMathPara>
+                </a14:m>
+                <a:endParaRPr lang="en-US" dirty="0"/>
+              </a:p>
+            </p:txBody>
+          </p:sp>
+        </mc:Choice>
+        <mc:Fallback>
+          <p:sp>
+            <p:nvSpPr>
+              <p:cNvPr id="7" name="TextBox 6">
+                <a:extLst>
+                  <a:ext uri="{FF2B5EF4-FFF2-40B4-BE49-F238E27FC236}">
+                    <a16:creationId xmlns:a16="http://schemas.microsoft.com/office/drawing/2014/main" id="{A76336A5-CCB8-487A-97AE-BA81803CA1E2}"/>
+                  </a:ext>
+                </a:extLst>
+              </p:cNvPr>
+              <p:cNvSpPr txBox="1">
+                <a:spLocks noRot="1" noChangeAspect="1" noMove="1" noResize="1" noEditPoints="1" noAdjustHandles="1" noChangeArrowheads="1" noChangeShapeType="1" noTextEdit="1"/>
+              </p:cNvSpPr>
+              <p:nvPr/>
+            </p:nvSpPr>
+            <p:spPr>
+              <a:xfrm>
+                <a:off x="599345" y="436445"/>
+                <a:ext cx="801951" cy="369332"/>
+              </a:xfrm>
+              <a:prstGeom prst="rect">
+                <a:avLst/>
+              </a:prstGeom>
+              <a:blipFill>
+                <a:blip r:embed="rId3"/>
+                <a:stretch>
+                  <a:fillRect/>
+                </a:stretch>
+              </a:blipFill>
+            </p:spPr>
+            <p:txBody>
+              <a:bodyPr/>
+              <a:lstStyle/>
+              <a:p>
+                <a:r>
+                  <a:rPr lang="en-US">
+                    <a:noFill/>
+                  </a:rPr>
+                  <a:t> </a:t>
+                </a:r>
+              </a:p>
+            </p:txBody>
+          </p:sp>
+        </mc:Fallback>
+      </mc:AlternateContent>
+      <p:sp>
+        <p:nvSpPr>
+          <p:cNvPr id="8" name="Equals 7">
+            <a:extLst>
+              <a:ext uri="{FF2B5EF4-FFF2-40B4-BE49-F238E27FC236}">
+                <a16:creationId xmlns:a16="http://schemas.microsoft.com/office/drawing/2014/main" id="{5C0635EB-F26B-48B6-8563-F3F1AE7421E4}"/>
+              </a:ext>
+            </a:extLst>
+          </p:cNvPr>
+          <p:cNvSpPr/>
+          <p:nvPr/>
+        </p:nvSpPr>
+        <p:spPr>
+          <a:xfrm>
+            <a:off x="2996014" y="1215733"/>
+            <a:ext cx="589788" cy="448056"/>
+          </a:xfrm>
+          <a:prstGeom prst="mathEqual">
+            <a:avLst/>
+          </a:prstGeom>
+          <a:solidFill>
+            <a:schemeClr val="tx1"/>
+          </a:solidFill>
+          <a:ln>
+            <a:solidFill>
+              <a:schemeClr val="tx1"/>
+            </a:solidFill>
+          </a:ln>
+        </p:spPr>
+        <p:style>
+          <a:lnRef idx="2">
+            <a:schemeClr val="accent1">
+              <a:shade val="50000"/>
+            </a:schemeClr>
+          </a:lnRef>
+          <a:fillRef idx="1">
+            <a:schemeClr val="accent1"/>
+          </a:fillRef>
+          <a:effectRef idx="0">
+            <a:schemeClr val="accent1"/>
+          </a:effectRef>
+          <a:fontRef idx="minor">
+            <a:schemeClr val="lt1"/>
+          </a:fontRef>
+        </p:style>
+        <p:txBody>
+          <a:bodyPr rtlCol="0" anchor="ctr"/>
+          <a:lstStyle/>
+          <a:p>
+            <a:pPr algn="ctr"/>
+            <a:endParaRPr lang="en-US">
+              <a:solidFill>
+                <a:schemeClr val="tx1"/>
+              </a:solidFill>
+            </a:endParaRPr>
+          </a:p>
+        </p:txBody>
+      </p:sp>
+      <p:cxnSp>
+        <p:nvCxnSpPr>
+          <p:cNvPr id="9" name="Straight Connector 8">
+            <a:extLst>
+              <a:ext uri="{FF2B5EF4-FFF2-40B4-BE49-F238E27FC236}">
+                <a16:creationId xmlns:a16="http://schemas.microsoft.com/office/drawing/2014/main" id="{8265BC4C-B010-4525-A4F3-C9CAACE1422E}"/>
+              </a:ext>
+            </a:extLst>
+          </p:cNvPr>
+          <p:cNvCxnSpPr>
+            <a:cxnSpLocks/>
+            <a:stCxn id="8" idx="5"/>
+          </p:cNvCxnSpPr>
+          <p:nvPr/>
+        </p:nvCxnSpPr>
+        <p:spPr>
+          <a:xfrm flipV="1">
+            <a:off x="3290908" y="894169"/>
+            <a:ext cx="0" cy="413864"/>
+          </a:xfrm>
+          <a:prstGeom prst="line">
+            <a:avLst/>
+          </a:prstGeom>
+          <a:ln w="57150">
+            <a:solidFill>
+              <a:schemeClr val="tx1"/>
+            </a:solidFill>
+          </a:ln>
+        </p:spPr>
+        <p:style>
+          <a:lnRef idx="1">
+            <a:schemeClr val="accent1"/>
+          </a:lnRef>
+          <a:fillRef idx="0">
+            <a:schemeClr val="accent1"/>
+          </a:fillRef>
+          <a:effectRef idx="0">
+            <a:schemeClr val="accent1"/>
+          </a:effectRef>
+          <a:fontRef idx="minor">
+            <a:schemeClr val="tx1"/>
+          </a:fontRef>
+        </p:style>
+      </p:cxnSp>
+      <mc:AlternateContent xmlns:mc="http://schemas.openxmlformats.org/markup-compatibility/2006">
+        <mc:Choice xmlns:a14="http://schemas.microsoft.com/office/drawing/2010/main" Requires="a14">
+          <p:sp>
+            <p:nvSpPr>
+              <p:cNvPr id="10" name="TextBox 9">
+                <a:extLst>
+                  <a:ext uri="{FF2B5EF4-FFF2-40B4-BE49-F238E27FC236}">
+                    <a16:creationId xmlns:a16="http://schemas.microsoft.com/office/drawing/2014/main" id="{55C0BD49-3053-4D54-87A0-55C9DEFFF1D3}"/>
+                  </a:ext>
+                </a:extLst>
+              </p:cNvPr>
+              <p:cNvSpPr txBox="1"/>
+              <p:nvPr/>
+            </p:nvSpPr>
+            <p:spPr>
+              <a:xfrm>
+                <a:off x="2997538" y="1637881"/>
+                <a:ext cx="723788" cy="369332"/>
+              </a:xfrm>
+              <a:prstGeom prst="rect">
+                <a:avLst/>
+              </a:prstGeom>
+              <a:noFill/>
+            </p:spPr>
+            <p:txBody>
+              <a:bodyPr wrap="none" rtlCol="0">
+                <a:spAutoFit/>
+              </a:bodyPr>
+              <a:lstStyle/>
+              <a:p>
+                <a:pPr/>
+                <a14:m>
+                  <m:oMathPara xmlns:m="http://schemas.openxmlformats.org/officeDocument/2006/math">
+                    <m:oMathParaPr>
+                      <m:jc m:val="centerGroup"/>
+                    </m:oMathParaPr>
+                    <m:oMath xmlns:m="http://schemas.openxmlformats.org/officeDocument/2006/math">
+                      <m:sSub>
+                        <m:sSubPr>
+                          <m:ctrlPr>
+                            <a:rPr lang="en-US" b="0" i="1" smtClean="0">
+                              <a:latin typeface="Cambria Math" panose="02040503050406030204" pitchFamily="18" charset="0"/>
+                            </a:rPr>
+                          </m:ctrlPr>
+                        </m:sSubPr>
+                        <m:e>
+                          <m:r>
+                            <a:rPr lang="en-US" b="0" i="1" smtClean="0">
+                              <a:latin typeface="Cambria Math" panose="02040503050406030204" pitchFamily="18" charset="0"/>
+                            </a:rPr>
+                            <m:t>𝐶</m:t>
+                          </m:r>
+                        </m:e>
+                        <m:sub>
+                          <m:r>
+                            <a:rPr lang="en-US" b="0" i="1" smtClean="0">
+                              <a:latin typeface="Cambria Math" panose="02040503050406030204" pitchFamily="18" charset="0"/>
+                            </a:rPr>
+                            <m:t>𝑠𝑙𝑎𝑏</m:t>
+                          </m:r>
+                        </m:sub>
+                      </m:sSub>
+                    </m:oMath>
+                  </m:oMathPara>
+                </a14:m>
+                <a:endParaRPr lang="en-US" dirty="0"/>
+              </a:p>
+            </p:txBody>
+          </p:sp>
+        </mc:Choice>
+        <mc:Fallback>
+          <p:sp>
+            <p:nvSpPr>
+              <p:cNvPr id="10" name="TextBox 9">
+                <a:extLst>
+                  <a:ext uri="{FF2B5EF4-FFF2-40B4-BE49-F238E27FC236}">
+                    <a16:creationId xmlns:a16="http://schemas.microsoft.com/office/drawing/2014/main" id="{55C0BD49-3053-4D54-87A0-55C9DEFFF1D3}"/>
+                  </a:ext>
+                </a:extLst>
+              </p:cNvPr>
+              <p:cNvSpPr txBox="1">
+                <a:spLocks noRot="1" noChangeAspect="1" noMove="1" noResize="1" noEditPoints="1" noAdjustHandles="1" noChangeArrowheads="1" noChangeShapeType="1" noTextEdit="1"/>
+              </p:cNvSpPr>
+              <p:nvPr/>
+            </p:nvSpPr>
+            <p:spPr>
+              <a:xfrm>
+                <a:off x="2997538" y="1637881"/>
+                <a:ext cx="723788" cy="369332"/>
+              </a:xfrm>
+              <a:prstGeom prst="rect">
+                <a:avLst/>
+              </a:prstGeom>
+              <a:blipFill>
+                <a:blip r:embed="rId4"/>
+                <a:stretch>
+                  <a:fillRect/>
+                </a:stretch>
+              </a:blipFill>
+            </p:spPr>
+            <p:txBody>
+              <a:bodyPr/>
+              <a:lstStyle/>
+              <a:p>
+                <a:r>
+                  <a:rPr lang="en-US">
+                    <a:noFill/>
+                  </a:rPr>
+                  <a:t> </a:t>
+                </a:r>
+              </a:p>
+            </p:txBody>
+          </p:sp>
+        </mc:Fallback>
+      </mc:AlternateContent>
+      <p:sp>
+        <p:nvSpPr>
+          <p:cNvPr id="11" name="Oval 10">
+            <a:extLst>
+              <a:ext uri="{FF2B5EF4-FFF2-40B4-BE49-F238E27FC236}">
+                <a16:creationId xmlns:a16="http://schemas.microsoft.com/office/drawing/2014/main" id="{09319E7C-4119-4339-9BE6-E068D1BE7E46}"/>
+              </a:ext>
+            </a:extLst>
+          </p:cNvPr>
+          <p:cNvSpPr/>
+          <p:nvPr/>
+        </p:nvSpPr>
+        <p:spPr>
+          <a:xfrm>
+            <a:off x="3215597" y="805777"/>
+            <a:ext cx="150622" cy="120920"/>
+          </a:xfrm>
+          <a:prstGeom prst="ellipse">
+            <a:avLst/>
+          </a:prstGeom>
+          <a:solidFill>
+            <a:schemeClr val="tx1"/>
+          </a:solidFill>
+          <a:ln>
+            <a:solidFill>
+              <a:schemeClr val="tx1"/>
+            </a:solidFill>
+          </a:ln>
+        </p:spPr>
+        <p:style>
+          <a:lnRef idx="2">
+            <a:schemeClr val="accent1">
+              <a:shade val="50000"/>
+            </a:schemeClr>
+          </a:lnRef>
+          <a:fillRef idx="1">
+            <a:schemeClr val="accent1"/>
+          </a:fillRef>
+          <a:effectRef idx="0">
+            <a:schemeClr val="accent1"/>
+          </a:effectRef>
+          <a:fontRef idx="minor">
+            <a:schemeClr val="lt1"/>
+          </a:fontRef>
+        </p:style>
+        <p:txBody>
+          <a:bodyPr rtlCol="0" anchor="ctr"/>
+          <a:lstStyle/>
+          <a:p>
+            <a:pPr algn="ctr"/>
+            <a:endParaRPr lang="en-US"/>
+          </a:p>
+        </p:txBody>
+      </p:sp>
+      <p:cxnSp>
+        <p:nvCxnSpPr>
+          <p:cNvPr id="12" name="Straight Connector 11">
+            <a:extLst>
+              <a:ext uri="{FF2B5EF4-FFF2-40B4-BE49-F238E27FC236}">
+                <a16:creationId xmlns:a16="http://schemas.microsoft.com/office/drawing/2014/main" id="{82265A00-6FD7-4EEF-89C1-7F1F7F5FC898}"/>
+              </a:ext>
+            </a:extLst>
+          </p:cNvPr>
+          <p:cNvCxnSpPr>
+            <a:cxnSpLocks/>
+            <a:stCxn id="11" idx="6"/>
+          </p:cNvCxnSpPr>
+          <p:nvPr/>
+        </p:nvCxnSpPr>
+        <p:spPr>
+          <a:xfrm>
+            <a:off x="3366219" y="866237"/>
+            <a:ext cx="544163" cy="0"/>
+          </a:xfrm>
+          <a:prstGeom prst="line">
+            <a:avLst/>
+          </a:prstGeom>
+          <a:ln w="57150">
+            <a:solidFill>
+              <a:schemeClr val="tx1"/>
+            </a:solidFill>
+          </a:ln>
+        </p:spPr>
+        <p:style>
+          <a:lnRef idx="1">
+            <a:schemeClr val="accent1"/>
+          </a:lnRef>
+          <a:fillRef idx="0">
+            <a:schemeClr val="accent1"/>
+          </a:fillRef>
+          <a:effectRef idx="0">
+            <a:schemeClr val="accent1"/>
+          </a:effectRef>
+          <a:fontRef idx="minor">
+            <a:schemeClr val="tx1"/>
+          </a:fontRef>
+        </p:style>
+      </p:cxnSp>
+      <p:pic>
+        <p:nvPicPr>
+          <p:cNvPr id="13" name="Picture 12" descr="Shape&#10;&#10;Description automatically generated with medium confidence">
+            <a:extLst>
+              <a:ext uri="{FF2B5EF4-FFF2-40B4-BE49-F238E27FC236}">
+                <a16:creationId xmlns:a16="http://schemas.microsoft.com/office/drawing/2014/main" id="{36C38B5C-99CD-4681-865F-2AEAAFF94558}"/>
+              </a:ext>
+            </a:extLst>
+          </p:cNvPr>
+          <p:cNvPicPr>
+            <a:picLocks noChangeAspect="1"/>
+          </p:cNvPicPr>
+          <p:nvPr/>
+        </p:nvPicPr>
+        <p:blipFill>
+          <a:blip r:embed="rId2">
+            <a:extLst>
+              <a:ext uri="{28A0092B-C50C-407E-A947-70E740481C1C}">
+                <a14:useLocalDpi xmlns:a14="http://schemas.microsoft.com/office/drawing/2010/main" val="0"/>
+              </a:ext>
+            </a:extLst>
+          </a:blip>
+          <a:stretch>
+            <a:fillRect/>
+          </a:stretch>
+        </p:blipFill>
+        <p:spPr>
+          <a:xfrm>
+            <a:off x="3268810" y="368913"/>
+            <a:ext cx="2657856" cy="996696"/>
+          </a:xfrm>
+          <a:prstGeom prst="rect">
+            <a:avLst/>
+          </a:prstGeom>
+        </p:spPr>
+      </p:pic>
+      <p:sp>
+        <p:nvSpPr>
+          <p:cNvPr id="14" name="Oval 13">
+            <a:extLst>
+              <a:ext uri="{FF2B5EF4-FFF2-40B4-BE49-F238E27FC236}">
+                <a16:creationId xmlns:a16="http://schemas.microsoft.com/office/drawing/2014/main" id="{FE38AD06-276E-4E36-9B4E-B6A6D8E85A37}"/>
+              </a:ext>
+            </a:extLst>
+          </p:cNvPr>
+          <p:cNvSpPr/>
+          <p:nvPr/>
+        </p:nvSpPr>
+        <p:spPr>
+          <a:xfrm>
+            <a:off x="5466153" y="805777"/>
+            <a:ext cx="150622" cy="120920"/>
+          </a:xfrm>
+          <a:prstGeom prst="ellipse">
+            <a:avLst/>
+          </a:prstGeom>
+          <a:solidFill>
+            <a:schemeClr val="tx1"/>
+          </a:solidFill>
+          <a:ln>
+            <a:solidFill>
+              <a:schemeClr val="tx1"/>
+            </a:solidFill>
+          </a:ln>
+        </p:spPr>
+        <p:style>
+          <a:lnRef idx="2">
+            <a:schemeClr val="accent1">
+              <a:shade val="50000"/>
+            </a:schemeClr>
+          </a:lnRef>
+          <a:fillRef idx="1">
+            <a:schemeClr val="accent1"/>
+          </a:fillRef>
+          <a:effectRef idx="0">
+            <a:schemeClr val="accent1"/>
+          </a:effectRef>
+          <a:fontRef idx="minor">
+            <a:schemeClr val="lt1"/>
+          </a:fontRef>
+        </p:style>
+        <p:txBody>
+          <a:bodyPr rtlCol="0" anchor="ctr"/>
+          <a:lstStyle/>
+          <a:p>
+            <a:pPr algn="ctr"/>
+            <a:endParaRPr lang="en-US"/>
+          </a:p>
+        </p:txBody>
+      </p:sp>
+      <mc:AlternateContent xmlns:mc="http://schemas.openxmlformats.org/markup-compatibility/2006">
+        <mc:Choice xmlns:a14="http://schemas.microsoft.com/office/drawing/2010/main" Requires="a14">
+          <p:sp>
+            <p:nvSpPr>
+              <p:cNvPr id="15" name="TextBox 14">
+                <a:extLst>
+                  <a:ext uri="{FF2B5EF4-FFF2-40B4-BE49-F238E27FC236}">
+                    <a16:creationId xmlns:a16="http://schemas.microsoft.com/office/drawing/2014/main" id="{8A86C74F-F4EC-44C2-A32C-3A0CCF61E039}"/>
+                  </a:ext>
+                </a:extLst>
+              </p:cNvPr>
+              <p:cNvSpPr txBox="1"/>
+              <p:nvPr/>
+            </p:nvSpPr>
+            <p:spPr>
+              <a:xfrm>
+                <a:off x="5284724" y="398607"/>
+                <a:ext cx="914738" cy="369332"/>
+              </a:xfrm>
+              <a:prstGeom prst="rect">
+                <a:avLst/>
+              </a:prstGeom>
+              <a:noFill/>
+            </p:spPr>
+            <p:txBody>
+              <a:bodyPr wrap="none" rtlCol="0">
+                <a:spAutoFit/>
+              </a:bodyPr>
+              <a:lstStyle/>
+              <a:p>
+                <a:pPr/>
+                <a14:m>
+                  <m:oMathPara xmlns:m="http://schemas.openxmlformats.org/officeDocument/2006/math">
+                    <m:oMathParaPr>
+                      <m:jc m:val="centerGroup"/>
+                    </m:oMathParaPr>
+                    <m:oMath xmlns:m="http://schemas.openxmlformats.org/officeDocument/2006/math">
+                      <m:sSub>
+                        <m:sSubPr>
+                          <m:ctrlPr>
+                            <a:rPr lang="en-US" b="0" i="1" smtClean="0">
+                              <a:latin typeface="Cambria Math" panose="02040503050406030204" pitchFamily="18" charset="0"/>
+                            </a:rPr>
+                          </m:ctrlPr>
+                        </m:sSubPr>
+                        <m:e>
+                          <m:r>
+                            <a:rPr lang="en-US" b="0" i="1" smtClean="0">
+                              <a:latin typeface="Cambria Math" panose="02040503050406030204" pitchFamily="18" charset="0"/>
+                            </a:rPr>
+                            <m:t>𝑇</m:t>
+                          </m:r>
+                        </m:e>
+                        <m:sub>
+                          <m:r>
+                            <a:rPr lang="en-US" b="0" i="1" smtClean="0">
+                              <a:latin typeface="Cambria Math" panose="02040503050406030204" pitchFamily="18" charset="0"/>
+                            </a:rPr>
+                            <m:t>𝑠𝑜𝑢𝑟𝑐𝑒</m:t>
+                          </m:r>
+                        </m:sub>
+                      </m:sSub>
+                    </m:oMath>
+                  </m:oMathPara>
+                </a14:m>
+                <a:endParaRPr lang="en-US" dirty="0"/>
+              </a:p>
+            </p:txBody>
+          </p:sp>
+        </mc:Choice>
+        <mc:Fallback>
+          <p:sp>
+            <p:nvSpPr>
+              <p:cNvPr id="15" name="TextBox 14">
+                <a:extLst>
+                  <a:ext uri="{FF2B5EF4-FFF2-40B4-BE49-F238E27FC236}">
+                    <a16:creationId xmlns:a16="http://schemas.microsoft.com/office/drawing/2014/main" id="{8A86C74F-F4EC-44C2-A32C-3A0CCF61E039}"/>
+                  </a:ext>
+                </a:extLst>
+              </p:cNvPr>
+              <p:cNvSpPr txBox="1">
+                <a:spLocks noRot="1" noChangeAspect="1" noMove="1" noResize="1" noEditPoints="1" noAdjustHandles="1" noChangeArrowheads="1" noChangeShapeType="1" noTextEdit="1"/>
+              </p:cNvSpPr>
+              <p:nvPr/>
+            </p:nvSpPr>
+            <p:spPr>
+              <a:xfrm>
+                <a:off x="5284724" y="398607"/>
+                <a:ext cx="914738" cy="369332"/>
+              </a:xfrm>
+              <a:prstGeom prst="rect">
+                <a:avLst/>
+              </a:prstGeom>
+              <a:blipFill>
+                <a:blip r:embed="rId5"/>
+                <a:stretch>
+                  <a:fillRect/>
+                </a:stretch>
+              </a:blipFill>
+            </p:spPr>
+            <p:txBody>
+              <a:bodyPr/>
+              <a:lstStyle/>
+              <a:p>
+                <a:r>
+                  <a:rPr lang="en-US">
+                    <a:noFill/>
+                  </a:rPr>
+                  <a:t> </a:t>
+                </a:r>
+              </a:p>
+            </p:txBody>
+          </p:sp>
+        </mc:Fallback>
+      </mc:AlternateContent>
+      <mc:AlternateContent xmlns:mc="http://schemas.openxmlformats.org/markup-compatibility/2006">
+        <mc:Choice xmlns:a14="http://schemas.microsoft.com/office/drawing/2010/main" Requires="a14">
+          <p:sp>
+            <p:nvSpPr>
+              <p:cNvPr id="16" name="TextBox 15">
+                <a:extLst>
+                  <a:ext uri="{FF2B5EF4-FFF2-40B4-BE49-F238E27FC236}">
+                    <a16:creationId xmlns:a16="http://schemas.microsoft.com/office/drawing/2014/main" id="{F5982B18-6C1B-4EAF-9388-E7CDAB302B7E}"/>
+                  </a:ext>
+                </a:extLst>
+              </p:cNvPr>
+              <p:cNvSpPr txBox="1"/>
+              <p:nvPr/>
+            </p:nvSpPr>
+            <p:spPr>
+              <a:xfrm>
+                <a:off x="2927101" y="398607"/>
+                <a:ext cx="712503" cy="369332"/>
+              </a:xfrm>
+              <a:prstGeom prst="rect">
+                <a:avLst/>
+              </a:prstGeom>
+              <a:noFill/>
+            </p:spPr>
+            <p:txBody>
+              <a:bodyPr wrap="none" rtlCol="0">
+                <a:spAutoFit/>
+              </a:bodyPr>
+              <a:lstStyle/>
+              <a:p>
+                <a:pPr/>
+                <a14:m>
+                  <m:oMathPara xmlns:m="http://schemas.openxmlformats.org/officeDocument/2006/math">
+                    <m:oMathParaPr>
+                      <m:jc m:val="centerGroup"/>
+                    </m:oMathParaPr>
+                    <m:oMath xmlns:m="http://schemas.openxmlformats.org/officeDocument/2006/math">
+                      <m:sSub>
+                        <m:sSubPr>
+                          <m:ctrlPr>
+                            <a:rPr lang="en-US" b="0" i="1" smtClean="0">
+                              <a:latin typeface="Cambria Math" panose="02040503050406030204" pitchFamily="18" charset="0"/>
+                            </a:rPr>
+                          </m:ctrlPr>
+                        </m:sSubPr>
+                        <m:e>
+                          <m:r>
+                            <a:rPr lang="en-US" b="0" i="1" smtClean="0">
+                              <a:latin typeface="Cambria Math" panose="02040503050406030204" pitchFamily="18" charset="0"/>
+                            </a:rPr>
+                            <m:t>𝑇</m:t>
+                          </m:r>
+                        </m:e>
+                        <m:sub>
+                          <m:r>
+                            <a:rPr lang="en-US" b="0" i="1" smtClean="0">
+                              <a:latin typeface="Cambria Math" panose="02040503050406030204" pitchFamily="18" charset="0"/>
+                            </a:rPr>
+                            <m:t>𝑠𝑙𝑎𝑏</m:t>
+                          </m:r>
+                        </m:sub>
+                      </m:sSub>
+                    </m:oMath>
+                  </m:oMathPara>
+                </a14:m>
+                <a:endParaRPr lang="en-US" dirty="0"/>
+              </a:p>
+            </p:txBody>
+          </p:sp>
+        </mc:Choice>
+        <mc:Fallback>
+          <p:sp>
+            <p:nvSpPr>
+              <p:cNvPr id="16" name="TextBox 15">
+                <a:extLst>
+                  <a:ext uri="{FF2B5EF4-FFF2-40B4-BE49-F238E27FC236}">
+                    <a16:creationId xmlns:a16="http://schemas.microsoft.com/office/drawing/2014/main" id="{F5982B18-6C1B-4EAF-9388-E7CDAB302B7E}"/>
+                  </a:ext>
+                </a:extLst>
+              </p:cNvPr>
+              <p:cNvSpPr txBox="1">
+                <a:spLocks noRot="1" noChangeAspect="1" noMove="1" noResize="1" noEditPoints="1" noAdjustHandles="1" noChangeArrowheads="1" noChangeShapeType="1" noTextEdit="1"/>
+              </p:cNvSpPr>
+              <p:nvPr/>
+            </p:nvSpPr>
+            <p:spPr>
+              <a:xfrm>
+                <a:off x="2927101" y="398607"/>
+                <a:ext cx="712503" cy="369332"/>
+              </a:xfrm>
+              <a:prstGeom prst="rect">
+                <a:avLst/>
+              </a:prstGeom>
+              <a:blipFill>
+                <a:blip r:embed="rId6"/>
+                <a:stretch>
+                  <a:fillRect/>
+                </a:stretch>
+              </a:blipFill>
+            </p:spPr>
+            <p:txBody>
+              <a:bodyPr/>
+              <a:lstStyle/>
+              <a:p>
+                <a:r>
+                  <a:rPr lang="en-US">
+                    <a:noFill/>
+                  </a:rPr>
+                  <a:t> </a:t>
+                </a:r>
+              </a:p>
+            </p:txBody>
+          </p:sp>
+        </mc:Fallback>
+      </mc:AlternateContent>
+      <mc:AlternateContent xmlns:mc="http://schemas.openxmlformats.org/markup-compatibility/2006">
+        <mc:Choice xmlns:a14="http://schemas.microsoft.com/office/drawing/2010/main" Requires="a14">
+          <p:sp>
+            <p:nvSpPr>
+              <p:cNvPr id="17" name="TextBox 16">
+                <a:extLst>
+                  <a:ext uri="{FF2B5EF4-FFF2-40B4-BE49-F238E27FC236}">
+                    <a16:creationId xmlns:a16="http://schemas.microsoft.com/office/drawing/2014/main" id="{1025D604-E9D6-496E-B1DE-B9B6DD32CE94}"/>
+                  </a:ext>
+                </a:extLst>
+              </p:cNvPr>
+              <p:cNvSpPr txBox="1"/>
+              <p:nvPr/>
+            </p:nvSpPr>
+            <p:spPr>
+              <a:xfrm>
+                <a:off x="1563148" y="1663789"/>
+                <a:ext cx="1422762" cy="398379"/>
+              </a:xfrm>
+              <a:prstGeom prst="rect">
+                <a:avLst/>
+              </a:prstGeom>
+              <a:noFill/>
+            </p:spPr>
+            <p:txBody>
+              <a:bodyPr wrap="none" rtlCol="0">
+                <a:spAutoFit/>
+              </a:bodyPr>
+              <a:lstStyle/>
+              <a:p>
+                <a:pPr/>
+                <a14:m>
+                  <m:oMathPara xmlns:m="http://schemas.openxmlformats.org/officeDocument/2006/math">
+                    <m:oMathParaPr>
+                      <m:jc m:val="centerGroup"/>
+                    </m:oMathParaPr>
+                    <m:oMath xmlns:m="http://schemas.openxmlformats.org/officeDocument/2006/math">
+                      <m:sSub>
+                        <m:sSubPr>
+                          <m:ctrlPr>
+                            <a:rPr lang="en-US" i="1" smtClean="0">
+                              <a:latin typeface="Cambria Math" panose="02040503050406030204" pitchFamily="18" charset="0"/>
+                            </a:rPr>
+                          </m:ctrlPr>
+                        </m:sSubPr>
+                        <m:e>
+                          <m:r>
+                            <a:rPr lang="en-US" i="1">
+                              <a:latin typeface="Cambria Math" panose="02040503050406030204" pitchFamily="18" charset="0"/>
+                            </a:rPr>
+                            <m:t>𝛼</m:t>
+                          </m:r>
+                        </m:e>
+                        <m:sub>
+                          <m:r>
+                            <a:rPr lang="en-US" i="1">
+                              <a:latin typeface="Cambria Math" panose="02040503050406030204" pitchFamily="18" charset="0"/>
+                            </a:rPr>
+                            <m:t>𝑠𝑜𝑙</m:t>
+                          </m:r>
+                          <m:r>
+                            <a:rPr lang="en-US" i="1">
+                              <a:latin typeface="Cambria Math" panose="02040503050406030204" pitchFamily="18" charset="0"/>
+                            </a:rPr>
+                            <m:t>,</m:t>
+                          </m:r>
+                          <m:r>
+                            <a:rPr lang="en-US" b="0" i="1" smtClean="0">
+                              <a:latin typeface="Cambria Math" panose="02040503050406030204" pitchFamily="18" charset="0"/>
+                            </a:rPr>
+                            <m:t>𝑠𝑙𝑎𝑏</m:t>
+                          </m:r>
+                        </m:sub>
+                      </m:sSub>
+                      <m:sSub>
+                        <m:sSubPr>
+                          <m:ctrlPr>
+                            <a:rPr lang="en-US" i="1" smtClean="0">
+                              <a:latin typeface="Cambria Math" panose="02040503050406030204" pitchFamily="18" charset="0"/>
+                            </a:rPr>
+                          </m:ctrlPr>
+                        </m:sSubPr>
+                        <m:e>
+                          <m:acc>
+                            <m:accPr>
+                              <m:chr m:val="̇"/>
+                              <m:ctrlPr>
+                                <a:rPr lang="en-US" i="1">
+                                  <a:latin typeface="Cambria Math" panose="02040503050406030204" pitchFamily="18" charset="0"/>
+                                </a:rPr>
+                              </m:ctrlPr>
+                            </m:accPr>
+                            <m:e>
+                              <m:r>
+                                <a:rPr lang="en-US" i="1">
+                                  <a:latin typeface="Cambria Math" panose="02040503050406030204" pitchFamily="18" charset="0"/>
+                                </a:rPr>
+                                <m:t>𝑄</m:t>
+                              </m:r>
+                            </m:e>
+                          </m:acc>
+                        </m:e>
+                        <m:sub>
+                          <m:r>
+                            <a:rPr lang="en-US" i="1">
+                              <a:latin typeface="Cambria Math" panose="02040503050406030204" pitchFamily="18" charset="0"/>
+                            </a:rPr>
+                            <m:t>𝑠𝑜𝑙</m:t>
+                          </m:r>
+                        </m:sub>
+                      </m:sSub>
+                    </m:oMath>
+                  </m:oMathPara>
+                </a14:m>
+                <a:endParaRPr lang="en-US" dirty="0"/>
+              </a:p>
+            </p:txBody>
+          </p:sp>
+        </mc:Choice>
+        <mc:Fallback>
+          <p:sp>
+            <p:nvSpPr>
+              <p:cNvPr id="17" name="TextBox 16">
+                <a:extLst>
+                  <a:ext uri="{FF2B5EF4-FFF2-40B4-BE49-F238E27FC236}">
+                    <a16:creationId xmlns:a16="http://schemas.microsoft.com/office/drawing/2014/main" id="{1025D604-E9D6-496E-B1DE-B9B6DD32CE94}"/>
+                  </a:ext>
+                </a:extLst>
+              </p:cNvPr>
+              <p:cNvSpPr txBox="1">
+                <a:spLocks noRot="1" noChangeAspect="1" noMove="1" noResize="1" noEditPoints="1" noAdjustHandles="1" noChangeArrowheads="1" noChangeShapeType="1" noTextEdit="1"/>
+              </p:cNvSpPr>
+              <p:nvPr/>
+            </p:nvSpPr>
+            <p:spPr>
+              <a:xfrm>
+                <a:off x="1563148" y="1663789"/>
+                <a:ext cx="1422762" cy="398379"/>
+              </a:xfrm>
+              <a:prstGeom prst="rect">
+                <a:avLst/>
+              </a:prstGeom>
+              <a:blipFill>
+                <a:blip r:embed="rId7"/>
+                <a:stretch>
+                  <a:fillRect b="-6154"/>
+                </a:stretch>
+              </a:blipFill>
+            </p:spPr>
+            <p:txBody>
+              <a:bodyPr/>
+              <a:lstStyle/>
+              <a:p>
+                <a:r>
+                  <a:rPr lang="en-US">
+                    <a:noFill/>
+                  </a:rPr>
+                  <a:t> </a:t>
+                </a:r>
+              </a:p>
+            </p:txBody>
+          </p:sp>
+        </mc:Fallback>
+      </mc:AlternateContent>
+      <p:cxnSp>
+        <p:nvCxnSpPr>
+          <p:cNvPr id="18" name="Straight Arrow Connector 17">
+            <a:extLst>
+              <a:ext uri="{FF2B5EF4-FFF2-40B4-BE49-F238E27FC236}">
+                <a16:creationId xmlns:a16="http://schemas.microsoft.com/office/drawing/2014/main" id="{2111672B-D3F3-423C-A7B6-3555013373E2}"/>
+              </a:ext>
+            </a:extLst>
+          </p:cNvPr>
+          <p:cNvCxnSpPr>
+            <a:cxnSpLocks/>
+          </p:cNvCxnSpPr>
+          <p:nvPr/>
+        </p:nvCxnSpPr>
+        <p:spPr>
+          <a:xfrm flipV="1">
+            <a:off x="2298309" y="926697"/>
+            <a:ext cx="948702" cy="737092"/>
+          </a:xfrm>
+          <a:prstGeom prst="straightConnector1">
+            <a:avLst/>
+          </a:prstGeom>
+          <a:ln w="28575">
+            <a:solidFill>
+              <a:schemeClr val="tx1"/>
+            </a:solidFill>
+            <a:prstDash val="solid"/>
+            <a:tailEnd type="triangle"/>
+          </a:ln>
+        </p:spPr>
+        <p:style>
+          <a:lnRef idx="1">
+            <a:schemeClr val="accent1"/>
+          </a:lnRef>
+          <a:fillRef idx="0">
+            <a:schemeClr val="accent1"/>
+          </a:fillRef>
+          <a:effectRef idx="0">
+            <a:schemeClr val="accent1"/>
+          </a:effectRef>
+          <a:fontRef idx="minor">
+            <a:schemeClr val="tx1"/>
+          </a:fontRef>
+        </p:style>
+      </p:cxnSp>
+      <p:sp>
+        <p:nvSpPr>
+          <p:cNvPr id="19" name="Equals 18">
+            <a:extLst>
+              <a:ext uri="{FF2B5EF4-FFF2-40B4-BE49-F238E27FC236}">
+                <a16:creationId xmlns:a16="http://schemas.microsoft.com/office/drawing/2014/main" id="{E72EE547-F458-41DB-8902-268461D6E8A3}"/>
+              </a:ext>
+            </a:extLst>
+          </p:cNvPr>
+          <p:cNvSpPr/>
+          <p:nvPr/>
+        </p:nvSpPr>
+        <p:spPr>
+          <a:xfrm>
+            <a:off x="5269697" y="1262512"/>
+            <a:ext cx="589788" cy="448056"/>
+          </a:xfrm>
+          <a:prstGeom prst="mathEqual">
+            <a:avLst/>
+          </a:prstGeom>
+          <a:solidFill>
+            <a:schemeClr val="tx1"/>
+          </a:solidFill>
+          <a:ln>
+            <a:solidFill>
+              <a:schemeClr val="tx1"/>
+            </a:solidFill>
+          </a:ln>
+        </p:spPr>
+        <p:style>
+          <a:lnRef idx="2">
+            <a:schemeClr val="accent1">
+              <a:shade val="50000"/>
+            </a:schemeClr>
+          </a:lnRef>
+          <a:fillRef idx="1">
+            <a:schemeClr val="accent1"/>
+          </a:fillRef>
+          <a:effectRef idx="0">
+            <a:schemeClr val="accent1"/>
+          </a:effectRef>
+          <a:fontRef idx="minor">
+            <a:schemeClr val="lt1"/>
+          </a:fontRef>
+        </p:style>
+        <p:txBody>
+          <a:bodyPr rtlCol="0" anchor="ctr"/>
+          <a:lstStyle/>
+          <a:p>
+            <a:pPr algn="ctr"/>
+            <a:endParaRPr lang="en-US">
+              <a:solidFill>
+                <a:schemeClr val="tx1"/>
+              </a:solidFill>
+            </a:endParaRPr>
+          </a:p>
+        </p:txBody>
+      </p:sp>
+      <p:cxnSp>
+        <p:nvCxnSpPr>
+          <p:cNvPr id="20" name="Straight Connector 19">
+            <a:extLst>
+              <a:ext uri="{FF2B5EF4-FFF2-40B4-BE49-F238E27FC236}">
+                <a16:creationId xmlns:a16="http://schemas.microsoft.com/office/drawing/2014/main" id="{6F747FFE-524D-43C9-8E0B-B437019F65E3}"/>
+              </a:ext>
+            </a:extLst>
+          </p:cNvPr>
+          <p:cNvCxnSpPr>
+            <a:cxnSpLocks/>
+            <a:stCxn id="19" idx="5"/>
+          </p:cNvCxnSpPr>
+          <p:nvPr/>
+        </p:nvCxnSpPr>
+        <p:spPr>
+          <a:xfrm flipV="1">
+            <a:off x="5564591" y="940948"/>
+            <a:ext cx="0" cy="413864"/>
+          </a:xfrm>
+          <a:prstGeom prst="line">
+            <a:avLst/>
+          </a:prstGeom>
+          <a:ln w="57150">
+            <a:solidFill>
+              <a:schemeClr val="tx1"/>
+            </a:solidFill>
+          </a:ln>
+        </p:spPr>
+        <p:style>
+          <a:lnRef idx="1">
+            <a:schemeClr val="accent1"/>
+          </a:lnRef>
+          <a:fillRef idx="0">
+            <a:schemeClr val="accent1"/>
+          </a:fillRef>
+          <a:effectRef idx="0">
+            <a:schemeClr val="accent1"/>
+          </a:effectRef>
+          <a:fontRef idx="minor">
+            <a:schemeClr val="tx1"/>
+          </a:fontRef>
+        </p:style>
+      </p:cxnSp>
+      <mc:AlternateContent xmlns:mc="http://schemas.openxmlformats.org/markup-compatibility/2006">
+        <mc:Choice xmlns:a14="http://schemas.microsoft.com/office/drawing/2010/main" Requires="a14">
+          <p:sp>
+            <p:nvSpPr>
+              <p:cNvPr id="21" name="TextBox 20">
+                <a:extLst>
+                  <a:ext uri="{FF2B5EF4-FFF2-40B4-BE49-F238E27FC236}">
+                    <a16:creationId xmlns:a16="http://schemas.microsoft.com/office/drawing/2014/main" id="{5BCB38A6-7D7D-49B2-AEE4-412F0FCF5E86}"/>
+                  </a:ext>
+                </a:extLst>
+              </p:cNvPr>
+              <p:cNvSpPr txBox="1"/>
+              <p:nvPr/>
+            </p:nvSpPr>
+            <p:spPr>
+              <a:xfrm>
+                <a:off x="5271221" y="1684660"/>
+                <a:ext cx="932756" cy="369332"/>
+              </a:xfrm>
+              <a:prstGeom prst="rect">
+                <a:avLst/>
+              </a:prstGeom>
+              <a:noFill/>
+            </p:spPr>
+            <p:txBody>
+              <a:bodyPr wrap="none" rtlCol="0">
+                <a:spAutoFit/>
+              </a:bodyPr>
+              <a:lstStyle/>
+              <a:p>
+                <a:pPr/>
+                <a14:m>
+                  <m:oMathPara xmlns:m="http://schemas.openxmlformats.org/officeDocument/2006/math">
+                    <m:oMathParaPr>
+                      <m:jc m:val="centerGroup"/>
+                    </m:oMathParaPr>
+                    <m:oMath xmlns:m="http://schemas.openxmlformats.org/officeDocument/2006/math">
+                      <m:sSub>
+                        <m:sSubPr>
+                          <m:ctrlPr>
+                            <a:rPr lang="en-US" b="0" i="1" smtClean="0">
+                              <a:latin typeface="Cambria Math" panose="02040503050406030204" pitchFamily="18" charset="0"/>
+                            </a:rPr>
+                          </m:ctrlPr>
+                        </m:sSubPr>
+                        <m:e>
+                          <m:r>
+                            <a:rPr lang="en-US" b="0" i="1" smtClean="0">
+                              <a:latin typeface="Cambria Math" panose="02040503050406030204" pitchFamily="18" charset="0"/>
+                            </a:rPr>
+                            <m:t>𝐶</m:t>
+                          </m:r>
+                        </m:e>
+                        <m:sub>
+                          <m:r>
+                            <a:rPr lang="en-US" b="0" i="1" smtClean="0">
+                              <a:latin typeface="Cambria Math" panose="02040503050406030204" pitchFamily="18" charset="0"/>
+                            </a:rPr>
+                            <m:t>𝑠𝑜𝑢𝑟𝑐𝑒</m:t>
+                          </m:r>
+                        </m:sub>
+                      </m:sSub>
+                    </m:oMath>
+                  </m:oMathPara>
+                </a14:m>
+                <a:endParaRPr lang="en-US" dirty="0"/>
+              </a:p>
+            </p:txBody>
+          </p:sp>
+        </mc:Choice>
+        <mc:Fallback>
+          <p:sp>
+            <p:nvSpPr>
+              <p:cNvPr id="21" name="TextBox 20">
+                <a:extLst>
+                  <a:ext uri="{FF2B5EF4-FFF2-40B4-BE49-F238E27FC236}">
+                    <a16:creationId xmlns:a16="http://schemas.microsoft.com/office/drawing/2014/main" id="{5BCB38A6-7D7D-49B2-AEE4-412F0FCF5E86}"/>
+                  </a:ext>
+                </a:extLst>
+              </p:cNvPr>
+              <p:cNvSpPr txBox="1">
+                <a:spLocks noRot="1" noChangeAspect="1" noMove="1" noResize="1" noEditPoints="1" noAdjustHandles="1" noChangeArrowheads="1" noChangeShapeType="1" noTextEdit="1"/>
+              </p:cNvSpPr>
+              <p:nvPr/>
+            </p:nvSpPr>
+            <p:spPr>
+              <a:xfrm>
+                <a:off x="5271221" y="1684660"/>
+                <a:ext cx="932756" cy="369332"/>
+              </a:xfrm>
+              <a:prstGeom prst="rect">
+                <a:avLst/>
+              </a:prstGeom>
+              <a:blipFill>
+                <a:blip r:embed="rId8"/>
+                <a:stretch>
+                  <a:fillRect/>
+                </a:stretch>
+              </a:blipFill>
+            </p:spPr>
+            <p:txBody>
+              <a:bodyPr/>
+              <a:lstStyle/>
+              <a:p>
+                <a:r>
+                  <a:rPr lang="en-US">
+                    <a:noFill/>
+                  </a:rPr>
+                  <a:t> </a:t>
+                </a:r>
+              </a:p>
+            </p:txBody>
+          </p:sp>
+        </mc:Fallback>
+      </mc:AlternateContent>
+      <p:sp>
+        <p:nvSpPr>
+          <p:cNvPr id="22" name="Oval 21">
+            <a:extLst>
+              <a:ext uri="{FF2B5EF4-FFF2-40B4-BE49-F238E27FC236}">
+                <a16:creationId xmlns:a16="http://schemas.microsoft.com/office/drawing/2014/main" id="{D81454CD-CBC0-4287-AB4D-5BB320087EB3}"/>
+              </a:ext>
+            </a:extLst>
+          </p:cNvPr>
+          <p:cNvSpPr/>
+          <p:nvPr/>
+        </p:nvSpPr>
+        <p:spPr>
+          <a:xfrm>
+            <a:off x="5489280" y="852556"/>
+            <a:ext cx="150622" cy="120920"/>
+          </a:xfrm>
+          <a:prstGeom prst="ellipse">
+            <a:avLst/>
+          </a:prstGeom>
+          <a:solidFill>
+            <a:schemeClr val="tx1"/>
+          </a:solidFill>
+          <a:ln>
+            <a:solidFill>
+              <a:schemeClr val="tx1"/>
+            </a:solidFill>
+          </a:ln>
+        </p:spPr>
+        <p:style>
+          <a:lnRef idx="2">
+            <a:schemeClr val="accent1">
+              <a:shade val="50000"/>
+            </a:schemeClr>
+          </a:lnRef>
+          <a:fillRef idx="1">
+            <a:schemeClr val="accent1"/>
+          </a:fillRef>
+          <a:effectRef idx="0">
+            <a:schemeClr val="accent1"/>
+          </a:effectRef>
+          <a:fontRef idx="minor">
+            <a:schemeClr val="lt1"/>
+          </a:fontRef>
+        </p:style>
+        <p:txBody>
+          <a:bodyPr rtlCol="0" anchor="ctr"/>
+          <a:lstStyle/>
+          <a:p>
+            <a:pPr algn="ctr"/>
+            <a:endParaRPr lang="en-US"/>
+          </a:p>
+        </p:txBody>
+      </p:sp>
+      <p:cxnSp>
+        <p:nvCxnSpPr>
+          <p:cNvPr id="23" name="Straight Connector 22">
+            <a:extLst>
+              <a:ext uri="{FF2B5EF4-FFF2-40B4-BE49-F238E27FC236}">
+                <a16:creationId xmlns:a16="http://schemas.microsoft.com/office/drawing/2014/main" id="{45D7B19E-ACFA-4981-901B-63C1E857DB7A}"/>
+              </a:ext>
+            </a:extLst>
+          </p:cNvPr>
+          <p:cNvCxnSpPr>
+            <a:cxnSpLocks/>
+            <a:stCxn id="22" idx="6"/>
+          </p:cNvCxnSpPr>
+          <p:nvPr/>
+        </p:nvCxnSpPr>
+        <p:spPr>
+          <a:xfrm>
+            <a:off x="5639902" y="913016"/>
+            <a:ext cx="544163" cy="0"/>
+          </a:xfrm>
+          <a:prstGeom prst="line">
+            <a:avLst/>
+          </a:prstGeom>
+          <a:ln w="57150">
+            <a:solidFill>
+              <a:schemeClr val="tx1"/>
+            </a:solidFill>
+          </a:ln>
+        </p:spPr>
+        <p:style>
+          <a:lnRef idx="1">
+            <a:schemeClr val="accent1"/>
+          </a:lnRef>
+          <a:fillRef idx="0">
+            <a:schemeClr val="accent1"/>
+          </a:fillRef>
+          <a:effectRef idx="0">
+            <a:schemeClr val="accent1"/>
+          </a:effectRef>
+          <a:fontRef idx="minor">
+            <a:schemeClr val="tx1"/>
+          </a:fontRef>
+        </p:style>
+      </p:cxnSp>
+      <p:pic>
+        <p:nvPicPr>
+          <p:cNvPr id="24" name="Picture 23" descr="Shape&#10;&#10;Description automatically generated with medium confidence">
+            <a:extLst>
+              <a:ext uri="{FF2B5EF4-FFF2-40B4-BE49-F238E27FC236}">
+                <a16:creationId xmlns:a16="http://schemas.microsoft.com/office/drawing/2014/main" id="{B16067EB-17A9-4995-A169-8DA7A1718DF0}"/>
+              </a:ext>
+            </a:extLst>
+          </p:cNvPr>
+          <p:cNvPicPr>
+            <a:picLocks noChangeAspect="1"/>
+          </p:cNvPicPr>
+          <p:nvPr/>
+        </p:nvPicPr>
+        <p:blipFill>
+          <a:blip r:embed="rId2">
+            <a:extLst>
+              <a:ext uri="{28A0092B-C50C-407E-A947-70E740481C1C}">
+                <a14:useLocalDpi xmlns:a14="http://schemas.microsoft.com/office/drawing/2010/main" val="0"/>
+              </a:ext>
+            </a:extLst>
+          </a:blip>
+          <a:stretch>
+            <a:fillRect/>
+          </a:stretch>
+        </p:blipFill>
+        <p:spPr>
+          <a:xfrm>
+            <a:off x="5542493" y="415692"/>
+            <a:ext cx="2657856" cy="996696"/>
+          </a:xfrm>
+          <a:prstGeom prst="rect">
+            <a:avLst/>
+          </a:prstGeom>
+        </p:spPr>
+      </p:pic>
+      <p:sp>
+        <p:nvSpPr>
+          <p:cNvPr id="25" name="Oval 24">
+            <a:extLst>
+              <a:ext uri="{FF2B5EF4-FFF2-40B4-BE49-F238E27FC236}">
+                <a16:creationId xmlns:a16="http://schemas.microsoft.com/office/drawing/2014/main" id="{ADD941FA-7830-4B0D-91DF-B2FF713283AB}"/>
+              </a:ext>
+            </a:extLst>
+          </p:cNvPr>
+          <p:cNvSpPr/>
+          <p:nvPr/>
+        </p:nvSpPr>
+        <p:spPr>
+          <a:xfrm>
+            <a:off x="7739836" y="852556"/>
+            <a:ext cx="150622" cy="120920"/>
+          </a:xfrm>
+          <a:prstGeom prst="ellipse">
+            <a:avLst/>
+          </a:prstGeom>
+          <a:solidFill>
+            <a:schemeClr val="tx1"/>
+          </a:solidFill>
+          <a:ln>
+            <a:solidFill>
+              <a:schemeClr val="tx1"/>
+            </a:solidFill>
+          </a:ln>
+        </p:spPr>
+        <p:style>
+          <a:lnRef idx="2">
+            <a:schemeClr val="accent1">
+              <a:shade val="50000"/>
+            </a:schemeClr>
+          </a:lnRef>
+          <a:fillRef idx="1">
+            <a:schemeClr val="accent1"/>
+          </a:fillRef>
+          <a:effectRef idx="0">
+            <a:schemeClr val="accent1"/>
+          </a:effectRef>
+          <a:fontRef idx="minor">
+            <a:schemeClr val="lt1"/>
+          </a:fontRef>
+        </p:style>
+        <p:txBody>
+          <a:bodyPr rtlCol="0" anchor="ctr"/>
+          <a:lstStyle/>
+          <a:p>
+            <a:pPr algn="ctr"/>
+            <a:endParaRPr lang="en-US"/>
+          </a:p>
+        </p:txBody>
+      </p:sp>
+      <mc:AlternateContent xmlns:mc="http://schemas.openxmlformats.org/markup-compatibility/2006">
+        <mc:Choice xmlns:a14="http://schemas.microsoft.com/office/drawing/2010/main" Requires="a14">
+          <p:sp>
+            <p:nvSpPr>
+              <p:cNvPr id="26" name="TextBox 25">
+                <a:extLst>
+                  <a:ext uri="{FF2B5EF4-FFF2-40B4-BE49-F238E27FC236}">
+                    <a16:creationId xmlns:a16="http://schemas.microsoft.com/office/drawing/2014/main" id="{58BB30FA-0F80-41AE-8422-92B834DD6F20}"/>
+                  </a:ext>
+                </a:extLst>
+              </p:cNvPr>
+              <p:cNvSpPr txBox="1"/>
+              <p:nvPr/>
+            </p:nvSpPr>
+            <p:spPr>
+              <a:xfrm>
+                <a:off x="7466744" y="489198"/>
+                <a:ext cx="717761" cy="369332"/>
+              </a:xfrm>
+              <a:prstGeom prst="rect">
+                <a:avLst/>
+              </a:prstGeom>
+              <a:noFill/>
+            </p:spPr>
+            <p:txBody>
+              <a:bodyPr wrap="none" rtlCol="0">
+                <a:spAutoFit/>
+              </a:bodyPr>
+              <a:lstStyle/>
+              <a:p>
+                <a:pPr/>
+                <a14:m>
+                  <m:oMathPara xmlns:m="http://schemas.openxmlformats.org/officeDocument/2006/math">
+                    <m:oMathParaPr>
+                      <m:jc m:val="centerGroup"/>
+                    </m:oMathParaPr>
+                    <m:oMath xmlns:m="http://schemas.openxmlformats.org/officeDocument/2006/math">
+                      <m:sSub>
+                        <m:sSubPr>
+                          <m:ctrlPr>
+                            <a:rPr lang="en-US" b="0" i="1" smtClean="0">
+                              <a:latin typeface="Cambria Math" panose="02040503050406030204" pitchFamily="18" charset="0"/>
+                            </a:rPr>
+                          </m:ctrlPr>
+                        </m:sSubPr>
+                        <m:e>
+                          <m:r>
+                            <a:rPr lang="en-US" b="0" i="1" smtClean="0">
+                              <a:latin typeface="Cambria Math" panose="02040503050406030204" pitchFamily="18" charset="0"/>
+                            </a:rPr>
+                            <m:t>𝑇</m:t>
+                          </m:r>
+                        </m:e>
+                        <m:sub>
+                          <m:r>
+                            <a:rPr lang="en-US" b="0" i="1" smtClean="0">
+                              <a:latin typeface="Cambria Math" panose="02040503050406030204" pitchFamily="18" charset="0"/>
+                            </a:rPr>
+                            <m:t>𝑠𝑖𝑛𝑘</m:t>
+                          </m:r>
+                        </m:sub>
+                      </m:sSub>
+                    </m:oMath>
+                  </m:oMathPara>
+                </a14:m>
+                <a:endParaRPr lang="en-US" dirty="0"/>
+              </a:p>
+            </p:txBody>
+          </p:sp>
+        </mc:Choice>
+        <mc:Fallback>
+          <p:sp>
+            <p:nvSpPr>
+              <p:cNvPr id="26" name="TextBox 25">
+                <a:extLst>
+                  <a:ext uri="{FF2B5EF4-FFF2-40B4-BE49-F238E27FC236}">
+                    <a16:creationId xmlns:a16="http://schemas.microsoft.com/office/drawing/2014/main" id="{58BB30FA-0F80-41AE-8422-92B834DD6F20}"/>
+                  </a:ext>
+                </a:extLst>
+              </p:cNvPr>
+              <p:cNvSpPr txBox="1">
+                <a:spLocks noRot="1" noChangeAspect="1" noMove="1" noResize="1" noEditPoints="1" noAdjustHandles="1" noChangeArrowheads="1" noChangeShapeType="1" noTextEdit="1"/>
+              </p:cNvSpPr>
+              <p:nvPr/>
+            </p:nvSpPr>
+            <p:spPr>
+              <a:xfrm>
+                <a:off x="7466744" y="489198"/>
+                <a:ext cx="717761" cy="369332"/>
+              </a:xfrm>
+              <a:prstGeom prst="rect">
+                <a:avLst/>
+              </a:prstGeom>
+              <a:blipFill>
+                <a:blip r:embed="rId9"/>
+                <a:stretch>
+                  <a:fillRect/>
+                </a:stretch>
+              </a:blipFill>
+            </p:spPr>
+            <p:txBody>
+              <a:bodyPr/>
+              <a:lstStyle/>
+              <a:p>
+                <a:r>
+                  <a:rPr lang="en-US">
+                    <a:noFill/>
+                  </a:rPr>
+                  <a:t> </a:t>
+                </a:r>
+              </a:p>
+            </p:txBody>
+          </p:sp>
+        </mc:Fallback>
+      </mc:AlternateContent>
+      <p:sp>
+        <p:nvSpPr>
+          <p:cNvPr id="27" name="Oval 26">
+            <a:extLst>
+              <a:ext uri="{FF2B5EF4-FFF2-40B4-BE49-F238E27FC236}">
+                <a16:creationId xmlns:a16="http://schemas.microsoft.com/office/drawing/2014/main" id="{9374CB52-BA26-4D65-B736-F52D60F88EB5}"/>
+              </a:ext>
+            </a:extLst>
+          </p:cNvPr>
+          <p:cNvSpPr/>
+          <p:nvPr/>
+        </p:nvSpPr>
+        <p:spPr>
+          <a:xfrm>
+            <a:off x="7731117" y="851298"/>
+            <a:ext cx="150622" cy="120920"/>
+          </a:xfrm>
+          <a:prstGeom prst="ellipse">
+            <a:avLst/>
+          </a:prstGeom>
+          <a:solidFill>
+            <a:schemeClr val="tx1"/>
+          </a:solidFill>
+          <a:ln>
+            <a:solidFill>
+              <a:schemeClr val="tx1"/>
+            </a:solidFill>
+          </a:ln>
+        </p:spPr>
+        <p:style>
+          <a:lnRef idx="2">
+            <a:schemeClr val="accent1">
+              <a:shade val="50000"/>
+            </a:schemeClr>
+          </a:lnRef>
+          <a:fillRef idx="1">
+            <a:schemeClr val="accent1"/>
+          </a:fillRef>
+          <a:effectRef idx="0">
+            <a:schemeClr val="accent1"/>
+          </a:effectRef>
+          <a:fontRef idx="minor">
+            <a:schemeClr val="lt1"/>
+          </a:fontRef>
+        </p:style>
+        <p:txBody>
+          <a:bodyPr rtlCol="0" anchor="ctr"/>
+          <a:lstStyle/>
+          <a:p>
+            <a:pPr algn="ctr"/>
+            <a:endParaRPr lang="en-US"/>
+          </a:p>
+        </p:txBody>
+      </p:sp>
+      <p:sp>
+        <p:nvSpPr>
+          <p:cNvPr id="28" name="Equals 27">
+            <a:extLst>
+              <a:ext uri="{FF2B5EF4-FFF2-40B4-BE49-F238E27FC236}">
+                <a16:creationId xmlns:a16="http://schemas.microsoft.com/office/drawing/2014/main" id="{E62D1AF8-EA32-40FB-A0B2-92517CA132BB}"/>
+              </a:ext>
+            </a:extLst>
+          </p:cNvPr>
+          <p:cNvSpPr/>
+          <p:nvPr/>
+        </p:nvSpPr>
+        <p:spPr>
+          <a:xfrm>
+            <a:off x="7522567" y="1261254"/>
+            <a:ext cx="589788" cy="448056"/>
+          </a:xfrm>
+          <a:prstGeom prst="mathEqual">
+            <a:avLst/>
+          </a:prstGeom>
+          <a:solidFill>
+            <a:schemeClr val="tx1"/>
+          </a:solidFill>
+          <a:ln>
+            <a:solidFill>
+              <a:schemeClr val="tx1"/>
+            </a:solidFill>
+          </a:ln>
+        </p:spPr>
+        <p:style>
+          <a:lnRef idx="2">
+            <a:schemeClr val="accent1">
+              <a:shade val="50000"/>
+            </a:schemeClr>
+          </a:lnRef>
+          <a:fillRef idx="1">
+            <a:schemeClr val="accent1"/>
+          </a:fillRef>
+          <a:effectRef idx="0">
+            <a:schemeClr val="accent1"/>
+          </a:effectRef>
+          <a:fontRef idx="minor">
+            <a:schemeClr val="lt1"/>
+          </a:fontRef>
+        </p:style>
+        <p:txBody>
+          <a:bodyPr rtlCol="0" anchor="ctr"/>
+          <a:lstStyle/>
+          <a:p>
+            <a:pPr algn="ctr"/>
+            <a:endParaRPr lang="en-US">
+              <a:solidFill>
+                <a:schemeClr val="tx1"/>
+              </a:solidFill>
+            </a:endParaRPr>
+          </a:p>
+        </p:txBody>
+      </p:sp>
+      <p:cxnSp>
+        <p:nvCxnSpPr>
+          <p:cNvPr id="29" name="Straight Connector 28">
+            <a:extLst>
+              <a:ext uri="{FF2B5EF4-FFF2-40B4-BE49-F238E27FC236}">
+                <a16:creationId xmlns:a16="http://schemas.microsoft.com/office/drawing/2014/main" id="{517B0392-90CC-4188-8B0C-03AFCA21395F}"/>
+              </a:ext>
+            </a:extLst>
+          </p:cNvPr>
+          <p:cNvCxnSpPr>
+            <a:cxnSpLocks/>
+            <a:stCxn id="28" idx="5"/>
+          </p:cNvCxnSpPr>
+          <p:nvPr/>
+        </p:nvCxnSpPr>
+        <p:spPr>
+          <a:xfrm flipV="1">
+            <a:off x="7817461" y="939690"/>
+            <a:ext cx="0" cy="413864"/>
+          </a:xfrm>
+          <a:prstGeom prst="line">
+            <a:avLst/>
+          </a:prstGeom>
+          <a:ln w="57150">
+            <a:solidFill>
+              <a:schemeClr val="tx1"/>
+            </a:solidFill>
+          </a:ln>
+        </p:spPr>
+        <p:style>
+          <a:lnRef idx="1">
+            <a:schemeClr val="accent1"/>
+          </a:lnRef>
+          <a:fillRef idx="0">
+            <a:schemeClr val="accent1"/>
+          </a:fillRef>
+          <a:effectRef idx="0">
+            <a:schemeClr val="accent1"/>
+          </a:effectRef>
+          <a:fontRef idx="minor">
+            <a:schemeClr val="tx1"/>
+          </a:fontRef>
+        </p:style>
+      </p:cxnSp>
+      <mc:AlternateContent xmlns:mc="http://schemas.openxmlformats.org/markup-compatibility/2006">
+        <mc:Choice xmlns:a14="http://schemas.microsoft.com/office/drawing/2010/main" Requires="a14">
+          <p:sp>
+            <p:nvSpPr>
+              <p:cNvPr id="30" name="TextBox 29">
+                <a:extLst>
+                  <a:ext uri="{FF2B5EF4-FFF2-40B4-BE49-F238E27FC236}">
+                    <a16:creationId xmlns:a16="http://schemas.microsoft.com/office/drawing/2014/main" id="{B70F1D2E-0BFF-4CED-BC1B-07D3D144BF5B}"/>
+                  </a:ext>
+                </a:extLst>
+              </p:cNvPr>
+              <p:cNvSpPr txBox="1"/>
+              <p:nvPr/>
+            </p:nvSpPr>
+            <p:spPr>
+              <a:xfrm>
+                <a:off x="7522567" y="1691454"/>
+                <a:ext cx="729046" cy="369332"/>
+              </a:xfrm>
+              <a:prstGeom prst="rect">
+                <a:avLst/>
+              </a:prstGeom>
+              <a:noFill/>
+            </p:spPr>
+            <p:txBody>
+              <a:bodyPr wrap="none" rtlCol="0">
+                <a:spAutoFit/>
+              </a:bodyPr>
+              <a:lstStyle/>
+              <a:p>
+                <a:pPr/>
+                <a14:m>
+                  <m:oMathPara xmlns:m="http://schemas.openxmlformats.org/officeDocument/2006/math">
+                    <m:oMathParaPr>
+                      <m:jc m:val="centerGroup"/>
+                    </m:oMathParaPr>
+                    <m:oMath xmlns:m="http://schemas.openxmlformats.org/officeDocument/2006/math">
+                      <m:sSub>
+                        <m:sSubPr>
+                          <m:ctrlPr>
+                            <a:rPr lang="en-US" b="0" i="1" smtClean="0">
+                              <a:latin typeface="Cambria Math" panose="02040503050406030204" pitchFamily="18" charset="0"/>
+                            </a:rPr>
+                          </m:ctrlPr>
+                        </m:sSubPr>
+                        <m:e>
+                          <m:r>
+                            <a:rPr lang="en-US" b="0" i="1" smtClean="0">
+                              <a:latin typeface="Cambria Math" panose="02040503050406030204" pitchFamily="18" charset="0"/>
+                            </a:rPr>
+                            <m:t>𝐶</m:t>
+                          </m:r>
+                        </m:e>
+                        <m:sub>
+                          <m:r>
+                            <a:rPr lang="en-US" b="0" i="1" smtClean="0">
+                              <a:latin typeface="Cambria Math" panose="02040503050406030204" pitchFamily="18" charset="0"/>
+                            </a:rPr>
+                            <m:t>𝑠𝑖𝑛𝑘</m:t>
+                          </m:r>
+                        </m:sub>
+                      </m:sSub>
+                    </m:oMath>
+                  </m:oMathPara>
+                </a14:m>
+                <a:endParaRPr lang="en-US" dirty="0"/>
+              </a:p>
+            </p:txBody>
+          </p:sp>
+        </mc:Choice>
+        <mc:Fallback>
+          <p:sp>
+            <p:nvSpPr>
+              <p:cNvPr id="30" name="TextBox 29">
+                <a:extLst>
+                  <a:ext uri="{FF2B5EF4-FFF2-40B4-BE49-F238E27FC236}">
+                    <a16:creationId xmlns:a16="http://schemas.microsoft.com/office/drawing/2014/main" id="{B70F1D2E-0BFF-4CED-BC1B-07D3D144BF5B}"/>
+                  </a:ext>
+                </a:extLst>
+              </p:cNvPr>
+              <p:cNvSpPr txBox="1">
+                <a:spLocks noRot="1" noChangeAspect="1" noMove="1" noResize="1" noEditPoints="1" noAdjustHandles="1" noChangeArrowheads="1" noChangeShapeType="1" noTextEdit="1"/>
+              </p:cNvSpPr>
+              <p:nvPr/>
+            </p:nvSpPr>
+            <p:spPr>
+              <a:xfrm>
+                <a:off x="7522567" y="1691454"/>
+                <a:ext cx="729046" cy="369332"/>
+              </a:xfrm>
+              <a:prstGeom prst="rect">
+                <a:avLst/>
+              </a:prstGeom>
+              <a:blipFill>
+                <a:blip r:embed="rId10"/>
+                <a:stretch>
+                  <a:fillRect/>
+                </a:stretch>
+              </a:blipFill>
+            </p:spPr>
+            <p:txBody>
+              <a:bodyPr/>
+              <a:lstStyle/>
+              <a:p>
+                <a:r>
+                  <a:rPr lang="en-US">
+                    <a:noFill/>
+                  </a:rPr>
+                  <a:t> </a:t>
+                </a:r>
+              </a:p>
+            </p:txBody>
+          </p:sp>
+        </mc:Fallback>
+      </mc:AlternateContent>
+      <p:sp>
+        <p:nvSpPr>
+          <p:cNvPr id="31" name="Oval 30">
+            <a:extLst>
+              <a:ext uri="{FF2B5EF4-FFF2-40B4-BE49-F238E27FC236}">
+                <a16:creationId xmlns:a16="http://schemas.microsoft.com/office/drawing/2014/main" id="{F891A205-AB30-472D-94DF-3DA5F72CEC6A}"/>
+              </a:ext>
+            </a:extLst>
+          </p:cNvPr>
+          <p:cNvSpPr/>
+          <p:nvPr/>
+        </p:nvSpPr>
+        <p:spPr>
+          <a:xfrm>
+            <a:off x="7742150" y="851298"/>
+            <a:ext cx="150622" cy="120920"/>
+          </a:xfrm>
+          <a:prstGeom prst="ellipse">
+            <a:avLst/>
+          </a:prstGeom>
+          <a:solidFill>
+            <a:schemeClr val="tx1"/>
+          </a:solidFill>
+          <a:ln>
+            <a:solidFill>
+              <a:schemeClr val="tx1"/>
+            </a:solidFill>
+          </a:ln>
+        </p:spPr>
+        <p:style>
+          <a:lnRef idx="2">
+            <a:schemeClr val="accent1">
+              <a:shade val="50000"/>
+            </a:schemeClr>
+          </a:lnRef>
+          <a:fillRef idx="1">
+            <a:schemeClr val="accent1"/>
+          </a:fillRef>
+          <a:effectRef idx="0">
+            <a:schemeClr val="accent1"/>
+          </a:effectRef>
+          <a:fontRef idx="minor">
+            <a:schemeClr val="lt1"/>
+          </a:fontRef>
+        </p:style>
+        <p:txBody>
+          <a:bodyPr rtlCol="0" anchor="ctr"/>
+          <a:lstStyle/>
+          <a:p>
+            <a:pPr algn="ctr"/>
+            <a:endParaRPr lang="en-US"/>
+          </a:p>
+        </p:txBody>
+      </p:sp>
+      <mc:AlternateContent xmlns:mc="http://schemas.openxmlformats.org/markup-compatibility/2006">
+        <mc:Choice xmlns:a14="http://schemas.microsoft.com/office/drawing/2010/main" Requires="a14">
+          <p:sp>
+            <p:nvSpPr>
+              <p:cNvPr id="32" name="TextBox 31">
+                <a:extLst>
+                  <a:ext uri="{FF2B5EF4-FFF2-40B4-BE49-F238E27FC236}">
+                    <a16:creationId xmlns:a16="http://schemas.microsoft.com/office/drawing/2014/main" id="{2928CD3B-3C3A-46D9-B69A-B1020FCF4589}"/>
+                  </a:ext>
+                </a:extLst>
+              </p:cNvPr>
+              <p:cNvSpPr txBox="1"/>
+              <p:nvPr/>
+            </p:nvSpPr>
+            <p:spPr>
+              <a:xfrm>
+                <a:off x="4127258" y="1676939"/>
+                <a:ext cx="703590" cy="379848"/>
+              </a:xfrm>
+              <a:prstGeom prst="rect">
+                <a:avLst/>
+              </a:prstGeom>
+              <a:noFill/>
+            </p:spPr>
+            <p:txBody>
+              <a:bodyPr wrap="none" rtlCol="0">
+                <a:spAutoFit/>
+              </a:bodyPr>
+              <a:lstStyle/>
+              <a:p>
+                <a:pPr/>
+                <a14:m>
+                  <m:oMathPara xmlns:m="http://schemas.openxmlformats.org/officeDocument/2006/math">
+                    <m:oMathParaPr>
+                      <m:jc m:val="centerGroup"/>
+                    </m:oMathParaPr>
+                    <m:oMath xmlns:m="http://schemas.openxmlformats.org/officeDocument/2006/math">
+                      <m:sSub>
+                        <m:sSubPr>
+                          <m:ctrlPr>
+                            <a:rPr lang="en-US" i="1" smtClean="0">
+                              <a:latin typeface="Cambria Math" panose="02040503050406030204" pitchFamily="18" charset="0"/>
+                            </a:rPr>
+                          </m:ctrlPr>
+                        </m:sSubPr>
+                        <m:e>
+                          <m:acc>
+                            <m:accPr>
+                              <m:chr m:val="̇"/>
+                              <m:ctrlPr>
+                                <a:rPr lang="en-US" i="1" smtClean="0">
+                                  <a:latin typeface="Cambria Math" panose="02040503050406030204" pitchFamily="18" charset="0"/>
+                                </a:rPr>
+                              </m:ctrlPr>
+                            </m:accPr>
+                            <m:e>
+                              <m:r>
+                                <a:rPr lang="en-US" i="1">
+                                  <a:latin typeface="Cambria Math" panose="02040503050406030204" pitchFamily="18" charset="0"/>
+                                </a:rPr>
+                                <m:t>𝑄</m:t>
+                              </m:r>
+                            </m:e>
+                          </m:acc>
+                        </m:e>
+                        <m:sub>
+                          <m:r>
+                            <a:rPr lang="en-US" b="0" i="1" smtClean="0">
+                              <a:latin typeface="Cambria Math" panose="02040503050406030204" pitchFamily="18" charset="0"/>
+                            </a:rPr>
+                            <m:t>𝑟𝑎𝑑</m:t>
+                          </m:r>
+                        </m:sub>
+                      </m:sSub>
+                    </m:oMath>
+                  </m:oMathPara>
+                </a14:m>
+                <a:endParaRPr lang="en-US" dirty="0"/>
+              </a:p>
+            </p:txBody>
+          </p:sp>
+        </mc:Choice>
+        <mc:Fallback>
+          <p:sp>
+            <p:nvSpPr>
+              <p:cNvPr id="32" name="TextBox 31">
+                <a:extLst>
+                  <a:ext uri="{FF2B5EF4-FFF2-40B4-BE49-F238E27FC236}">
+                    <a16:creationId xmlns:a16="http://schemas.microsoft.com/office/drawing/2014/main" id="{2928CD3B-3C3A-46D9-B69A-B1020FCF4589}"/>
+                  </a:ext>
+                </a:extLst>
+              </p:cNvPr>
+              <p:cNvSpPr txBox="1">
+                <a:spLocks noRot="1" noChangeAspect="1" noMove="1" noResize="1" noEditPoints="1" noAdjustHandles="1" noChangeArrowheads="1" noChangeShapeType="1" noTextEdit="1"/>
+              </p:cNvSpPr>
+              <p:nvPr/>
+            </p:nvSpPr>
+            <p:spPr>
+              <a:xfrm>
+                <a:off x="4127258" y="1676939"/>
+                <a:ext cx="703590" cy="379848"/>
+              </a:xfrm>
+              <a:prstGeom prst="rect">
+                <a:avLst/>
+              </a:prstGeom>
+              <a:blipFill>
+                <a:blip r:embed="rId11"/>
+                <a:stretch>
+                  <a:fillRect b="-11290"/>
+                </a:stretch>
+              </a:blipFill>
+            </p:spPr>
+            <p:txBody>
+              <a:bodyPr/>
+              <a:lstStyle/>
+              <a:p>
+                <a:r>
+                  <a:rPr lang="en-US">
+                    <a:noFill/>
+                  </a:rPr>
+                  <a:t> </a:t>
+                </a:r>
+              </a:p>
+            </p:txBody>
+          </p:sp>
+        </mc:Fallback>
+      </mc:AlternateContent>
+      <p:cxnSp>
+        <p:nvCxnSpPr>
+          <p:cNvPr id="33" name="Straight Arrow Connector 32">
+            <a:extLst>
+              <a:ext uri="{FF2B5EF4-FFF2-40B4-BE49-F238E27FC236}">
+                <a16:creationId xmlns:a16="http://schemas.microsoft.com/office/drawing/2014/main" id="{38C635A8-1353-47A4-AA3D-C4CE6FDAA37A}"/>
+              </a:ext>
+            </a:extLst>
+          </p:cNvPr>
+          <p:cNvCxnSpPr>
+            <a:cxnSpLocks/>
+            <a:stCxn id="32" idx="0"/>
+          </p:cNvCxnSpPr>
+          <p:nvPr/>
+        </p:nvCxnSpPr>
+        <p:spPr>
+          <a:xfrm flipV="1">
+            <a:off x="4479053" y="900789"/>
+            <a:ext cx="1015305" cy="776150"/>
+          </a:xfrm>
+          <a:prstGeom prst="straightConnector1">
+            <a:avLst/>
+          </a:prstGeom>
+          <a:ln w="28575">
+            <a:solidFill>
+              <a:schemeClr val="tx1"/>
+            </a:solidFill>
+            <a:prstDash val="solid"/>
+            <a:tailEnd type="triangle"/>
+          </a:ln>
+        </p:spPr>
+        <p:style>
+          <a:lnRef idx="1">
+            <a:schemeClr val="accent1"/>
+          </a:lnRef>
+          <a:fillRef idx="0">
+            <a:schemeClr val="accent1"/>
+          </a:fillRef>
+          <a:effectRef idx="0">
+            <a:schemeClr val="accent1"/>
+          </a:effectRef>
+          <a:fontRef idx="minor">
+            <a:schemeClr val="tx1"/>
+          </a:fontRef>
+        </p:style>
+      </p:cxnSp>
+      <mc:AlternateContent xmlns:mc="http://schemas.openxmlformats.org/markup-compatibility/2006">
+        <mc:Choice xmlns:a14="http://schemas.microsoft.com/office/drawing/2010/main" Requires="a14">
+          <p:sp>
+            <p:nvSpPr>
+              <p:cNvPr id="34" name="TextBox 33">
+                <a:extLst>
+                  <a:ext uri="{FF2B5EF4-FFF2-40B4-BE49-F238E27FC236}">
+                    <a16:creationId xmlns:a16="http://schemas.microsoft.com/office/drawing/2014/main" id="{DB7DC89A-2290-4B18-AB2D-62B05A781761}"/>
+                  </a:ext>
+                </a:extLst>
+              </p:cNvPr>
+              <p:cNvSpPr txBox="1"/>
+              <p:nvPr/>
+            </p:nvSpPr>
+            <p:spPr>
+              <a:xfrm>
+                <a:off x="1743005" y="246478"/>
+                <a:ext cx="1226746" cy="381515"/>
+              </a:xfrm>
+              <a:prstGeom prst="rect">
+                <a:avLst/>
+              </a:prstGeom>
+              <a:noFill/>
+            </p:spPr>
+            <p:txBody>
+              <a:bodyPr wrap="none" rtlCol="0">
+                <a:spAutoFit/>
+              </a:bodyPr>
+              <a:lstStyle/>
+              <a:p>
+                <a:pPr/>
+                <a14:m>
+                  <m:oMathPara xmlns:m="http://schemas.openxmlformats.org/officeDocument/2006/math">
+                    <m:oMathParaPr>
+                      <m:jc m:val="centerGroup"/>
+                    </m:oMathParaPr>
+                    <m:oMath xmlns:m="http://schemas.openxmlformats.org/officeDocument/2006/math">
+                      <m:sSub>
+                        <m:sSubPr>
+                          <m:ctrlPr>
+                            <a:rPr lang="en-US" b="0" i="1" smtClean="0">
+                              <a:latin typeface="Cambria Math" panose="02040503050406030204" pitchFamily="18" charset="0"/>
+                            </a:rPr>
+                          </m:ctrlPr>
+                        </m:sSubPr>
+                        <m:e>
+                          <m:r>
+                            <a:rPr lang="en-US" b="0" i="1" smtClean="0">
+                              <a:latin typeface="Cambria Math" panose="02040503050406030204" pitchFamily="18" charset="0"/>
+                            </a:rPr>
+                            <m:t>𝑅</m:t>
+                          </m:r>
+                        </m:e>
+                        <m:sub>
+                          <m:r>
+                            <a:rPr lang="en-US" b="0" i="1" smtClean="0">
+                              <a:latin typeface="Cambria Math" panose="02040503050406030204" pitchFamily="18" charset="0"/>
+                            </a:rPr>
+                            <m:t>𝑟𝑜𝑜𝑚</m:t>
+                          </m:r>
+                          <m:r>
+                            <a:rPr lang="en-US" b="0" i="1" smtClean="0">
+                              <a:latin typeface="Cambria Math" panose="02040503050406030204" pitchFamily="18" charset="0"/>
+                            </a:rPr>
+                            <m:t>, </m:t>
+                          </m:r>
+                          <m:r>
+                            <a:rPr lang="en-US" b="0" i="1" smtClean="0">
+                              <a:latin typeface="Cambria Math" panose="02040503050406030204" pitchFamily="18" charset="0"/>
+                            </a:rPr>
+                            <m:t>𝑠𝑙𝑎𝑏</m:t>
+                          </m:r>
+                        </m:sub>
+                      </m:sSub>
+                    </m:oMath>
+                  </m:oMathPara>
+                </a14:m>
+                <a:endParaRPr lang="en-US" dirty="0"/>
+              </a:p>
+            </p:txBody>
+          </p:sp>
+        </mc:Choice>
+        <mc:Fallback>
+          <p:sp>
+            <p:nvSpPr>
+              <p:cNvPr id="34" name="TextBox 33">
+                <a:extLst>
+                  <a:ext uri="{FF2B5EF4-FFF2-40B4-BE49-F238E27FC236}">
+                    <a16:creationId xmlns:a16="http://schemas.microsoft.com/office/drawing/2014/main" id="{DB7DC89A-2290-4B18-AB2D-62B05A781761}"/>
+                  </a:ext>
+                </a:extLst>
+              </p:cNvPr>
+              <p:cNvSpPr txBox="1">
+                <a:spLocks noRot="1" noChangeAspect="1" noMove="1" noResize="1" noEditPoints="1" noAdjustHandles="1" noChangeArrowheads="1" noChangeShapeType="1" noTextEdit="1"/>
+              </p:cNvSpPr>
+              <p:nvPr/>
+            </p:nvSpPr>
+            <p:spPr>
+              <a:xfrm>
+                <a:off x="1743005" y="246478"/>
+                <a:ext cx="1226746" cy="381515"/>
+              </a:xfrm>
+              <a:prstGeom prst="rect">
+                <a:avLst/>
+              </a:prstGeom>
+              <a:blipFill>
+                <a:blip r:embed="rId12"/>
+                <a:stretch>
+                  <a:fillRect/>
+                </a:stretch>
+              </a:blipFill>
+            </p:spPr>
+            <p:txBody>
+              <a:bodyPr/>
+              <a:lstStyle/>
+              <a:p>
+                <a:r>
+                  <a:rPr lang="en-US">
+                    <a:noFill/>
+                  </a:rPr>
+                  <a:t> </a:t>
+                </a:r>
+              </a:p>
+            </p:txBody>
+          </p:sp>
+        </mc:Fallback>
+      </mc:AlternateContent>
+      <mc:AlternateContent xmlns:mc="http://schemas.openxmlformats.org/markup-compatibility/2006">
+        <mc:Choice xmlns:a14="http://schemas.microsoft.com/office/drawing/2010/main" Requires="a14">
+          <p:sp>
+            <p:nvSpPr>
+              <p:cNvPr id="35" name="TextBox 34">
+                <a:extLst>
+                  <a:ext uri="{FF2B5EF4-FFF2-40B4-BE49-F238E27FC236}">
+                    <a16:creationId xmlns:a16="http://schemas.microsoft.com/office/drawing/2014/main" id="{6E3CD21C-0366-4897-8BAA-695BE11E9C7B}"/>
+                  </a:ext>
+                </a:extLst>
+              </p:cNvPr>
+              <p:cNvSpPr txBox="1"/>
+              <p:nvPr/>
+            </p:nvSpPr>
+            <p:spPr>
+              <a:xfrm>
+                <a:off x="4012210" y="243808"/>
+                <a:ext cx="1339534" cy="381515"/>
+              </a:xfrm>
+              <a:prstGeom prst="rect">
+                <a:avLst/>
+              </a:prstGeom>
+              <a:noFill/>
+            </p:spPr>
+            <p:txBody>
+              <a:bodyPr wrap="none" rtlCol="0">
+                <a:spAutoFit/>
+              </a:bodyPr>
+              <a:lstStyle/>
+              <a:p>
+                <a:pPr/>
+                <a14:m>
+                  <m:oMathPara xmlns:m="http://schemas.openxmlformats.org/officeDocument/2006/math">
+                    <m:oMathParaPr>
+                      <m:jc m:val="centerGroup"/>
+                    </m:oMathParaPr>
+                    <m:oMath xmlns:m="http://schemas.openxmlformats.org/officeDocument/2006/math">
+                      <m:sSub>
+                        <m:sSubPr>
+                          <m:ctrlPr>
+                            <a:rPr lang="en-US" b="0" i="1" smtClean="0">
+                              <a:latin typeface="Cambria Math" panose="02040503050406030204" pitchFamily="18" charset="0"/>
+                            </a:rPr>
+                          </m:ctrlPr>
+                        </m:sSubPr>
+                        <m:e>
+                          <m:r>
+                            <a:rPr lang="en-US" b="0" i="1" smtClean="0">
+                              <a:latin typeface="Cambria Math" panose="02040503050406030204" pitchFamily="18" charset="0"/>
+                            </a:rPr>
+                            <m:t>𝑅</m:t>
+                          </m:r>
+                        </m:e>
+                        <m:sub>
+                          <m:r>
+                            <a:rPr lang="en-US" b="0" i="1" smtClean="0">
+                              <a:latin typeface="Cambria Math" panose="02040503050406030204" pitchFamily="18" charset="0"/>
+                            </a:rPr>
+                            <m:t>𝑠𝑙𝑎𝑏</m:t>
+                          </m:r>
+                          <m:r>
+                            <a:rPr lang="en-US" b="0" i="1" smtClean="0">
+                              <a:latin typeface="Cambria Math" panose="02040503050406030204" pitchFamily="18" charset="0"/>
+                            </a:rPr>
+                            <m:t>, </m:t>
+                          </m:r>
+                          <m:r>
+                            <a:rPr lang="en-US" b="0" i="1" smtClean="0">
+                              <a:latin typeface="Cambria Math" panose="02040503050406030204" pitchFamily="18" charset="0"/>
+                            </a:rPr>
+                            <m:t>𝑠𝑜𝑢𝑟𝑐𝑒</m:t>
+                          </m:r>
+                        </m:sub>
+                      </m:sSub>
+                    </m:oMath>
+                  </m:oMathPara>
+                </a14:m>
+                <a:endParaRPr lang="en-US" dirty="0"/>
+              </a:p>
+            </p:txBody>
+          </p:sp>
+        </mc:Choice>
+        <mc:Fallback>
+          <p:sp>
+            <p:nvSpPr>
+              <p:cNvPr id="35" name="TextBox 34">
+                <a:extLst>
+                  <a:ext uri="{FF2B5EF4-FFF2-40B4-BE49-F238E27FC236}">
+                    <a16:creationId xmlns:a16="http://schemas.microsoft.com/office/drawing/2014/main" id="{6E3CD21C-0366-4897-8BAA-695BE11E9C7B}"/>
+                  </a:ext>
+                </a:extLst>
+              </p:cNvPr>
+              <p:cNvSpPr txBox="1">
+                <a:spLocks noRot="1" noChangeAspect="1" noMove="1" noResize="1" noEditPoints="1" noAdjustHandles="1" noChangeArrowheads="1" noChangeShapeType="1" noTextEdit="1"/>
+              </p:cNvSpPr>
+              <p:nvPr/>
+            </p:nvSpPr>
+            <p:spPr>
+              <a:xfrm>
+                <a:off x="4012210" y="243808"/>
+                <a:ext cx="1339534" cy="381515"/>
+              </a:xfrm>
+              <a:prstGeom prst="rect">
+                <a:avLst/>
+              </a:prstGeom>
+              <a:blipFill>
+                <a:blip r:embed="rId13"/>
+                <a:stretch>
+                  <a:fillRect/>
+                </a:stretch>
+              </a:blipFill>
+            </p:spPr>
+            <p:txBody>
+              <a:bodyPr/>
+              <a:lstStyle/>
+              <a:p>
+                <a:r>
+                  <a:rPr lang="en-US">
+                    <a:noFill/>
+                  </a:rPr>
+                  <a:t> </a:t>
+                </a:r>
+              </a:p>
+            </p:txBody>
+          </p:sp>
+        </mc:Fallback>
+      </mc:AlternateContent>
+      <mc:AlternateContent xmlns:mc="http://schemas.openxmlformats.org/markup-compatibility/2006">
+        <mc:Choice xmlns:a14="http://schemas.microsoft.com/office/drawing/2010/main" Requires="a14">
+          <p:sp>
+            <p:nvSpPr>
+              <p:cNvPr id="36" name="TextBox 35">
+                <a:extLst>
+                  <a:ext uri="{FF2B5EF4-FFF2-40B4-BE49-F238E27FC236}">
+                    <a16:creationId xmlns:a16="http://schemas.microsoft.com/office/drawing/2014/main" id="{314162CF-DF3C-445B-9112-42B98C7529F0}"/>
+                  </a:ext>
+                </a:extLst>
+              </p:cNvPr>
+              <p:cNvSpPr txBox="1"/>
+              <p:nvPr/>
+            </p:nvSpPr>
+            <p:spPr>
+              <a:xfrm>
+                <a:off x="6198970" y="240079"/>
+                <a:ext cx="1344792" cy="381515"/>
+              </a:xfrm>
+              <a:prstGeom prst="rect">
+                <a:avLst/>
+              </a:prstGeom>
+              <a:noFill/>
+            </p:spPr>
+            <p:txBody>
+              <a:bodyPr wrap="none" rtlCol="0">
+                <a:spAutoFit/>
+              </a:bodyPr>
+              <a:lstStyle/>
+              <a:p>
+                <a:pPr/>
+                <a14:m>
+                  <m:oMathPara xmlns:m="http://schemas.openxmlformats.org/officeDocument/2006/math">
+                    <m:oMathParaPr>
+                      <m:jc m:val="centerGroup"/>
+                    </m:oMathParaPr>
+                    <m:oMath xmlns:m="http://schemas.openxmlformats.org/officeDocument/2006/math">
+                      <m:sSub>
+                        <m:sSubPr>
+                          <m:ctrlPr>
+                            <a:rPr lang="en-US" b="0" i="1" smtClean="0">
+                              <a:latin typeface="Cambria Math" panose="02040503050406030204" pitchFamily="18" charset="0"/>
+                            </a:rPr>
+                          </m:ctrlPr>
+                        </m:sSubPr>
+                        <m:e>
+                          <m:r>
+                            <a:rPr lang="en-US" b="0" i="1" smtClean="0">
+                              <a:latin typeface="Cambria Math" panose="02040503050406030204" pitchFamily="18" charset="0"/>
+                            </a:rPr>
+                            <m:t>𝑅</m:t>
+                          </m:r>
+                        </m:e>
+                        <m:sub>
+                          <m:r>
+                            <a:rPr lang="en-US" b="0" i="1" smtClean="0">
+                              <a:latin typeface="Cambria Math" panose="02040503050406030204" pitchFamily="18" charset="0"/>
+                            </a:rPr>
+                            <m:t>𝑠𝑜𝑢𝑟𝑐𝑒</m:t>
+                          </m:r>
+                          <m:r>
+                            <a:rPr lang="en-US" b="0" i="1" smtClean="0">
+                              <a:latin typeface="Cambria Math" panose="02040503050406030204" pitchFamily="18" charset="0"/>
+                            </a:rPr>
+                            <m:t>,  </m:t>
+                          </m:r>
+                          <m:r>
+                            <a:rPr lang="en-US" b="0" i="1" smtClean="0">
+                              <a:latin typeface="Cambria Math" panose="02040503050406030204" pitchFamily="18" charset="0"/>
+                            </a:rPr>
+                            <m:t>𝑠𝑖𝑛𝑘</m:t>
+                          </m:r>
+                        </m:sub>
+                      </m:sSub>
+                    </m:oMath>
+                  </m:oMathPara>
+                </a14:m>
+                <a:endParaRPr lang="en-US" dirty="0"/>
+              </a:p>
+            </p:txBody>
+          </p:sp>
+        </mc:Choice>
+        <mc:Fallback>
+          <p:sp>
+            <p:nvSpPr>
+              <p:cNvPr id="36" name="TextBox 35">
+                <a:extLst>
+                  <a:ext uri="{FF2B5EF4-FFF2-40B4-BE49-F238E27FC236}">
+                    <a16:creationId xmlns:a16="http://schemas.microsoft.com/office/drawing/2014/main" id="{314162CF-DF3C-445B-9112-42B98C7529F0}"/>
+                  </a:ext>
+                </a:extLst>
+              </p:cNvPr>
+              <p:cNvSpPr txBox="1">
+                <a:spLocks noRot="1" noChangeAspect="1" noMove="1" noResize="1" noEditPoints="1" noAdjustHandles="1" noChangeArrowheads="1" noChangeShapeType="1" noTextEdit="1"/>
+              </p:cNvSpPr>
+              <p:nvPr/>
+            </p:nvSpPr>
+            <p:spPr>
+              <a:xfrm>
+                <a:off x="6198970" y="240079"/>
+                <a:ext cx="1344792" cy="381515"/>
+              </a:xfrm>
+              <a:prstGeom prst="rect">
+                <a:avLst/>
+              </a:prstGeom>
+              <a:blipFill>
+                <a:blip r:embed="rId14"/>
+                <a:stretch>
+                  <a:fillRect/>
+                </a:stretch>
+              </a:blipFill>
+            </p:spPr>
+            <p:txBody>
+              <a:bodyPr/>
+              <a:lstStyle/>
+              <a:p>
+                <a:r>
+                  <a:rPr lang="en-US">
+                    <a:noFill/>
+                  </a:rPr>
+                  <a:t> </a:t>
+                </a:r>
+              </a:p>
+            </p:txBody>
+          </p:sp>
+        </mc:Fallback>
+      </mc:AlternateContent>
+    </p:spTree>
+    <p:extLst>
+      <p:ext uri="{BB962C8B-B14F-4D97-AF65-F5344CB8AC3E}">
+        <p14:creationId xmlns:p14="http://schemas.microsoft.com/office/powerpoint/2010/main" val="1780624120"/>
       </p:ext>
     </p:extLst>
   </p:cSld>

--- a/rc_network.pptx
+++ b/rc_network.pptx
@@ -5,17 +5,18 @@
     <p:sldMasterId id="2147483648" r:id="rId1"/>
   </p:sldMasterIdLst>
   <p:notesMasterIdLst>
-    <p:notesMasterId r:id="rId10"/>
+    <p:notesMasterId r:id="rId11"/>
   </p:notesMasterIdLst>
   <p:sldIdLst>
     <p:sldId id="263" r:id="rId2"/>
     <p:sldId id="264" r:id="rId3"/>
-    <p:sldId id="258" r:id="rId4"/>
-    <p:sldId id="256" r:id="rId5"/>
-    <p:sldId id="259" r:id="rId6"/>
-    <p:sldId id="257" r:id="rId7"/>
-    <p:sldId id="260" r:id="rId8"/>
-    <p:sldId id="262" r:id="rId9"/>
+    <p:sldId id="265" r:id="rId4"/>
+    <p:sldId id="258" r:id="rId5"/>
+    <p:sldId id="256" r:id="rId6"/>
+    <p:sldId id="259" r:id="rId7"/>
+    <p:sldId id="257" r:id="rId8"/>
+    <p:sldId id="260" r:id="rId9"/>
+    <p:sldId id="262" r:id="rId10"/>
   </p:sldIdLst>
   <p:sldSz cx="12192000" cy="6858000"/>
   <p:notesSz cx="6858000" cy="9144000"/>
@@ -125,6 +126,7 @@
         </p14:section>
         <p14:section name="Recycle" id="{BA297783-5C5E-4B9E-90AC-CBFD6EBA9D59}">
           <p14:sldIdLst>
+            <p14:sldId id="265"/>
             <p14:sldId id="258"/>
             <p14:sldId id="256"/>
             <p14:sldId id="259"/>
@@ -724,7 +726,91 @@
           <a:p>
             <a:fld id="{4FF7C6B7-E8BE-4FEB-82DC-CA66E372C333}" type="slidenum">
               <a:rPr lang="en-US" smtClean="0"/>
-              <a:t>4</a:t>
+              <a:t>3</a:t>
+            </a:fld>
+            <a:endParaRPr lang="en-US"/>
+          </a:p>
+        </p:txBody>
+      </p:sp>
+    </p:spTree>
+    <p:extLst>
+      <p:ext uri="{BB962C8B-B14F-4D97-AF65-F5344CB8AC3E}">
+        <p14:creationId xmlns:p14="http://schemas.microsoft.com/office/powerpoint/2010/main" val="2376399132"/>
+      </p:ext>
+    </p:extLst>
+  </p:cSld>
+  <p:clrMapOvr>
+    <a:masterClrMapping/>
+  </p:clrMapOvr>
+</p:notes>
+</file>
+
+<file path=ppt/notesSlides/notesSlide4.xml><?xml version="1.0" encoding="utf-8"?>
+<p:notes xmlns:a="http://schemas.openxmlformats.org/drawingml/2006/main" xmlns:r="http://schemas.openxmlformats.org/officeDocument/2006/relationships" xmlns:p="http://schemas.openxmlformats.org/presentationml/2006/main">
+  <p:cSld>
+    <p:spTree>
+      <p:nvGrpSpPr>
+        <p:cNvPr id="1" name=""/>
+        <p:cNvGrpSpPr/>
+        <p:nvPr/>
+      </p:nvGrpSpPr>
+      <p:grpSpPr>
+        <a:xfrm>
+          <a:off x="0" y="0"/>
+          <a:ext cx="0" cy="0"/>
+          <a:chOff x="0" y="0"/>
+          <a:chExt cx="0" cy="0"/>
+        </a:xfrm>
+      </p:grpSpPr>
+      <p:sp>
+        <p:nvSpPr>
+          <p:cNvPr id="2" name="Slide Image Placeholder 1"/>
+          <p:cNvSpPr>
+            <a:spLocks noGrp="1" noRot="1" noChangeAspect="1"/>
+          </p:cNvSpPr>
+          <p:nvPr>
+            <p:ph type="sldImg"/>
+          </p:nvPr>
+        </p:nvSpPr>
+        <p:spPr/>
+      </p:sp>
+      <p:sp>
+        <p:nvSpPr>
+          <p:cNvPr id="3" name="Notes Placeholder 2"/>
+          <p:cNvSpPr>
+            <a:spLocks noGrp="1"/>
+          </p:cNvSpPr>
+          <p:nvPr>
+            <p:ph type="body" idx="1"/>
+          </p:nvPr>
+        </p:nvSpPr>
+        <p:spPr/>
+        <p:txBody>
+          <a:bodyPr/>
+          <a:lstStyle/>
+          <a:p>
+            <a:endParaRPr lang="en-US" dirty="0"/>
+          </a:p>
+        </p:txBody>
+      </p:sp>
+      <p:sp>
+        <p:nvSpPr>
+          <p:cNvPr id="4" name="Slide Number Placeholder 3"/>
+          <p:cNvSpPr>
+            <a:spLocks noGrp="1"/>
+          </p:cNvSpPr>
+          <p:nvPr>
+            <p:ph type="sldNum" sz="quarter" idx="5"/>
+          </p:nvPr>
+        </p:nvSpPr>
+        <p:spPr/>
+        <p:txBody>
+          <a:bodyPr/>
+          <a:lstStyle/>
+          <a:p>
+            <a:fld id="{4FF7C6B7-E8BE-4FEB-82DC-CA66E372C333}" type="slidenum">
+              <a:rPr lang="en-US" smtClean="0"/>
+              <a:t>5</a:t>
             </a:fld>
             <a:endParaRPr lang="en-US"/>
           </a:p>
@@ -743,7 +829,7 @@
 </p:notes>
 </file>
 
-<file path=ppt/notesSlides/notesSlide4.xml><?xml version="1.0" encoding="utf-8"?>
+<file path=ppt/notesSlides/notesSlide5.xml><?xml version="1.0" encoding="utf-8"?>
 <p:notes xmlns:a="http://schemas.openxmlformats.org/drawingml/2006/main" xmlns:r="http://schemas.openxmlformats.org/officeDocument/2006/relationships" xmlns:p="http://schemas.openxmlformats.org/presentationml/2006/main">
   <p:cSld>
     <p:spTree>
@@ -808,7 +894,7 @@
           <a:p>
             <a:fld id="{4FF7C6B7-E8BE-4FEB-82DC-CA66E372C333}" type="slidenum">
               <a:rPr lang="en-US" smtClean="0"/>
-              <a:t>7</a:t>
+              <a:t>8</a:t>
             </a:fld>
             <a:endParaRPr lang="en-US"/>
           </a:p>
@@ -827,7 +913,7 @@
 </p:notes>
 </file>
 
-<file path=ppt/notesSlides/notesSlide5.xml><?xml version="1.0" encoding="utf-8"?>
+<file path=ppt/notesSlides/notesSlide6.xml><?xml version="1.0" encoding="utf-8"?>
 <p:notes xmlns:a="http://schemas.openxmlformats.org/drawingml/2006/main" xmlns:r="http://schemas.openxmlformats.org/officeDocument/2006/relationships" xmlns:p="http://schemas.openxmlformats.org/presentationml/2006/main">
   <p:cSld>
     <p:spTree>
@@ -892,7 +978,7 @@
           <a:p>
             <a:fld id="{4FF7C6B7-E8BE-4FEB-82DC-CA66E372C333}" type="slidenum">
               <a:rPr lang="en-US" smtClean="0"/>
-              <a:t>8</a:t>
+              <a:t>9</a:t>
             </a:fld>
             <a:endParaRPr lang="en-US"/>
           </a:p>
@@ -5565,8 +5651,8 @@
           </a:fontRef>
         </p:style>
       </p:cxnSp>
-      <mc:AlternateContent xmlns:mc="http://schemas.openxmlformats.org/markup-compatibility/2006">
-        <mc:Choice xmlns:a14="http://schemas.microsoft.com/office/drawing/2010/main" Requires="a14">
+      <mc:AlternateContent xmlns:mc="http://schemas.openxmlformats.org/markup-compatibility/2006" xmlns:a14="http://schemas.microsoft.com/office/drawing/2010/main">
+        <mc:Choice Requires="a14">
           <p:sp>
             <p:nvSpPr>
               <p:cNvPr id="58" name="TextBox 57">
@@ -5738,7 +5824,7 @@
             </p:txBody>
           </p:sp>
         </mc:Choice>
-        <mc:Fallback>
+        <mc:Fallback xmlns="">
           <p:sp>
             <p:nvSpPr>
               <p:cNvPr id="58" name="TextBox 57">
@@ -7206,8 +7292,8 @@
           </a:fontRef>
         </p:style>
       </p:cxnSp>
-      <mc:AlternateContent xmlns:mc="http://schemas.openxmlformats.org/markup-compatibility/2006">
-        <mc:Choice xmlns:a14="http://schemas.microsoft.com/office/drawing/2010/main" Requires="a14">
+      <mc:AlternateContent xmlns:mc="http://schemas.openxmlformats.org/markup-compatibility/2006" xmlns:a14="http://schemas.microsoft.com/office/drawing/2010/main">
+        <mc:Choice Requires="a14">
           <p:sp>
             <p:nvSpPr>
               <p:cNvPr id="60" name="TextBox 59">
@@ -7288,7 +7374,7 @@
             </p:txBody>
           </p:sp>
         </mc:Choice>
-        <mc:Fallback>
+        <mc:Fallback xmlns="">
           <p:sp>
             <p:nvSpPr>
               <p:cNvPr id="60" name="TextBox 59">
@@ -7879,8 +7965,8 @@
           </p:sp>
         </mc:Fallback>
       </mc:AlternateContent>
-      <mc:AlternateContent xmlns:mc="http://schemas.openxmlformats.org/markup-compatibility/2006">
-        <mc:Choice xmlns:a14="http://schemas.microsoft.com/office/drawing/2010/main" Requires="a14">
+      <mc:AlternateContent xmlns:mc="http://schemas.openxmlformats.org/markup-compatibility/2006" xmlns:a14="http://schemas.microsoft.com/office/drawing/2010/main">
+        <mc:Choice Requires="a14">
           <p:sp>
             <p:nvSpPr>
               <p:cNvPr id="47" name="TextBox 46">
@@ -7998,7 +8084,7 @@
             </p:txBody>
           </p:sp>
         </mc:Choice>
-        <mc:Fallback>
+        <mc:Fallback xmlns="">
           <p:sp>
             <p:nvSpPr>
               <p:cNvPr id="47" name="TextBox 46">
@@ -8057,6 +8143,4952 @@
 </file>
 
 <file path=ppt/slides/slide2.xml><?xml version="1.0" encoding="utf-8"?>
+<p:sld xmlns:a="http://schemas.openxmlformats.org/drawingml/2006/main" xmlns:r="http://schemas.openxmlformats.org/officeDocument/2006/relationships" xmlns:p="http://schemas.openxmlformats.org/presentationml/2006/main">
+  <p:cSld>
+    <p:spTree>
+      <p:nvGrpSpPr>
+        <p:cNvPr id="1" name=""/>
+        <p:cNvGrpSpPr/>
+        <p:nvPr/>
+      </p:nvGrpSpPr>
+      <p:grpSpPr>
+        <a:xfrm>
+          <a:off x="0" y="0"/>
+          <a:ext cx="0" cy="0"/>
+          <a:chOff x="0" y="0"/>
+          <a:chExt cx="0" cy="0"/>
+        </a:xfrm>
+      </p:grpSpPr>
+      <p:pic>
+        <p:nvPicPr>
+          <p:cNvPr id="96" name="Picture 95" descr="Shape&#10;&#10;Description automatically generated with medium confidence">
+            <a:extLst>
+              <a:ext uri="{FF2B5EF4-FFF2-40B4-BE49-F238E27FC236}">
+                <a16:creationId xmlns:a16="http://schemas.microsoft.com/office/drawing/2014/main" id="{9700032F-216B-470E-8C25-5B64D7B52FDE}"/>
+              </a:ext>
+            </a:extLst>
+          </p:cNvPr>
+          <p:cNvPicPr>
+            <a:picLocks noChangeAspect="1"/>
+          </p:cNvPicPr>
+          <p:nvPr/>
+        </p:nvPicPr>
+        <p:blipFill>
+          <a:blip r:embed="rId3">
+            <a:extLst>
+              <a:ext uri="{28A0092B-C50C-407E-A947-70E740481C1C}">
+                <a14:useLocalDpi xmlns:a14="http://schemas.microsoft.com/office/drawing/2010/main" val="0"/>
+              </a:ext>
+            </a:extLst>
+          </a:blip>
+          <a:stretch>
+            <a:fillRect/>
+          </a:stretch>
+        </p:blipFill>
+        <p:spPr>
+          <a:xfrm rot="16200000">
+            <a:off x="5684452" y="3574082"/>
+            <a:ext cx="1382481" cy="518430"/>
+          </a:xfrm>
+          <a:prstGeom prst="rect">
+            <a:avLst/>
+          </a:prstGeom>
+        </p:spPr>
+      </p:pic>
+      <p:pic>
+        <p:nvPicPr>
+          <p:cNvPr id="81" name="Picture 80" descr="Shape&#10;&#10;Description automatically generated with medium confidence">
+            <a:extLst>
+              <a:ext uri="{FF2B5EF4-FFF2-40B4-BE49-F238E27FC236}">
+                <a16:creationId xmlns:a16="http://schemas.microsoft.com/office/drawing/2014/main" id="{0F01C31A-A28E-441B-9022-D9B556862994}"/>
+              </a:ext>
+            </a:extLst>
+          </p:cNvPr>
+          <p:cNvPicPr>
+            <a:picLocks noChangeAspect="1"/>
+          </p:cNvPicPr>
+          <p:nvPr/>
+        </p:nvPicPr>
+        <p:blipFill>
+          <a:blip r:embed="rId3">
+            <a:extLst>
+              <a:ext uri="{28A0092B-C50C-407E-A947-70E740481C1C}">
+                <a14:useLocalDpi xmlns:a14="http://schemas.microsoft.com/office/drawing/2010/main" val="0"/>
+              </a:ext>
+            </a:extLst>
+          </a:blip>
+          <a:stretch>
+            <a:fillRect/>
+          </a:stretch>
+        </p:blipFill>
+        <p:spPr>
+          <a:xfrm>
+            <a:off x="7890249" y="2891917"/>
+            <a:ext cx="1787083" cy="670156"/>
+          </a:xfrm>
+          <a:prstGeom prst="rect">
+            <a:avLst/>
+          </a:prstGeom>
+        </p:spPr>
+      </p:pic>
+      <p:pic>
+        <p:nvPicPr>
+          <p:cNvPr id="71" name="Picture 70" descr="Shape&#10;&#10;Description automatically generated with medium confidence">
+            <a:extLst>
+              <a:ext uri="{FF2B5EF4-FFF2-40B4-BE49-F238E27FC236}">
+                <a16:creationId xmlns:a16="http://schemas.microsoft.com/office/drawing/2014/main" id="{0209290C-D320-49C7-90E9-2296E0860A1C}"/>
+              </a:ext>
+            </a:extLst>
+          </p:cNvPr>
+          <p:cNvPicPr>
+            <a:picLocks noChangeAspect="1"/>
+          </p:cNvPicPr>
+          <p:nvPr/>
+        </p:nvPicPr>
+        <p:blipFill>
+          <a:blip r:embed="rId3">
+            <a:extLst>
+              <a:ext uri="{28A0092B-C50C-407E-A947-70E740481C1C}">
+                <a14:useLocalDpi xmlns:a14="http://schemas.microsoft.com/office/drawing/2010/main" val="0"/>
+              </a:ext>
+            </a:extLst>
+          </a:blip>
+          <a:stretch>
+            <a:fillRect/>
+          </a:stretch>
+        </p:blipFill>
+        <p:spPr>
+          <a:xfrm rot="5400000">
+            <a:off x="5931766" y="2635251"/>
+            <a:ext cx="879400" cy="355085"/>
+          </a:xfrm>
+          <a:prstGeom prst="rect">
+            <a:avLst/>
+          </a:prstGeom>
+        </p:spPr>
+      </p:pic>
+      <p:pic>
+        <p:nvPicPr>
+          <p:cNvPr id="74" name="Picture 73" descr="Shape&#10;&#10;Description automatically generated with medium confidence">
+            <a:extLst>
+              <a:ext uri="{FF2B5EF4-FFF2-40B4-BE49-F238E27FC236}">
+                <a16:creationId xmlns:a16="http://schemas.microsoft.com/office/drawing/2014/main" id="{2115F87C-4687-4D26-B13F-DC42EF994E68}"/>
+              </a:ext>
+            </a:extLst>
+          </p:cNvPr>
+          <p:cNvPicPr>
+            <a:picLocks noChangeAspect="1"/>
+          </p:cNvPicPr>
+          <p:nvPr/>
+        </p:nvPicPr>
+        <p:blipFill>
+          <a:blip r:embed="rId3">
+            <a:extLst>
+              <a:ext uri="{28A0092B-C50C-407E-A947-70E740481C1C}">
+                <a14:useLocalDpi xmlns:a14="http://schemas.microsoft.com/office/drawing/2010/main" val="0"/>
+              </a:ext>
+            </a:extLst>
+          </a:blip>
+          <a:stretch>
+            <a:fillRect/>
+          </a:stretch>
+        </p:blipFill>
+        <p:spPr>
+          <a:xfrm>
+            <a:off x="6286574" y="2894641"/>
+            <a:ext cx="1787083" cy="670156"/>
+          </a:xfrm>
+          <a:prstGeom prst="rect">
+            <a:avLst/>
+          </a:prstGeom>
+        </p:spPr>
+      </p:pic>
+      <p:pic>
+        <p:nvPicPr>
+          <p:cNvPr id="87" name="Picture 86" descr="Shape&#10;&#10;Description automatically generated with medium confidence">
+            <a:extLst>
+              <a:ext uri="{FF2B5EF4-FFF2-40B4-BE49-F238E27FC236}">
+                <a16:creationId xmlns:a16="http://schemas.microsoft.com/office/drawing/2014/main" id="{26A7443A-EA96-4413-9E5F-68C06EDA7CA5}"/>
+              </a:ext>
+            </a:extLst>
+          </p:cNvPr>
+          <p:cNvPicPr>
+            <a:picLocks noChangeAspect="1"/>
+          </p:cNvPicPr>
+          <p:nvPr/>
+        </p:nvPicPr>
+        <p:blipFill>
+          <a:blip r:embed="rId3">
+            <a:extLst>
+              <a:ext uri="{28A0092B-C50C-407E-A947-70E740481C1C}">
+                <a14:useLocalDpi xmlns:a14="http://schemas.microsoft.com/office/drawing/2010/main" val="0"/>
+              </a:ext>
+            </a:extLst>
+          </a:blip>
+          <a:stretch>
+            <a:fillRect/>
+          </a:stretch>
+        </p:blipFill>
+        <p:spPr>
+          <a:xfrm rot="5400000">
+            <a:off x="5899598" y="762137"/>
+            <a:ext cx="946892" cy="355085"/>
+          </a:xfrm>
+          <a:prstGeom prst="rect">
+            <a:avLst/>
+          </a:prstGeom>
+        </p:spPr>
+      </p:pic>
+      <p:pic>
+        <p:nvPicPr>
+          <p:cNvPr id="56" name="Picture 55" descr="Shape&#10;&#10;Description automatically generated with medium confidence">
+            <a:extLst>
+              <a:ext uri="{FF2B5EF4-FFF2-40B4-BE49-F238E27FC236}">
+                <a16:creationId xmlns:a16="http://schemas.microsoft.com/office/drawing/2014/main" id="{93C2F214-CB7E-4F79-9646-2A56AAD61FBF}"/>
+              </a:ext>
+            </a:extLst>
+          </p:cNvPr>
+          <p:cNvPicPr>
+            <a:picLocks noChangeAspect="1"/>
+          </p:cNvPicPr>
+          <p:nvPr/>
+        </p:nvPicPr>
+        <p:blipFill>
+          <a:blip r:embed="rId3">
+            <a:extLst>
+              <a:ext uri="{28A0092B-C50C-407E-A947-70E740481C1C}">
+                <a14:useLocalDpi xmlns:a14="http://schemas.microsoft.com/office/drawing/2010/main" val="0"/>
+              </a:ext>
+            </a:extLst>
+          </a:blip>
+          <a:stretch>
+            <a:fillRect/>
+          </a:stretch>
+        </p:blipFill>
+        <p:spPr>
+          <a:xfrm rot="5400000">
+            <a:off x="5898020" y="1706455"/>
+            <a:ext cx="946892" cy="355085"/>
+          </a:xfrm>
+          <a:prstGeom prst="rect">
+            <a:avLst/>
+          </a:prstGeom>
+        </p:spPr>
+      </p:pic>
+      <p:pic>
+        <p:nvPicPr>
+          <p:cNvPr id="61" name="Picture 60" descr="Shape&#10;&#10;Description automatically generated with medium confidence">
+            <a:extLst>
+              <a:ext uri="{FF2B5EF4-FFF2-40B4-BE49-F238E27FC236}">
+                <a16:creationId xmlns:a16="http://schemas.microsoft.com/office/drawing/2014/main" id="{581F1316-F495-4B84-9759-D2F3B182B629}"/>
+              </a:ext>
+            </a:extLst>
+          </p:cNvPr>
+          <p:cNvPicPr>
+            <a:picLocks noChangeAspect="1"/>
+          </p:cNvPicPr>
+          <p:nvPr/>
+        </p:nvPicPr>
+        <p:blipFill>
+          <a:blip r:embed="rId3">
+            <a:extLst>
+              <a:ext uri="{28A0092B-C50C-407E-A947-70E740481C1C}">
+                <a14:useLocalDpi xmlns:a14="http://schemas.microsoft.com/office/drawing/2010/main" val="0"/>
+              </a:ext>
+            </a:extLst>
+          </a:blip>
+          <a:stretch>
+            <a:fillRect/>
+          </a:stretch>
+        </p:blipFill>
+        <p:spPr>
+          <a:xfrm>
+            <a:off x="4481120" y="2880357"/>
+            <a:ext cx="1787083" cy="670156"/>
+          </a:xfrm>
+          <a:prstGeom prst="rect">
+            <a:avLst/>
+          </a:prstGeom>
+        </p:spPr>
+      </p:pic>
+      <p:sp>
+        <p:nvSpPr>
+          <p:cNvPr id="6" name="Oval 5">
+            <a:extLst>
+              <a:ext uri="{FF2B5EF4-FFF2-40B4-BE49-F238E27FC236}">
+                <a16:creationId xmlns:a16="http://schemas.microsoft.com/office/drawing/2014/main" id="{A6AE69C9-0365-40B9-9B7D-AE878048CF7E}"/>
+              </a:ext>
+            </a:extLst>
+          </p:cNvPr>
+          <p:cNvSpPr/>
+          <p:nvPr/>
+        </p:nvSpPr>
+        <p:spPr>
+          <a:xfrm>
+            <a:off x="4383339" y="3087419"/>
+            <a:ext cx="265176" cy="256032"/>
+          </a:xfrm>
+          <a:prstGeom prst="ellipse">
+            <a:avLst/>
+          </a:prstGeom>
+          <a:solidFill>
+            <a:schemeClr val="tx1"/>
+          </a:solidFill>
+          <a:ln>
+            <a:solidFill>
+              <a:schemeClr val="tx1"/>
+            </a:solidFill>
+          </a:ln>
+        </p:spPr>
+        <p:style>
+          <a:lnRef idx="2">
+            <a:schemeClr val="accent1">
+              <a:shade val="50000"/>
+            </a:schemeClr>
+          </a:lnRef>
+          <a:fillRef idx="1">
+            <a:schemeClr val="accent1"/>
+          </a:fillRef>
+          <a:effectRef idx="0">
+            <a:schemeClr val="accent1"/>
+          </a:effectRef>
+          <a:fontRef idx="minor">
+            <a:schemeClr val="lt1"/>
+          </a:fontRef>
+        </p:style>
+        <p:txBody>
+          <a:bodyPr rtlCol="0" anchor="ctr"/>
+          <a:lstStyle/>
+          <a:p>
+            <a:pPr algn="ctr"/>
+            <a:endParaRPr lang="en-US"/>
+          </a:p>
+        </p:txBody>
+      </p:sp>
+      <p:sp>
+        <p:nvSpPr>
+          <p:cNvPr id="10" name="Oval 9">
+            <a:extLst>
+              <a:ext uri="{FF2B5EF4-FFF2-40B4-BE49-F238E27FC236}">
+                <a16:creationId xmlns:a16="http://schemas.microsoft.com/office/drawing/2014/main" id="{429DCA7E-57AF-49AE-BAE9-C77D29B82A98}"/>
+              </a:ext>
+            </a:extLst>
+          </p:cNvPr>
+          <p:cNvSpPr/>
+          <p:nvPr/>
+        </p:nvSpPr>
+        <p:spPr>
+          <a:xfrm>
+            <a:off x="6259449" y="3105232"/>
+            <a:ext cx="265176" cy="256032"/>
+          </a:xfrm>
+          <a:prstGeom prst="ellipse">
+            <a:avLst/>
+          </a:prstGeom>
+          <a:solidFill>
+            <a:schemeClr val="bg1"/>
+          </a:solidFill>
+          <a:ln>
+            <a:solidFill>
+              <a:schemeClr val="tx1"/>
+            </a:solidFill>
+          </a:ln>
+        </p:spPr>
+        <p:style>
+          <a:lnRef idx="2">
+            <a:schemeClr val="accent1">
+              <a:shade val="50000"/>
+            </a:schemeClr>
+          </a:lnRef>
+          <a:fillRef idx="1">
+            <a:schemeClr val="accent1"/>
+          </a:fillRef>
+          <a:effectRef idx="0">
+            <a:schemeClr val="accent1"/>
+          </a:effectRef>
+          <a:fontRef idx="minor">
+            <a:schemeClr val="lt1"/>
+          </a:fontRef>
+        </p:style>
+        <p:txBody>
+          <a:bodyPr rtlCol="0" anchor="ctr"/>
+          <a:lstStyle/>
+          <a:p>
+            <a:pPr algn="ctr"/>
+            <a:endParaRPr lang="en-US"/>
+          </a:p>
+        </p:txBody>
+      </p:sp>
+      <p:sp>
+        <p:nvSpPr>
+          <p:cNvPr id="13" name="Oval 12">
+            <a:extLst>
+              <a:ext uri="{FF2B5EF4-FFF2-40B4-BE49-F238E27FC236}">
+                <a16:creationId xmlns:a16="http://schemas.microsoft.com/office/drawing/2014/main" id="{633A4C6D-53E7-46E0-905D-5FF182FFCC1F}"/>
+              </a:ext>
+            </a:extLst>
+          </p:cNvPr>
+          <p:cNvSpPr/>
+          <p:nvPr/>
+        </p:nvSpPr>
+        <p:spPr>
+          <a:xfrm>
+            <a:off x="6244569" y="432652"/>
+            <a:ext cx="265176" cy="256032"/>
+          </a:xfrm>
+          <a:prstGeom prst="ellipse">
+            <a:avLst/>
+          </a:prstGeom>
+          <a:solidFill>
+            <a:schemeClr val="tx1"/>
+          </a:solidFill>
+          <a:ln>
+            <a:solidFill>
+              <a:schemeClr val="tx1"/>
+            </a:solidFill>
+          </a:ln>
+        </p:spPr>
+        <p:style>
+          <a:lnRef idx="2">
+            <a:schemeClr val="accent1">
+              <a:shade val="50000"/>
+            </a:schemeClr>
+          </a:lnRef>
+          <a:fillRef idx="1">
+            <a:schemeClr val="accent1"/>
+          </a:fillRef>
+          <a:effectRef idx="0">
+            <a:schemeClr val="accent1"/>
+          </a:effectRef>
+          <a:fontRef idx="minor">
+            <a:schemeClr val="lt1"/>
+          </a:fontRef>
+        </p:style>
+        <p:txBody>
+          <a:bodyPr rtlCol="0" anchor="ctr"/>
+          <a:lstStyle/>
+          <a:p>
+            <a:pPr algn="ctr"/>
+            <a:endParaRPr lang="en-US"/>
+          </a:p>
+        </p:txBody>
+      </p:sp>
+      <p:sp>
+        <p:nvSpPr>
+          <p:cNvPr id="16" name="Oval 15">
+            <a:extLst>
+              <a:ext uri="{FF2B5EF4-FFF2-40B4-BE49-F238E27FC236}">
+                <a16:creationId xmlns:a16="http://schemas.microsoft.com/office/drawing/2014/main" id="{2E346DAB-0F75-445C-9B92-5F306D90EEF3}"/>
+              </a:ext>
+            </a:extLst>
+          </p:cNvPr>
+          <p:cNvSpPr/>
+          <p:nvPr/>
+        </p:nvSpPr>
+        <p:spPr>
+          <a:xfrm>
+            <a:off x="6233721" y="4342712"/>
+            <a:ext cx="265176" cy="256032"/>
+          </a:xfrm>
+          <a:prstGeom prst="ellipse">
+            <a:avLst/>
+          </a:prstGeom>
+          <a:solidFill>
+            <a:schemeClr val="tx1"/>
+          </a:solidFill>
+          <a:ln>
+            <a:solidFill>
+              <a:schemeClr val="tx1"/>
+            </a:solidFill>
+          </a:ln>
+        </p:spPr>
+        <p:style>
+          <a:lnRef idx="2">
+            <a:schemeClr val="accent1">
+              <a:shade val="50000"/>
+            </a:schemeClr>
+          </a:lnRef>
+          <a:fillRef idx="1">
+            <a:schemeClr val="accent1"/>
+          </a:fillRef>
+          <a:effectRef idx="0">
+            <a:schemeClr val="accent1"/>
+          </a:effectRef>
+          <a:fontRef idx="minor">
+            <a:schemeClr val="lt1"/>
+          </a:fontRef>
+        </p:style>
+        <p:txBody>
+          <a:bodyPr rtlCol="0" anchor="ctr"/>
+          <a:lstStyle/>
+          <a:p>
+            <a:pPr algn="ctr"/>
+            <a:endParaRPr lang="en-US"/>
+          </a:p>
+        </p:txBody>
+      </p:sp>
+      <p:sp>
+        <p:nvSpPr>
+          <p:cNvPr id="18" name="Equals 17">
+            <a:extLst>
+              <a:ext uri="{FF2B5EF4-FFF2-40B4-BE49-F238E27FC236}">
+                <a16:creationId xmlns:a16="http://schemas.microsoft.com/office/drawing/2014/main" id="{2A240611-22A9-485F-A0A5-5F16DCEE6802}"/>
+              </a:ext>
+            </a:extLst>
+          </p:cNvPr>
+          <p:cNvSpPr/>
+          <p:nvPr/>
+        </p:nvSpPr>
+        <p:spPr>
+          <a:xfrm rot="18248981">
+            <a:off x="6592391" y="3354341"/>
+            <a:ext cx="377238" cy="131088"/>
+          </a:xfrm>
+          <a:prstGeom prst="mathEqual">
+            <a:avLst/>
+          </a:prstGeom>
+          <a:solidFill>
+            <a:schemeClr val="tx1"/>
+          </a:solidFill>
+          <a:ln w="6350">
+            <a:solidFill>
+              <a:schemeClr val="tx1"/>
+            </a:solidFill>
+          </a:ln>
+        </p:spPr>
+        <p:style>
+          <a:lnRef idx="2">
+            <a:schemeClr val="accent1">
+              <a:shade val="50000"/>
+            </a:schemeClr>
+          </a:lnRef>
+          <a:fillRef idx="1">
+            <a:schemeClr val="accent1"/>
+          </a:fillRef>
+          <a:effectRef idx="0">
+            <a:schemeClr val="accent1"/>
+          </a:effectRef>
+          <a:fontRef idx="minor">
+            <a:schemeClr val="lt1"/>
+          </a:fontRef>
+        </p:style>
+        <p:txBody>
+          <a:bodyPr rtlCol="0" anchor="ctr"/>
+          <a:lstStyle/>
+          <a:p>
+            <a:pPr algn="ctr"/>
+            <a:endParaRPr lang="en-US">
+              <a:solidFill>
+                <a:schemeClr val="tx1"/>
+              </a:solidFill>
+            </a:endParaRPr>
+          </a:p>
+        </p:txBody>
+      </p:sp>
+      <p:cxnSp>
+        <p:nvCxnSpPr>
+          <p:cNvPr id="31" name="Straight Connector 30">
+            <a:extLst>
+              <a:ext uri="{FF2B5EF4-FFF2-40B4-BE49-F238E27FC236}">
+                <a16:creationId xmlns:a16="http://schemas.microsoft.com/office/drawing/2014/main" id="{E129CBEE-9F0F-4634-9AEE-3812F68D8FA8}"/>
+              </a:ext>
+            </a:extLst>
+          </p:cNvPr>
+          <p:cNvCxnSpPr>
+            <a:cxnSpLocks/>
+          </p:cNvCxnSpPr>
+          <p:nvPr/>
+        </p:nvCxnSpPr>
+        <p:spPr>
+          <a:xfrm>
+            <a:off x="4648515" y="3215435"/>
+            <a:ext cx="163461" cy="0"/>
+          </a:xfrm>
+          <a:prstGeom prst="line">
+            <a:avLst/>
+          </a:prstGeom>
+          <a:ln w="57150">
+            <a:solidFill>
+              <a:schemeClr val="tx1"/>
+            </a:solidFill>
+          </a:ln>
+        </p:spPr>
+        <p:style>
+          <a:lnRef idx="1">
+            <a:schemeClr val="accent1"/>
+          </a:lnRef>
+          <a:fillRef idx="0">
+            <a:schemeClr val="accent1"/>
+          </a:fillRef>
+          <a:effectRef idx="0">
+            <a:schemeClr val="accent1"/>
+          </a:effectRef>
+          <a:fontRef idx="minor">
+            <a:schemeClr val="tx1"/>
+          </a:fontRef>
+        </p:style>
+      </p:cxnSp>
+      <p:cxnSp>
+        <p:nvCxnSpPr>
+          <p:cNvPr id="35" name="Straight Connector 34">
+            <a:extLst>
+              <a:ext uri="{FF2B5EF4-FFF2-40B4-BE49-F238E27FC236}">
+                <a16:creationId xmlns:a16="http://schemas.microsoft.com/office/drawing/2014/main" id="{29A7CFB3-A811-43C0-A51A-D9FFF581F789}"/>
+              </a:ext>
+            </a:extLst>
+          </p:cNvPr>
+          <p:cNvCxnSpPr>
+            <a:cxnSpLocks/>
+            <a:endCxn id="10" idx="2"/>
+          </p:cNvCxnSpPr>
+          <p:nvPr/>
+        </p:nvCxnSpPr>
+        <p:spPr>
+          <a:xfrm>
+            <a:off x="6015240" y="3233248"/>
+            <a:ext cx="244209" cy="0"/>
+          </a:xfrm>
+          <a:prstGeom prst="line">
+            <a:avLst/>
+          </a:prstGeom>
+          <a:ln w="57150">
+            <a:solidFill>
+              <a:schemeClr val="tx1"/>
+            </a:solidFill>
+          </a:ln>
+        </p:spPr>
+        <p:style>
+          <a:lnRef idx="1">
+            <a:schemeClr val="accent1"/>
+          </a:lnRef>
+          <a:fillRef idx="0">
+            <a:schemeClr val="accent1"/>
+          </a:fillRef>
+          <a:effectRef idx="0">
+            <a:schemeClr val="accent1"/>
+          </a:effectRef>
+          <a:fontRef idx="minor">
+            <a:schemeClr val="tx1"/>
+          </a:fontRef>
+        </p:style>
+      </p:cxnSp>
+      <p:cxnSp>
+        <p:nvCxnSpPr>
+          <p:cNvPr id="36" name="Straight Connector 35">
+            <a:extLst>
+              <a:ext uri="{FF2B5EF4-FFF2-40B4-BE49-F238E27FC236}">
+                <a16:creationId xmlns:a16="http://schemas.microsoft.com/office/drawing/2014/main" id="{F0E9E7E9-F64F-4A61-9F0A-8D2DEAC9BA7E}"/>
+              </a:ext>
+            </a:extLst>
+          </p:cNvPr>
+          <p:cNvCxnSpPr>
+            <a:cxnSpLocks/>
+            <a:stCxn id="10" idx="6"/>
+          </p:cNvCxnSpPr>
+          <p:nvPr/>
+        </p:nvCxnSpPr>
+        <p:spPr>
+          <a:xfrm>
+            <a:off x="6524625" y="3233248"/>
+            <a:ext cx="241193" cy="181895"/>
+          </a:xfrm>
+          <a:prstGeom prst="line">
+            <a:avLst/>
+          </a:prstGeom>
+          <a:ln w="19050">
+            <a:solidFill>
+              <a:schemeClr val="tx1"/>
+            </a:solidFill>
+          </a:ln>
+        </p:spPr>
+        <p:style>
+          <a:lnRef idx="1">
+            <a:schemeClr val="accent1"/>
+          </a:lnRef>
+          <a:fillRef idx="0">
+            <a:schemeClr val="accent1"/>
+          </a:fillRef>
+          <a:effectRef idx="0">
+            <a:schemeClr val="accent1"/>
+          </a:effectRef>
+          <a:fontRef idx="minor">
+            <a:schemeClr val="tx1"/>
+          </a:fontRef>
+        </p:style>
+      </p:cxnSp>
+      <mc:AlternateContent xmlns:mc="http://schemas.openxmlformats.org/markup-compatibility/2006">
+        <mc:Choice xmlns:a14="http://schemas.microsoft.com/office/drawing/2010/main" Requires="a14">
+          <p:sp>
+            <p:nvSpPr>
+              <p:cNvPr id="63" name="TextBox 62">
+                <a:extLst>
+                  <a:ext uri="{FF2B5EF4-FFF2-40B4-BE49-F238E27FC236}">
+                    <a16:creationId xmlns:a16="http://schemas.microsoft.com/office/drawing/2014/main" id="{5CF4D8ED-A043-4892-AF6E-F0C6A1F2B528}"/>
+                  </a:ext>
+                </a:extLst>
+              </p:cNvPr>
+              <p:cNvSpPr txBox="1"/>
+              <p:nvPr/>
+            </p:nvSpPr>
+            <p:spPr>
+              <a:xfrm>
+                <a:off x="4168915" y="2718087"/>
+                <a:ext cx="643061" cy="369332"/>
+              </a:xfrm>
+              <a:prstGeom prst="rect">
+                <a:avLst/>
+              </a:prstGeom>
+              <a:noFill/>
+            </p:spPr>
+            <p:txBody>
+              <a:bodyPr wrap="none" rtlCol="0">
+                <a:spAutoFit/>
+              </a:bodyPr>
+              <a:lstStyle/>
+              <a:p>
+                <a:pPr/>
+                <a14:m>
+                  <m:oMathPara xmlns:m="http://schemas.openxmlformats.org/officeDocument/2006/math">
+                    <m:oMathParaPr>
+                      <m:jc m:val="centerGroup"/>
+                    </m:oMathParaPr>
+                    <m:oMath xmlns:m="http://schemas.openxmlformats.org/officeDocument/2006/math">
+                      <m:sSub>
+                        <m:sSubPr>
+                          <m:ctrlPr>
+                            <a:rPr lang="en-US" b="0" i="1" smtClean="0">
+                              <a:latin typeface="Cambria Math" panose="02040503050406030204" pitchFamily="18" charset="0"/>
+                            </a:rPr>
+                          </m:ctrlPr>
+                        </m:sSubPr>
+                        <m:e>
+                          <m:r>
+                            <a:rPr lang="en-US" b="0" i="1" smtClean="0">
+                              <a:latin typeface="Cambria Math" panose="02040503050406030204" pitchFamily="18" charset="0"/>
+                            </a:rPr>
+                            <m:t>𝑇</m:t>
+                          </m:r>
+                        </m:e>
+                        <m:sub>
+                          <m:r>
+                            <a:rPr lang="en-US" b="0" i="1" smtClean="0">
+                              <a:latin typeface="Cambria Math" panose="02040503050406030204" pitchFamily="18" charset="0"/>
+                            </a:rPr>
+                            <m:t>𝑐𝑎𝑣</m:t>
+                          </m:r>
+                        </m:sub>
+                      </m:sSub>
+                    </m:oMath>
+                  </m:oMathPara>
+                </a14:m>
+                <a:endParaRPr lang="en-US" dirty="0"/>
+              </a:p>
+            </p:txBody>
+          </p:sp>
+        </mc:Choice>
+        <mc:Fallback>
+          <p:sp>
+            <p:nvSpPr>
+              <p:cNvPr id="63" name="TextBox 62">
+                <a:extLst>
+                  <a:ext uri="{FF2B5EF4-FFF2-40B4-BE49-F238E27FC236}">
+                    <a16:creationId xmlns:a16="http://schemas.microsoft.com/office/drawing/2014/main" id="{5CF4D8ED-A043-4892-AF6E-F0C6A1F2B528}"/>
+                  </a:ext>
+                </a:extLst>
+              </p:cNvPr>
+              <p:cNvSpPr txBox="1">
+                <a:spLocks noRot="1" noChangeAspect="1" noMove="1" noResize="1" noEditPoints="1" noAdjustHandles="1" noChangeArrowheads="1" noChangeShapeType="1" noTextEdit="1"/>
+              </p:cNvSpPr>
+              <p:nvPr/>
+            </p:nvSpPr>
+            <p:spPr>
+              <a:xfrm>
+                <a:off x="4168915" y="2718087"/>
+                <a:ext cx="643061" cy="369332"/>
+              </a:xfrm>
+              <a:prstGeom prst="rect">
+                <a:avLst/>
+              </a:prstGeom>
+              <a:blipFill>
+                <a:blip r:embed="rId4"/>
+                <a:stretch>
+                  <a:fillRect/>
+                </a:stretch>
+              </a:blipFill>
+            </p:spPr>
+            <p:txBody>
+              <a:bodyPr/>
+              <a:lstStyle/>
+              <a:p>
+                <a:r>
+                  <a:rPr lang="en-US">
+                    <a:noFill/>
+                  </a:rPr>
+                  <a:t> </a:t>
+                </a:r>
+              </a:p>
+            </p:txBody>
+          </p:sp>
+        </mc:Fallback>
+      </mc:AlternateContent>
+      <mc:AlternateContent xmlns:mc="http://schemas.openxmlformats.org/markup-compatibility/2006" xmlns:a14="http://schemas.microsoft.com/office/drawing/2010/main">
+        <mc:Choice Requires="a14">
+          <p:sp>
+            <p:nvSpPr>
+              <p:cNvPr id="65" name="TextBox 64">
+                <a:extLst>
+                  <a:ext uri="{FF2B5EF4-FFF2-40B4-BE49-F238E27FC236}">
+                    <a16:creationId xmlns:a16="http://schemas.microsoft.com/office/drawing/2014/main" id="{2CD39CC4-5B5C-4E18-8BA5-FE2582119B29}"/>
+                  </a:ext>
+                </a:extLst>
+              </p:cNvPr>
+              <p:cNvSpPr txBox="1"/>
+              <p:nvPr/>
+            </p:nvSpPr>
+            <p:spPr>
+              <a:xfrm>
+                <a:off x="6049656" y="70678"/>
+                <a:ext cx="646779" cy="369332"/>
+              </a:xfrm>
+              <a:prstGeom prst="rect">
+                <a:avLst/>
+              </a:prstGeom>
+              <a:noFill/>
+            </p:spPr>
+            <p:txBody>
+              <a:bodyPr wrap="none" rtlCol="0">
+                <a:spAutoFit/>
+              </a:bodyPr>
+              <a:lstStyle/>
+              <a:p>
+                <a:pPr/>
+                <a14:m>
+                  <m:oMathPara xmlns:m="http://schemas.openxmlformats.org/officeDocument/2006/math">
+                    <m:oMathParaPr>
+                      <m:jc m:val="centerGroup"/>
+                    </m:oMathParaPr>
+                    <m:oMath xmlns:m="http://schemas.openxmlformats.org/officeDocument/2006/math">
+                      <m:sSub>
+                        <m:sSubPr>
+                          <m:ctrlPr>
+                            <a:rPr lang="en-US" b="0" i="1" smtClean="0">
+                              <a:latin typeface="Cambria Math" panose="02040503050406030204" pitchFamily="18" charset="0"/>
+                            </a:rPr>
+                          </m:ctrlPr>
+                        </m:sSubPr>
+                        <m:e>
+                          <m:r>
+                            <a:rPr lang="en-US" b="0" i="1" smtClean="0">
+                              <a:latin typeface="Cambria Math" panose="02040503050406030204" pitchFamily="18" charset="0"/>
+                            </a:rPr>
+                            <m:t>𝑇</m:t>
+                          </m:r>
+                        </m:e>
+                        <m:sub>
+                          <m:r>
+                            <a:rPr lang="en-US" b="0" i="1" smtClean="0">
+                              <a:latin typeface="Cambria Math" panose="02040503050406030204" pitchFamily="18" charset="0"/>
+                            </a:rPr>
+                            <m:t>𝑜𝑢𝑡</m:t>
+                          </m:r>
+                        </m:sub>
+                      </m:sSub>
+                    </m:oMath>
+                  </m:oMathPara>
+                </a14:m>
+                <a:endParaRPr lang="en-US" dirty="0"/>
+              </a:p>
+            </p:txBody>
+          </p:sp>
+        </mc:Choice>
+        <mc:Fallback xmlns="">
+          <p:sp>
+            <p:nvSpPr>
+              <p:cNvPr id="65" name="TextBox 64">
+                <a:extLst>
+                  <a:ext uri="{FF2B5EF4-FFF2-40B4-BE49-F238E27FC236}">
+                    <a16:creationId xmlns:a16="http://schemas.microsoft.com/office/drawing/2014/main" id="{2CD39CC4-5B5C-4E18-8BA5-FE2582119B29}"/>
+                  </a:ext>
+                </a:extLst>
+              </p:cNvPr>
+              <p:cNvSpPr txBox="1">
+                <a:spLocks noRot="1" noChangeAspect="1" noMove="1" noResize="1" noEditPoints="1" noAdjustHandles="1" noChangeArrowheads="1" noChangeShapeType="1" noTextEdit="1"/>
+              </p:cNvSpPr>
+              <p:nvPr/>
+            </p:nvSpPr>
+            <p:spPr>
+              <a:xfrm>
+                <a:off x="6049656" y="70678"/>
+                <a:ext cx="646779" cy="369332"/>
+              </a:xfrm>
+              <a:prstGeom prst="rect">
+                <a:avLst/>
+              </a:prstGeom>
+              <a:blipFill>
+                <a:blip r:embed="rId5"/>
+                <a:stretch>
+                  <a:fillRect/>
+                </a:stretch>
+              </a:blipFill>
+            </p:spPr>
+            <p:txBody>
+              <a:bodyPr/>
+              <a:lstStyle/>
+              <a:p>
+                <a:r>
+                  <a:rPr lang="en-US">
+                    <a:noFill/>
+                  </a:rPr>
+                  <a:t> </a:t>
+                </a:r>
+              </a:p>
+            </p:txBody>
+          </p:sp>
+        </mc:Fallback>
+      </mc:AlternateContent>
+      <mc:AlternateContent xmlns:mc="http://schemas.openxmlformats.org/markup-compatibility/2006" xmlns:a14="http://schemas.microsoft.com/office/drawing/2010/main">
+        <mc:Choice Requires="a14">
+          <p:sp>
+            <p:nvSpPr>
+              <p:cNvPr id="73" name="TextBox 72">
+                <a:extLst>
+                  <a:ext uri="{FF2B5EF4-FFF2-40B4-BE49-F238E27FC236}">
+                    <a16:creationId xmlns:a16="http://schemas.microsoft.com/office/drawing/2014/main" id="{128F267C-18C3-41CF-937B-9FF85BF9B6C1}"/>
+                  </a:ext>
+                </a:extLst>
+              </p:cNvPr>
+              <p:cNvSpPr txBox="1"/>
+              <p:nvPr/>
+            </p:nvSpPr>
+            <p:spPr>
+              <a:xfrm>
+                <a:off x="6710182" y="3365223"/>
+                <a:ext cx="819968" cy="369332"/>
+              </a:xfrm>
+              <a:prstGeom prst="rect">
+                <a:avLst/>
+              </a:prstGeom>
+              <a:noFill/>
+            </p:spPr>
+            <p:txBody>
+              <a:bodyPr wrap="none" rtlCol="0">
+                <a:spAutoFit/>
+              </a:bodyPr>
+              <a:lstStyle/>
+              <a:p>
+                <a:pPr/>
+                <a14:m>
+                  <m:oMathPara xmlns:m="http://schemas.openxmlformats.org/officeDocument/2006/math">
+                    <m:oMathParaPr>
+                      <m:jc m:val="centerGroup"/>
+                    </m:oMathParaPr>
+                    <m:oMath xmlns:m="http://schemas.openxmlformats.org/officeDocument/2006/math">
+                      <m:sSub>
+                        <m:sSubPr>
+                          <m:ctrlPr>
+                            <a:rPr lang="en-US" b="0" i="1" smtClean="0">
+                              <a:latin typeface="Cambria Math" panose="02040503050406030204" pitchFamily="18" charset="0"/>
+                            </a:rPr>
+                          </m:ctrlPr>
+                        </m:sSubPr>
+                        <m:e>
+                          <m:r>
+                            <a:rPr lang="en-US" b="0" i="1" smtClean="0">
+                              <a:latin typeface="Cambria Math" panose="02040503050406030204" pitchFamily="18" charset="0"/>
+                            </a:rPr>
+                            <m:t>𝐶</m:t>
+                          </m:r>
+                        </m:e>
+                        <m:sub>
+                          <m:r>
+                            <a:rPr lang="en-US" b="0" i="1" smtClean="0">
+                              <a:latin typeface="Cambria Math" panose="02040503050406030204" pitchFamily="18" charset="0"/>
+                            </a:rPr>
+                            <m:t>𝑟𝑜𝑜𝑚</m:t>
+                          </m:r>
+                        </m:sub>
+                      </m:sSub>
+                    </m:oMath>
+                  </m:oMathPara>
+                </a14:m>
+                <a:endParaRPr lang="en-US" dirty="0"/>
+              </a:p>
+            </p:txBody>
+          </p:sp>
+        </mc:Choice>
+        <mc:Fallback xmlns="">
+          <p:sp>
+            <p:nvSpPr>
+              <p:cNvPr id="73" name="TextBox 72">
+                <a:extLst>
+                  <a:ext uri="{FF2B5EF4-FFF2-40B4-BE49-F238E27FC236}">
+                    <a16:creationId xmlns:a16="http://schemas.microsoft.com/office/drawing/2014/main" id="{128F267C-18C3-41CF-937B-9FF85BF9B6C1}"/>
+                  </a:ext>
+                </a:extLst>
+              </p:cNvPr>
+              <p:cNvSpPr txBox="1">
+                <a:spLocks noRot="1" noChangeAspect="1" noMove="1" noResize="1" noEditPoints="1" noAdjustHandles="1" noChangeArrowheads="1" noChangeShapeType="1" noTextEdit="1"/>
+              </p:cNvSpPr>
+              <p:nvPr/>
+            </p:nvSpPr>
+            <p:spPr>
+              <a:xfrm>
+                <a:off x="6710182" y="3365223"/>
+                <a:ext cx="819968" cy="369332"/>
+              </a:xfrm>
+              <a:prstGeom prst="rect">
+                <a:avLst/>
+              </a:prstGeom>
+              <a:blipFill>
+                <a:blip r:embed="rId6"/>
+                <a:stretch>
+                  <a:fillRect/>
+                </a:stretch>
+              </a:blipFill>
+            </p:spPr>
+            <p:txBody>
+              <a:bodyPr/>
+              <a:lstStyle/>
+              <a:p>
+                <a:r>
+                  <a:rPr lang="en-US">
+                    <a:noFill/>
+                  </a:rPr>
+                  <a:t> </a:t>
+                </a:r>
+              </a:p>
+            </p:txBody>
+          </p:sp>
+        </mc:Fallback>
+      </mc:AlternateContent>
+      <mc:AlternateContent xmlns:mc="http://schemas.openxmlformats.org/markup-compatibility/2006" xmlns:a14="http://schemas.microsoft.com/office/drawing/2010/main">
+        <mc:Choice Requires="a14">
+          <p:sp>
+            <p:nvSpPr>
+              <p:cNvPr id="75" name="TextBox 74">
+                <a:extLst>
+                  <a:ext uri="{FF2B5EF4-FFF2-40B4-BE49-F238E27FC236}">
+                    <a16:creationId xmlns:a16="http://schemas.microsoft.com/office/drawing/2014/main" id="{E7E6A995-7B02-4849-8320-CCE4F5B3F1B1}"/>
+                  </a:ext>
+                </a:extLst>
+              </p:cNvPr>
+              <p:cNvSpPr txBox="1"/>
+              <p:nvPr/>
+            </p:nvSpPr>
+            <p:spPr>
+              <a:xfrm>
+                <a:off x="5751817" y="2871763"/>
+                <a:ext cx="642166" cy="276999"/>
+              </a:xfrm>
+              <a:prstGeom prst="rect">
+                <a:avLst/>
+              </a:prstGeom>
+              <a:noFill/>
+            </p:spPr>
+            <p:txBody>
+              <a:bodyPr wrap="square" rtlCol="0">
+                <a:spAutoFit/>
+              </a:bodyPr>
+              <a:lstStyle/>
+              <a:p>
+                <a:pPr/>
+                <a14:m>
+                  <m:oMathPara xmlns:m="http://schemas.openxmlformats.org/officeDocument/2006/math">
+                    <m:oMathParaPr>
+                      <m:jc m:val="centerGroup"/>
+                    </m:oMathParaPr>
+                    <m:oMath xmlns:m="http://schemas.openxmlformats.org/officeDocument/2006/math">
+                      <m:sSub>
+                        <m:sSubPr>
+                          <m:ctrlPr>
+                            <a:rPr lang="en-US" sz="1200" b="0" i="1" smtClean="0">
+                              <a:latin typeface="Cambria Math" panose="02040503050406030204" pitchFamily="18" charset="0"/>
+                            </a:rPr>
+                          </m:ctrlPr>
+                        </m:sSubPr>
+                        <m:e>
+                          <m:r>
+                            <a:rPr lang="en-US" sz="1200" b="0" i="1" smtClean="0">
+                              <a:latin typeface="Cambria Math" panose="02040503050406030204" pitchFamily="18" charset="0"/>
+                            </a:rPr>
+                            <m:t>𝑇</m:t>
+                          </m:r>
+                        </m:e>
+                        <m:sub>
+                          <m:r>
+                            <a:rPr lang="en-US" sz="1200" b="0" i="1" smtClean="0">
+                              <a:latin typeface="Cambria Math" panose="02040503050406030204" pitchFamily="18" charset="0"/>
+                            </a:rPr>
+                            <m:t>𝑟𝑜𝑜𝑚</m:t>
+                          </m:r>
+                        </m:sub>
+                      </m:sSub>
+                    </m:oMath>
+                  </m:oMathPara>
+                </a14:m>
+                <a:endParaRPr lang="en-US" sz="1200" dirty="0"/>
+              </a:p>
+            </p:txBody>
+          </p:sp>
+        </mc:Choice>
+        <mc:Fallback xmlns="">
+          <p:sp>
+            <p:nvSpPr>
+              <p:cNvPr id="75" name="TextBox 74">
+                <a:extLst>
+                  <a:ext uri="{FF2B5EF4-FFF2-40B4-BE49-F238E27FC236}">
+                    <a16:creationId xmlns:a16="http://schemas.microsoft.com/office/drawing/2014/main" id="{E7E6A995-7B02-4849-8320-CCE4F5B3F1B1}"/>
+                  </a:ext>
+                </a:extLst>
+              </p:cNvPr>
+              <p:cNvSpPr txBox="1">
+                <a:spLocks noRot="1" noChangeAspect="1" noMove="1" noResize="1" noEditPoints="1" noAdjustHandles="1" noChangeArrowheads="1" noChangeShapeType="1" noTextEdit="1"/>
+              </p:cNvSpPr>
+              <p:nvPr/>
+            </p:nvSpPr>
+            <p:spPr>
+              <a:xfrm>
+                <a:off x="5751817" y="2871763"/>
+                <a:ext cx="642166" cy="276999"/>
+              </a:xfrm>
+              <a:prstGeom prst="rect">
+                <a:avLst/>
+              </a:prstGeom>
+              <a:blipFill>
+                <a:blip r:embed="rId7"/>
+                <a:stretch>
+                  <a:fillRect/>
+                </a:stretch>
+              </a:blipFill>
+            </p:spPr>
+            <p:txBody>
+              <a:bodyPr/>
+              <a:lstStyle/>
+              <a:p>
+                <a:r>
+                  <a:rPr lang="en-US">
+                    <a:noFill/>
+                  </a:rPr>
+                  <a:t> </a:t>
+                </a:r>
+              </a:p>
+            </p:txBody>
+          </p:sp>
+        </mc:Fallback>
+      </mc:AlternateContent>
+      <mc:AlternateContent xmlns:mc="http://schemas.openxmlformats.org/markup-compatibility/2006">
+        <mc:Choice xmlns:a14="http://schemas.microsoft.com/office/drawing/2010/main" Requires="a14">
+          <p:sp>
+            <p:nvSpPr>
+              <p:cNvPr id="78" name="TextBox 77">
+                <a:extLst>
+                  <a:ext uri="{FF2B5EF4-FFF2-40B4-BE49-F238E27FC236}">
+                    <a16:creationId xmlns:a16="http://schemas.microsoft.com/office/drawing/2014/main" id="{0633C950-D675-4D2A-9F7A-13148DA30570}"/>
+                  </a:ext>
+                </a:extLst>
+              </p:cNvPr>
+              <p:cNvSpPr txBox="1"/>
+              <p:nvPr/>
+            </p:nvSpPr>
+            <p:spPr>
+              <a:xfrm>
+                <a:off x="5100277" y="3406114"/>
+                <a:ext cx="621517" cy="220958"/>
+              </a:xfrm>
+              <a:prstGeom prst="rect">
+                <a:avLst/>
+              </a:prstGeom>
+              <a:noFill/>
+            </p:spPr>
+            <p:txBody>
+              <a:bodyPr wrap="none" rtlCol="0">
+                <a:spAutoFit/>
+              </a:bodyPr>
+              <a:lstStyle/>
+              <a:p>
+                <a14:m>
+                  <m:oMath xmlns:m="http://schemas.openxmlformats.org/officeDocument/2006/math">
+                    <m:sSub>
+                      <m:sSubPr>
+                        <m:ctrlPr>
+                          <a:rPr lang="en-US" sz="800" b="0" i="1" smtClean="0">
+                            <a:latin typeface="Cambria Math" panose="02040503050406030204" pitchFamily="18" charset="0"/>
+                          </a:rPr>
+                        </m:ctrlPr>
+                      </m:sSubPr>
+                      <m:e>
+                        <m:r>
+                          <a:rPr lang="en-US" sz="800" b="0" i="1" smtClean="0">
+                            <a:latin typeface="Cambria Math" panose="02040503050406030204" pitchFamily="18" charset="0"/>
+                          </a:rPr>
+                          <m:t>𝑅</m:t>
+                        </m:r>
+                      </m:e>
+                      <m:sub>
+                        <m:r>
+                          <a:rPr lang="en-US" sz="800" b="0" i="1" smtClean="0">
+                            <a:latin typeface="Cambria Math" panose="02040503050406030204" pitchFamily="18" charset="0"/>
+                          </a:rPr>
+                          <m:t>𝑐𝑎𝑣</m:t>
+                        </m:r>
+                        <m:r>
+                          <a:rPr lang="en-US" sz="800" b="0" i="1" smtClean="0">
+                            <a:latin typeface="Cambria Math" panose="02040503050406030204" pitchFamily="18" charset="0"/>
+                          </a:rPr>
+                          <m:t>, </m:t>
+                        </m:r>
+                        <m:r>
+                          <a:rPr lang="en-US" sz="800" b="0" i="1" smtClean="0">
+                            <a:latin typeface="Cambria Math" panose="02040503050406030204" pitchFamily="18" charset="0"/>
+                          </a:rPr>
+                          <m:t>𝑟𝑜𝑜𝑚</m:t>
+                        </m:r>
+                      </m:sub>
+                    </m:sSub>
+                  </m:oMath>
+                </a14:m>
+                <a:r>
+                  <a:rPr lang="en-US" sz="800" dirty="0"/>
+                  <a:t> </a:t>
+                </a:r>
+              </a:p>
+            </p:txBody>
+          </p:sp>
+        </mc:Choice>
+        <mc:Fallback>
+          <p:sp>
+            <p:nvSpPr>
+              <p:cNvPr id="78" name="TextBox 77">
+                <a:extLst>
+                  <a:ext uri="{FF2B5EF4-FFF2-40B4-BE49-F238E27FC236}">
+                    <a16:creationId xmlns:a16="http://schemas.microsoft.com/office/drawing/2014/main" id="{0633C950-D675-4D2A-9F7A-13148DA30570}"/>
+                  </a:ext>
+                </a:extLst>
+              </p:cNvPr>
+              <p:cNvSpPr txBox="1">
+                <a:spLocks noRot="1" noChangeAspect="1" noMove="1" noResize="1" noEditPoints="1" noAdjustHandles="1" noChangeArrowheads="1" noChangeShapeType="1" noTextEdit="1"/>
+              </p:cNvSpPr>
+              <p:nvPr/>
+            </p:nvSpPr>
+            <p:spPr>
+              <a:xfrm>
+                <a:off x="5100277" y="3406114"/>
+                <a:ext cx="621517" cy="220958"/>
+              </a:xfrm>
+              <a:prstGeom prst="rect">
+                <a:avLst/>
+              </a:prstGeom>
+              <a:blipFill>
+                <a:blip r:embed="rId8"/>
+                <a:stretch>
+                  <a:fillRect/>
+                </a:stretch>
+              </a:blipFill>
+            </p:spPr>
+            <p:txBody>
+              <a:bodyPr/>
+              <a:lstStyle/>
+              <a:p>
+                <a:r>
+                  <a:rPr lang="en-US">
+                    <a:noFill/>
+                  </a:rPr>
+                  <a:t> </a:t>
+                </a:r>
+              </a:p>
+            </p:txBody>
+          </p:sp>
+        </mc:Fallback>
+      </mc:AlternateContent>
+      <p:sp>
+        <p:nvSpPr>
+          <p:cNvPr id="85" name="Oval 84">
+            <a:extLst>
+              <a:ext uri="{FF2B5EF4-FFF2-40B4-BE49-F238E27FC236}">
+                <a16:creationId xmlns:a16="http://schemas.microsoft.com/office/drawing/2014/main" id="{78B4003E-A768-47C6-AC93-83D6F390A74A}"/>
+              </a:ext>
+            </a:extLst>
+          </p:cNvPr>
+          <p:cNvSpPr/>
+          <p:nvPr/>
+        </p:nvSpPr>
+        <p:spPr>
+          <a:xfrm>
+            <a:off x="6225524" y="1273548"/>
+            <a:ext cx="265176" cy="256032"/>
+          </a:xfrm>
+          <a:prstGeom prst="ellipse">
+            <a:avLst/>
+          </a:prstGeom>
+          <a:solidFill>
+            <a:schemeClr val="bg1"/>
+          </a:solidFill>
+          <a:ln>
+            <a:solidFill>
+              <a:schemeClr val="tx1"/>
+            </a:solidFill>
+          </a:ln>
+        </p:spPr>
+        <p:style>
+          <a:lnRef idx="2">
+            <a:schemeClr val="accent1">
+              <a:shade val="50000"/>
+            </a:schemeClr>
+          </a:lnRef>
+          <a:fillRef idx="1">
+            <a:schemeClr val="accent1"/>
+          </a:fillRef>
+          <a:effectRef idx="0">
+            <a:schemeClr val="accent1"/>
+          </a:effectRef>
+          <a:fontRef idx="minor">
+            <a:schemeClr val="lt1"/>
+          </a:fontRef>
+        </p:style>
+        <p:txBody>
+          <a:bodyPr rtlCol="0" anchor="ctr"/>
+          <a:lstStyle/>
+          <a:p>
+            <a:pPr algn="ctr"/>
+            <a:endParaRPr lang="en-US"/>
+          </a:p>
+        </p:txBody>
+      </p:sp>
+      <mc:AlternateContent xmlns:mc="http://schemas.openxmlformats.org/markup-compatibility/2006">
+        <mc:Choice xmlns:a14="http://schemas.microsoft.com/office/drawing/2010/main" Requires="a14">
+          <p:sp>
+            <p:nvSpPr>
+              <p:cNvPr id="88" name="TextBox 87">
+                <a:extLst>
+                  <a:ext uri="{FF2B5EF4-FFF2-40B4-BE49-F238E27FC236}">
+                    <a16:creationId xmlns:a16="http://schemas.microsoft.com/office/drawing/2014/main" id="{3B09E3A2-424B-4EB9-A88A-C9E64C4EB228}"/>
+                  </a:ext>
+                </a:extLst>
+              </p:cNvPr>
+              <p:cNvSpPr txBox="1"/>
+              <p:nvPr/>
+            </p:nvSpPr>
+            <p:spPr>
+              <a:xfrm>
+                <a:off x="6382933" y="690284"/>
+                <a:ext cx="1105239" cy="381515"/>
+              </a:xfrm>
+              <a:prstGeom prst="rect">
+                <a:avLst/>
+              </a:prstGeom>
+              <a:noFill/>
+            </p:spPr>
+            <p:txBody>
+              <a:bodyPr wrap="none" rtlCol="0">
+                <a:spAutoFit/>
+              </a:bodyPr>
+              <a:lstStyle/>
+              <a:p>
+                <a:pPr/>
+                <a14:m>
+                  <m:oMathPara xmlns:m="http://schemas.openxmlformats.org/officeDocument/2006/math">
+                    <m:oMathParaPr>
+                      <m:jc m:val="centerGroup"/>
+                    </m:oMathParaPr>
+                    <m:oMath xmlns:m="http://schemas.openxmlformats.org/officeDocument/2006/math">
+                      <m:sSub>
+                        <m:sSubPr>
+                          <m:ctrlPr>
+                            <a:rPr lang="en-US" b="0" i="1" smtClean="0">
+                              <a:latin typeface="Cambria Math" panose="02040503050406030204" pitchFamily="18" charset="0"/>
+                            </a:rPr>
+                          </m:ctrlPr>
+                        </m:sSubPr>
+                        <m:e>
+                          <m:r>
+                            <a:rPr lang="en-US" b="0" i="1" smtClean="0">
+                              <a:latin typeface="Cambria Math" panose="02040503050406030204" pitchFamily="18" charset="0"/>
+                            </a:rPr>
+                            <m:t>𝑅</m:t>
+                          </m:r>
+                        </m:e>
+                        <m:sub>
+                          <m:r>
+                            <a:rPr lang="en-US" b="0" i="1" smtClean="0">
+                              <a:latin typeface="Cambria Math" panose="02040503050406030204" pitchFamily="18" charset="0"/>
+                            </a:rPr>
+                            <m:t>𝑜𝑢𝑡</m:t>
+                          </m:r>
+                          <m:r>
+                            <a:rPr lang="en-US" b="0" i="1" smtClean="0">
+                              <a:latin typeface="Cambria Math" panose="02040503050406030204" pitchFamily="18" charset="0"/>
+                            </a:rPr>
+                            <m:t>, </m:t>
+                          </m:r>
+                          <m:r>
+                            <a:rPr lang="en-US" b="0" i="1" smtClean="0">
+                              <a:latin typeface="Cambria Math" panose="02040503050406030204" pitchFamily="18" charset="0"/>
+                            </a:rPr>
+                            <m:t>𝑒𝑛𝑣</m:t>
+                          </m:r>
+                          <m:r>
+                            <a:rPr lang="en-US" b="0" i="1" smtClean="0">
+                              <a:latin typeface="Cambria Math" panose="02040503050406030204" pitchFamily="18" charset="0"/>
+                            </a:rPr>
+                            <m:t>1</m:t>
+                          </m:r>
+                        </m:sub>
+                      </m:sSub>
+                    </m:oMath>
+                  </m:oMathPara>
+                </a14:m>
+                <a:endParaRPr lang="en-US" dirty="0"/>
+              </a:p>
+            </p:txBody>
+          </p:sp>
+        </mc:Choice>
+        <mc:Fallback>
+          <p:sp>
+            <p:nvSpPr>
+              <p:cNvPr id="88" name="TextBox 87">
+                <a:extLst>
+                  <a:ext uri="{FF2B5EF4-FFF2-40B4-BE49-F238E27FC236}">
+                    <a16:creationId xmlns:a16="http://schemas.microsoft.com/office/drawing/2014/main" id="{3B09E3A2-424B-4EB9-A88A-C9E64C4EB228}"/>
+                  </a:ext>
+                </a:extLst>
+              </p:cNvPr>
+              <p:cNvSpPr txBox="1">
+                <a:spLocks noRot="1" noChangeAspect="1" noMove="1" noResize="1" noEditPoints="1" noAdjustHandles="1" noChangeArrowheads="1" noChangeShapeType="1" noTextEdit="1"/>
+              </p:cNvSpPr>
+              <p:nvPr/>
+            </p:nvSpPr>
+            <p:spPr>
+              <a:xfrm>
+                <a:off x="6382933" y="690284"/>
+                <a:ext cx="1105239" cy="381515"/>
+              </a:xfrm>
+              <a:prstGeom prst="rect">
+                <a:avLst/>
+              </a:prstGeom>
+              <a:blipFill>
+                <a:blip r:embed="rId9"/>
+                <a:stretch>
+                  <a:fillRect/>
+                </a:stretch>
+              </a:blipFill>
+            </p:spPr>
+            <p:txBody>
+              <a:bodyPr/>
+              <a:lstStyle/>
+              <a:p>
+                <a:r>
+                  <a:rPr lang="en-US">
+                    <a:noFill/>
+                  </a:rPr>
+                  <a:t> </a:t>
+                </a:r>
+              </a:p>
+            </p:txBody>
+          </p:sp>
+        </mc:Fallback>
+      </mc:AlternateContent>
+      <p:sp>
+        <p:nvSpPr>
+          <p:cNvPr id="89" name="Equals 88">
+            <a:extLst>
+              <a:ext uri="{FF2B5EF4-FFF2-40B4-BE49-F238E27FC236}">
+                <a16:creationId xmlns:a16="http://schemas.microsoft.com/office/drawing/2014/main" id="{793C8122-E140-4202-981A-A0434150BDAF}"/>
+              </a:ext>
+            </a:extLst>
+          </p:cNvPr>
+          <p:cNvSpPr/>
+          <p:nvPr/>
+        </p:nvSpPr>
+        <p:spPr>
+          <a:xfrm rot="16200000">
+            <a:off x="6832078" y="1304394"/>
+            <a:ext cx="418638" cy="232734"/>
+          </a:xfrm>
+          <a:prstGeom prst="mathEqual">
+            <a:avLst/>
+          </a:prstGeom>
+          <a:solidFill>
+            <a:schemeClr val="tx1"/>
+          </a:solidFill>
+          <a:ln>
+            <a:solidFill>
+              <a:schemeClr val="tx1"/>
+            </a:solidFill>
+          </a:ln>
+        </p:spPr>
+        <p:style>
+          <a:lnRef idx="2">
+            <a:schemeClr val="accent1">
+              <a:shade val="50000"/>
+            </a:schemeClr>
+          </a:lnRef>
+          <a:fillRef idx="1">
+            <a:schemeClr val="accent1"/>
+          </a:fillRef>
+          <a:effectRef idx="0">
+            <a:schemeClr val="accent1"/>
+          </a:effectRef>
+          <a:fontRef idx="minor">
+            <a:schemeClr val="lt1"/>
+          </a:fontRef>
+        </p:style>
+        <p:txBody>
+          <a:bodyPr rtlCol="0" anchor="ctr"/>
+          <a:lstStyle/>
+          <a:p>
+            <a:pPr algn="ctr"/>
+            <a:endParaRPr lang="en-US" dirty="0">
+              <a:solidFill>
+                <a:schemeClr val="tx1"/>
+              </a:solidFill>
+            </a:endParaRPr>
+          </a:p>
+        </p:txBody>
+      </p:sp>
+      <p:cxnSp>
+        <p:nvCxnSpPr>
+          <p:cNvPr id="90" name="Straight Connector 89">
+            <a:extLst>
+              <a:ext uri="{FF2B5EF4-FFF2-40B4-BE49-F238E27FC236}">
+                <a16:creationId xmlns:a16="http://schemas.microsoft.com/office/drawing/2014/main" id="{8293C98B-A921-4ADD-AD2B-776002888F5F}"/>
+              </a:ext>
+            </a:extLst>
+          </p:cNvPr>
+          <p:cNvCxnSpPr>
+            <a:cxnSpLocks/>
+          </p:cNvCxnSpPr>
+          <p:nvPr/>
+        </p:nvCxnSpPr>
+        <p:spPr>
+          <a:xfrm>
+            <a:off x="6499463" y="1410551"/>
+            <a:ext cx="466556" cy="0"/>
+          </a:xfrm>
+          <a:prstGeom prst="line">
+            <a:avLst/>
+          </a:prstGeom>
+          <a:ln w="28575">
+            <a:solidFill>
+              <a:schemeClr val="tx1"/>
+            </a:solidFill>
+          </a:ln>
+        </p:spPr>
+        <p:style>
+          <a:lnRef idx="1">
+            <a:schemeClr val="accent1"/>
+          </a:lnRef>
+          <a:fillRef idx="0">
+            <a:schemeClr val="accent1"/>
+          </a:fillRef>
+          <a:effectRef idx="0">
+            <a:schemeClr val="accent1"/>
+          </a:effectRef>
+          <a:fontRef idx="minor">
+            <a:schemeClr val="tx1"/>
+          </a:fontRef>
+        </p:style>
+      </p:cxnSp>
+      <mc:AlternateContent xmlns:mc="http://schemas.openxmlformats.org/markup-compatibility/2006" xmlns:a14="http://schemas.microsoft.com/office/drawing/2010/main">
+        <mc:Choice Requires="a14">
+          <p:sp>
+            <p:nvSpPr>
+              <p:cNvPr id="91" name="TextBox 90">
+                <a:extLst>
+                  <a:ext uri="{FF2B5EF4-FFF2-40B4-BE49-F238E27FC236}">
+                    <a16:creationId xmlns:a16="http://schemas.microsoft.com/office/drawing/2014/main" id="{23DBA041-1AF4-4D67-BA85-ED3A9A730ADD}"/>
+                  </a:ext>
+                </a:extLst>
+              </p:cNvPr>
+              <p:cNvSpPr txBox="1"/>
+              <p:nvPr/>
+            </p:nvSpPr>
+            <p:spPr>
+              <a:xfrm>
+                <a:off x="7067865" y="1241975"/>
+                <a:ext cx="803746" cy="381515"/>
+              </a:xfrm>
+              <a:prstGeom prst="rect">
+                <a:avLst/>
+              </a:prstGeom>
+              <a:noFill/>
+            </p:spPr>
+            <p:txBody>
+              <a:bodyPr wrap="none" rtlCol="0">
+                <a:spAutoFit/>
+              </a:bodyPr>
+              <a:lstStyle/>
+              <a:p>
+                <a:pPr/>
+                <a14:m>
+                  <m:oMathPara xmlns:m="http://schemas.openxmlformats.org/officeDocument/2006/math">
+                    <m:oMathParaPr>
+                      <m:jc m:val="centerGroup"/>
+                    </m:oMathParaPr>
+                    <m:oMath xmlns:m="http://schemas.openxmlformats.org/officeDocument/2006/math">
+                      <m:sSub>
+                        <m:sSubPr>
+                          <m:ctrlPr>
+                            <a:rPr lang="en-US" b="0" i="1" smtClean="0">
+                              <a:latin typeface="Cambria Math" panose="02040503050406030204" pitchFamily="18" charset="0"/>
+                            </a:rPr>
+                          </m:ctrlPr>
+                        </m:sSubPr>
+                        <m:e>
+                          <m:r>
+                            <a:rPr lang="en-US" b="0" i="1" smtClean="0">
+                              <a:latin typeface="Cambria Math" panose="02040503050406030204" pitchFamily="18" charset="0"/>
+                            </a:rPr>
+                            <m:t>𝐶</m:t>
+                          </m:r>
+                        </m:e>
+                        <m:sub>
+                          <m:r>
+                            <a:rPr lang="en-US" b="0" i="1" smtClean="0">
+                              <a:latin typeface="Cambria Math" panose="02040503050406030204" pitchFamily="18" charset="0"/>
+                            </a:rPr>
+                            <m:t>𝑒𝑛𝑣</m:t>
+                          </m:r>
+                          <m:r>
+                            <a:rPr lang="en-US" b="0" i="1" smtClean="0">
+                              <a:latin typeface="Cambria Math" panose="02040503050406030204" pitchFamily="18" charset="0"/>
+                            </a:rPr>
+                            <m:t>,1</m:t>
+                          </m:r>
+                        </m:sub>
+                      </m:sSub>
+                    </m:oMath>
+                  </m:oMathPara>
+                </a14:m>
+                <a:endParaRPr lang="en-US" dirty="0"/>
+              </a:p>
+            </p:txBody>
+          </p:sp>
+        </mc:Choice>
+        <mc:Fallback xmlns="">
+          <p:sp>
+            <p:nvSpPr>
+              <p:cNvPr id="91" name="TextBox 90">
+                <a:extLst>
+                  <a:ext uri="{FF2B5EF4-FFF2-40B4-BE49-F238E27FC236}">
+                    <a16:creationId xmlns:a16="http://schemas.microsoft.com/office/drawing/2014/main" id="{23DBA041-1AF4-4D67-BA85-ED3A9A730ADD}"/>
+                  </a:ext>
+                </a:extLst>
+              </p:cNvPr>
+              <p:cNvSpPr txBox="1">
+                <a:spLocks noRot="1" noChangeAspect="1" noMove="1" noResize="1" noEditPoints="1" noAdjustHandles="1" noChangeArrowheads="1" noChangeShapeType="1" noTextEdit="1"/>
+              </p:cNvSpPr>
+              <p:nvPr/>
+            </p:nvSpPr>
+            <p:spPr>
+              <a:xfrm>
+                <a:off x="7067865" y="1241975"/>
+                <a:ext cx="803746" cy="381515"/>
+              </a:xfrm>
+              <a:prstGeom prst="rect">
+                <a:avLst/>
+              </a:prstGeom>
+              <a:blipFill>
+                <a:blip r:embed="rId11"/>
+                <a:stretch>
+                  <a:fillRect/>
+                </a:stretch>
+              </a:blipFill>
+            </p:spPr>
+            <p:txBody>
+              <a:bodyPr/>
+              <a:lstStyle/>
+              <a:p>
+                <a:r>
+                  <a:rPr lang="en-US">
+                    <a:noFill/>
+                  </a:rPr>
+                  <a:t> </a:t>
+                </a:r>
+              </a:p>
+            </p:txBody>
+          </p:sp>
+        </mc:Fallback>
+      </mc:AlternateContent>
+      <mc:AlternateContent xmlns:mc="http://schemas.openxmlformats.org/markup-compatibility/2006" xmlns:a14="http://schemas.microsoft.com/office/drawing/2010/main">
+        <mc:Choice Requires="a14">
+          <p:sp>
+            <p:nvSpPr>
+              <p:cNvPr id="92" name="TextBox 91">
+                <a:extLst>
+                  <a:ext uri="{FF2B5EF4-FFF2-40B4-BE49-F238E27FC236}">
+                    <a16:creationId xmlns:a16="http://schemas.microsoft.com/office/drawing/2014/main" id="{378A6370-FB0E-4C21-81FA-27D21733EAFC}"/>
+                  </a:ext>
+                </a:extLst>
+              </p:cNvPr>
+              <p:cNvSpPr txBox="1"/>
+              <p:nvPr/>
+            </p:nvSpPr>
+            <p:spPr>
+              <a:xfrm>
+                <a:off x="5495294" y="1166730"/>
+                <a:ext cx="792461" cy="381515"/>
+              </a:xfrm>
+              <a:prstGeom prst="rect">
+                <a:avLst/>
+              </a:prstGeom>
+              <a:noFill/>
+            </p:spPr>
+            <p:txBody>
+              <a:bodyPr wrap="none" rtlCol="0">
+                <a:spAutoFit/>
+              </a:bodyPr>
+              <a:lstStyle/>
+              <a:p>
+                <a:pPr/>
+                <a14:m>
+                  <m:oMathPara xmlns:m="http://schemas.openxmlformats.org/officeDocument/2006/math">
+                    <m:oMathParaPr>
+                      <m:jc m:val="centerGroup"/>
+                    </m:oMathParaPr>
+                    <m:oMath xmlns:m="http://schemas.openxmlformats.org/officeDocument/2006/math">
+                      <m:sSub>
+                        <m:sSubPr>
+                          <m:ctrlPr>
+                            <a:rPr lang="en-US" b="0" i="1" smtClean="0">
+                              <a:latin typeface="Cambria Math" panose="02040503050406030204" pitchFamily="18" charset="0"/>
+                            </a:rPr>
+                          </m:ctrlPr>
+                        </m:sSubPr>
+                        <m:e>
+                          <m:r>
+                            <a:rPr lang="en-US" b="0" i="1" smtClean="0">
+                              <a:latin typeface="Cambria Math" panose="02040503050406030204" pitchFamily="18" charset="0"/>
+                            </a:rPr>
+                            <m:t>𝑇</m:t>
+                          </m:r>
+                        </m:e>
+                        <m:sub>
+                          <m:r>
+                            <a:rPr lang="en-US" b="0" i="1" smtClean="0">
+                              <a:latin typeface="Cambria Math" panose="02040503050406030204" pitchFamily="18" charset="0"/>
+                            </a:rPr>
+                            <m:t>𝑒𝑛𝑣</m:t>
+                          </m:r>
+                          <m:r>
+                            <a:rPr lang="en-US" b="0" i="1" smtClean="0">
+                              <a:latin typeface="Cambria Math" panose="02040503050406030204" pitchFamily="18" charset="0"/>
+                            </a:rPr>
+                            <m:t>,1</m:t>
+                          </m:r>
+                        </m:sub>
+                      </m:sSub>
+                    </m:oMath>
+                  </m:oMathPara>
+                </a14:m>
+                <a:endParaRPr lang="en-US" dirty="0"/>
+              </a:p>
+            </p:txBody>
+          </p:sp>
+        </mc:Choice>
+        <mc:Fallback xmlns="">
+          <p:sp>
+            <p:nvSpPr>
+              <p:cNvPr id="92" name="TextBox 91">
+                <a:extLst>
+                  <a:ext uri="{FF2B5EF4-FFF2-40B4-BE49-F238E27FC236}">
+                    <a16:creationId xmlns:a16="http://schemas.microsoft.com/office/drawing/2014/main" id="{378A6370-FB0E-4C21-81FA-27D21733EAFC}"/>
+                  </a:ext>
+                </a:extLst>
+              </p:cNvPr>
+              <p:cNvSpPr txBox="1">
+                <a:spLocks noRot="1" noChangeAspect="1" noMove="1" noResize="1" noEditPoints="1" noAdjustHandles="1" noChangeArrowheads="1" noChangeShapeType="1" noTextEdit="1"/>
+              </p:cNvSpPr>
+              <p:nvPr/>
+            </p:nvSpPr>
+            <p:spPr>
+              <a:xfrm>
+                <a:off x="5495294" y="1166730"/>
+                <a:ext cx="792461" cy="381515"/>
+              </a:xfrm>
+              <a:prstGeom prst="rect">
+                <a:avLst/>
+              </a:prstGeom>
+              <a:blipFill>
+                <a:blip r:embed="rId12"/>
+                <a:stretch>
+                  <a:fillRect/>
+                </a:stretch>
+              </a:blipFill>
+            </p:spPr>
+            <p:txBody>
+              <a:bodyPr/>
+              <a:lstStyle/>
+              <a:p>
+                <a:r>
+                  <a:rPr lang="en-US">
+                    <a:noFill/>
+                  </a:rPr>
+                  <a:t> </a:t>
+                </a:r>
+              </a:p>
+            </p:txBody>
+          </p:sp>
+        </mc:Fallback>
+      </mc:AlternateContent>
+      <p:sp>
+        <p:nvSpPr>
+          <p:cNvPr id="34" name="Equals 33">
+            <a:extLst>
+              <a:ext uri="{FF2B5EF4-FFF2-40B4-BE49-F238E27FC236}">
+                <a16:creationId xmlns:a16="http://schemas.microsoft.com/office/drawing/2014/main" id="{00B4CE73-5CD8-43D4-99F4-E71055683D68}"/>
+              </a:ext>
+            </a:extLst>
+          </p:cNvPr>
+          <p:cNvSpPr/>
+          <p:nvPr/>
+        </p:nvSpPr>
+        <p:spPr>
+          <a:xfrm>
+            <a:off x="6070282" y="4845205"/>
+            <a:ext cx="589788" cy="448056"/>
+          </a:xfrm>
+          <a:prstGeom prst="mathEqual">
+            <a:avLst/>
+          </a:prstGeom>
+          <a:solidFill>
+            <a:schemeClr val="tx1"/>
+          </a:solidFill>
+          <a:ln>
+            <a:solidFill>
+              <a:schemeClr val="tx1"/>
+            </a:solidFill>
+          </a:ln>
+        </p:spPr>
+        <p:style>
+          <a:lnRef idx="2">
+            <a:schemeClr val="accent1">
+              <a:shade val="50000"/>
+            </a:schemeClr>
+          </a:lnRef>
+          <a:fillRef idx="1">
+            <a:schemeClr val="accent1"/>
+          </a:fillRef>
+          <a:effectRef idx="0">
+            <a:schemeClr val="accent1"/>
+          </a:effectRef>
+          <a:fontRef idx="minor">
+            <a:schemeClr val="lt1"/>
+          </a:fontRef>
+        </p:style>
+        <p:txBody>
+          <a:bodyPr rtlCol="0" anchor="ctr"/>
+          <a:lstStyle/>
+          <a:p>
+            <a:pPr algn="ctr"/>
+            <a:endParaRPr lang="en-US">
+              <a:solidFill>
+                <a:schemeClr val="tx1"/>
+              </a:solidFill>
+            </a:endParaRPr>
+          </a:p>
+        </p:txBody>
+      </p:sp>
+      <p:cxnSp>
+        <p:nvCxnSpPr>
+          <p:cNvPr id="37" name="Straight Connector 36">
+            <a:extLst>
+              <a:ext uri="{FF2B5EF4-FFF2-40B4-BE49-F238E27FC236}">
+                <a16:creationId xmlns:a16="http://schemas.microsoft.com/office/drawing/2014/main" id="{70696B62-ACD2-4A23-B8A2-F371AA52144A}"/>
+              </a:ext>
+            </a:extLst>
+          </p:cNvPr>
+          <p:cNvCxnSpPr>
+            <a:cxnSpLocks/>
+            <a:stCxn id="34" idx="5"/>
+            <a:endCxn id="16" idx="4"/>
+          </p:cNvCxnSpPr>
+          <p:nvPr/>
+        </p:nvCxnSpPr>
+        <p:spPr>
+          <a:xfrm flipV="1">
+            <a:off x="6365176" y="4598744"/>
+            <a:ext cx="1133" cy="338761"/>
+          </a:xfrm>
+          <a:prstGeom prst="line">
+            <a:avLst/>
+          </a:prstGeom>
+          <a:ln w="57150">
+            <a:solidFill>
+              <a:schemeClr val="tx1"/>
+            </a:solidFill>
+          </a:ln>
+        </p:spPr>
+        <p:style>
+          <a:lnRef idx="1">
+            <a:schemeClr val="accent1"/>
+          </a:lnRef>
+          <a:fillRef idx="0">
+            <a:schemeClr val="accent1"/>
+          </a:fillRef>
+          <a:effectRef idx="0">
+            <a:schemeClr val="accent1"/>
+          </a:effectRef>
+          <a:fontRef idx="minor">
+            <a:schemeClr val="tx1"/>
+          </a:fontRef>
+        </p:style>
+      </p:cxnSp>
+      <mc:AlternateContent xmlns:mc="http://schemas.openxmlformats.org/markup-compatibility/2006">
+        <mc:Choice xmlns:a14="http://schemas.microsoft.com/office/drawing/2010/main" Requires="a14">
+          <p:sp>
+            <p:nvSpPr>
+              <p:cNvPr id="38" name="TextBox 37">
+                <a:extLst>
+                  <a:ext uri="{FF2B5EF4-FFF2-40B4-BE49-F238E27FC236}">
+                    <a16:creationId xmlns:a16="http://schemas.microsoft.com/office/drawing/2014/main" id="{AA33BD98-0682-4973-856E-88D37E8CFA27}"/>
+                  </a:ext>
+                </a:extLst>
+              </p:cNvPr>
+              <p:cNvSpPr txBox="1"/>
+              <p:nvPr/>
+            </p:nvSpPr>
+            <p:spPr>
+              <a:xfrm>
+                <a:off x="6527348" y="4913921"/>
+                <a:ext cx="723788" cy="369332"/>
+              </a:xfrm>
+              <a:prstGeom prst="rect">
+                <a:avLst/>
+              </a:prstGeom>
+              <a:noFill/>
+            </p:spPr>
+            <p:txBody>
+              <a:bodyPr wrap="none" rtlCol="0">
+                <a:spAutoFit/>
+              </a:bodyPr>
+              <a:lstStyle/>
+              <a:p>
+                <a:pPr/>
+                <a14:m>
+                  <m:oMathPara xmlns:m="http://schemas.openxmlformats.org/officeDocument/2006/math">
+                    <m:oMathParaPr>
+                      <m:jc m:val="centerGroup"/>
+                    </m:oMathParaPr>
+                    <m:oMath xmlns:m="http://schemas.openxmlformats.org/officeDocument/2006/math">
+                      <m:sSub>
+                        <m:sSubPr>
+                          <m:ctrlPr>
+                            <a:rPr lang="en-US" b="0" i="1" smtClean="0">
+                              <a:solidFill>
+                                <a:schemeClr val="tx1"/>
+                              </a:solidFill>
+                              <a:latin typeface="Cambria Math" panose="02040503050406030204" pitchFamily="18" charset="0"/>
+                            </a:rPr>
+                          </m:ctrlPr>
+                        </m:sSubPr>
+                        <m:e>
+                          <m:r>
+                            <a:rPr lang="en-US" b="0" i="1" smtClean="0">
+                              <a:solidFill>
+                                <a:schemeClr val="tx1"/>
+                              </a:solidFill>
+                              <a:latin typeface="Cambria Math" panose="02040503050406030204" pitchFamily="18" charset="0"/>
+                            </a:rPr>
+                            <m:t>𝐶</m:t>
+                          </m:r>
+                        </m:e>
+                        <m:sub>
+                          <m:r>
+                            <a:rPr lang="en-US" b="0" i="1" smtClean="0">
+                              <a:solidFill>
+                                <a:schemeClr val="tx1"/>
+                              </a:solidFill>
+                              <a:latin typeface="Cambria Math" panose="02040503050406030204" pitchFamily="18" charset="0"/>
+                            </a:rPr>
+                            <m:t>𝑠𝑙𝑎𝑏</m:t>
+                          </m:r>
+                        </m:sub>
+                      </m:sSub>
+                    </m:oMath>
+                  </m:oMathPara>
+                </a14:m>
+                <a:endParaRPr lang="en-US" dirty="0">
+                  <a:solidFill>
+                    <a:schemeClr val="tx1"/>
+                  </a:solidFill>
+                </a:endParaRPr>
+              </a:p>
+            </p:txBody>
+          </p:sp>
+        </mc:Choice>
+        <mc:Fallback>
+          <p:sp>
+            <p:nvSpPr>
+              <p:cNvPr id="38" name="TextBox 37">
+                <a:extLst>
+                  <a:ext uri="{FF2B5EF4-FFF2-40B4-BE49-F238E27FC236}">
+                    <a16:creationId xmlns:a16="http://schemas.microsoft.com/office/drawing/2014/main" id="{AA33BD98-0682-4973-856E-88D37E8CFA27}"/>
+                  </a:ext>
+                </a:extLst>
+              </p:cNvPr>
+              <p:cNvSpPr txBox="1">
+                <a:spLocks noRot="1" noChangeAspect="1" noMove="1" noResize="1" noEditPoints="1" noAdjustHandles="1" noChangeArrowheads="1" noChangeShapeType="1" noTextEdit="1"/>
+              </p:cNvSpPr>
+              <p:nvPr/>
+            </p:nvSpPr>
+            <p:spPr>
+              <a:xfrm>
+                <a:off x="6527348" y="4913921"/>
+                <a:ext cx="723788" cy="369332"/>
+              </a:xfrm>
+              <a:prstGeom prst="rect">
+                <a:avLst/>
+              </a:prstGeom>
+              <a:blipFill>
+                <a:blip r:embed="rId13"/>
+                <a:stretch>
+                  <a:fillRect/>
+                </a:stretch>
+              </a:blipFill>
+            </p:spPr>
+            <p:txBody>
+              <a:bodyPr/>
+              <a:lstStyle/>
+              <a:p>
+                <a:r>
+                  <a:rPr lang="en-US">
+                    <a:noFill/>
+                  </a:rPr>
+                  <a:t> </a:t>
+                </a:r>
+              </a:p>
+            </p:txBody>
+          </p:sp>
+        </mc:Fallback>
+      </mc:AlternateContent>
+      <mc:AlternateContent xmlns:mc="http://schemas.openxmlformats.org/markup-compatibility/2006">
+        <mc:Choice xmlns:a14="http://schemas.microsoft.com/office/drawing/2010/main" Requires="a14">
+          <p:sp>
+            <p:nvSpPr>
+              <p:cNvPr id="44" name="TextBox 43">
+                <a:extLst>
+                  <a:ext uri="{FF2B5EF4-FFF2-40B4-BE49-F238E27FC236}">
+                    <a16:creationId xmlns:a16="http://schemas.microsoft.com/office/drawing/2014/main" id="{7FB964FD-20AF-4781-9B94-E4DE17F00E8A}"/>
+                  </a:ext>
+                </a:extLst>
+              </p:cNvPr>
+              <p:cNvSpPr txBox="1"/>
+              <p:nvPr/>
+            </p:nvSpPr>
+            <p:spPr>
+              <a:xfrm>
+                <a:off x="5504340" y="4149212"/>
+                <a:ext cx="712503" cy="369332"/>
+              </a:xfrm>
+              <a:prstGeom prst="rect">
+                <a:avLst/>
+              </a:prstGeom>
+              <a:noFill/>
+            </p:spPr>
+            <p:txBody>
+              <a:bodyPr wrap="none" rtlCol="0">
+                <a:spAutoFit/>
+              </a:bodyPr>
+              <a:lstStyle/>
+              <a:p>
+                <a:pPr/>
+                <a14:m>
+                  <m:oMathPara xmlns:m="http://schemas.openxmlformats.org/officeDocument/2006/math">
+                    <m:oMathParaPr>
+                      <m:jc m:val="centerGroup"/>
+                    </m:oMathParaPr>
+                    <m:oMath xmlns:m="http://schemas.openxmlformats.org/officeDocument/2006/math">
+                      <m:sSub>
+                        <m:sSubPr>
+                          <m:ctrlPr>
+                            <a:rPr lang="en-US" b="0" i="1" smtClean="0">
+                              <a:latin typeface="Cambria Math" panose="02040503050406030204" pitchFamily="18" charset="0"/>
+                            </a:rPr>
+                          </m:ctrlPr>
+                        </m:sSubPr>
+                        <m:e>
+                          <m:r>
+                            <a:rPr lang="en-US" b="0" i="1" smtClean="0">
+                              <a:latin typeface="Cambria Math" panose="02040503050406030204" pitchFamily="18" charset="0"/>
+                            </a:rPr>
+                            <m:t>𝑇</m:t>
+                          </m:r>
+                        </m:e>
+                        <m:sub>
+                          <m:r>
+                            <a:rPr lang="en-US" b="0" i="1" smtClean="0">
+                              <a:latin typeface="Cambria Math" panose="02040503050406030204" pitchFamily="18" charset="0"/>
+                            </a:rPr>
+                            <m:t>𝑠𝑙𝑎𝑏</m:t>
+                          </m:r>
+                        </m:sub>
+                      </m:sSub>
+                    </m:oMath>
+                  </m:oMathPara>
+                </a14:m>
+                <a:endParaRPr lang="en-US" dirty="0"/>
+              </a:p>
+            </p:txBody>
+          </p:sp>
+        </mc:Choice>
+        <mc:Fallback>
+          <p:sp>
+            <p:nvSpPr>
+              <p:cNvPr id="44" name="TextBox 43">
+                <a:extLst>
+                  <a:ext uri="{FF2B5EF4-FFF2-40B4-BE49-F238E27FC236}">
+                    <a16:creationId xmlns:a16="http://schemas.microsoft.com/office/drawing/2014/main" id="{7FB964FD-20AF-4781-9B94-E4DE17F00E8A}"/>
+                  </a:ext>
+                </a:extLst>
+              </p:cNvPr>
+              <p:cNvSpPr txBox="1">
+                <a:spLocks noRot="1" noChangeAspect="1" noMove="1" noResize="1" noEditPoints="1" noAdjustHandles="1" noChangeArrowheads="1" noChangeShapeType="1" noTextEdit="1"/>
+              </p:cNvSpPr>
+              <p:nvPr/>
+            </p:nvSpPr>
+            <p:spPr>
+              <a:xfrm>
+                <a:off x="5504340" y="4149212"/>
+                <a:ext cx="712503" cy="369332"/>
+              </a:xfrm>
+              <a:prstGeom prst="rect">
+                <a:avLst/>
+              </a:prstGeom>
+              <a:blipFill>
+                <a:blip r:embed="rId14"/>
+                <a:stretch>
+                  <a:fillRect/>
+                </a:stretch>
+              </a:blipFill>
+            </p:spPr>
+            <p:txBody>
+              <a:bodyPr/>
+              <a:lstStyle/>
+              <a:p>
+                <a:r>
+                  <a:rPr lang="en-US">
+                    <a:noFill/>
+                  </a:rPr>
+                  <a:t> </a:t>
+                </a:r>
+              </a:p>
+            </p:txBody>
+          </p:sp>
+        </mc:Fallback>
+      </mc:AlternateContent>
+      <mc:AlternateContent xmlns:mc="http://schemas.openxmlformats.org/markup-compatibility/2006">
+        <mc:Choice xmlns:a14="http://schemas.microsoft.com/office/drawing/2010/main" Requires="a14">
+          <p:sp>
+            <p:nvSpPr>
+              <p:cNvPr id="60" name="TextBox 59">
+                <a:extLst>
+                  <a:ext uri="{FF2B5EF4-FFF2-40B4-BE49-F238E27FC236}">
+                    <a16:creationId xmlns:a16="http://schemas.microsoft.com/office/drawing/2014/main" id="{357A07A0-7956-454D-8672-FFBCEB53FD30}"/>
+                  </a:ext>
+                </a:extLst>
+              </p:cNvPr>
+              <p:cNvSpPr txBox="1"/>
+              <p:nvPr/>
+            </p:nvSpPr>
+            <p:spPr>
+              <a:xfrm>
+                <a:off x="7383998" y="4087564"/>
+                <a:ext cx="703590" cy="379848"/>
+              </a:xfrm>
+              <a:prstGeom prst="rect">
+                <a:avLst/>
+              </a:prstGeom>
+              <a:noFill/>
+            </p:spPr>
+            <p:txBody>
+              <a:bodyPr wrap="square" rtlCol="0">
+                <a:spAutoFit/>
+              </a:bodyPr>
+              <a:lstStyle/>
+              <a:p>
+                <a:pPr/>
+                <a14:m>
+                  <m:oMathPara xmlns:m="http://schemas.openxmlformats.org/officeDocument/2006/math">
+                    <m:oMathParaPr>
+                      <m:jc m:val="centerGroup"/>
+                    </m:oMathParaPr>
+                    <m:oMath xmlns:m="http://schemas.openxmlformats.org/officeDocument/2006/math">
+                      <m:sSub>
+                        <m:sSubPr>
+                          <m:ctrlPr>
+                            <a:rPr lang="en-US" i="1" smtClean="0">
+                              <a:latin typeface="Cambria Math" panose="02040503050406030204" pitchFamily="18" charset="0"/>
+                            </a:rPr>
+                          </m:ctrlPr>
+                        </m:sSubPr>
+                        <m:e>
+                          <m:acc>
+                            <m:accPr>
+                              <m:chr m:val="̇"/>
+                              <m:ctrlPr>
+                                <a:rPr lang="en-US" i="1" smtClean="0">
+                                  <a:latin typeface="Cambria Math" panose="02040503050406030204" pitchFamily="18" charset="0"/>
+                                </a:rPr>
+                              </m:ctrlPr>
+                            </m:accPr>
+                            <m:e>
+                              <m:r>
+                                <a:rPr lang="en-US" i="1">
+                                  <a:latin typeface="Cambria Math" panose="02040503050406030204" pitchFamily="18" charset="0"/>
+                                </a:rPr>
+                                <m:t>𝑄</m:t>
+                              </m:r>
+                            </m:e>
+                          </m:acc>
+                        </m:e>
+                        <m:sub>
+                          <m:r>
+                            <a:rPr lang="en-US" b="0" i="1" smtClean="0">
+                              <a:latin typeface="Cambria Math" panose="02040503050406030204" pitchFamily="18" charset="0"/>
+                            </a:rPr>
+                            <m:t>𝑟𝑎𝑑</m:t>
+                          </m:r>
+                        </m:sub>
+                      </m:sSub>
+                    </m:oMath>
+                  </m:oMathPara>
+                </a14:m>
+                <a:endParaRPr lang="en-US" dirty="0"/>
+              </a:p>
+            </p:txBody>
+          </p:sp>
+        </mc:Choice>
+        <mc:Fallback>
+          <p:sp>
+            <p:nvSpPr>
+              <p:cNvPr id="60" name="TextBox 59">
+                <a:extLst>
+                  <a:ext uri="{FF2B5EF4-FFF2-40B4-BE49-F238E27FC236}">
+                    <a16:creationId xmlns:a16="http://schemas.microsoft.com/office/drawing/2014/main" id="{357A07A0-7956-454D-8672-FFBCEB53FD30}"/>
+                  </a:ext>
+                </a:extLst>
+              </p:cNvPr>
+              <p:cNvSpPr txBox="1">
+                <a:spLocks noRot="1" noChangeAspect="1" noMove="1" noResize="1" noEditPoints="1" noAdjustHandles="1" noChangeArrowheads="1" noChangeShapeType="1" noTextEdit="1"/>
+              </p:cNvSpPr>
+              <p:nvPr/>
+            </p:nvSpPr>
+            <p:spPr>
+              <a:xfrm>
+                <a:off x="7383998" y="4087564"/>
+                <a:ext cx="703590" cy="379848"/>
+              </a:xfrm>
+              <a:prstGeom prst="rect">
+                <a:avLst/>
+              </a:prstGeom>
+              <a:blipFill>
+                <a:blip r:embed="rId15"/>
+                <a:stretch>
+                  <a:fillRect b="-9677"/>
+                </a:stretch>
+              </a:blipFill>
+            </p:spPr>
+            <p:txBody>
+              <a:bodyPr/>
+              <a:lstStyle/>
+              <a:p>
+                <a:r>
+                  <a:rPr lang="en-US">
+                    <a:noFill/>
+                  </a:rPr>
+                  <a:t> </a:t>
+                </a:r>
+              </a:p>
+            </p:txBody>
+          </p:sp>
+        </mc:Fallback>
+      </mc:AlternateContent>
+      <p:cxnSp>
+        <p:nvCxnSpPr>
+          <p:cNvPr id="62" name="Straight Arrow Connector 61">
+            <a:extLst>
+              <a:ext uri="{FF2B5EF4-FFF2-40B4-BE49-F238E27FC236}">
+                <a16:creationId xmlns:a16="http://schemas.microsoft.com/office/drawing/2014/main" id="{27AE194D-DCC6-4D7D-AAE0-D34A7A436A3F}"/>
+              </a:ext>
+            </a:extLst>
+          </p:cNvPr>
+          <p:cNvCxnSpPr>
+            <a:cxnSpLocks/>
+            <a:endCxn id="16" idx="6"/>
+          </p:cNvCxnSpPr>
+          <p:nvPr/>
+        </p:nvCxnSpPr>
+        <p:spPr>
+          <a:xfrm flipH="1">
+            <a:off x="6498897" y="4299063"/>
+            <a:ext cx="946710" cy="171665"/>
+          </a:xfrm>
+          <a:prstGeom prst="straightConnector1">
+            <a:avLst/>
+          </a:prstGeom>
+          <a:ln w="28575">
+            <a:solidFill>
+              <a:schemeClr val="tx1"/>
+            </a:solidFill>
+            <a:prstDash val="sysDash"/>
+            <a:tailEnd type="triangle"/>
+          </a:ln>
+        </p:spPr>
+        <p:style>
+          <a:lnRef idx="1">
+            <a:schemeClr val="accent1"/>
+          </a:lnRef>
+          <a:fillRef idx="0">
+            <a:schemeClr val="accent1"/>
+          </a:fillRef>
+          <a:effectRef idx="0">
+            <a:schemeClr val="accent1"/>
+          </a:effectRef>
+          <a:fontRef idx="minor">
+            <a:schemeClr val="tx1"/>
+          </a:fontRef>
+        </p:style>
+      </p:cxnSp>
+      <p:cxnSp>
+        <p:nvCxnSpPr>
+          <p:cNvPr id="69" name="Straight Arrow Connector 68">
+            <a:extLst>
+              <a:ext uri="{FF2B5EF4-FFF2-40B4-BE49-F238E27FC236}">
+                <a16:creationId xmlns:a16="http://schemas.microsoft.com/office/drawing/2014/main" id="{5CBDB77E-6D00-4D2B-9B83-B94276AC2BD3}"/>
+              </a:ext>
+            </a:extLst>
+          </p:cNvPr>
+          <p:cNvCxnSpPr>
+            <a:cxnSpLocks/>
+          </p:cNvCxnSpPr>
+          <p:nvPr/>
+        </p:nvCxnSpPr>
+        <p:spPr>
+          <a:xfrm flipH="1">
+            <a:off x="6454206" y="927268"/>
+            <a:ext cx="2083025" cy="389126"/>
+          </a:xfrm>
+          <a:prstGeom prst="straightConnector1">
+            <a:avLst/>
+          </a:prstGeom>
+          <a:ln w="28575">
+            <a:solidFill>
+              <a:schemeClr val="tx1"/>
+            </a:solidFill>
+            <a:prstDash val="solid"/>
+            <a:tailEnd type="triangle"/>
+          </a:ln>
+        </p:spPr>
+        <p:style>
+          <a:lnRef idx="1">
+            <a:schemeClr val="accent1"/>
+          </a:lnRef>
+          <a:fillRef idx="0">
+            <a:schemeClr val="accent1"/>
+          </a:fillRef>
+          <a:effectRef idx="0">
+            <a:schemeClr val="accent1"/>
+          </a:effectRef>
+          <a:fontRef idx="minor">
+            <a:schemeClr val="tx1"/>
+          </a:fontRef>
+        </p:style>
+      </p:cxnSp>
+      <mc:AlternateContent xmlns:mc="http://schemas.openxmlformats.org/markup-compatibility/2006">
+        <mc:Choice xmlns:a14="http://schemas.microsoft.com/office/drawing/2010/main" Requires="a14">
+          <p:sp>
+            <p:nvSpPr>
+              <p:cNvPr id="72" name="TextBox 71">
+                <a:extLst>
+                  <a:ext uri="{FF2B5EF4-FFF2-40B4-BE49-F238E27FC236}">
+                    <a16:creationId xmlns:a16="http://schemas.microsoft.com/office/drawing/2014/main" id="{6378438E-A28A-40A2-991C-4AB0D003BCB1}"/>
+                  </a:ext>
+                </a:extLst>
+              </p:cNvPr>
+              <p:cNvSpPr txBox="1"/>
+              <p:nvPr/>
+            </p:nvSpPr>
+            <p:spPr>
+              <a:xfrm>
+                <a:off x="8466137" y="654709"/>
+                <a:ext cx="1463157" cy="398379"/>
+              </a:xfrm>
+              <a:prstGeom prst="rect">
+                <a:avLst/>
+              </a:prstGeom>
+              <a:noFill/>
+            </p:spPr>
+            <p:txBody>
+              <a:bodyPr wrap="none" rtlCol="0">
+                <a:spAutoFit/>
+              </a:bodyPr>
+              <a:lstStyle/>
+              <a:p>
+                <a:pPr/>
+                <a14:m>
+                  <m:oMathPara xmlns:m="http://schemas.openxmlformats.org/officeDocument/2006/math">
+                    <m:oMathParaPr>
+                      <m:jc m:val="centerGroup"/>
+                    </m:oMathParaPr>
+                    <m:oMath xmlns:m="http://schemas.openxmlformats.org/officeDocument/2006/math">
+                      <m:sSub>
+                        <m:sSubPr>
+                          <m:ctrlPr>
+                            <a:rPr lang="en-US" i="1" smtClean="0">
+                              <a:latin typeface="Cambria Math" panose="02040503050406030204" pitchFamily="18" charset="0"/>
+                            </a:rPr>
+                          </m:ctrlPr>
+                        </m:sSubPr>
+                        <m:e>
+                          <m:sSub>
+                            <m:sSubPr>
+                              <m:ctrlPr>
+                                <a:rPr lang="en-US" b="0" i="1" smtClean="0">
+                                  <a:latin typeface="Cambria Math" panose="02040503050406030204" pitchFamily="18" charset="0"/>
+                                </a:rPr>
+                              </m:ctrlPr>
+                            </m:sSubPr>
+                            <m:e>
+                              <m:r>
+                                <a:rPr lang="en-US" b="0" i="1" smtClean="0">
+                                  <a:latin typeface="Cambria Math" panose="02040503050406030204" pitchFamily="18" charset="0"/>
+                                </a:rPr>
+                                <m:t>𝛼</m:t>
+                              </m:r>
+                            </m:e>
+                            <m:sub>
+                              <m:r>
+                                <a:rPr lang="en-US" b="0" i="1" smtClean="0">
+                                  <a:latin typeface="Cambria Math" panose="02040503050406030204" pitchFamily="18" charset="0"/>
+                                </a:rPr>
+                                <m:t>𝑠𝑜𝑙</m:t>
+                              </m:r>
+                              <m:r>
+                                <a:rPr lang="en-US" b="0" i="1" smtClean="0">
+                                  <a:latin typeface="Cambria Math" panose="02040503050406030204" pitchFamily="18" charset="0"/>
+                                </a:rPr>
+                                <m:t>,</m:t>
+                              </m:r>
+                              <m:r>
+                                <a:rPr lang="en-US" b="0" i="1" smtClean="0">
+                                  <a:latin typeface="Cambria Math" panose="02040503050406030204" pitchFamily="18" charset="0"/>
+                                </a:rPr>
+                                <m:t>𝑒𝑛𝑣</m:t>
+                              </m:r>
+                              <m:r>
+                                <a:rPr lang="en-US" b="0" i="1" smtClean="0">
+                                  <a:latin typeface="Cambria Math" panose="02040503050406030204" pitchFamily="18" charset="0"/>
+                                </a:rPr>
+                                <m:t>1</m:t>
+                              </m:r>
+                            </m:sub>
+                          </m:sSub>
+                          <m:acc>
+                            <m:accPr>
+                              <m:chr m:val="̇"/>
+                              <m:ctrlPr>
+                                <a:rPr lang="en-US" i="1">
+                                  <a:latin typeface="Cambria Math" panose="02040503050406030204" pitchFamily="18" charset="0"/>
+                                </a:rPr>
+                              </m:ctrlPr>
+                            </m:accPr>
+                            <m:e>
+                              <m:r>
+                                <a:rPr lang="en-US" i="1">
+                                  <a:latin typeface="Cambria Math" panose="02040503050406030204" pitchFamily="18" charset="0"/>
+                                </a:rPr>
+                                <m:t>𝑄</m:t>
+                              </m:r>
+                            </m:e>
+                          </m:acc>
+                        </m:e>
+                        <m:sub>
+                          <m:r>
+                            <a:rPr lang="en-US" i="1">
+                              <a:latin typeface="Cambria Math" panose="02040503050406030204" pitchFamily="18" charset="0"/>
+                            </a:rPr>
+                            <m:t>𝑠𝑜𝑙</m:t>
+                          </m:r>
+                        </m:sub>
+                      </m:sSub>
+                    </m:oMath>
+                  </m:oMathPara>
+                </a14:m>
+                <a:endParaRPr lang="en-US" dirty="0"/>
+              </a:p>
+            </p:txBody>
+          </p:sp>
+        </mc:Choice>
+        <mc:Fallback>
+          <p:sp>
+            <p:nvSpPr>
+              <p:cNvPr id="72" name="TextBox 71">
+                <a:extLst>
+                  <a:ext uri="{FF2B5EF4-FFF2-40B4-BE49-F238E27FC236}">
+                    <a16:creationId xmlns:a16="http://schemas.microsoft.com/office/drawing/2014/main" id="{6378438E-A28A-40A2-991C-4AB0D003BCB1}"/>
+                  </a:ext>
+                </a:extLst>
+              </p:cNvPr>
+              <p:cNvSpPr txBox="1">
+                <a:spLocks noRot="1" noChangeAspect="1" noMove="1" noResize="1" noEditPoints="1" noAdjustHandles="1" noChangeArrowheads="1" noChangeShapeType="1" noTextEdit="1"/>
+              </p:cNvSpPr>
+              <p:nvPr/>
+            </p:nvSpPr>
+            <p:spPr>
+              <a:xfrm>
+                <a:off x="8466137" y="654709"/>
+                <a:ext cx="1463157" cy="398379"/>
+              </a:xfrm>
+              <a:prstGeom prst="rect">
+                <a:avLst/>
+              </a:prstGeom>
+              <a:blipFill>
+                <a:blip r:embed="rId16"/>
+                <a:stretch>
+                  <a:fillRect b="-6061"/>
+                </a:stretch>
+              </a:blipFill>
+            </p:spPr>
+            <p:txBody>
+              <a:bodyPr/>
+              <a:lstStyle/>
+              <a:p>
+                <a:r>
+                  <a:rPr lang="en-US">
+                    <a:noFill/>
+                  </a:rPr>
+                  <a:t> </a:t>
+                </a:r>
+              </a:p>
+            </p:txBody>
+          </p:sp>
+        </mc:Fallback>
+      </mc:AlternateContent>
+      <mc:AlternateContent xmlns:mc="http://schemas.openxmlformats.org/markup-compatibility/2006" xmlns:a14="http://schemas.microsoft.com/office/drawing/2010/main">
+        <mc:Choice Requires="a14">
+          <p:sp>
+            <p:nvSpPr>
+              <p:cNvPr id="47" name="TextBox 46">
+                <a:extLst>
+                  <a:ext uri="{FF2B5EF4-FFF2-40B4-BE49-F238E27FC236}">
+                    <a16:creationId xmlns:a16="http://schemas.microsoft.com/office/drawing/2014/main" id="{E69A9FD5-C372-436A-BA1B-AA256FE8E076}"/>
+                  </a:ext>
+                </a:extLst>
+              </p:cNvPr>
+              <p:cNvSpPr txBox="1"/>
+              <p:nvPr/>
+            </p:nvSpPr>
+            <p:spPr>
+              <a:xfrm>
+                <a:off x="8409928" y="2262479"/>
+                <a:ext cx="1744965" cy="398379"/>
+              </a:xfrm>
+              <a:prstGeom prst="rect">
+                <a:avLst/>
+              </a:prstGeom>
+              <a:noFill/>
+            </p:spPr>
+            <p:txBody>
+              <a:bodyPr wrap="none" rtlCol="0">
+                <a:spAutoFit/>
+              </a:bodyPr>
+              <a:lstStyle/>
+              <a:p>
+                <a:pPr/>
+                <a14:m>
+                  <m:oMathPara xmlns:m="http://schemas.openxmlformats.org/officeDocument/2006/math">
+                    <m:oMathParaPr>
+                      <m:jc m:val="centerGroup"/>
+                    </m:oMathParaPr>
+                    <m:oMath xmlns:m="http://schemas.openxmlformats.org/officeDocument/2006/math">
+                      <m:sSub>
+                        <m:sSubPr>
+                          <m:ctrlPr>
+                            <a:rPr lang="en-US" i="1" smtClean="0">
+                              <a:latin typeface="Cambria Math" panose="02040503050406030204" pitchFamily="18" charset="0"/>
+                            </a:rPr>
+                          </m:ctrlPr>
+                        </m:sSubPr>
+                        <m:e>
+                          <m:sSub>
+                            <m:sSubPr>
+                              <m:ctrlPr>
+                                <a:rPr lang="en-US" b="0" i="1" smtClean="0">
+                                  <a:latin typeface="Cambria Math" panose="02040503050406030204" pitchFamily="18" charset="0"/>
+                                </a:rPr>
+                              </m:ctrlPr>
+                            </m:sSubPr>
+                            <m:e>
+                              <m:r>
+                                <a:rPr lang="en-US" b="0" i="1" smtClean="0">
+                                  <a:latin typeface="Cambria Math" panose="02040503050406030204" pitchFamily="18" charset="0"/>
+                                </a:rPr>
+                                <m:t>𝛼</m:t>
+                              </m:r>
+                            </m:e>
+                            <m:sub>
+                              <m:r>
+                                <a:rPr lang="en-US" b="0" i="1" smtClean="0">
+                                  <a:latin typeface="Cambria Math" panose="02040503050406030204" pitchFamily="18" charset="0"/>
+                                </a:rPr>
+                                <m:t>𝐴𝐻𝑈</m:t>
+                              </m:r>
+                              <m:r>
+                                <a:rPr lang="en-US" b="0" i="1" smtClean="0">
+                                  <a:latin typeface="Cambria Math" panose="02040503050406030204" pitchFamily="18" charset="0"/>
+                                </a:rPr>
+                                <m:t>,</m:t>
+                              </m:r>
+                              <m:r>
+                                <a:rPr lang="en-US" b="0" i="1" smtClean="0">
+                                  <a:latin typeface="Cambria Math" panose="02040503050406030204" pitchFamily="18" charset="0"/>
+                                </a:rPr>
+                                <m:t>𝑟𝑜𝑜𝑚</m:t>
+                              </m:r>
+                            </m:sub>
+                          </m:sSub>
+                          <m:acc>
+                            <m:accPr>
+                              <m:chr m:val="̇"/>
+                              <m:ctrlPr>
+                                <a:rPr lang="en-US" i="1">
+                                  <a:latin typeface="Cambria Math" panose="02040503050406030204" pitchFamily="18" charset="0"/>
+                                </a:rPr>
+                              </m:ctrlPr>
+                            </m:accPr>
+                            <m:e>
+                              <m:r>
+                                <a:rPr lang="en-US" i="1">
+                                  <a:latin typeface="Cambria Math" panose="02040503050406030204" pitchFamily="18" charset="0"/>
+                                </a:rPr>
+                                <m:t>𝑄</m:t>
+                              </m:r>
+                            </m:e>
+                          </m:acc>
+                        </m:e>
+                        <m:sub>
+                          <m:r>
+                            <a:rPr lang="en-US" b="0" i="1" smtClean="0">
+                              <a:latin typeface="Cambria Math" panose="02040503050406030204" pitchFamily="18" charset="0"/>
+                            </a:rPr>
+                            <m:t>𝐴𝐻𝑈</m:t>
+                          </m:r>
+                        </m:sub>
+                      </m:sSub>
+                    </m:oMath>
+                  </m:oMathPara>
+                </a14:m>
+                <a:endParaRPr lang="en-US" dirty="0"/>
+              </a:p>
+            </p:txBody>
+          </p:sp>
+        </mc:Choice>
+        <mc:Fallback xmlns="">
+          <p:sp>
+            <p:nvSpPr>
+              <p:cNvPr id="47" name="TextBox 46">
+                <a:extLst>
+                  <a:ext uri="{FF2B5EF4-FFF2-40B4-BE49-F238E27FC236}">
+                    <a16:creationId xmlns:a16="http://schemas.microsoft.com/office/drawing/2014/main" id="{E69A9FD5-C372-436A-BA1B-AA256FE8E076}"/>
+                  </a:ext>
+                </a:extLst>
+              </p:cNvPr>
+              <p:cNvSpPr txBox="1">
+                <a:spLocks noRot="1" noChangeAspect="1" noMove="1" noResize="1" noEditPoints="1" noAdjustHandles="1" noChangeArrowheads="1" noChangeShapeType="1" noTextEdit="1"/>
+              </p:cNvSpPr>
+              <p:nvPr/>
+            </p:nvSpPr>
+            <p:spPr>
+              <a:xfrm>
+                <a:off x="8409928" y="2262479"/>
+                <a:ext cx="1744965" cy="398379"/>
+              </a:xfrm>
+              <a:prstGeom prst="rect">
+                <a:avLst/>
+              </a:prstGeom>
+              <a:blipFill>
+                <a:blip r:embed="rId19"/>
+                <a:stretch>
+                  <a:fillRect b="-7692"/>
+                </a:stretch>
+              </a:blipFill>
+            </p:spPr>
+            <p:txBody>
+              <a:bodyPr/>
+              <a:lstStyle/>
+              <a:p>
+                <a:r>
+                  <a:rPr lang="en-US">
+                    <a:noFill/>
+                  </a:rPr>
+                  <a:t> </a:t>
+                </a:r>
+              </a:p>
+            </p:txBody>
+          </p:sp>
+        </mc:Fallback>
+      </mc:AlternateContent>
+      <p:sp>
+        <p:nvSpPr>
+          <p:cNvPr id="57" name="Oval 56">
+            <a:extLst>
+              <a:ext uri="{FF2B5EF4-FFF2-40B4-BE49-F238E27FC236}">
+                <a16:creationId xmlns:a16="http://schemas.microsoft.com/office/drawing/2014/main" id="{02FBEC8C-09BB-419E-9BE9-8E8F98BC85DA}"/>
+              </a:ext>
+            </a:extLst>
+          </p:cNvPr>
+          <p:cNvSpPr/>
+          <p:nvPr/>
+        </p:nvSpPr>
+        <p:spPr>
+          <a:xfrm>
+            <a:off x="6234287" y="2208513"/>
+            <a:ext cx="265176" cy="256032"/>
+          </a:xfrm>
+          <a:prstGeom prst="ellipse">
+            <a:avLst/>
+          </a:prstGeom>
+          <a:solidFill>
+            <a:schemeClr val="bg1"/>
+          </a:solidFill>
+          <a:ln>
+            <a:solidFill>
+              <a:schemeClr val="tx1"/>
+            </a:solidFill>
+          </a:ln>
+        </p:spPr>
+        <p:style>
+          <a:lnRef idx="2">
+            <a:schemeClr val="accent1">
+              <a:shade val="50000"/>
+            </a:schemeClr>
+          </a:lnRef>
+          <a:fillRef idx="1">
+            <a:schemeClr val="accent1"/>
+          </a:fillRef>
+          <a:effectRef idx="0">
+            <a:schemeClr val="accent1"/>
+          </a:effectRef>
+          <a:fontRef idx="minor">
+            <a:schemeClr val="lt1"/>
+          </a:fontRef>
+        </p:style>
+        <p:txBody>
+          <a:bodyPr rtlCol="0" anchor="ctr"/>
+          <a:lstStyle/>
+          <a:p>
+            <a:pPr algn="ctr"/>
+            <a:endParaRPr lang="en-US"/>
+          </a:p>
+        </p:txBody>
+      </p:sp>
+      <mc:AlternateContent xmlns:mc="http://schemas.openxmlformats.org/markup-compatibility/2006" xmlns:a14="http://schemas.microsoft.com/office/drawing/2010/main">
+        <mc:Choice Requires="a14">
+          <p:sp>
+            <p:nvSpPr>
+              <p:cNvPr id="59" name="TextBox 58">
+                <a:extLst>
+                  <a:ext uri="{FF2B5EF4-FFF2-40B4-BE49-F238E27FC236}">
+                    <a16:creationId xmlns:a16="http://schemas.microsoft.com/office/drawing/2014/main" id="{F39A40BE-8F5E-4AE1-9E9F-36312E5032AA}"/>
+                  </a:ext>
+                </a:extLst>
+              </p:cNvPr>
+              <p:cNvSpPr txBox="1"/>
+              <p:nvPr/>
+            </p:nvSpPr>
+            <p:spPr>
+              <a:xfrm>
+                <a:off x="5527020" y="2062578"/>
+                <a:ext cx="792461" cy="381515"/>
+              </a:xfrm>
+              <a:prstGeom prst="rect">
+                <a:avLst/>
+              </a:prstGeom>
+              <a:noFill/>
+            </p:spPr>
+            <p:txBody>
+              <a:bodyPr wrap="none" rtlCol="0">
+                <a:spAutoFit/>
+              </a:bodyPr>
+              <a:lstStyle/>
+              <a:p>
+                <a:pPr/>
+                <a14:m>
+                  <m:oMathPara xmlns:m="http://schemas.openxmlformats.org/officeDocument/2006/math">
+                    <m:oMathParaPr>
+                      <m:jc m:val="centerGroup"/>
+                    </m:oMathParaPr>
+                    <m:oMath xmlns:m="http://schemas.openxmlformats.org/officeDocument/2006/math">
+                      <m:sSub>
+                        <m:sSubPr>
+                          <m:ctrlPr>
+                            <a:rPr lang="en-US" b="0" i="1" smtClean="0">
+                              <a:latin typeface="Cambria Math" panose="02040503050406030204" pitchFamily="18" charset="0"/>
+                            </a:rPr>
+                          </m:ctrlPr>
+                        </m:sSubPr>
+                        <m:e>
+                          <m:r>
+                            <a:rPr lang="en-US" b="0" i="1" smtClean="0">
+                              <a:latin typeface="Cambria Math" panose="02040503050406030204" pitchFamily="18" charset="0"/>
+                            </a:rPr>
+                            <m:t>𝑇</m:t>
+                          </m:r>
+                        </m:e>
+                        <m:sub>
+                          <m:r>
+                            <a:rPr lang="en-US" b="0" i="1" smtClean="0">
+                              <a:latin typeface="Cambria Math" panose="02040503050406030204" pitchFamily="18" charset="0"/>
+                            </a:rPr>
+                            <m:t>𝑒𝑛𝑣</m:t>
+                          </m:r>
+                          <m:r>
+                            <a:rPr lang="en-US" b="0" i="1" smtClean="0">
+                              <a:latin typeface="Cambria Math" panose="02040503050406030204" pitchFamily="18" charset="0"/>
+                            </a:rPr>
+                            <m:t>,2</m:t>
+                          </m:r>
+                        </m:sub>
+                      </m:sSub>
+                    </m:oMath>
+                  </m:oMathPara>
+                </a14:m>
+                <a:endParaRPr lang="en-US" dirty="0"/>
+              </a:p>
+            </p:txBody>
+          </p:sp>
+        </mc:Choice>
+        <mc:Fallback xmlns="">
+          <p:sp>
+            <p:nvSpPr>
+              <p:cNvPr id="59" name="TextBox 58">
+                <a:extLst>
+                  <a:ext uri="{FF2B5EF4-FFF2-40B4-BE49-F238E27FC236}">
+                    <a16:creationId xmlns:a16="http://schemas.microsoft.com/office/drawing/2014/main" id="{F39A40BE-8F5E-4AE1-9E9F-36312E5032AA}"/>
+                  </a:ext>
+                </a:extLst>
+              </p:cNvPr>
+              <p:cNvSpPr txBox="1">
+                <a:spLocks noRot="1" noChangeAspect="1" noMove="1" noResize="1" noEditPoints="1" noAdjustHandles="1" noChangeArrowheads="1" noChangeShapeType="1" noTextEdit="1"/>
+              </p:cNvSpPr>
+              <p:nvPr/>
+            </p:nvSpPr>
+            <p:spPr>
+              <a:xfrm>
+                <a:off x="5527020" y="2062578"/>
+                <a:ext cx="792461" cy="381515"/>
+              </a:xfrm>
+              <a:prstGeom prst="rect">
+                <a:avLst/>
+              </a:prstGeom>
+              <a:blipFill>
+                <a:blip r:embed="rId22"/>
+                <a:stretch>
+                  <a:fillRect/>
+                </a:stretch>
+              </a:blipFill>
+            </p:spPr>
+            <p:txBody>
+              <a:bodyPr/>
+              <a:lstStyle/>
+              <a:p>
+                <a:r>
+                  <a:rPr lang="en-US">
+                    <a:noFill/>
+                  </a:rPr>
+                  <a:t> </a:t>
+                </a:r>
+              </a:p>
+            </p:txBody>
+          </p:sp>
+        </mc:Fallback>
+      </mc:AlternateContent>
+      <p:cxnSp>
+        <p:nvCxnSpPr>
+          <p:cNvPr id="66" name="Straight Connector 65">
+            <a:extLst>
+              <a:ext uri="{FF2B5EF4-FFF2-40B4-BE49-F238E27FC236}">
+                <a16:creationId xmlns:a16="http://schemas.microsoft.com/office/drawing/2014/main" id="{B18C22D1-0256-4106-B158-8CEBBBF88EA0}"/>
+              </a:ext>
+            </a:extLst>
+          </p:cNvPr>
+          <p:cNvCxnSpPr>
+            <a:cxnSpLocks/>
+          </p:cNvCxnSpPr>
+          <p:nvPr/>
+        </p:nvCxnSpPr>
+        <p:spPr>
+          <a:xfrm>
+            <a:off x="6499463" y="2335262"/>
+            <a:ext cx="466556" cy="0"/>
+          </a:xfrm>
+          <a:prstGeom prst="line">
+            <a:avLst/>
+          </a:prstGeom>
+          <a:ln w="28575">
+            <a:solidFill>
+              <a:schemeClr val="tx1"/>
+            </a:solidFill>
+          </a:ln>
+        </p:spPr>
+        <p:style>
+          <a:lnRef idx="1">
+            <a:schemeClr val="accent1"/>
+          </a:lnRef>
+          <a:fillRef idx="0">
+            <a:schemeClr val="accent1"/>
+          </a:fillRef>
+          <a:effectRef idx="0">
+            <a:schemeClr val="accent1"/>
+          </a:effectRef>
+          <a:fontRef idx="minor">
+            <a:schemeClr val="tx1"/>
+          </a:fontRef>
+        </p:style>
+      </p:cxnSp>
+      <mc:AlternateContent xmlns:mc="http://schemas.openxmlformats.org/markup-compatibility/2006" xmlns:a14="http://schemas.microsoft.com/office/drawing/2010/main">
+        <mc:Choice Requires="a14">
+          <p:sp>
+            <p:nvSpPr>
+              <p:cNvPr id="67" name="TextBox 66">
+                <a:extLst>
+                  <a:ext uri="{FF2B5EF4-FFF2-40B4-BE49-F238E27FC236}">
+                    <a16:creationId xmlns:a16="http://schemas.microsoft.com/office/drawing/2014/main" id="{30200B29-1B26-40A4-97FF-C83443D6CE2C}"/>
+                  </a:ext>
+                </a:extLst>
+              </p:cNvPr>
+              <p:cNvSpPr txBox="1"/>
+              <p:nvPr/>
+            </p:nvSpPr>
+            <p:spPr>
+              <a:xfrm>
+                <a:off x="7067865" y="2166686"/>
+                <a:ext cx="803746" cy="381515"/>
+              </a:xfrm>
+              <a:prstGeom prst="rect">
+                <a:avLst/>
+              </a:prstGeom>
+              <a:noFill/>
+            </p:spPr>
+            <p:txBody>
+              <a:bodyPr wrap="none" rtlCol="0">
+                <a:spAutoFit/>
+              </a:bodyPr>
+              <a:lstStyle/>
+              <a:p>
+                <a:pPr/>
+                <a14:m>
+                  <m:oMathPara xmlns:m="http://schemas.openxmlformats.org/officeDocument/2006/math">
+                    <m:oMathParaPr>
+                      <m:jc m:val="centerGroup"/>
+                    </m:oMathParaPr>
+                    <m:oMath xmlns:m="http://schemas.openxmlformats.org/officeDocument/2006/math">
+                      <m:sSub>
+                        <m:sSubPr>
+                          <m:ctrlPr>
+                            <a:rPr lang="en-US" b="0" i="1" smtClean="0">
+                              <a:latin typeface="Cambria Math" panose="02040503050406030204" pitchFamily="18" charset="0"/>
+                            </a:rPr>
+                          </m:ctrlPr>
+                        </m:sSubPr>
+                        <m:e>
+                          <m:r>
+                            <a:rPr lang="en-US" b="0" i="1" smtClean="0">
+                              <a:latin typeface="Cambria Math" panose="02040503050406030204" pitchFamily="18" charset="0"/>
+                            </a:rPr>
+                            <m:t>𝐶</m:t>
+                          </m:r>
+                        </m:e>
+                        <m:sub>
+                          <m:r>
+                            <a:rPr lang="en-US" b="0" i="1" smtClean="0">
+                              <a:latin typeface="Cambria Math" panose="02040503050406030204" pitchFamily="18" charset="0"/>
+                            </a:rPr>
+                            <m:t>𝑒𝑛𝑣</m:t>
+                          </m:r>
+                          <m:r>
+                            <a:rPr lang="en-US" b="0" i="1" smtClean="0">
+                              <a:latin typeface="Cambria Math" panose="02040503050406030204" pitchFamily="18" charset="0"/>
+                            </a:rPr>
+                            <m:t>,2</m:t>
+                          </m:r>
+                        </m:sub>
+                      </m:sSub>
+                    </m:oMath>
+                  </m:oMathPara>
+                </a14:m>
+                <a:endParaRPr lang="en-US" dirty="0"/>
+              </a:p>
+            </p:txBody>
+          </p:sp>
+        </mc:Choice>
+        <mc:Fallback xmlns="">
+          <p:sp>
+            <p:nvSpPr>
+              <p:cNvPr id="67" name="TextBox 66">
+                <a:extLst>
+                  <a:ext uri="{FF2B5EF4-FFF2-40B4-BE49-F238E27FC236}">
+                    <a16:creationId xmlns:a16="http://schemas.microsoft.com/office/drawing/2014/main" id="{30200B29-1B26-40A4-97FF-C83443D6CE2C}"/>
+                  </a:ext>
+                </a:extLst>
+              </p:cNvPr>
+              <p:cNvSpPr txBox="1">
+                <a:spLocks noRot="1" noChangeAspect="1" noMove="1" noResize="1" noEditPoints="1" noAdjustHandles="1" noChangeArrowheads="1" noChangeShapeType="1" noTextEdit="1"/>
+              </p:cNvSpPr>
+              <p:nvPr/>
+            </p:nvSpPr>
+            <p:spPr>
+              <a:xfrm>
+                <a:off x="7067865" y="2166686"/>
+                <a:ext cx="803746" cy="381515"/>
+              </a:xfrm>
+              <a:prstGeom prst="rect">
+                <a:avLst/>
+              </a:prstGeom>
+              <a:blipFill>
+                <a:blip r:embed="rId23"/>
+                <a:stretch>
+                  <a:fillRect/>
+                </a:stretch>
+              </a:blipFill>
+            </p:spPr>
+            <p:txBody>
+              <a:bodyPr/>
+              <a:lstStyle/>
+              <a:p>
+                <a:r>
+                  <a:rPr lang="en-US">
+                    <a:noFill/>
+                  </a:rPr>
+                  <a:t> </a:t>
+                </a:r>
+              </a:p>
+            </p:txBody>
+          </p:sp>
+        </mc:Fallback>
+      </mc:AlternateContent>
+      <p:sp>
+        <p:nvSpPr>
+          <p:cNvPr id="70" name="Equals 69">
+            <a:extLst>
+              <a:ext uri="{FF2B5EF4-FFF2-40B4-BE49-F238E27FC236}">
+                <a16:creationId xmlns:a16="http://schemas.microsoft.com/office/drawing/2014/main" id="{2177BFA7-C050-4C0B-9BEB-B16A5153DCDD}"/>
+              </a:ext>
+            </a:extLst>
+          </p:cNvPr>
+          <p:cNvSpPr/>
+          <p:nvPr/>
+        </p:nvSpPr>
+        <p:spPr>
+          <a:xfrm rot="16200000">
+            <a:off x="6832078" y="2218573"/>
+            <a:ext cx="418638" cy="232734"/>
+          </a:xfrm>
+          <a:prstGeom prst="mathEqual">
+            <a:avLst/>
+          </a:prstGeom>
+          <a:solidFill>
+            <a:schemeClr val="tx1"/>
+          </a:solidFill>
+          <a:ln>
+            <a:solidFill>
+              <a:schemeClr val="tx1"/>
+            </a:solidFill>
+          </a:ln>
+        </p:spPr>
+        <p:style>
+          <a:lnRef idx="2">
+            <a:schemeClr val="accent1">
+              <a:shade val="50000"/>
+            </a:schemeClr>
+          </a:lnRef>
+          <a:fillRef idx="1">
+            <a:schemeClr val="accent1"/>
+          </a:fillRef>
+          <a:effectRef idx="0">
+            <a:schemeClr val="accent1"/>
+          </a:effectRef>
+          <a:fontRef idx="minor">
+            <a:schemeClr val="lt1"/>
+          </a:fontRef>
+        </p:style>
+        <p:txBody>
+          <a:bodyPr rtlCol="0" anchor="ctr"/>
+          <a:lstStyle/>
+          <a:p>
+            <a:pPr algn="ctr"/>
+            <a:endParaRPr lang="en-US" dirty="0">
+              <a:solidFill>
+                <a:schemeClr val="tx1"/>
+              </a:solidFill>
+            </a:endParaRPr>
+          </a:p>
+        </p:txBody>
+      </p:sp>
+      <p:sp>
+        <p:nvSpPr>
+          <p:cNvPr id="77" name="Oval 76">
+            <a:extLst>
+              <a:ext uri="{FF2B5EF4-FFF2-40B4-BE49-F238E27FC236}">
+                <a16:creationId xmlns:a16="http://schemas.microsoft.com/office/drawing/2014/main" id="{01B29C96-1AE2-4C6C-AB1F-9FCBCD6D7E83}"/>
+              </a:ext>
+            </a:extLst>
+          </p:cNvPr>
+          <p:cNvSpPr/>
+          <p:nvPr/>
+        </p:nvSpPr>
+        <p:spPr>
+          <a:xfrm>
+            <a:off x="7856369" y="3091181"/>
+            <a:ext cx="265176" cy="256032"/>
+          </a:xfrm>
+          <a:prstGeom prst="ellipse">
+            <a:avLst/>
+          </a:prstGeom>
+          <a:solidFill>
+            <a:schemeClr val="bg1"/>
+          </a:solidFill>
+          <a:ln>
+            <a:solidFill>
+              <a:schemeClr val="tx1"/>
+            </a:solidFill>
+          </a:ln>
+        </p:spPr>
+        <p:style>
+          <a:lnRef idx="2">
+            <a:schemeClr val="accent1">
+              <a:shade val="50000"/>
+            </a:schemeClr>
+          </a:lnRef>
+          <a:fillRef idx="1">
+            <a:schemeClr val="accent1"/>
+          </a:fillRef>
+          <a:effectRef idx="0">
+            <a:schemeClr val="accent1"/>
+          </a:effectRef>
+          <a:fontRef idx="minor">
+            <a:schemeClr val="lt1"/>
+          </a:fontRef>
+        </p:style>
+        <p:txBody>
+          <a:bodyPr rtlCol="0" anchor="ctr"/>
+          <a:lstStyle/>
+          <a:p>
+            <a:pPr algn="ctr"/>
+            <a:endParaRPr lang="en-US" dirty="0"/>
+          </a:p>
+        </p:txBody>
+      </p:sp>
+      <p:sp>
+        <p:nvSpPr>
+          <p:cNvPr id="79" name="Equals 78">
+            <a:extLst>
+              <a:ext uri="{FF2B5EF4-FFF2-40B4-BE49-F238E27FC236}">
+                <a16:creationId xmlns:a16="http://schemas.microsoft.com/office/drawing/2014/main" id="{A1AF1BE1-61BF-4472-9777-E0ACD44F5DC0}"/>
+              </a:ext>
+            </a:extLst>
+          </p:cNvPr>
+          <p:cNvSpPr/>
+          <p:nvPr/>
+        </p:nvSpPr>
+        <p:spPr>
+          <a:xfrm>
+            <a:off x="7692930" y="3593674"/>
+            <a:ext cx="589788" cy="448056"/>
+          </a:xfrm>
+          <a:prstGeom prst="mathEqual">
+            <a:avLst/>
+          </a:prstGeom>
+          <a:solidFill>
+            <a:schemeClr val="tx1"/>
+          </a:solidFill>
+          <a:ln>
+            <a:solidFill>
+              <a:schemeClr val="tx1"/>
+            </a:solidFill>
+          </a:ln>
+        </p:spPr>
+        <p:style>
+          <a:lnRef idx="2">
+            <a:schemeClr val="accent1">
+              <a:shade val="50000"/>
+            </a:schemeClr>
+          </a:lnRef>
+          <a:fillRef idx="1">
+            <a:schemeClr val="accent1"/>
+          </a:fillRef>
+          <a:effectRef idx="0">
+            <a:schemeClr val="accent1"/>
+          </a:effectRef>
+          <a:fontRef idx="minor">
+            <a:schemeClr val="lt1"/>
+          </a:fontRef>
+        </p:style>
+        <p:txBody>
+          <a:bodyPr rtlCol="0" anchor="ctr"/>
+          <a:lstStyle/>
+          <a:p>
+            <a:pPr algn="ctr"/>
+            <a:endParaRPr lang="en-US">
+              <a:solidFill>
+                <a:schemeClr val="tx1"/>
+              </a:solidFill>
+            </a:endParaRPr>
+          </a:p>
+        </p:txBody>
+      </p:sp>
+      <p:cxnSp>
+        <p:nvCxnSpPr>
+          <p:cNvPr id="80" name="Straight Connector 79">
+            <a:extLst>
+              <a:ext uri="{FF2B5EF4-FFF2-40B4-BE49-F238E27FC236}">
+                <a16:creationId xmlns:a16="http://schemas.microsoft.com/office/drawing/2014/main" id="{0C02CADC-0AE4-4E52-A282-093D29F211E9}"/>
+              </a:ext>
+            </a:extLst>
+          </p:cNvPr>
+          <p:cNvCxnSpPr>
+            <a:cxnSpLocks/>
+            <a:stCxn id="79" idx="5"/>
+            <a:endCxn id="77" idx="4"/>
+          </p:cNvCxnSpPr>
+          <p:nvPr/>
+        </p:nvCxnSpPr>
+        <p:spPr>
+          <a:xfrm flipV="1">
+            <a:off x="7987824" y="3347213"/>
+            <a:ext cx="1133" cy="338761"/>
+          </a:xfrm>
+          <a:prstGeom prst="line">
+            <a:avLst/>
+          </a:prstGeom>
+          <a:ln w="57150">
+            <a:solidFill>
+              <a:schemeClr val="tx1"/>
+            </a:solidFill>
+          </a:ln>
+        </p:spPr>
+        <p:style>
+          <a:lnRef idx="1">
+            <a:schemeClr val="accent1"/>
+          </a:lnRef>
+          <a:fillRef idx="0">
+            <a:schemeClr val="accent1"/>
+          </a:fillRef>
+          <a:effectRef idx="0">
+            <a:schemeClr val="accent1"/>
+          </a:effectRef>
+          <a:fontRef idx="minor">
+            <a:schemeClr val="tx1"/>
+          </a:fontRef>
+        </p:style>
+      </p:cxnSp>
+      <p:sp>
+        <p:nvSpPr>
+          <p:cNvPr id="83" name="Oval 82">
+            <a:extLst>
+              <a:ext uri="{FF2B5EF4-FFF2-40B4-BE49-F238E27FC236}">
+                <a16:creationId xmlns:a16="http://schemas.microsoft.com/office/drawing/2014/main" id="{A67462FB-ECAB-42A4-9669-BCCE39DAAA53}"/>
+              </a:ext>
+            </a:extLst>
+          </p:cNvPr>
+          <p:cNvSpPr/>
+          <p:nvPr/>
+        </p:nvSpPr>
+        <p:spPr>
+          <a:xfrm>
+            <a:off x="9412156" y="3098979"/>
+            <a:ext cx="265176" cy="256032"/>
+          </a:xfrm>
+          <a:prstGeom prst="ellipse">
+            <a:avLst/>
+          </a:prstGeom>
+          <a:solidFill>
+            <a:schemeClr val="bg1"/>
+          </a:solidFill>
+          <a:ln>
+            <a:solidFill>
+              <a:schemeClr val="tx1"/>
+            </a:solidFill>
+          </a:ln>
+        </p:spPr>
+        <p:style>
+          <a:lnRef idx="2">
+            <a:schemeClr val="accent1">
+              <a:shade val="50000"/>
+            </a:schemeClr>
+          </a:lnRef>
+          <a:fillRef idx="1">
+            <a:schemeClr val="accent1"/>
+          </a:fillRef>
+          <a:effectRef idx="0">
+            <a:schemeClr val="accent1"/>
+          </a:effectRef>
+          <a:fontRef idx="minor">
+            <a:schemeClr val="lt1"/>
+          </a:fontRef>
+        </p:style>
+        <p:txBody>
+          <a:bodyPr rtlCol="0" anchor="ctr"/>
+          <a:lstStyle/>
+          <a:p>
+            <a:pPr algn="ctr"/>
+            <a:endParaRPr lang="en-US"/>
+          </a:p>
+        </p:txBody>
+      </p:sp>
+      <mc:AlternateContent xmlns:mc="http://schemas.openxmlformats.org/markup-compatibility/2006" xmlns:a14="http://schemas.microsoft.com/office/drawing/2010/main">
+        <mc:Choice Requires="a14">
+          <p:sp>
+            <p:nvSpPr>
+              <p:cNvPr id="95" name="TextBox 94">
+                <a:extLst>
+                  <a:ext uri="{FF2B5EF4-FFF2-40B4-BE49-F238E27FC236}">
+                    <a16:creationId xmlns:a16="http://schemas.microsoft.com/office/drawing/2014/main" id="{0CE1042D-3A64-449B-B182-6C76D83568B9}"/>
+                  </a:ext>
+                </a:extLst>
+              </p:cNvPr>
+              <p:cNvSpPr txBox="1"/>
+              <p:nvPr/>
+            </p:nvSpPr>
+            <p:spPr>
+              <a:xfrm>
+                <a:off x="9617564" y="2972662"/>
+                <a:ext cx="642166" cy="276999"/>
+              </a:xfrm>
+              <a:prstGeom prst="rect">
+                <a:avLst/>
+              </a:prstGeom>
+              <a:noFill/>
+            </p:spPr>
+            <p:txBody>
+              <a:bodyPr wrap="square" rtlCol="0">
+                <a:spAutoFit/>
+              </a:bodyPr>
+              <a:lstStyle/>
+              <a:p>
+                <a:pPr/>
+                <a14:m>
+                  <m:oMathPara xmlns:m="http://schemas.openxmlformats.org/officeDocument/2006/math">
+                    <m:oMathParaPr>
+                      <m:jc m:val="centerGroup"/>
+                    </m:oMathParaPr>
+                    <m:oMath xmlns:m="http://schemas.openxmlformats.org/officeDocument/2006/math">
+                      <m:sSub>
+                        <m:sSubPr>
+                          <m:ctrlPr>
+                            <a:rPr lang="en-US" sz="1200" b="0" i="1" smtClean="0">
+                              <a:latin typeface="Cambria Math" panose="02040503050406030204" pitchFamily="18" charset="0"/>
+                            </a:rPr>
+                          </m:ctrlPr>
+                        </m:sSubPr>
+                        <m:e>
+                          <m:r>
+                            <a:rPr lang="en-US" sz="1200" b="0" i="1" smtClean="0">
+                              <a:latin typeface="Cambria Math" panose="02040503050406030204" pitchFamily="18" charset="0"/>
+                            </a:rPr>
+                            <m:t>𝑇</m:t>
+                          </m:r>
+                        </m:e>
+                        <m:sub>
+                          <m:r>
+                            <a:rPr lang="en-US" sz="1200" b="0" i="1" smtClean="0">
+                              <a:latin typeface="Cambria Math" panose="02040503050406030204" pitchFamily="18" charset="0"/>
+                            </a:rPr>
+                            <m:t>𝑟𝑜𝑜𝑚</m:t>
+                          </m:r>
+                        </m:sub>
+                      </m:sSub>
+                    </m:oMath>
+                  </m:oMathPara>
+                </a14:m>
+                <a:endParaRPr lang="en-US" sz="1200" dirty="0"/>
+              </a:p>
+            </p:txBody>
+          </p:sp>
+        </mc:Choice>
+        <mc:Fallback xmlns="">
+          <p:sp>
+            <p:nvSpPr>
+              <p:cNvPr id="95" name="TextBox 94">
+                <a:extLst>
+                  <a:ext uri="{FF2B5EF4-FFF2-40B4-BE49-F238E27FC236}">
+                    <a16:creationId xmlns:a16="http://schemas.microsoft.com/office/drawing/2014/main" id="{0CE1042D-3A64-449B-B182-6C76D83568B9}"/>
+                  </a:ext>
+                </a:extLst>
+              </p:cNvPr>
+              <p:cNvSpPr txBox="1">
+                <a:spLocks noRot="1" noChangeAspect="1" noMove="1" noResize="1" noEditPoints="1" noAdjustHandles="1" noChangeArrowheads="1" noChangeShapeType="1" noTextEdit="1"/>
+              </p:cNvSpPr>
+              <p:nvPr/>
+            </p:nvSpPr>
+            <p:spPr>
+              <a:xfrm>
+                <a:off x="9617564" y="2972662"/>
+                <a:ext cx="642166" cy="276999"/>
+              </a:xfrm>
+              <a:prstGeom prst="rect">
+                <a:avLst/>
+              </a:prstGeom>
+              <a:blipFill>
+                <a:blip r:embed="rId24"/>
+                <a:stretch>
+                  <a:fillRect/>
+                </a:stretch>
+              </a:blipFill>
+            </p:spPr>
+            <p:txBody>
+              <a:bodyPr/>
+              <a:lstStyle/>
+              <a:p>
+                <a:r>
+                  <a:rPr lang="en-US">
+                    <a:noFill/>
+                  </a:rPr>
+                  <a:t> </a:t>
+                </a:r>
+              </a:p>
+            </p:txBody>
+          </p:sp>
+        </mc:Fallback>
+      </mc:AlternateContent>
+      <mc:AlternateContent xmlns:mc="http://schemas.openxmlformats.org/markup-compatibility/2006" xmlns:a14="http://schemas.microsoft.com/office/drawing/2010/main">
+        <mc:Choice Requires="a14">
+          <p:sp>
+            <p:nvSpPr>
+              <p:cNvPr id="103" name="TextBox 102">
+                <a:extLst>
+                  <a:ext uri="{FF2B5EF4-FFF2-40B4-BE49-F238E27FC236}">
+                    <a16:creationId xmlns:a16="http://schemas.microsoft.com/office/drawing/2014/main" id="{C665ED30-56EA-4B35-8745-B55E83F88DC5}"/>
+                  </a:ext>
+                </a:extLst>
+              </p:cNvPr>
+              <p:cNvSpPr txBox="1"/>
+              <p:nvPr/>
+            </p:nvSpPr>
+            <p:spPr>
+              <a:xfrm>
+                <a:off x="7675112" y="2861671"/>
+                <a:ext cx="642166" cy="276999"/>
+              </a:xfrm>
+              <a:prstGeom prst="rect">
+                <a:avLst/>
+              </a:prstGeom>
+              <a:noFill/>
+            </p:spPr>
+            <p:txBody>
+              <a:bodyPr wrap="square" rtlCol="0">
+                <a:spAutoFit/>
+              </a:bodyPr>
+              <a:lstStyle/>
+              <a:p>
+                <a:pPr/>
+                <a14:m>
+                  <m:oMathPara xmlns:m="http://schemas.openxmlformats.org/officeDocument/2006/math">
+                    <m:oMathParaPr>
+                      <m:jc m:val="centerGroup"/>
+                    </m:oMathParaPr>
+                    <m:oMath xmlns:m="http://schemas.openxmlformats.org/officeDocument/2006/math">
+                      <m:sSub>
+                        <m:sSubPr>
+                          <m:ctrlPr>
+                            <a:rPr lang="en-US" sz="1200" b="0" i="1" smtClean="0">
+                              <a:latin typeface="Cambria Math" panose="02040503050406030204" pitchFamily="18" charset="0"/>
+                            </a:rPr>
+                          </m:ctrlPr>
+                        </m:sSubPr>
+                        <m:e>
+                          <m:r>
+                            <a:rPr lang="en-US" sz="1200" b="0" i="1" smtClean="0">
+                              <a:latin typeface="Cambria Math" panose="02040503050406030204" pitchFamily="18" charset="0"/>
+                            </a:rPr>
+                            <m:t>𝑇</m:t>
+                          </m:r>
+                        </m:e>
+                        <m:sub>
+                          <m:r>
+                            <a:rPr lang="en-US" sz="1200" b="0" i="1" smtClean="0">
+                              <a:latin typeface="Cambria Math" panose="02040503050406030204" pitchFamily="18" charset="0"/>
+                            </a:rPr>
+                            <m:t>𝑖𝑛𝑡𝑤𝑎𝑙𝑙</m:t>
+                          </m:r>
+                        </m:sub>
+                      </m:sSub>
+                    </m:oMath>
+                  </m:oMathPara>
+                </a14:m>
+                <a:endParaRPr lang="en-US" sz="1200" dirty="0"/>
+              </a:p>
+            </p:txBody>
+          </p:sp>
+        </mc:Choice>
+        <mc:Fallback xmlns="">
+          <p:sp>
+            <p:nvSpPr>
+              <p:cNvPr id="103" name="TextBox 102">
+                <a:extLst>
+                  <a:ext uri="{FF2B5EF4-FFF2-40B4-BE49-F238E27FC236}">
+                    <a16:creationId xmlns:a16="http://schemas.microsoft.com/office/drawing/2014/main" id="{C665ED30-56EA-4B35-8745-B55E83F88DC5}"/>
+                  </a:ext>
+                </a:extLst>
+              </p:cNvPr>
+              <p:cNvSpPr txBox="1">
+                <a:spLocks noRot="1" noChangeAspect="1" noMove="1" noResize="1" noEditPoints="1" noAdjustHandles="1" noChangeArrowheads="1" noChangeShapeType="1" noTextEdit="1"/>
+              </p:cNvSpPr>
+              <p:nvPr/>
+            </p:nvSpPr>
+            <p:spPr>
+              <a:xfrm>
+                <a:off x="7675112" y="2861671"/>
+                <a:ext cx="642166" cy="276999"/>
+              </a:xfrm>
+              <a:prstGeom prst="rect">
+                <a:avLst/>
+              </a:prstGeom>
+              <a:blipFill>
+                <a:blip r:embed="rId27"/>
+                <a:stretch>
+                  <a:fillRect/>
+                </a:stretch>
+              </a:blipFill>
+            </p:spPr>
+            <p:txBody>
+              <a:bodyPr/>
+              <a:lstStyle/>
+              <a:p>
+                <a:r>
+                  <a:rPr lang="en-US">
+                    <a:noFill/>
+                  </a:rPr>
+                  <a:t> </a:t>
+                </a:r>
+              </a:p>
+            </p:txBody>
+          </p:sp>
+        </mc:Fallback>
+      </mc:AlternateContent>
+      <mc:AlternateContent xmlns:mc="http://schemas.openxmlformats.org/markup-compatibility/2006" xmlns:a14="http://schemas.microsoft.com/office/drawing/2010/main">
+        <mc:Choice Requires="a14">
+          <p:sp>
+            <p:nvSpPr>
+              <p:cNvPr id="104" name="TextBox 103">
+                <a:extLst>
+                  <a:ext uri="{FF2B5EF4-FFF2-40B4-BE49-F238E27FC236}">
+                    <a16:creationId xmlns:a16="http://schemas.microsoft.com/office/drawing/2014/main" id="{27B4F54B-8E1E-4877-9425-2AB81AF7FE9F}"/>
+                  </a:ext>
+                </a:extLst>
+              </p:cNvPr>
+              <p:cNvSpPr txBox="1"/>
+              <p:nvPr/>
+            </p:nvSpPr>
+            <p:spPr>
+              <a:xfrm>
+                <a:off x="8108812" y="3718033"/>
+                <a:ext cx="981551" cy="369332"/>
+              </a:xfrm>
+              <a:prstGeom prst="rect">
+                <a:avLst/>
+              </a:prstGeom>
+              <a:noFill/>
+            </p:spPr>
+            <p:txBody>
+              <a:bodyPr wrap="none" rtlCol="0">
+                <a:spAutoFit/>
+              </a:bodyPr>
+              <a:lstStyle/>
+              <a:p>
+                <a:pPr/>
+                <a14:m>
+                  <m:oMathPara xmlns:m="http://schemas.openxmlformats.org/officeDocument/2006/math">
+                    <m:oMathParaPr>
+                      <m:jc m:val="centerGroup"/>
+                    </m:oMathParaPr>
+                    <m:oMath xmlns:m="http://schemas.openxmlformats.org/officeDocument/2006/math">
+                      <m:sSub>
+                        <m:sSubPr>
+                          <m:ctrlPr>
+                            <a:rPr lang="en-US" b="0" i="1" smtClean="0">
+                              <a:latin typeface="Cambria Math" panose="02040503050406030204" pitchFamily="18" charset="0"/>
+                            </a:rPr>
+                          </m:ctrlPr>
+                        </m:sSubPr>
+                        <m:e>
+                          <m:r>
+                            <a:rPr lang="en-US" b="0" i="1" smtClean="0">
+                              <a:latin typeface="Cambria Math" panose="02040503050406030204" pitchFamily="18" charset="0"/>
+                            </a:rPr>
+                            <m:t>𝐶</m:t>
+                          </m:r>
+                        </m:e>
+                        <m:sub>
+                          <m:r>
+                            <a:rPr lang="en-US" b="0" i="1" smtClean="0">
+                              <a:latin typeface="Cambria Math" panose="02040503050406030204" pitchFamily="18" charset="0"/>
+                            </a:rPr>
+                            <m:t>𝑖𝑛𝑡𝑤𝑎𝑙𝑙</m:t>
+                          </m:r>
+                        </m:sub>
+                      </m:sSub>
+                    </m:oMath>
+                  </m:oMathPara>
+                </a14:m>
+                <a:endParaRPr lang="en-US" dirty="0"/>
+              </a:p>
+            </p:txBody>
+          </p:sp>
+        </mc:Choice>
+        <mc:Fallback xmlns="">
+          <p:sp>
+            <p:nvSpPr>
+              <p:cNvPr id="104" name="TextBox 103">
+                <a:extLst>
+                  <a:ext uri="{FF2B5EF4-FFF2-40B4-BE49-F238E27FC236}">
+                    <a16:creationId xmlns:a16="http://schemas.microsoft.com/office/drawing/2014/main" id="{27B4F54B-8E1E-4877-9425-2AB81AF7FE9F}"/>
+                  </a:ext>
+                </a:extLst>
+              </p:cNvPr>
+              <p:cNvSpPr txBox="1">
+                <a:spLocks noRot="1" noChangeAspect="1" noMove="1" noResize="1" noEditPoints="1" noAdjustHandles="1" noChangeArrowheads="1" noChangeShapeType="1" noTextEdit="1"/>
+              </p:cNvSpPr>
+              <p:nvPr/>
+            </p:nvSpPr>
+            <p:spPr>
+              <a:xfrm>
+                <a:off x="8108812" y="3718033"/>
+                <a:ext cx="981551" cy="369332"/>
+              </a:xfrm>
+              <a:prstGeom prst="rect">
+                <a:avLst/>
+              </a:prstGeom>
+              <a:blipFill>
+                <a:blip r:embed="rId28"/>
+                <a:stretch>
+                  <a:fillRect b="-1667"/>
+                </a:stretch>
+              </a:blipFill>
+            </p:spPr>
+            <p:txBody>
+              <a:bodyPr/>
+              <a:lstStyle/>
+              <a:p>
+                <a:r>
+                  <a:rPr lang="en-US">
+                    <a:noFill/>
+                  </a:rPr>
+                  <a:t> </a:t>
+                </a:r>
+              </a:p>
+            </p:txBody>
+          </p:sp>
+        </mc:Fallback>
+      </mc:AlternateContent>
+      <p:sp>
+        <p:nvSpPr>
+          <p:cNvPr id="4" name="Rectangle 3">
+            <a:extLst>
+              <a:ext uri="{FF2B5EF4-FFF2-40B4-BE49-F238E27FC236}">
+                <a16:creationId xmlns:a16="http://schemas.microsoft.com/office/drawing/2014/main" id="{ED28DA48-AE88-4823-9B86-E5D698F91E50}"/>
+              </a:ext>
+            </a:extLst>
+          </p:cNvPr>
+          <p:cNvSpPr/>
+          <p:nvPr/>
+        </p:nvSpPr>
+        <p:spPr>
+          <a:xfrm>
+            <a:off x="8497755" y="2286475"/>
+            <a:ext cx="1744965" cy="398380"/>
+          </a:xfrm>
+          <a:prstGeom prst="rect">
+            <a:avLst/>
+          </a:prstGeom>
+          <a:noFill/>
+          <a:ln>
+            <a:solidFill>
+              <a:schemeClr val="tx1"/>
+            </a:solidFill>
+          </a:ln>
+        </p:spPr>
+        <p:style>
+          <a:lnRef idx="2">
+            <a:schemeClr val="accent1">
+              <a:shade val="50000"/>
+            </a:schemeClr>
+          </a:lnRef>
+          <a:fillRef idx="1">
+            <a:schemeClr val="accent1"/>
+          </a:fillRef>
+          <a:effectRef idx="0">
+            <a:schemeClr val="accent1"/>
+          </a:effectRef>
+          <a:fontRef idx="minor">
+            <a:schemeClr val="lt1"/>
+          </a:fontRef>
+        </p:style>
+        <p:txBody>
+          <a:bodyPr rtlCol="0" anchor="ctr"/>
+          <a:lstStyle/>
+          <a:p>
+            <a:pPr algn="ctr"/>
+            <a:endParaRPr lang="en-US"/>
+          </a:p>
+        </p:txBody>
+      </p:sp>
+      <p:cxnSp>
+        <p:nvCxnSpPr>
+          <p:cNvPr id="106" name="Straight Arrow Connector 105">
+            <a:extLst>
+              <a:ext uri="{FF2B5EF4-FFF2-40B4-BE49-F238E27FC236}">
+                <a16:creationId xmlns:a16="http://schemas.microsoft.com/office/drawing/2014/main" id="{A3420761-C6AA-48B7-B399-AEFB35CFA0FA}"/>
+              </a:ext>
+            </a:extLst>
+          </p:cNvPr>
+          <p:cNvCxnSpPr>
+            <a:cxnSpLocks/>
+          </p:cNvCxnSpPr>
+          <p:nvPr/>
+        </p:nvCxnSpPr>
+        <p:spPr>
+          <a:xfrm flipH="1">
+            <a:off x="6590291" y="2676234"/>
+            <a:ext cx="1857918" cy="418056"/>
+          </a:xfrm>
+          <a:prstGeom prst="straightConnector1">
+            <a:avLst/>
+          </a:prstGeom>
+          <a:ln w="28575">
+            <a:solidFill>
+              <a:schemeClr val="tx1"/>
+            </a:solidFill>
+            <a:prstDash val="solid"/>
+            <a:tailEnd type="triangle"/>
+          </a:ln>
+        </p:spPr>
+        <p:style>
+          <a:lnRef idx="1">
+            <a:schemeClr val="accent1"/>
+          </a:lnRef>
+          <a:fillRef idx="0">
+            <a:schemeClr val="accent1"/>
+          </a:fillRef>
+          <a:effectRef idx="0">
+            <a:schemeClr val="accent1"/>
+          </a:effectRef>
+          <a:fontRef idx="minor">
+            <a:schemeClr val="tx1"/>
+          </a:fontRef>
+        </p:style>
+      </p:cxnSp>
+      <mc:AlternateContent xmlns:mc="http://schemas.openxmlformats.org/markup-compatibility/2006">
+        <mc:Choice xmlns:a14="http://schemas.microsoft.com/office/drawing/2010/main" Requires="a14">
+          <p:sp>
+            <p:nvSpPr>
+              <p:cNvPr id="117" name="TextBox 116">
+                <a:extLst>
+                  <a:ext uri="{FF2B5EF4-FFF2-40B4-BE49-F238E27FC236}">
+                    <a16:creationId xmlns:a16="http://schemas.microsoft.com/office/drawing/2014/main" id="{FAEECF90-31FE-4414-9DD6-F116F63083DE}"/>
+                  </a:ext>
+                </a:extLst>
+              </p:cNvPr>
+              <p:cNvSpPr txBox="1"/>
+              <p:nvPr/>
+            </p:nvSpPr>
+            <p:spPr>
+              <a:xfrm>
+                <a:off x="9400798" y="3721080"/>
+                <a:ext cx="1680524" cy="398379"/>
+              </a:xfrm>
+              <a:prstGeom prst="rect">
+                <a:avLst/>
+              </a:prstGeom>
+              <a:noFill/>
+            </p:spPr>
+            <p:txBody>
+              <a:bodyPr wrap="none" rtlCol="0">
+                <a:spAutoFit/>
+              </a:bodyPr>
+              <a:lstStyle/>
+              <a:p>
+                <a:pPr/>
+                <a14:m>
+                  <m:oMathPara xmlns:m="http://schemas.openxmlformats.org/officeDocument/2006/math">
+                    <m:oMathParaPr>
+                      <m:jc m:val="centerGroup"/>
+                    </m:oMathParaPr>
+                    <m:oMath xmlns:m="http://schemas.openxmlformats.org/officeDocument/2006/math">
+                      <m:sSub>
+                        <m:sSubPr>
+                          <m:ctrlPr>
+                            <a:rPr lang="en-US" i="1" smtClean="0">
+                              <a:latin typeface="Cambria Math" panose="02040503050406030204" pitchFamily="18" charset="0"/>
+                            </a:rPr>
+                          </m:ctrlPr>
+                        </m:sSubPr>
+                        <m:e>
+                          <m:sSub>
+                            <m:sSubPr>
+                              <m:ctrlPr>
+                                <a:rPr lang="en-US" b="0" i="1" smtClean="0">
+                                  <a:latin typeface="Cambria Math" panose="02040503050406030204" pitchFamily="18" charset="0"/>
+                                </a:rPr>
+                              </m:ctrlPr>
+                            </m:sSubPr>
+                            <m:e>
+                              <m:r>
+                                <a:rPr lang="en-US" b="0" i="1" smtClean="0">
+                                  <a:latin typeface="Cambria Math" panose="02040503050406030204" pitchFamily="18" charset="0"/>
+                                </a:rPr>
+                                <m:t>𝛼</m:t>
+                              </m:r>
+                            </m:e>
+                            <m:sub>
+                              <m:r>
+                                <a:rPr lang="en-US" b="0" i="1" smtClean="0">
+                                  <a:latin typeface="Cambria Math" panose="02040503050406030204" pitchFamily="18" charset="0"/>
+                                </a:rPr>
+                                <m:t>𝑠𝑜𝑙</m:t>
+                              </m:r>
+                              <m:r>
+                                <a:rPr lang="en-US" b="0" i="1" smtClean="0">
+                                  <a:latin typeface="Cambria Math" panose="02040503050406030204" pitchFamily="18" charset="0"/>
+                                </a:rPr>
+                                <m:t>,</m:t>
+                              </m:r>
+                              <m:r>
+                                <a:rPr lang="en-US" b="0" i="1" smtClean="0">
+                                  <a:latin typeface="Cambria Math" panose="02040503050406030204" pitchFamily="18" charset="0"/>
+                                </a:rPr>
+                                <m:t>𝑖𝑛𝑡𝑤𝑎𝑙𝑙</m:t>
+                              </m:r>
+                            </m:sub>
+                          </m:sSub>
+                          <m:acc>
+                            <m:accPr>
+                              <m:chr m:val="̇"/>
+                              <m:ctrlPr>
+                                <a:rPr lang="en-US" i="1">
+                                  <a:latin typeface="Cambria Math" panose="02040503050406030204" pitchFamily="18" charset="0"/>
+                                </a:rPr>
+                              </m:ctrlPr>
+                            </m:accPr>
+                            <m:e>
+                              <m:r>
+                                <a:rPr lang="en-US" i="1">
+                                  <a:latin typeface="Cambria Math" panose="02040503050406030204" pitchFamily="18" charset="0"/>
+                                </a:rPr>
+                                <m:t>𝑄</m:t>
+                              </m:r>
+                            </m:e>
+                          </m:acc>
+                        </m:e>
+                        <m:sub>
+                          <m:r>
+                            <a:rPr lang="en-US" i="1">
+                              <a:latin typeface="Cambria Math" panose="02040503050406030204" pitchFamily="18" charset="0"/>
+                            </a:rPr>
+                            <m:t>𝑠𝑜𝑙</m:t>
+                          </m:r>
+                        </m:sub>
+                      </m:sSub>
+                    </m:oMath>
+                  </m:oMathPara>
+                </a14:m>
+                <a:endParaRPr lang="en-US" dirty="0"/>
+              </a:p>
+            </p:txBody>
+          </p:sp>
+        </mc:Choice>
+        <mc:Fallback>
+          <p:sp>
+            <p:nvSpPr>
+              <p:cNvPr id="117" name="TextBox 116">
+                <a:extLst>
+                  <a:ext uri="{FF2B5EF4-FFF2-40B4-BE49-F238E27FC236}">
+                    <a16:creationId xmlns:a16="http://schemas.microsoft.com/office/drawing/2014/main" id="{FAEECF90-31FE-4414-9DD6-F116F63083DE}"/>
+                  </a:ext>
+                </a:extLst>
+              </p:cNvPr>
+              <p:cNvSpPr txBox="1">
+                <a:spLocks noRot="1" noChangeAspect="1" noMove="1" noResize="1" noEditPoints="1" noAdjustHandles="1" noChangeArrowheads="1" noChangeShapeType="1" noTextEdit="1"/>
+              </p:cNvSpPr>
+              <p:nvPr/>
+            </p:nvSpPr>
+            <p:spPr>
+              <a:xfrm>
+                <a:off x="9400798" y="3721080"/>
+                <a:ext cx="1680524" cy="398379"/>
+              </a:xfrm>
+              <a:prstGeom prst="rect">
+                <a:avLst/>
+              </a:prstGeom>
+              <a:blipFill>
+                <a:blip r:embed="rId29"/>
+                <a:stretch>
+                  <a:fillRect b="-6061"/>
+                </a:stretch>
+              </a:blipFill>
+            </p:spPr>
+            <p:txBody>
+              <a:bodyPr/>
+              <a:lstStyle/>
+              <a:p>
+                <a:r>
+                  <a:rPr lang="en-US">
+                    <a:noFill/>
+                  </a:rPr>
+                  <a:t> </a:t>
+                </a:r>
+              </a:p>
+            </p:txBody>
+          </p:sp>
+        </mc:Fallback>
+      </mc:AlternateContent>
+      <mc:AlternateContent xmlns:mc="http://schemas.openxmlformats.org/markup-compatibility/2006">
+        <mc:Choice xmlns:a14="http://schemas.microsoft.com/office/drawing/2010/main" Requires="a14">
+          <p:sp>
+            <p:nvSpPr>
+              <p:cNvPr id="118" name="TextBox 117">
+                <a:extLst>
+                  <a:ext uri="{FF2B5EF4-FFF2-40B4-BE49-F238E27FC236}">
+                    <a16:creationId xmlns:a16="http://schemas.microsoft.com/office/drawing/2014/main" id="{FB712951-CC7D-4938-B153-2018D1EAA1CE}"/>
+                  </a:ext>
+                </a:extLst>
+              </p:cNvPr>
+              <p:cNvSpPr txBox="1"/>
+              <p:nvPr/>
+            </p:nvSpPr>
+            <p:spPr>
+              <a:xfrm>
+                <a:off x="9400797" y="4004781"/>
+                <a:ext cx="1681166" cy="398379"/>
+              </a:xfrm>
+              <a:prstGeom prst="rect">
+                <a:avLst/>
+              </a:prstGeom>
+              <a:noFill/>
+            </p:spPr>
+            <p:txBody>
+              <a:bodyPr wrap="none" rtlCol="0">
+                <a:spAutoFit/>
+              </a:bodyPr>
+              <a:lstStyle/>
+              <a:p>
+                <a:pPr/>
+                <a14:m>
+                  <m:oMathPara xmlns:m="http://schemas.openxmlformats.org/officeDocument/2006/math">
+                    <m:oMathParaPr>
+                      <m:jc m:val="centerGroup"/>
+                    </m:oMathParaPr>
+                    <m:oMath xmlns:m="http://schemas.openxmlformats.org/officeDocument/2006/math">
+                      <m:sSub>
+                        <m:sSubPr>
+                          <m:ctrlPr>
+                            <a:rPr lang="en-US" i="1" smtClean="0">
+                              <a:latin typeface="Cambria Math" panose="02040503050406030204" pitchFamily="18" charset="0"/>
+                            </a:rPr>
+                          </m:ctrlPr>
+                        </m:sSubPr>
+                        <m:e>
+                          <m:sSub>
+                            <m:sSubPr>
+                              <m:ctrlPr>
+                                <a:rPr lang="en-US" b="0" i="1" smtClean="0">
+                                  <a:latin typeface="Cambria Math" panose="02040503050406030204" pitchFamily="18" charset="0"/>
+                                </a:rPr>
+                              </m:ctrlPr>
+                            </m:sSubPr>
+                            <m:e>
+                              <m:r>
+                                <a:rPr lang="en-US" b="0" i="1" smtClean="0">
+                                  <a:latin typeface="Cambria Math" panose="02040503050406030204" pitchFamily="18" charset="0"/>
+                                </a:rPr>
+                                <m:t>𝛼</m:t>
+                              </m:r>
+                            </m:e>
+                            <m:sub>
+                              <m:r>
+                                <a:rPr lang="en-US" b="0" i="1" smtClean="0">
+                                  <a:latin typeface="Cambria Math" panose="02040503050406030204" pitchFamily="18" charset="0"/>
+                                </a:rPr>
+                                <m:t>𝑖𝑛𝑡</m:t>
+                              </m:r>
+                              <m:r>
+                                <a:rPr lang="en-US" b="0" i="1" smtClean="0">
+                                  <a:latin typeface="Cambria Math" panose="02040503050406030204" pitchFamily="18" charset="0"/>
+                                </a:rPr>
+                                <m:t>,</m:t>
+                              </m:r>
+                              <m:r>
+                                <a:rPr lang="en-US" b="0" i="1" smtClean="0">
+                                  <a:latin typeface="Cambria Math" panose="02040503050406030204" pitchFamily="18" charset="0"/>
+                                </a:rPr>
+                                <m:t>𝑖𝑛𝑡𝑤𝑎𝑙𝑙</m:t>
+                              </m:r>
+                            </m:sub>
+                          </m:sSub>
+                          <m:acc>
+                            <m:accPr>
+                              <m:chr m:val="̇"/>
+                              <m:ctrlPr>
+                                <a:rPr lang="en-US" i="1">
+                                  <a:latin typeface="Cambria Math" panose="02040503050406030204" pitchFamily="18" charset="0"/>
+                                </a:rPr>
+                              </m:ctrlPr>
+                            </m:accPr>
+                            <m:e>
+                              <m:r>
+                                <a:rPr lang="en-US" i="1">
+                                  <a:latin typeface="Cambria Math" panose="02040503050406030204" pitchFamily="18" charset="0"/>
+                                </a:rPr>
+                                <m:t>𝑄</m:t>
+                              </m:r>
+                            </m:e>
+                          </m:acc>
+                        </m:e>
+                        <m:sub>
+                          <m:r>
+                            <a:rPr lang="en-US" b="0" i="1" smtClean="0">
+                              <a:latin typeface="Cambria Math" panose="02040503050406030204" pitchFamily="18" charset="0"/>
+                            </a:rPr>
+                            <m:t>𝑖𝑛𝑡</m:t>
+                          </m:r>
+                        </m:sub>
+                      </m:sSub>
+                    </m:oMath>
+                  </m:oMathPara>
+                </a14:m>
+                <a:endParaRPr lang="en-US" dirty="0"/>
+              </a:p>
+            </p:txBody>
+          </p:sp>
+        </mc:Choice>
+        <mc:Fallback>
+          <p:sp>
+            <p:nvSpPr>
+              <p:cNvPr id="118" name="TextBox 117">
+                <a:extLst>
+                  <a:ext uri="{FF2B5EF4-FFF2-40B4-BE49-F238E27FC236}">
+                    <a16:creationId xmlns:a16="http://schemas.microsoft.com/office/drawing/2014/main" id="{FB712951-CC7D-4938-B153-2018D1EAA1CE}"/>
+                  </a:ext>
+                </a:extLst>
+              </p:cNvPr>
+              <p:cNvSpPr txBox="1">
+                <a:spLocks noRot="1" noChangeAspect="1" noMove="1" noResize="1" noEditPoints="1" noAdjustHandles="1" noChangeArrowheads="1" noChangeShapeType="1" noTextEdit="1"/>
+              </p:cNvSpPr>
+              <p:nvPr/>
+            </p:nvSpPr>
+            <p:spPr>
+              <a:xfrm>
+                <a:off x="9400797" y="4004781"/>
+                <a:ext cx="1681166" cy="398379"/>
+              </a:xfrm>
+              <a:prstGeom prst="rect">
+                <a:avLst/>
+              </a:prstGeom>
+              <a:blipFill>
+                <a:blip r:embed="rId30"/>
+                <a:stretch>
+                  <a:fillRect b="-6154"/>
+                </a:stretch>
+              </a:blipFill>
+            </p:spPr>
+            <p:txBody>
+              <a:bodyPr/>
+              <a:lstStyle/>
+              <a:p>
+                <a:r>
+                  <a:rPr lang="en-US">
+                    <a:noFill/>
+                  </a:rPr>
+                  <a:t> </a:t>
+                </a:r>
+              </a:p>
+            </p:txBody>
+          </p:sp>
+        </mc:Fallback>
+      </mc:AlternateContent>
+      <mc:AlternateContent xmlns:mc="http://schemas.openxmlformats.org/markup-compatibility/2006">
+        <mc:Choice xmlns:a14="http://schemas.microsoft.com/office/drawing/2010/main" Requires="a14">
+          <p:sp>
+            <p:nvSpPr>
+              <p:cNvPr id="119" name="TextBox 118">
+                <a:extLst>
+                  <a:ext uri="{FF2B5EF4-FFF2-40B4-BE49-F238E27FC236}">
+                    <a16:creationId xmlns:a16="http://schemas.microsoft.com/office/drawing/2014/main" id="{7D7CAE17-AD82-4593-A0FC-274F98357C85}"/>
+                  </a:ext>
+                </a:extLst>
+              </p:cNvPr>
+              <p:cNvSpPr txBox="1"/>
+              <p:nvPr/>
+            </p:nvSpPr>
+            <p:spPr>
+              <a:xfrm>
+                <a:off x="9400796" y="4272944"/>
+                <a:ext cx="2011383" cy="408766"/>
+              </a:xfrm>
+              <a:prstGeom prst="rect">
+                <a:avLst/>
+              </a:prstGeom>
+              <a:noFill/>
+            </p:spPr>
+            <p:txBody>
+              <a:bodyPr wrap="none" rtlCol="0">
+                <a:spAutoFit/>
+              </a:bodyPr>
+              <a:lstStyle/>
+              <a:p>
+                <a:pPr/>
+                <a14:m>
+                  <m:oMathPara xmlns:m="http://schemas.openxmlformats.org/officeDocument/2006/math">
+                    <m:oMathParaPr>
+                      <m:jc m:val="centerGroup"/>
+                    </m:oMathParaPr>
+                    <m:oMath xmlns:m="http://schemas.openxmlformats.org/officeDocument/2006/math">
+                      <m:sSub>
+                        <m:sSubPr>
+                          <m:ctrlPr>
+                            <a:rPr lang="en-US" i="1" smtClean="0">
+                              <a:latin typeface="Cambria Math" panose="02040503050406030204" pitchFamily="18" charset="0"/>
+                            </a:rPr>
+                          </m:ctrlPr>
+                        </m:sSubPr>
+                        <m:e>
+                          <m:sSub>
+                            <m:sSubPr>
+                              <m:ctrlPr>
+                                <a:rPr lang="en-US" b="0" i="1" smtClean="0">
+                                  <a:latin typeface="Cambria Math" panose="02040503050406030204" pitchFamily="18" charset="0"/>
+                                </a:rPr>
+                              </m:ctrlPr>
+                            </m:sSubPr>
+                            <m:e>
+                              <m:r>
+                                <a:rPr lang="en-US" b="0" i="1" smtClean="0">
+                                  <a:latin typeface="Cambria Math" panose="02040503050406030204" pitchFamily="18" charset="0"/>
+                                </a:rPr>
+                                <m:t>𝛼</m:t>
+                              </m:r>
+                            </m:e>
+                            <m:sub>
+                              <m:r>
+                                <a:rPr lang="en-US" b="0" i="1" smtClean="0">
+                                  <a:latin typeface="Cambria Math" panose="02040503050406030204" pitchFamily="18" charset="0"/>
+                                </a:rPr>
+                                <m:t>𝑙𝑖𝑔h𝑡</m:t>
+                              </m:r>
+                              <m:r>
+                                <a:rPr lang="en-US" b="0" i="1" smtClean="0">
+                                  <a:latin typeface="Cambria Math" panose="02040503050406030204" pitchFamily="18" charset="0"/>
+                                </a:rPr>
+                                <m:t>,</m:t>
+                              </m:r>
+                              <m:r>
+                                <a:rPr lang="en-US" b="0" i="1" smtClean="0">
+                                  <a:latin typeface="Cambria Math" panose="02040503050406030204" pitchFamily="18" charset="0"/>
+                                </a:rPr>
+                                <m:t>𝑖𝑛𝑡𝑤𝑎𝑙𝑙</m:t>
+                              </m:r>
+                            </m:sub>
+                          </m:sSub>
+                          <m:acc>
+                            <m:accPr>
+                              <m:chr m:val="̇"/>
+                              <m:ctrlPr>
+                                <a:rPr lang="en-US" i="1">
+                                  <a:latin typeface="Cambria Math" panose="02040503050406030204" pitchFamily="18" charset="0"/>
+                                </a:rPr>
+                              </m:ctrlPr>
+                            </m:accPr>
+                            <m:e>
+                              <m:r>
+                                <a:rPr lang="en-US" i="1">
+                                  <a:latin typeface="Cambria Math" panose="02040503050406030204" pitchFamily="18" charset="0"/>
+                                </a:rPr>
+                                <m:t>𝑄</m:t>
+                              </m:r>
+                            </m:e>
+                          </m:acc>
+                        </m:e>
+                        <m:sub>
+                          <m:r>
+                            <a:rPr lang="en-US" b="0" i="1" smtClean="0">
+                              <a:latin typeface="Cambria Math" panose="02040503050406030204" pitchFamily="18" charset="0"/>
+                            </a:rPr>
+                            <m:t>𝑙𝑖𝑔h𝑡</m:t>
+                          </m:r>
+                        </m:sub>
+                      </m:sSub>
+                    </m:oMath>
+                  </m:oMathPara>
+                </a14:m>
+                <a:endParaRPr lang="en-US" dirty="0"/>
+              </a:p>
+            </p:txBody>
+          </p:sp>
+        </mc:Choice>
+        <mc:Fallback>
+          <p:sp>
+            <p:nvSpPr>
+              <p:cNvPr id="119" name="TextBox 118">
+                <a:extLst>
+                  <a:ext uri="{FF2B5EF4-FFF2-40B4-BE49-F238E27FC236}">
+                    <a16:creationId xmlns:a16="http://schemas.microsoft.com/office/drawing/2014/main" id="{7D7CAE17-AD82-4593-A0FC-274F98357C85}"/>
+                  </a:ext>
+                </a:extLst>
+              </p:cNvPr>
+              <p:cNvSpPr txBox="1">
+                <a:spLocks noRot="1" noChangeAspect="1" noMove="1" noResize="1" noEditPoints="1" noAdjustHandles="1" noChangeArrowheads="1" noChangeShapeType="1" noTextEdit="1"/>
+              </p:cNvSpPr>
+              <p:nvPr/>
+            </p:nvSpPr>
+            <p:spPr>
+              <a:xfrm>
+                <a:off x="9400796" y="4272944"/>
+                <a:ext cx="2011383" cy="408766"/>
+              </a:xfrm>
+              <a:prstGeom prst="rect">
+                <a:avLst/>
+              </a:prstGeom>
+              <a:blipFill>
+                <a:blip r:embed="rId31"/>
+                <a:stretch>
+                  <a:fillRect b="-8955"/>
+                </a:stretch>
+              </a:blipFill>
+            </p:spPr>
+            <p:txBody>
+              <a:bodyPr/>
+              <a:lstStyle/>
+              <a:p>
+                <a:r>
+                  <a:rPr lang="en-US">
+                    <a:noFill/>
+                  </a:rPr>
+                  <a:t> </a:t>
+                </a:r>
+              </a:p>
+            </p:txBody>
+          </p:sp>
+        </mc:Fallback>
+      </mc:AlternateContent>
+      <p:sp>
+        <p:nvSpPr>
+          <p:cNvPr id="121" name="Rectangle 120">
+            <a:extLst>
+              <a:ext uri="{FF2B5EF4-FFF2-40B4-BE49-F238E27FC236}">
+                <a16:creationId xmlns:a16="http://schemas.microsoft.com/office/drawing/2014/main" id="{1052044E-6402-4974-BE88-ACFDA8BB4B94}"/>
+              </a:ext>
+            </a:extLst>
+          </p:cNvPr>
+          <p:cNvSpPr/>
+          <p:nvPr/>
+        </p:nvSpPr>
+        <p:spPr>
+          <a:xfrm>
+            <a:off x="9488623" y="3769135"/>
+            <a:ext cx="1825183" cy="912575"/>
+          </a:xfrm>
+          <a:prstGeom prst="rect">
+            <a:avLst/>
+          </a:prstGeom>
+          <a:noFill/>
+          <a:ln>
+            <a:solidFill>
+              <a:schemeClr val="tx1"/>
+            </a:solidFill>
+          </a:ln>
+        </p:spPr>
+        <p:style>
+          <a:lnRef idx="2">
+            <a:schemeClr val="accent1">
+              <a:shade val="50000"/>
+            </a:schemeClr>
+          </a:lnRef>
+          <a:fillRef idx="1">
+            <a:schemeClr val="accent1"/>
+          </a:fillRef>
+          <a:effectRef idx="0">
+            <a:schemeClr val="accent1"/>
+          </a:effectRef>
+          <a:fontRef idx="minor">
+            <a:schemeClr val="lt1"/>
+          </a:fontRef>
+        </p:style>
+        <p:txBody>
+          <a:bodyPr rtlCol="0" anchor="ctr"/>
+          <a:lstStyle/>
+          <a:p>
+            <a:pPr algn="ctr"/>
+            <a:endParaRPr lang="en-US"/>
+          </a:p>
+        </p:txBody>
+      </p:sp>
+      <p:cxnSp>
+        <p:nvCxnSpPr>
+          <p:cNvPr id="122" name="Straight Arrow Connector 121">
+            <a:extLst>
+              <a:ext uri="{FF2B5EF4-FFF2-40B4-BE49-F238E27FC236}">
+                <a16:creationId xmlns:a16="http://schemas.microsoft.com/office/drawing/2014/main" id="{FBF4F76D-B866-4097-9335-F24FD2DCAA7D}"/>
+              </a:ext>
+            </a:extLst>
+          </p:cNvPr>
+          <p:cNvCxnSpPr>
+            <a:cxnSpLocks/>
+          </p:cNvCxnSpPr>
+          <p:nvPr/>
+        </p:nvCxnSpPr>
+        <p:spPr>
+          <a:xfrm flipH="1" flipV="1">
+            <a:off x="8108812" y="3264939"/>
+            <a:ext cx="1344656" cy="528193"/>
+          </a:xfrm>
+          <a:prstGeom prst="straightConnector1">
+            <a:avLst/>
+          </a:prstGeom>
+          <a:ln w="28575">
+            <a:solidFill>
+              <a:schemeClr val="tx1"/>
+            </a:solidFill>
+            <a:prstDash val="solid"/>
+            <a:tailEnd type="triangle"/>
+          </a:ln>
+        </p:spPr>
+        <p:style>
+          <a:lnRef idx="1">
+            <a:schemeClr val="accent1"/>
+          </a:lnRef>
+          <a:fillRef idx="0">
+            <a:schemeClr val="accent1"/>
+          </a:fillRef>
+          <a:effectRef idx="0">
+            <a:schemeClr val="accent1"/>
+          </a:effectRef>
+          <a:fontRef idx="minor">
+            <a:schemeClr val="tx1"/>
+          </a:fontRef>
+        </p:style>
+      </p:cxnSp>
+      <mc:AlternateContent xmlns:mc="http://schemas.openxmlformats.org/markup-compatibility/2006">
+        <mc:Choice xmlns:a14="http://schemas.microsoft.com/office/drawing/2010/main" Requires="a14">
+          <p:sp>
+            <p:nvSpPr>
+              <p:cNvPr id="139" name="TextBox 138">
+                <a:extLst>
+                  <a:ext uri="{FF2B5EF4-FFF2-40B4-BE49-F238E27FC236}">
+                    <a16:creationId xmlns:a16="http://schemas.microsoft.com/office/drawing/2014/main" id="{CAD156BB-5ADE-4B93-95EA-ACE6630406B8}"/>
+                  </a:ext>
+                </a:extLst>
+              </p:cNvPr>
+              <p:cNvSpPr txBox="1"/>
+              <p:nvPr/>
+            </p:nvSpPr>
+            <p:spPr>
+              <a:xfrm>
+                <a:off x="3415212" y="418178"/>
+                <a:ext cx="1463157" cy="398379"/>
+              </a:xfrm>
+              <a:prstGeom prst="rect">
+                <a:avLst/>
+              </a:prstGeom>
+              <a:noFill/>
+            </p:spPr>
+            <p:txBody>
+              <a:bodyPr wrap="none" rtlCol="0">
+                <a:spAutoFit/>
+              </a:bodyPr>
+              <a:lstStyle/>
+              <a:p>
+                <a:pPr/>
+                <a14:m>
+                  <m:oMathPara xmlns:m="http://schemas.openxmlformats.org/officeDocument/2006/math">
+                    <m:oMathParaPr>
+                      <m:jc m:val="centerGroup"/>
+                    </m:oMathParaPr>
+                    <m:oMath xmlns:m="http://schemas.openxmlformats.org/officeDocument/2006/math">
+                      <m:sSub>
+                        <m:sSubPr>
+                          <m:ctrlPr>
+                            <a:rPr lang="en-US" i="1" smtClean="0">
+                              <a:latin typeface="Cambria Math" panose="02040503050406030204" pitchFamily="18" charset="0"/>
+                            </a:rPr>
+                          </m:ctrlPr>
+                        </m:sSubPr>
+                        <m:e>
+                          <m:sSub>
+                            <m:sSubPr>
+                              <m:ctrlPr>
+                                <a:rPr lang="en-US" b="0" i="1" smtClean="0">
+                                  <a:latin typeface="Cambria Math" panose="02040503050406030204" pitchFamily="18" charset="0"/>
+                                </a:rPr>
+                              </m:ctrlPr>
+                            </m:sSubPr>
+                            <m:e>
+                              <m:r>
+                                <a:rPr lang="en-US" b="0" i="1" smtClean="0">
+                                  <a:latin typeface="Cambria Math" panose="02040503050406030204" pitchFamily="18" charset="0"/>
+                                </a:rPr>
+                                <m:t>𝛼</m:t>
+                              </m:r>
+                            </m:e>
+                            <m:sub>
+                              <m:r>
+                                <a:rPr lang="en-US" b="0" i="1" smtClean="0">
+                                  <a:latin typeface="Cambria Math" panose="02040503050406030204" pitchFamily="18" charset="0"/>
+                                </a:rPr>
+                                <m:t>𝑠𝑜𝑙</m:t>
+                              </m:r>
+                              <m:r>
+                                <a:rPr lang="en-US" b="0" i="1" smtClean="0">
+                                  <a:latin typeface="Cambria Math" panose="02040503050406030204" pitchFamily="18" charset="0"/>
+                                </a:rPr>
+                                <m:t>,</m:t>
+                              </m:r>
+                              <m:r>
+                                <a:rPr lang="en-US" b="0" i="1" smtClean="0">
+                                  <a:latin typeface="Cambria Math" panose="02040503050406030204" pitchFamily="18" charset="0"/>
+                                </a:rPr>
+                                <m:t>𝑒𝑛𝑣</m:t>
+                              </m:r>
+                              <m:r>
+                                <a:rPr lang="en-US" b="0" i="1" smtClean="0">
+                                  <a:latin typeface="Cambria Math" panose="02040503050406030204" pitchFamily="18" charset="0"/>
+                                </a:rPr>
+                                <m:t>2</m:t>
+                              </m:r>
+                            </m:sub>
+                          </m:sSub>
+                          <m:acc>
+                            <m:accPr>
+                              <m:chr m:val="̇"/>
+                              <m:ctrlPr>
+                                <a:rPr lang="en-US" i="1">
+                                  <a:latin typeface="Cambria Math" panose="02040503050406030204" pitchFamily="18" charset="0"/>
+                                </a:rPr>
+                              </m:ctrlPr>
+                            </m:accPr>
+                            <m:e>
+                              <m:r>
+                                <a:rPr lang="en-US" i="1">
+                                  <a:latin typeface="Cambria Math" panose="02040503050406030204" pitchFamily="18" charset="0"/>
+                                </a:rPr>
+                                <m:t>𝑄</m:t>
+                              </m:r>
+                            </m:e>
+                          </m:acc>
+                        </m:e>
+                        <m:sub>
+                          <m:r>
+                            <a:rPr lang="en-US" i="1">
+                              <a:latin typeface="Cambria Math" panose="02040503050406030204" pitchFamily="18" charset="0"/>
+                            </a:rPr>
+                            <m:t>𝑠𝑜𝑙</m:t>
+                          </m:r>
+                        </m:sub>
+                      </m:sSub>
+                    </m:oMath>
+                  </m:oMathPara>
+                </a14:m>
+                <a:endParaRPr lang="en-US" dirty="0"/>
+              </a:p>
+            </p:txBody>
+          </p:sp>
+        </mc:Choice>
+        <mc:Fallback>
+          <p:sp>
+            <p:nvSpPr>
+              <p:cNvPr id="139" name="TextBox 138">
+                <a:extLst>
+                  <a:ext uri="{FF2B5EF4-FFF2-40B4-BE49-F238E27FC236}">
+                    <a16:creationId xmlns:a16="http://schemas.microsoft.com/office/drawing/2014/main" id="{CAD156BB-5ADE-4B93-95EA-ACE6630406B8}"/>
+                  </a:ext>
+                </a:extLst>
+              </p:cNvPr>
+              <p:cNvSpPr txBox="1">
+                <a:spLocks noRot="1" noChangeAspect="1" noMove="1" noResize="1" noEditPoints="1" noAdjustHandles="1" noChangeArrowheads="1" noChangeShapeType="1" noTextEdit="1"/>
+              </p:cNvSpPr>
+              <p:nvPr/>
+            </p:nvSpPr>
+            <p:spPr>
+              <a:xfrm>
+                <a:off x="3415212" y="418178"/>
+                <a:ext cx="1463157" cy="398379"/>
+              </a:xfrm>
+              <a:prstGeom prst="rect">
+                <a:avLst/>
+              </a:prstGeom>
+              <a:blipFill>
+                <a:blip r:embed="rId32"/>
+                <a:stretch>
+                  <a:fillRect b="-6154"/>
+                </a:stretch>
+              </a:blipFill>
+            </p:spPr>
+            <p:txBody>
+              <a:bodyPr/>
+              <a:lstStyle/>
+              <a:p>
+                <a:r>
+                  <a:rPr lang="en-US">
+                    <a:noFill/>
+                  </a:rPr>
+                  <a:t> </a:t>
+                </a:r>
+              </a:p>
+            </p:txBody>
+          </p:sp>
+        </mc:Fallback>
+      </mc:AlternateContent>
+      <mc:AlternateContent xmlns:mc="http://schemas.openxmlformats.org/markup-compatibility/2006">
+        <mc:Choice xmlns:a14="http://schemas.microsoft.com/office/drawing/2010/main" Requires="a14">
+          <p:sp>
+            <p:nvSpPr>
+              <p:cNvPr id="140" name="TextBox 139">
+                <a:extLst>
+                  <a:ext uri="{FF2B5EF4-FFF2-40B4-BE49-F238E27FC236}">
+                    <a16:creationId xmlns:a16="http://schemas.microsoft.com/office/drawing/2014/main" id="{5E53DF48-60CE-4062-9D3F-5586B96E2AF6}"/>
+                  </a:ext>
+                </a:extLst>
+              </p:cNvPr>
+              <p:cNvSpPr txBox="1"/>
+              <p:nvPr/>
+            </p:nvSpPr>
+            <p:spPr>
+              <a:xfrm>
+                <a:off x="3415211" y="701879"/>
+                <a:ext cx="1463799" cy="398379"/>
+              </a:xfrm>
+              <a:prstGeom prst="rect">
+                <a:avLst/>
+              </a:prstGeom>
+              <a:noFill/>
+            </p:spPr>
+            <p:txBody>
+              <a:bodyPr wrap="none" rtlCol="0">
+                <a:spAutoFit/>
+              </a:bodyPr>
+              <a:lstStyle/>
+              <a:p>
+                <a:pPr/>
+                <a14:m>
+                  <m:oMathPara xmlns:m="http://schemas.openxmlformats.org/officeDocument/2006/math">
+                    <m:oMathParaPr>
+                      <m:jc m:val="centerGroup"/>
+                    </m:oMathParaPr>
+                    <m:oMath xmlns:m="http://schemas.openxmlformats.org/officeDocument/2006/math">
+                      <m:sSub>
+                        <m:sSubPr>
+                          <m:ctrlPr>
+                            <a:rPr lang="en-US" i="1" smtClean="0">
+                              <a:latin typeface="Cambria Math" panose="02040503050406030204" pitchFamily="18" charset="0"/>
+                            </a:rPr>
+                          </m:ctrlPr>
+                        </m:sSubPr>
+                        <m:e>
+                          <m:sSub>
+                            <m:sSubPr>
+                              <m:ctrlPr>
+                                <a:rPr lang="en-US" b="0" i="1" smtClean="0">
+                                  <a:latin typeface="Cambria Math" panose="02040503050406030204" pitchFamily="18" charset="0"/>
+                                </a:rPr>
+                              </m:ctrlPr>
+                            </m:sSubPr>
+                            <m:e>
+                              <m:r>
+                                <a:rPr lang="en-US" b="0" i="1" smtClean="0">
+                                  <a:latin typeface="Cambria Math" panose="02040503050406030204" pitchFamily="18" charset="0"/>
+                                </a:rPr>
+                                <m:t>𝛼</m:t>
+                              </m:r>
+                            </m:e>
+                            <m:sub>
+                              <m:r>
+                                <a:rPr lang="en-US" b="0" i="1" smtClean="0">
+                                  <a:latin typeface="Cambria Math" panose="02040503050406030204" pitchFamily="18" charset="0"/>
+                                </a:rPr>
+                                <m:t>𝑖𝑛𝑡</m:t>
+                              </m:r>
+                              <m:r>
+                                <a:rPr lang="en-US" b="0" i="1" smtClean="0">
+                                  <a:latin typeface="Cambria Math" panose="02040503050406030204" pitchFamily="18" charset="0"/>
+                                </a:rPr>
+                                <m:t>,</m:t>
+                              </m:r>
+                              <m:r>
+                                <a:rPr lang="en-US" b="0" i="1" smtClean="0">
+                                  <a:latin typeface="Cambria Math" panose="02040503050406030204" pitchFamily="18" charset="0"/>
+                                </a:rPr>
+                                <m:t>𝑒𝑛𝑣</m:t>
+                              </m:r>
+                              <m:r>
+                                <a:rPr lang="en-US" b="0" i="1" smtClean="0">
+                                  <a:latin typeface="Cambria Math" panose="02040503050406030204" pitchFamily="18" charset="0"/>
+                                </a:rPr>
+                                <m:t>2</m:t>
+                              </m:r>
+                            </m:sub>
+                          </m:sSub>
+                          <m:acc>
+                            <m:accPr>
+                              <m:chr m:val="̇"/>
+                              <m:ctrlPr>
+                                <a:rPr lang="en-US" i="1">
+                                  <a:latin typeface="Cambria Math" panose="02040503050406030204" pitchFamily="18" charset="0"/>
+                                </a:rPr>
+                              </m:ctrlPr>
+                            </m:accPr>
+                            <m:e>
+                              <m:r>
+                                <a:rPr lang="en-US" i="1">
+                                  <a:latin typeface="Cambria Math" panose="02040503050406030204" pitchFamily="18" charset="0"/>
+                                </a:rPr>
+                                <m:t>𝑄</m:t>
+                              </m:r>
+                            </m:e>
+                          </m:acc>
+                        </m:e>
+                        <m:sub>
+                          <m:r>
+                            <a:rPr lang="en-US" b="0" i="1" smtClean="0">
+                              <a:latin typeface="Cambria Math" panose="02040503050406030204" pitchFamily="18" charset="0"/>
+                            </a:rPr>
+                            <m:t>𝑖𝑛𝑡</m:t>
+                          </m:r>
+                        </m:sub>
+                      </m:sSub>
+                    </m:oMath>
+                  </m:oMathPara>
+                </a14:m>
+                <a:endParaRPr lang="en-US" dirty="0"/>
+              </a:p>
+            </p:txBody>
+          </p:sp>
+        </mc:Choice>
+        <mc:Fallback>
+          <p:sp>
+            <p:nvSpPr>
+              <p:cNvPr id="140" name="TextBox 139">
+                <a:extLst>
+                  <a:ext uri="{FF2B5EF4-FFF2-40B4-BE49-F238E27FC236}">
+                    <a16:creationId xmlns:a16="http://schemas.microsoft.com/office/drawing/2014/main" id="{5E53DF48-60CE-4062-9D3F-5586B96E2AF6}"/>
+                  </a:ext>
+                </a:extLst>
+              </p:cNvPr>
+              <p:cNvSpPr txBox="1">
+                <a:spLocks noRot="1" noChangeAspect="1" noMove="1" noResize="1" noEditPoints="1" noAdjustHandles="1" noChangeArrowheads="1" noChangeShapeType="1" noTextEdit="1"/>
+              </p:cNvSpPr>
+              <p:nvPr/>
+            </p:nvSpPr>
+            <p:spPr>
+              <a:xfrm>
+                <a:off x="3415211" y="701879"/>
+                <a:ext cx="1463799" cy="398379"/>
+              </a:xfrm>
+              <a:prstGeom prst="rect">
+                <a:avLst/>
+              </a:prstGeom>
+              <a:blipFill>
+                <a:blip r:embed="rId33"/>
+                <a:stretch>
+                  <a:fillRect b="-7692"/>
+                </a:stretch>
+              </a:blipFill>
+            </p:spPr>
+            <p:txBody>
+              <a:bodyPr/>
+              <a:lstStyle/>
+              <a:p>
+                <a:r>
+                  <a:rPr lang="en-US">
+                    <a:noFill/>
+                  </a:rPr>
+                  <a:t> </a:t>
+                </a:r>
+              </a:p>
+            </p:txBody>
+          </p:sp>
+        </mc:Fallback>
+      </mc:AlternateContent>
+      <mc:AlternateContent xmlns:mc="http://schemas.openxmlformats.org/markup-compatibility/2006">
+        <mc:Choice xmlns:a14="http://schemas.microsoft.com/office/drawing/2010/main" Requires="a14">
+          <p:sp>
+            <p:nvSpPr>
+              <p:cNvPr id="141" name="TextBox 140">
+                <a:extLst>
+                  <a:ext uri="{FF2B5EF4-FFF2-40B4-BE49-F238E27FC236}">
+                    <a16:creationId xmlns:a16="http://schemas.microsoft.com/office/drawing/2014/main" id="{F4DE4235-3363-4A9D-BF32-8A7E08A9DEA5}"/>
+                  </a:ext>
+                </a:extLst>
+              </p:cNvPr>
+              <p:cNvSpPr txBox="1"/>
+              <p:nvPr/>
+            </p:nvSpPr>
+            <p:spPr>
+              <a:xfrm>
+                <a:off x="3415210" y="970042"/>
+                <a:ext cx="1794017" cy="408766"/>
+              </a:xfrm>
+              <a:prstGeom prst="rect">
+                <a:avLst/>
+              </a:prstGeom>
+              <a:noFill/>
+            </p:spPr>
+            <p:txBody>
+              <a:bodyPr wrap="none" rtlCol="0">
+                <a:spAutoFit/>
+              </a:bodyPr>
+              <a:lstStyle/>
+              <a:p>
+                <a:pPr/>
+                <a14:m>
+                  <m:oMathPara xmlns:m="http://schemas.openxmlformats.org/officeDocument/2006/math">
+                    <m:oMathParaPr>
+                      <m:jc m:val="centerGroup"/>
+                    </m:oMathParaPr>
+                    <m:oMath xmlns:m="http://schemas.openxmlformats.org/officeDocument/2006/math">
+                      <m:sSub>
+                        <m:sSubPr>
+                          <m:ctrlPr>
+                            <a:rPr lang="en-US" i="1" smtClean="0">
+                              <a:latin typeface="Cambria Math" panose="02040503050406030204" pitchFamily="18" charset="0"/>
+                            </a:rPr>
+                          </m:ctrlPr>
+                        </m:sSubPr>
+                        <m:e>
+                          <m:sSub>
+                            <m:sSubPr>
+                              <m:ctrlPr>
+                                <a:rPr lang="en-US" b="0" i="1" smtClean="0">
+                                  <a:latin typeface="Cambria Math" panose="02040503050406030204" pitchFamily="18" charset="0"/>
+                                </a:rPr>
+                              </m:ctrlPr>
+                            </m:sSubPr>
+                            <m:e>
+                              <m:r>
+                                <a:rPr lang="en-US" b="0" i="1" smtClean="0">
+                                  <a:latin typeface="Cambria Math" panose="02040503050406030204" pitchFamily="18" charset="0"/>
+                                </a:rPr>
+                                <m:t>𝛼</m:t>
+                              </m:r>
+                            </m:e>
+                            <m:sub>
+                              <m:r>
+                                <a:rPr lang="en-US" b="0" i="1" smtClean="0">
+                                  <a:latin typeface="Cambria Math" panose="02040503050406030204" pitchFamily="18" charset="0"/>
+                                </a:rPr>
+                                <m:t>𝑙𝑖𝑔h𝑡</m:t>
+                              </m:r>
+                              <m:r>
+                                <a:rPr lang="en-US" b="0" i="1" smtClean="0">
+                                  <a:latin typeface="Cambria Math" panose="02040503050406030204" pitchFamily="18" charset="0"/>
+                                </a:rPr>
+                                <m:t>,</m:t>
+                              </m:r>
+                              <m:r>
+                                <a:rPr lang="en-US" b="0" i="1" smtClean="0">
+                                  <a:latin typeface="Cambria Math" panose="02040503050406030204" pitchFamily="18" charset="0"/>
+                                </a:rPr>
+                                <m:t>𝑒𝑛𝑣</m:t>
+                              </m:r>
+                              <m:r>
+                                <a:rPr lang="en-US" b="0" i="1" smtClean="0">
+                                  <a:latin typeface="Cambria Math" panose="02040503050406030204" pitchFamily="18" charset="0"/>
+                                </a:rPr>
+                                <m:t>2</m:t>
+                              </m:r>
+                            </m:sub>
+                          </m:sSub>
+                          <m:acc>
+                            <m:accPr>
+                              <m:chr m:val="̇"/>
+                              <m:ctrlPr>
+                                <a:rPr lang="en-US" i="1">
+                                  <a:latin typeface="Cambria Math" panose="02040503050406030204" pitchFamily="18" charset="0"/>
+                                </a:rPr>
+                              </m:ctrlPr>
+                            </m:accPr>
+                            <m:e>
+                              <m:r>
+                                <a:rPr lang="en-US" i="1">
+                                  <a:latin typeface="Cambria Math" panose="02040503050406030204" pitchFamily="18" charset="0"/>
+                                </a:rPr>
+                                <m:t>𝑄</m:t>
+                              </m:r>
+                            </m:e>
+                          </m:acc>
+                        </m:e>
+                        <m:sub>
+                          <m:r>
+                            <a:rPr lang="en-US" b="0" i="1" smtClean="0">
+                              <a:latin typeface="Cambria Math" panose="02040503050406030204" pitchFamily="18" charset="0"/>
+                            </a:rPr>
+                            <m:t>𝑙𝑖𝑔h𝑡</m:t>
+                          </m:r>
+                        </m:sub>
+                      </m:sSub>
+                    </m:oMath>
+                  </m:oMathPara>
+                </a14:m>
+                <a:endParaRPr lang="en-US" dirty="0"/>
+              </a:p>
+            </p:txBody>
+          </p:sp>
+        </mc:Choice>
+        <mc:Fallback>
+          <p:sp>
+            <p:nvSpPr>
+              <p:cNvPr id="141" name="TextBox 140">
+                <a:extLst>
+                  <a:ext uri="{FF2B5EF4-FFF2-40B4-BE49-F238E27FC236}">
+                    <a16:creationId xmlns:a16="http://schemas.microsoft.com/office/drawing/2014/main" id="{F4DE4235-3363-4A9D-BF32-8A7E08A9DEA5}"/>
+                  </a:ext>
+                </a:extLst>
+              </p:cNvPr>
+              <p:cNvSpPr txBox="1">
+                <a:spLocks noRot="1" noChangeAspect="1" noMove="1" noResize="1" noEditPoints="1" noAdjustHandles="1" noChangeArrowheads="1" noChangeShapeType="1" noTextEdit="1"/>
+              </p:cNvSpPr>
+              <p:nvPr/>
+            </p:nvSpPr>
+            <p:spPr>
+              <a:xfrm>
+                <a:off x="3415210" y="970042"/>
+                <a:ext cx="1794017" cy="408766"/>
+              </a:xfrm>
+              <a:prstGeom prst="rect">
+                <a:avLst/>
+              </a:prstGeom>
+              <a:blipFill>
+                <a:blip r:embed="rId34"/>
+                <a:stretch>
+                  <a:fillRect b="-8955"/>
+                </a:stretch>
+              </a:blipFill>
+            </p:spPr>
+            <p:txBody>
+              <a:bodyPr/>
+              <a:lstStyle/>
+              <a:p>
+                <a:r>
+                  <a:rPr lang="en-US">
+                    <a:noFill/>
+                  </a:rPr>
+                  <a:t> </a:t>
+                </a:r>
+              </a:p>
+            </p:txBody>
+          </p:sp>
+        </mc:Fallback>
+      </mc:AlternateContent>
+      <p:sp>
+        <p:nvSpPr>
+          <p:cNvPr id="143" name="Rectangle 142">
+            <a:extLst>
+              <a:ext uri="{FF2B5EF4-FFF2-40B4-BE49-F238E27FC236}">
+                <a16:creationId xmlns:a16="http://schemas.microsoft.com/office/drawing/2014/main" id="{C6EB816B-742D-4E6A-9683-B3832F79817B}"/>
+              </a:ext>
+            </a:extLst>
+          </p:cNvPr>
+          <p:cNvSpPr/>
+          <p:nvPr/>
+        </p:nvSpPr>
+        <p:spPr>
+          <a:xfrm>
+            <a:off x="3503037" y="466233"/>
+            <a:ext cx="1794017" cy="912575"/>
+          </a:xfrm>
+          <a:prstGeom prst="rect">
+            <a:avLst/>
+          </a:prstGeom>
+          <a:noFill/>
+          <a:ln>
+            <a:solidFill>
+              <a:schemeClr val="tx1"/>
+            </a:solidFill>
+          </a:ln>
+        </p:spPr>
+        <p:style>
+          <a:lnRef idx="2">
+            <a:schemeClr val="accent1">
+              <a:shade val="50000"/>
+            </a:schemeClr>
+          </a:lnRef>
+          <a:fillRef idx="1">
+            <a:schemeClr val="accent1"/>
+          </a:fillRef>
+          <a:effectRef idx="0">
+            <a:schemeClr val="accent1"/>
+          </a:effectRef>
+          <a:fontRef idx="minor">
+            <a:schemeClr val="lt1"/>
+          </a:fontRef>
+        </p:style>
+        <p:txBody>
+          <a:bodyPr rtlCol="0" anchor="ctr"/>
+          <a:lstStyle/>
+          <a:p>
+            <a:pPr algn="ctr"/>
+            <a:endParaRPr lang="en-US"/>
+          </a:p>
+        </p:txBody>
+      </p:sp>
+      <p:cxnSp>
+        <p:nvCxnSpPr>
+          <p:cNvPr id="145" name="Straight Arrow Connector 144">
+            <a:extLst>
+              <a:ext uri="{FF2B5EF4-FFF2-40B4-BE49-F238E27FC236}">
+                <a16:creationId xmlns:a16="http://schemas.microsoft.com/office/drawing/2014/main" id="{11FDDF65-96BD-4DA1-B7F4-EDDEB80EAD63}"/>
+              </a:ext>
+            </a:extLst>
+          </p:cNvPr>
+          <p:cNvCxnSpPr>
+            <a:cxnSpLocks/>
+            <a:endCxn id="59" idx="3"/>
+          </p:cNvCxnSpPr>
+          <p:nvPr/>
+        </p:nvCxnSpPr>
+        <p:spPr>
+          <a:xfrm>
+            <a:off x="5318484" y="1386263"/>
+            <a:ext cx="1000997" cy="867073"/>
+          </a:xfrm>
+          <a:prstGeom prst="straightConnector1">
+            <a:avLst/>
+          </a:prstGeom>
+          <a:ln w="28575">
+            <a:solidFill>
+              <a:schemeClr val="tx1"/>
+            </a:solidFill>
+            <a:prstDash val="solid"/>
+            <a:tailEnd type="triangle"/>
+          </a:ln>
+        </p:spPr>
+        <p:style>
+          <a:lnRef idx="1">
+            <a:schemeClr val="accent1"/>
+          </a:lnRef>
+          <a:fillRef idx="0">
+            <a:schemeClr val="accent1"/>
+          </a:fillRef>
+          <a:effectRef idx="0">
+            <a:schemeClr val="accent1"/>
+          </a:effectRef>
+          <a:fontRef idx="minor">
+            <a:schemeClr val="tx1"/>
+          </a:fontRef>
+        </p:style>
+      </p:cxnSp>
+    </p:spTree>
+    <p:extLst>
+      <p:ext uri="{BB962C8B-B14F-4D97-AF65-F5344CB8AC3E}">
+        <p14:creationId xmlns:p14="http://schemas.microsoft.com/office/powerpoint/2010/main" val="1843563490"/>
+      </p:ext>
+    </p:extLst>
+  </p:cSld>
+  <p:clrMapOvr>
+    <a:masterClrMapping/>
+  </p:clrMapOvr>
+</p:sld>
+</file>
+
+<file path=ppt/slides/slide3.xml><?xml version="1.0" encoding="utf-8"?>
 <p:sld xmlns:a="http://schemas.openxmlformats.org/drawingml/2006/main" xmlns:r="http://schemas.openxmlformats.org/officeDocument/2006/relationships" xmlns:p="http://schemas.openxmlformats.org/presentationml/2006/main">
   <p:cSld>
     <p:spTree>
@@ -8730,8 +13762,8 @@
           </a:fontRef>
         </p:style>
       </p:cxnSp>
-      <mc:AlternateContent xmlns:mc="http://schemas.openxmlformats.org/markup-compatibility/2006">
-        <mc:Choice xmlns:a14="http://schemas.microsoft.com/office/drawing/2010/main" Requires="a14">
+      <mc:AlternateContent xmlns:mc="http://schemas.openxmlformats.org/markup-compatibility/2006" xmlns:a14="http://schemas.microsoft.com/office/drawing/2010/main">
+        <mc:Choice Requires="a14">
           <p:sp>
             <p:nvSpPr>
               <p:cNvPr id="63" name="TextBox 62">
@@ -8806,7 +13838,7 @@
             </p:txBody>
           </p:sp>
         </mc:Choice>
-        <mc:Fallback>
+        <mc:Fallback xmlns="">
           <p:sp>
             <p:nvSpPr>
               <p:cNvPr id="63" name="TextBox 62">
@@ -8851,8 +13883,8 @@
           </p:sp>
         </mc:Fallback>
       </mc:AlternateContent>
-      <mc:AlternateContent xmlns:mc="http://schemas.openxmlformats.org/markup-compatibility/2006">
-        <mc:Choice xmlns:a14="http://schemas.microsoft.com/office/drawing/2010/main" Requires="a14">
+      <mc:AlternateContent xmlns:mc="http://schemas.openxmlformats.org/markup-compatibility/2006" xmlns:a14="http://schemas.microsoft.com/office/drawing/2010/main">
+        <mc:Choice Requires="a14">
           <p:sp>
             <p:nvSpPr>
               <p:cNvPr id="65" name="TextBox 64">
@@ -8921,7 +13953,7 @@
             </p:txBody>
           </p:sp>
         </mc:Choice>
-        <mc:Fallback>
+        <mc:Fallback xmlns="">
           <p:sp>
             <p:nvSpPr>
               <p:cNvPr id="65" name="TextBox 64">
@@ -8966,8 +13998,8 @@
           </p:sp>
         </mc:Fallback>
       </mc:AlternateContent>
-      <mc:AlternateContent xmlns:mc="http://schemas.openxmlformats.org/markup-compatibility/2006">
-        <mc:Choice xmlns:a14="http://schemas.microsoft.com/office/drawing/2010/main" Requires="a14">
+      <mc:AlternateContent xmlns:mc="http://schemas.openxmlformats.org/markup-compatibility/2006" xmlns:a14="http://schemas.microsoft.com/office/drawing/2010/main">
+        <mc:Choice Requires="a14">
           <p:sp>
             <p:nvSpPr>
               <p:cNvPr id="73" name="TextBox 72">
@@ -9036,7 +14068,7 @@
             </p:txBody>
           </p:sp>
         </mc:Choice>
-        <mc:Fallback>
+        <mc:Fallback xmlns="">
           <p:sp>
             <p:nvSpPr>
               <p:cNvPr id="73" name="TextBox 72">
@@ -9081,8 +14113,8 @@
           </p:sp>
         </mc:Fallback>
       </mc:AlternateContent>
-      <mc:AlternateContent xmlns:mc="http://schemas.openxmlformats.org/markup-compatibility/2006">
-        <mc:Choice xmlns:a14="http://schemas.microsoft.com/office/drawing/2010/main" Requires="a14">
+      <mc:AlternateContent xmlns:mc="http://schemas.openxmlformats.org/markup-compatibility/2006" xmlns:a14="http://schemas.microsoft.com/office/drawing/2010/main">
+        <mc:Choice Requires="a14">
           <p:sp>
             <p:nvSpPr>
               <p:cNvPr id="75" name="TextBox 74">
@@ -9151,7 +14183,7 @@
             </p:txBody>
           </p:sp>
         </mc:Choice>
-        <mc:Fallback>
+        <mc:Fallback xmlns="">
           <p:sp>
             <p:nvSpPr>
               <p:cNvPr id="75" name="TextBox 74">
@@ -9196,8 +14228,8 @@
           </p:sp>
         </mc:Fallback>
       </mc:AlternateContent>
-      <mc:AlternateContent xmlns:mc="http://schemas.openxmlformats.org/markup-compatibility/2006">
-        <mc:Choice xmlns:a14="http://schemas.microsoft.com/office/drawing/2010/main" Requires="a14">
+      <mc:AlternateContent xmlns:mc="http://schemas.openxmlformats.org/markup-compatibility/2006" xmlns:a14="http://schemas.microsoft.com/office/drawing/2010/main">
+        <mc:Choice Requires="a14">
           <p:sp>
             <p:nvSpPr>
               <p:cNvPr id="78" name="TextBox 77">
@@ -9226,7 +14258,6 @@
               </a:bodyPr>
               <a:lstStyle/>
               <a:p>
-                <a:pPr/>
                 <a14:m>
                   <m:oMath xmlns:m="http://schemas.openxmlformats.org/officeDocument/2006/math">
                     <m:sSub>
@@ -9276,7 +14307,7 @@
             </p:txBody>
           </p:sp>
         </mc:Choice>
-        <mc:Fallback>
+        <mc:Fallback xmlns="">
           <p:sp>
             <p:nvSpPr>
               <p:cNvPr id="78" name="TextBox 77">
@@ -9321,8 +14352,8 @@
           </p:sp>
         </mc:Fallback>
       </mc:AlternateContent>
-      <mc:AlternateContent xmlns:mc="http://schemas.openxmlformats.org/markup-compatibility/2006">
-        <mc:Choice xmlns:a14="http://schemas.microsoft.com/office/drawing/2010/main" Requires="a14">
+      <mc:AlternateContent xmlns:mc="http://schemas.openxmlformats.org/markup-compatibility/2006" xmlns:a14="http://schemas.microsoft.com/office/drawing/2010/main">
+        <mc:Choice Requires="a14">
           <p:sp>
             <p:nvSpPr>
               <p:cNvPr id="49" name="TextBox 48">
@@ -9440,7 +14471,7 @@
             </p:txBody>
           </p:sp>
         </mc:Choice>
-        <mc:Fallback>
+        <mc:Fallback xmlns="">
           <p:sp>
             <p:nvSpPr>
               <p:cNvPr id="49" name="TextBox 48">
@@ -9539,8 +14570,8 @@
           </a:p>
         </p:txBody>
       </p:sp>
-      <mc:AlternateContent xmlns:mc="http://schemas.openxmlformats.org/markup-compatibility/2006">
-        <mc:Choice xmlns:a14="http://schemas.microsoft.com/office/drawing/2010/main" Requires="a14">
+      <mc:AlternateContent xmlns:mc="http://schemas.openxmlformats.org/markup-compatibility/2006" xmlns:a14="http://schemas.microsoft.com/office/drawing/2010/main">
+        <mc:Choice Requires="a14">
           <p:sp>
             <p:nvSpPr>
               <p:cNvPr id="88" name="TextBox 87">
@@ -9621,7 +14652,7 @@
             </p:txBody>
           </p:sp>
         </mc:Choice>
-        <mc:Fallback>
+        <mc:Fallback xmlns="">
           <p:sp>
             <p:nvSpPr>
               <p:cNvPr id="88" name="TextBox 87">
@@ -9767,8 +14798,8 @@
           </a:fontRef>
         </p:style>
       </p:cxnSp>
-      <mc:AlternateContent xmlns:mc="http://schemas.openxmlformats.org/markup-compatibility/2006">
-        <mc:Choice xmlns:a14="http://schemas.microsoft.com/office/drawing/2010/main" Requires="a14">
+      <mc:AlternateContent xmlns:mc="http://schemas.openxmlformats.org/markup-compatibility/2006" xmlns:a14="http://schemas.microsoft.com/office/drawing/2010/main">
+        <mc:Choice Requires="a14">
           <p:sp>
             <p:nvSpPr>
               <p:cNvPr id="91" name="TextBox 90">
@@ -9843,7 +14874,7 @@
             </p:txBody>
           </p:sp>
         </mc:Choice>
-        <mc:Fallback>
+        <mc:Fallback xmlns="">
           <p:sp>
             <p:nvSpPr>
               <p:cNvPr id="91" name="TextBox 90">
@@ -9888,8 +14919,8 @@
           </p:sp>
         </mc:Fallback>
       </mc:AlternateContent>
-      <mc:AlternateContent xmlns:mc="http://schemas.openxmlformats.org/markup-compatibility/2006">
-        <mc:Choice xmlns:a14="http://schemas.microsoft.com/office/drawing/2010/main" Requires="a14">
+      <mc:AlternateContent xmlns:mc="http://schemas.openxmlformats.org/markup-compatibility/2006" xmlns:a14="http://schemas.microsoft.com/office/drawing/2010/main">
+        <mc:Choice Requires="a14">
           <p:sp>
             <p:nvSpPr>
               <p:cNvPr id="92" name="TextBox 91">
@@ -9964,7 +14995,7 @@
             </p:txBody>
           </p:sp>
         </mc:Choice>
-        <mc:Fallback>
+        <mc:Fallback xmlns="">
           <p:sp>
             <p:nvSpPr>
               <p:cNvPr id="92" name="TextBox 91">
@@ -10009,8 +15040,8 @@
           </p:sp>
         </mc:Fallback>
       </mc:AlternateContent>
-      <mc:AlternateContent xmlns:mc="http://schemas.openxmlformats.org/markup-compatibility/2006">
-        <mc:Choice xmlns:a14="http://schemas.microsoft.com/office/drawing/2010/main" Requires="a14">
+      <mc:AlternateContent xmlns:mc="http://schemas.openxmlformats.org/markup-compatibility/2006" xmlns:a14="http://schemas.microsoft.com/office/drawing/2010/main">
+        <mc:Choice Requires="a14">
           <p:sp>
             <p:nvSpPr>
               <p:cNvPr id="93" name="TextBox 92">
@@ -10128,7 +15159,7 @@
             </p:txBody>
           </p:sp>
         </mc:Choice>
-        <mc:Fallback>
+        <mc:Fallback xmlns="">
           <p:sp>
             <p:nvSpPr>
               <p:cNvPr id="93" name="TextBox 92">
@@ -10173,8 +15204,8 @@
           </p:sp>
         </mc:Fallback>
       </mc:AlternateContent>
-      <mc:AlternateContent xmlns:mc="http://schemas.openxmlformats.org/markup-compatibility/2006">
-        <mc:Choice xmlns:a14="http://schemas.microsoft.com/office/drawing/2010/main" Requires="a14">
+      <mc:AlternateContent xmlns:mc="http://schemas.openxmlformats.org/markup-compatibility/2006" xmlns:a14="http://schemas.microsoft.com/office/drawing/2010/main">
+        <mc:Choice Requires="a14">
           <p:sp>
             <p:nvSpPr>
               <p:cNvPr id="94" name="TextBox 93">
@@ -10292,7 +15323,7 @@
             </p:txBody>
           </p:sp>
         </mc:Choice>
-        <mc:Fallback>
+        <mc:Fallback xmlns="">
           <p:sp>
             <p:nvSpPr>
               <p:cNvPr id="94" name="TextBox 93">
@@ -10440,8 +15471,8 @@
           </a:fontRef>
         </p:style>
       </p:cxnSp>
-      <mc:AlternateContent xmlns:mc="http://schemas.openxmlformats.org/markup-compatibility/2006">
-        <mc:Choice xmlns:a14="http://schemas.microsoft.com/office/drawing/2010/main" Requires="a14">
+      <mc:AlternateContent xmlns:mc="http://schemas.openxmlformats.org/markup-compatibility/2006" xmlns:a14="http://schemas.microsoft.com/office/drawing/2010/main">
+        <mc:Choice Requires="a14">
           <p:sp>
             <p:nvSpPr>
               <p:cNvPr id="38" name="TextBox 37">
@@ -10532,7 +15563,7 @@
             </p:txBody>
           </p:sp>
         </mc:Choice>
-        <mc:Fallback>
+        <mc:Fallback xmlns="">
           <p:sp>
             <p:nvSpPr>
               <p:cNvPr id="38" name="TextBox 37">
@@ -10577,8 +15608,8 @@
           </p:sp>
         </mc:Fallback>
       </mc:AlternateContent>
-      <mc:AlternateContent xmlns:mc="http://schemas.openxmlformats.org/markup-compatibility/2006">
-        <mc:Choice xmlns:a14="http://schemas.microsoft.com/office/drawing/2010/main" Requires="a14">
+      <mc:AlternateContent xmlns:mc="http://schemas.openxmlformats.org/markup-compatibility/2006" xmlns:a14="http://schemas.microsoft.com/office/drawing/2010/main">
+        <mc:Choice Requires="a14">
           <p:sp>
             <p:nvSpPr>
               <p:cNvPr id="44" name="TextBox 43">
@@ -10653,7 +15684,7 @@
             </p:txBody>
           </p:sp>
         </mc:Choice>
-        <mc:Fallback>
+        <mc:Fallback xmlns="">
           <p:sp>
             <p:nvSpPr>
               <p:cNvPr id="44" name="TextBox 43">
@@ -10698,8 +15729,8 @@
           </p:sp>
         </mc:Fallback>
       </mc:AlternateContent>
-      <mc:AlternateContent xmlns:mc="http://schemas.openxmlformats.org/markup-compatibility/2006">
-        <mc:Choice xmlns:a14="http://schemas.microsoft.com/office/drawing/2010/main" Requires="a14">
+      <mc:AlternateContent xmlns:mc="http://schemas.openxmlformats.org/markup-compatibility/2006" xmlns:a14="http://schemas.microsoft.com/office/drawing/2010/main">
+        <mc:Choice Requires="a14">
           <p:sp>
             <p:nvSpPr>
               <p:cNvPr id="60" name="TextBox 59">
@@ -10780,7 +15811,7 @@
             </p:txBody>
           </p:sp>
         </mc:Choice>
-        <mc:Fallback>
+        <mc:Fallback xmlns="">
           <p:sp>
             <p:nvSpPr>
               <p:cNvPr id="60" name="TextBox 59">
@@ -10916,8 +15947,8 @@
           </a:fontRef>
         </p:style>
       </p:cxnSp>
-      <mc:AlternateContent xmlns:mc="http://schemas.openxmlformats.org/markup-compatibility/2006">
-        <mc:Choice xmlns:a14="http://schemas.microsoft.com/office/drawing/2010/main" Requires="a14">
+      <mc:AlternateContent xmlns:mc="http://schemas.openxmlformats.org/markup-compatibility/2006" xmlns:a14="http://schemas.microsoft.com/office/drawing/2010/main">
+        <mc:Choice Requires="a14">
           <p:sp>
             <p:nvSpPr>
               <p:cNvPr id="72" name="TextBox 71">
@@ -11035,7 +16066,7 @@
             </p:txBody>
           </p:sp>
         </mc:Choice>
-        <mc:Fallback>
+        <mc:Fallback xmlns="">
           <p:sp>
             <p:nvSpPr>
               <p:cNvPr id="72" name="TextBox 71">
@@ -11080,8 +16111,8 @@
           </p:sp>
         </mc:Fallback>
       </mc:AlternateContent>
-      <mc:AlternateContent xmlns:mc="http://schemas.openxmlformats.org/markup-compatibility/2006">
-        <mc:Choice xmlns:a14="http://schemas.microsoft.com/office/drawing/2010/main" Requires="a14">
+      <mc:AlternateContent xmlns:mc="http://schemas.openxmlformats.org/markup-compatibility/2006" xmlns:a14="http://schemas.microsoft.com/office/drawing/2010/main">
+        <mc:Choice Requires="a14">
           <p:sp>
             <p:nvSpPr>
               <p:cNvPr id="47" name="TextBox 46">
@@ -11199,7 +16230,7 @@
             </p:txBody>
           </p:sp>
         </mc:Choice>
-        <mc:Fallback>
+        <mc:Fallback xmlns="">
           <p:sp>
             <p:nvSpPr>
               <p:cNvPr id="47" name="TextBox 46">
@@ -11437,8 +16468,8 @@
           </a:fontRef>
         </p:style>
       </p:cxnSp>
-      <mc:AlternateContent xmlns:mc="http://schemas.openxmlformats.org/markup-compatibility/2006">
-        <mc:Choice xmlns:a14="http://schemas.microsoft.com/office/drawing/2010/main" Requires="a14">
+      <mc:AlternateContent xmlns:mc="http://schemas.openxmlformats.org/markup-compatibility/2006" xmlns:a14="http://schemas.microsoft.com/office/drawing/2010/main">
+        <mc:Choice Requires="a14">
           <p:sp>
             <p:nvSpPr>
               <p:cNvPr id="54" name="TextBox 53">
@@ -11467,7 +16498,6 @@
               </a:bodyPr>
               <a:lstStyle/>
               <a:p>
-                <a:pPr/>
                 <a14:m>
                   <m:oMath xmlns:m="http://schemas.openxmlformats.org/officeDocument/2006/math">
                     <m:sSub>
@@ -11517,7 +16547,7 @@
             </p:txBody>
           </p:sp>
         </mc:Choice>
-        <mc:Fallback>
+        <mc:Fallback xmlns="">
           <p:sp>
             <p:nvSpPr>
               <p:cNvPr id="54" name="TextBox 53">
@@ -11562,8 +16592,8 @@
           </p:sp>
         </mc:Fallback>
       </mc:AlternateContent>
-      <mc:AlternateContent xmlns:mc="http://schemas.openxmlformats.org/markup-compatibility/2006">
-        <mc:Choice xmlns:a14="http://schemas.microsoft.com/office/drawing/2010/main" Requires="a14">
+      <mc:AlternateContent xmlns:mc="http://schemas.openxmlformats.org/markup-compatibility/2006" xmlns:a14="http://schemas.microsoft.com/office/drawing/2010/main">
+        <mc:Choice Requires="a14">
           <p:sp>
             <p:nvSpPr>
               <p:cNvPr id="55" name="TextBox 54">
@@ -11638,7 +16668,7 @@
             </p:txBody>
           </p:sp>
         </mc:Choice>
-        <mc:Fallback>
+        <mc:Fallback xmlns="">
           <p:sp>
             <p:nvSpPr>
               <p:cNvPr id="55" name="TextBox 54">
@@ -11737,8 +16767,8 @@
           </a:p>
         </p:txBody>
       </p:sp>
-      <mc:AlternateContent xmlns:mc="http://schemas.openxmlformats.org/markup-compatibility/2006">
-        <mc:Choice xmlns:a14="http://schemas.microsoft.com/office/drawing/2010/main" Requires="a14">
+      <mc:AlternateContent xmlns:mc="http://schemas.openxmlformats.org/markup-compatibility/2006" xmlns:a14="http://schemas.microsoft.com/office/drawing/2010/main">
+        <mc:Choice Requires="a14">
           <p:sp>
             <p:nvSpPr>
               <p:cNvPr id="59" name="TextBox 58">
@@ -11813,7 +16843,7 @@
             </p:txBody>
           </p:sp>
         </mc:Choice>
-        <mc:Fallback>
+        <mc:Fallback xmlns="">
           <p:sp>
             <p:nvSpPr>
               <p:cNvPr id="59" name="TextBox 58">
@@ -11901,8 +16931,8 @@
           </a:fontRef>
         </p:style>
       </p:cxnSp>
-      <mc:AlternateContent xmlns:mc="http://schemas.openxmlformats.org/markup-compatibility/2006">
-        <mc:Choice xmlns:a14="http://schemas.microsoft.com/office/drawing/2010/main" Requires="a14">
+      <mc:AlternateContent xmlns:mc="http://schemas.openxmlformats.org/markup-compatibility/2006" xmlns:a14="http://schemas.microsoft.com/office/drawing/2010/main">
+        <mc:Choice Requires="a14">
           <p:sp>
             <p:nvSpPr>
               <p:cNvPr id="67" name="TextBox 66">
@@ -11977,7 +17007,7 @@
             </p:txBody>
           </p:sp>
         </mc:Choice>
-        <mc:Fallback>
+        <mc:Fallback xmlns="">
           <p:sp>
             <p:nvSpPr>
               <p:cNvPr id="67" name="TextBox 66">
@@ -12291,8 +17321,8 @@
           </a:p>
         </p:txBody>
       </p:sp>
-      <mc:AlternateContent xmlns:mc="http://schemas.openxmlformats.org/markup-compatibility/2006">
-        <mc:Choice xmlns:a14="http://schemas.microsoft.com/office/drawing/2010/main" Requires="a14">
+      <mc:AlternateContent xmlns:mc="http://schemas.openxmlformats.org/markup-compatibility/2006" xmlns:a14="http://schemas.microsoft.com/office/drawing/2010/main">
+        <mc:Choice Requires="a14">
           <p:sp>
             <p:nvSpPr>
               <p:cNvPr id="95" name="TextBox 94">
@@ -12361,7 +17391,7 @@
             </p:txBody>
           </p:sp>
         </mc:Choice>
-        <mc:Fallback>
+        <mc:Fallback xmlns="">
           <p:sp>
             <p:nvSpPr>
               <p:cNvPr id="95" name="TextBox 94">
@@ -12496,8 +17526,8 @@
           </a:p>
         </p:txBody>
       </p:sp>
-      <mc:AlternateContent xmlns:mc="http://schemas.openxmlformats.org/markup-compatibility/2006">
-        <mc:Choice xmlns:a14="http://schemas.microsoft.com/office/drawing/2010/main" Requires="a14">
+      <mc:AlternateContent xmlns:mc="http://schemas.openxmlformats.org/markup-compatibility/2006" xmlns:a14="http://schemas.microsoft.com/office/drawing/2010/main">
+        <mc:Choice Requires="a14">
           <p:sp>
             <p:nvSpPr>
               <p:cNvPr id="99" name="TextBox 98">
@@ -12575,7 +17605,7 @@
             </p:txBody>
           </p:sp>
         </mc:Choice>
-        <mc:Fallback>
+        <mc:Fallback xmlns="">
           <p:sp>
             <p:nvSpPr>
               <p:cNvPr id="99" name="TextBox 98">
@@ -12620,8 +17650,8 @@
           </p:sp>
         </mc:Fallback>
       </mc:AlternateContent>
-      <mc:AlternateContent xmlns:mc="http://schemas.openxmlformats.org/markup-compatibility/2006">
-        <mc:Choice xmlns:a14="http://schemas.microsoft.com/office/drawing/2010/main" Requires="a14">
+      <mc:AlternateContent xmlns:mc="http://schemas.openxmlformats.org/markup-compatibility/2006" xmlns:a14="http://schemas.microsoft.com/office/drawing/2010/main">
+        <mc:Choice Requires="a14">
           <p:sp>
             <p:nvSpPr>
               <p:cNvPr id="100" name="TextBox 99">
@@ -12712,7 +17742,7 @@
             </p:txBody>
           </p:sp>
         </mc:Choice>
-        <mc:Fallback>
+        <mc:Fallback xmlns="">
           <p:sp>
             <p:nvSpPr>
               <p:cNvPr id="100" name="TextBox 99">
@@ -12858,8 +17888,8 @@
           </a:fontRef>
         </p:style>
       </p:cxnSp>
-      <mc:AlternateContent xmlns:mc="http://schemas.openxmlformats.org/markup-compatibility/2006">
-        <mc:Choice xmlns:a14="http://schemas.microsoft.com/office/drawing/2010/main" Requires="a14">
+      <mc:AlternateContent xmlns:mc="http://schemas.openxmlformats.org/markup-compatibility/2006" xmlns:a14="http://schemas.microsoft.com/office/drawing/2010/main">
+        <mc:Choice Requires="a14">
           <p:sp>
             <p:nvSpPr>
               <p:cNvPr id="103" name="TextBox 102">
@@ -12928,7 +17958,7 @@
             </p:txBody>
           </p:sp>
         </mc:Choice>
-        <mc:Fallback>
+        <mc:Fallback xmlns="">
           <p:sp>
             <p:nvSpPr>
               <p:cNvPr id="103" name="TextBox 102">
@@ -12973,8 +18003,8 @@
           </p:sp>
         </mc:Fallback>
       </mc:AlternateContent>
-      <mc:AlternateContent xmlns:mc="http://schemas.openxmlformats.org/markup-compatibility/2006">
-        <mc:Choice xmlns:a14="http://schemas.microsoft.com/office/drawing/2010/main" Requires="a14">
+      <mc:AlternateContent xmlns:mc="http://schemas.openxmlformats.org/markup-compatibility/2006" xmlns:a14="http://schemas.microsoft.com/office/drawing/2010/main">
+        <mc:Choice Requires="a14">
           <p:sp>
             <p:nvSpPr>
               <p:cNvPr id="104" name="TextBox 103">
@@ -13043,7 +18073,7 @@
             </p:txBody>
           </p:sp>
         </mc:Choice>
-        <mc:Fallback>
+        <mc:Fallback xmlns="">
           <p:sp>
             <p:nvSpPr>
               <p:cNvPr id="104" name="TextBox 103">
@@ -13088,8 +18118,8 @@
           </p:sp>
         </mc:Fallback>
       </mc:AlternateContent>
-      <mc:AlternateContent xmlns:mc="http://schemas.openxmlformats.org/markup-compatibility/2006">
-        <mc:Choice xmlns:a14="http://schemas.microsoft.com/office/drawing/2010/main" Requires="a14">
+      <mc:AlternateContent xmlns:mc="http://schemas.openxmlformats.org/markup-compatibility/2006" xmlns:a14="http://schemas.microsoft.com/office/drawing/2010/main">
+        <mc:Choice Requires="a14">
           <p:sp>
             <p:nvSpPr>
               <p:cNvPr id="105" name="TextBox 104">
@@ -13180,7 +18210,7 @@
             </p:txBody>
           </p:sp>
         </mc:Choice>
-        <mc:Fallback>
+        <mc:Fallback xmlns="">
           <p:sp>
             <p:nvSpPr>
               <p:cNvPr id="105" name="TextBox 104">
@@ -13322,8 +18352,8 @@
           </a:fontRef>
         </p:style>
       </p:cxnSp>
-      <mc:AlternateContent xmlns:mc="http://schemas.openxmlformats.org/markup-compatibility/2006">
-        <mc:Choice xmlns:a14="http://schemas.microsoft.com/office/drawing/2010/main" Requires="a14">
+      <mc:AlternateContent xmlns:mc="http://schemas.openxmlformats.org/markup-compatibility/2006" xmlns:a14="http://schemas.microsoft.com/office/drawing/2010/main">
+        <mc:Choice Requires="a14">
           <p:sp>
             <p:nvSpPr>
               <p:cNvPr id="117" name="TextBox 116">
@@ -13441,7 +18471,7 @@
             </p:txBody>
           </p:sp>
         </mc:Choice>
-        <mc:Fallback>
+        <mc:Fallback xmlns="">
           <p:sp>
             <p:nvSpPr>
               <p:cNvPr id="117" name="TextBox 116">
@@ -13486,8 +18516,8 @@
           </p:sp>
         </mc:Fallback>
       </mc:AlternateContent>
-      <mc:AlternateContent xmlns:mc="http://schemas.openxmlformats.org/markup-compatibility/2006">
-        <mc:Choice xmlns:a14="http://schemas.microsoft.com/office/drawing/2010/main" Requires="a14">
+      <mc:AlternateContent xmlns:mc="http://schemas.openxmlformats.org/markup-compatibility/2006" xmlns:a14="http://schemas.microsoft.com/office/drawing/2010/main">
+        <mc:Choice Requires="a14">
           <p:sp>
             <p:nvSpPr>
               <p:cNvPr id="118" name="TextBox 117">
@@ -13605,7 +18635,7 @@
             </p:txBody>
           </p:sp>
         </mc:Choice>
-        <mc:Fallback>
+        <mc:Fallback xmlns="">
           <p:sp>
             <p:nvSpPr>
               <p:cNvPr id="118" name="TextBox 117">
@@ -13650,8 +18680,8 @@
           </p:sp>
         </mc:Fallback>
       </mc:AlternateContent>
-      <mc:AlternateContent xmlns:mc="http://schemas.openxmlformats.org/markup-compatibility/2006">
-        <mc:Choice xmlns:a14="http://schemas.microsoft.com/office/drawing/2010/main" Requires="a14">
+      <mc:AlternateContent xmlns:mc="http://schemas.openxmlformats.org/markup-compatibility/2006" xmlns:a14="http://schemas.microsoft.com/office/drawing/2010/main">
+        <mc:Choice Requires="a14">
           <p:sp>
             <p:nvSpPr>
               <p:cNvPr id="119" name="TextBox 118">
@@ -13769,7 +18799,7 @@
             </p:txBody>
           </p:sp>
         </mc:Choice>
-        <mc:Fallback>
+        <mc:Fallback xmlns="">
           <p:sp>
             <p:nvSpPr>
               <p:cNvPr id="119" name="TextBox 118">
@@ -13814,8 +18844,8 @@
           </p:sp>
         </mc:Fallback>
       </mc:AlternateContent>
-      <mc:AlternateContent xmlns:mc="http://schemas.openxmlformats.org/markup-compatibility/2006">
-        <mc:Choice xmlns:a14="http://schemas.microsoft.com/office/drawing/2010/main" Requires="a14">
+      <mc:AlternateContent xmlns:mc="http://schemas.openxmlformats.org/markup-compatibility/2006" xmlns:a14="http://schemas.microsoft.com/office/drawing/2010/main">
+        <mc:Choice Requires="a14">
           <p:sp>
             <p:nvSpPr>
               <p:cNvPr id="120" name="TextBox 119">
@@ -13933,7 +18963,7 @@
             </p:txBody>
           </p:sp>
         </mc:Choice>
-        <mc:Fallback>
+        <mc:Fallback xmlns="">
           <p:sp>
             <p:nvSpPr>
               <p:cNvPr id="120" name="TextBox 119">
@@ -14075,8 +19105,8 @@
           </a:fontRef>
         </p:style>
       </p:cxnSp>
-      <mc:AlternateContent xmlns:mc="http://schemas.openxmlformats.org/markup-compatibility/2006">
-        <mc:Choice xmlns:a14="http://schemas.microsoft.com/office/drawing/2010/main" Requires="a14">
+      <mc:AlternateContent xmlns:mc="http://schemas.openxmlformats.org/markup-compatibility/2006" xmlns:a14="http://schemas.microsoft.com/office/drawing/2010/main">
+        <mc:Choice Requires="a14">
           <p:sp>
             <p:nvSpPr>
               <p:cNvPr id="123" name="TextBox 122">
@@ -14194,7 +19224,7 @@
             </p:txBody>
           </p:sp>
         </mc:Choice>
-        <mc:Fallback>
+        <mc:Fallback xmlns="">
           <p:sp>
             <p:nvSpPr>
               <p:cNvPr id="123" name="TextBox 122">
@@ -14239,8 +19269,8 @@
           </p:sp>
         </mc:Fallback>
       </mc:AlternateContent>
-      <mc:AlternateContent xmlns:mc="http://schemas.openxmlformats.org/markup-compatibility/2006">
-        <mc:Choice xmlns:a14="http://schemas.microsoft.com/office/drawing/2010/main" Requires="a14">
+      <mc:AlternateContent xmlns:mc="http://schemas.openxmlformats.org/markup-compatibility/2006" xmlns:a14="http://schemas.microsoft.com/office/drawing/2010/main">
+        <mc:Choice Requires="a14">
           <p:sp>
             <p:nvSpPr>
               <p:cNvPr id="124" name="TextBox 123">
@@ -14358,7 +19388,7 @@
             </p:txBody>
           </p:sp>
         </mc:Choice>
-        <mc:Fallback>
+        <mc:Fallback xmlns="">
           <p:sp>
             <p:nvSpPr>
               <p:cNvPr id="124" name="TextBox 123">
@@ -14403,8 +19433,8 @@
           </p:sp>
         </mc:Fallback>
       </mc:AlternateContent>
-      <mc:AlternateContent xmlns:mc="http://schemas.openxmlformats.org/markup-compatibility/2006">
-        <mc:Choice xmlns:a14="http://schemas.microsoft.com/office/drawing/2010/main" Requires="a14">
+      <mc:AlternateContent xmlns:mc="http://schemas.openxmlformats.org/markup-compatibility/2006" xmlns:a14="http://schemas.microsoft.com/office/drawing/2010/main">
+        <mc:Choice Requires="a14">
           <p:sp>
             <p:nvSpPr>
               <p:cNvPr id="125" name="TextBox 124">
@@ -14522,7 +19552,7 @@
             </p:txBody>
           </p:sp>
         </mc:Choice>
-        <mc:Fallback>
+        <mc:Fallback xmlns="">
           <p:sp>
             <p:nvSpPr>
               <p:cNvPr id="125" name="TextBox 124">
@@ -14567,8 +19597,8 @@
           </p:sp>
         </mc:Fallback>
       </mc:AlternateContent>
-      <mc:AlternateContent xmlns:mc="http://schemas.openxmlformats.org/markup-compatibility/2006">
-        <mc:Choice xmlns:a14="http://schemas.microsoft.com/office/drawing/2010/main" Requires="a14">
+      <mc:AlternateContent xmlns:mc="http://schemas.openxmlformats.org/markup-compatibility/2006" xmlns:a14="http://schemas.microsoft.com/office/drawing/2010/main">
+        <mc:Choice Requires="a14">
           <p:sp>
             <p:nvSpPr>
               <p:cNvPr id="126" name="TextBox 125">
@@ -14686,7 +19716,7 @@
             </p:txBody>
           </p:sp>
         </mc:Choice>
-        <mc:Fallback>
+        <mc:Fallback xmlns="">
           <p:sp>
             <p:nvSpPr>
               <p:cNvPr id="126" name="TextBox 125">
@@ -14829,8 +19859,8 @@
           </a:fontRef>
         </p:style>
       </p:cxnSp>
-      <mc:AlternateContent xmlns:mc="http://schemas.openxmlformats.org/markup-compatibility/2006">
-        <mc:Choice xmlns:a14="http://schemas.microsoft.com/office/drawing/2010/main" Requires="a14">
+      <mc:AlternateContent xmlns:mc="http://schemas.openxmlformats.org/markup-compatibility/2006" xmlns:a14="http://schemas.microsoft.com/office/drawing/2010/main">
+        <mc:Choice Requires="a14">
           <p:sp>
             <p:nvSpPr>
               <p:cNvPr id="134" name="TextBox 133">
@@ -14954,7 +19984,7 @@
             </p:txBody>
           </p:sp>
         </mc:Choice>
-        <mc:Fallback>
+        <mc:Fallback xmlns="">
           <p:sp>
             <p:nvSpPr>
               <p:cNvPr id="134" name="TextBox 133">
@@ -14999,8 +20029,8 @@
           </p:sp>
         </mc:Fallback>
       </mc:AlternateContent>
-      <mc:AlternateContent xmlns:mc="http://schemas.openxmlformats.org/markup-compatibility/2006">
-        <mc:Choice xmlns:a14="http://schemas.microsoft.com/office/drawing/2010/main" Requires="a14">
+      <mc:AlternateContent xmlns:mc="http://schemas.openxmlformats.org/markup-compatibility/2006" xmlns:a14="http://schemas.microsoft.com/office/drawing/2010/main">
+        <mc:Choice Requires="a14">
           <p:sp>
             <p:nvSpPr>
               <p:cNvPr id="135" name="TextBox 134">
@@ -15124,7 +20154,7 @@
             </p:txBody>
           </p:sp>
         </mc:Choice>
-        <mc:Fallback>
+        <mc:Fallback xmlns="">
           <p:sp>
             <p:nvSpPr>
               <p:cNvPr id="135" name="TextBox 134">
@@ -15169,8 +20199,8 @@
           </p:sp>
         </mc:Fallback>
       </mc:AlternateContent>
-      <mc:AlternateContent xmlns:mc="http://schemas.openxmlformats.org/markup-compatibility/2006">
-        <mc:Choice xmlns:a14="http://schemas.microsoft.com/office/drawing/2010/main" Requires="a14">
+      <mc:AlternateContent xmlns:mc="http://schemas.openxmlformats.org/markup-compatibility/2006" xmlns:a14="http://schemas.microsoft.com/office/drawing/2010/main">
+        <mc:Choice Requires="a14">
           <p:sp>
             <p:nvSpPr>
               <p:cNvPr id="136" name="TextBox 135">
@@ -15294,7 +20324,7 @@
             </p:txBody>
           </p:sp>
         </mc:Choice>
-        <mc:Fallback>
+        <mc:Fallback xmlns="">
           <p:sp>
             <p:nvSpPr>
               <p:cNvPr id="136" name="TextBox 135">
@@ -15339,8 +20369,8 @@
           </p:sp>
         </mc:Fallback>
       </mc:AlternateContent>
-      <mc:AlternateContent xmlns:mc="http://schemas.openxmlformats.org/markup-compatibility/2006">
-        <mc:Choice xmlns:a14="http://schemas.microsoft.com/office/drawing/2010/main" Requires="a14">
+      <mc:AlternateContent xmlns:mc="http://schemas.openxmlformats.org/markup-compatibility/2006" xmlns:a14="http://schemas.microsoft.com/office/drawing/2010/main">
+        <mc:Choice Requires="a14">
           <p:sp>
             <p:nvSpPr>
               <p:cNvPr id="137" name="TextBox 136">
@@ -15464,7 +20494,7 @@
             </p:txBody>
           </p:sp>
         </mc:Choice>
-        <mc:Fallback>
+        <mc:Fallback xmlns="">
           <p:sp>
             <p:nvSpPr>
               <p:cNvPr id="137" name="TextBox 136">
@@ -15561,8 +20591,8 @@
           </a:p>
         </p:txBody>
       </p:sp>
-      <mc:AlternateContent xmlns:mc="http://schemas.openxmlformats.org/markup-compatibility/2006">
-        <mc:Choice xmlns:a14="http://schemas.microsoft.com/office/drawing/2010/main" Requires="a14">
+      <mc:AlternateContent xmlns:mc="http://schemas.openxmlformats.org/markup-compatibility/2006" xmlns:a14="http://schemas.microsoft.com/office/drawing/2010/main">
+        <mc:Choice Requires="a14">
           <p:sp>
             <p:nvSpPr>
               <p:cNvPr id="139" name="TextBox 138">
@@ -15686,7 +20716,7 @@
             </p:txBody>
           </p:sp>
         </mc:Choice>
-        <mc:Fallback>
+        <mc:Fallback xmlns="">
           <p:sp>
             <p:nvSpPr>
               <p:cNvPr id="139" name="TextBox 138">
@@ -15731,8 +20761,8 @@
           </p:sp>
         </mc:Fallback>
       </mc:AlternateContent>
-      <mc:AlternateContent xmlns:mc="http://schemas.openxmlformats.org/markup-compatibility/2006">
-        <mc:Choice xmlns:a14="http://schemas.microsoft.com/office/drawing/2010/main" Requires="a14">
+      <mc:AlternateContent xmlns:mc="http://schemas.openxmlformats.org/markup-compatibility/2006" xmlns:a14="http://schemas.microsoft.com/office/drawing/2010/main">
+        <mc:Choice Requires="a14">
           <p:sp>
             <p:nvSpPr>
               <p:cNvPr id="140" name="TextBox 139">
@@ -15856,7 +20886,7 @@
             </p:txBody>
           </p:sp>
         </mc:Choice>
-        <mc:Fallback>
+        <mc:Fallback xmlns="">
           <p:sp>
             <p:nvSpPr>
               <p:cNvPr id="140" name="TextBox 139">
@@ -15901,8 +20931,8 @@
           </p:sp>
         </mc:Fallback>
       </mc:AlternateContent>
-      <mc:AlternateContent xmlns:mc="http://schemas.openxmlformats.org/markup-compatibility/2006">
-        <mc:Choice xmlns:a14="http://schemas.microsoft.com/office/drawing/2010/main" Requires="a14">
+      <mc:AlternateContent xmlns:mc="http://schemas.openxmlformats.org/markup-compatibility/2006" xmlns:a14="http://schemas.microsoft.com/office/drawing/2010/main">
+        <mc:Choice Requires="a14">
           <p:sp>
             <p:nvSpPr>
               <p:cNvPr id="141" name="TextBox 140">
@@ -16026,7 +21056,7 @@
             </p:txBody>
           </p:sp>
         </mc:Choice>
-        <mc:Fallback>
+        <mc:Fallback xmlns="">
           <p:sp>
             <p:nvSpPr>
               <p:cNvPr id="141" name="TextBox 140">
@@ -16071,8 +21101,8 @@
           </p:sp>
         </mc:Fallback>
       </mc:AlternateContent>
-      <mc:AlternateContent xmlns:mc="http://schemas.openxmlformats.org/markup-compatibility/2006">
-        <mc:Choice xmlns:a14="http://schemas.microsoft.com/office/drawing/2010/main" Requires="a14">
+      <mc:AlternateContent xmlns:mc="http://schemas.openxmlformats.org/markup-compatibility/2006" xmlns:a14="http://schemas.microsoft.com/office/drawing/2010/main">
+        <mc:Choice Requires="a14">
           <p:sp>
             <p:nvSpPr>
               <p:cNvPr id="142" name="TextBox 141">
@@ -16196,7 +21226,7 @@
             </p:txBody>
           </p:sp>
         </mc:Choice>
-        <mc:Fallback>
+        <mc:Fallback xmlns="">
           <p:sp>
             <p:nvSpPr>
               <p:cNvPr id="142" name="TextBox 141">
@@ -16388,7 +21418,7 @@
     </p:spTree>
     <p:extLst>
       <p:ext uri="{BB962C8B-B14F-4D97-AF65-F5344CB8AC3E}">
-        <p14:creationId xmlns:p14="http://schemas.microsoft.com/office/powerpoint/2010/main" val="1843563490"/>
+        <p14:creationId xmlns:p14="http://schemas.microsoft.com/office/powerpoint/2010/main" val="3763700729"/>
       </p:ext>
     </p:extLst>
   </p:cSld>
@@ -16398,7 +21428,7 @@
 </p:sld>
 </file>
 
-<file path=ppt/slides/slide3.xml><?xml version="1.0" encoding="utf-8"?>
+<file path=ppt/slides/slide4.xml><?xml version="1.0" encoding="utf-8"?>
 <p:sld xmlns:a="http://schemas.openxmlformats.org/drawingml/2006/main" xmlns:r="http://schemas.openxmlformats.org/officeDocument/2006/relationships" xmlns:p="http://schemas.openxmlformats.org/presentationml/2006/main">
   <p:cSld>
     <p:spTree>
@@ -19145,7 +24175,7 @@
 </p:sld>
 </file>
 
-<file path=ppt/slides/slide4.xml><?xml version="1.0" encoding="utf-8"?>
+<file path=ppt/slides/slide5.xml><?xml version="1.0" encoding="utf-8"?>
 <p:sld xmlns:a="http://schemas.openxmlformats.org/drawingml/2006/main" xmlns:r="http://schemas.openxmlformats.org/officeDocument/2006/relationships" xmlns:p="http://schemas.openxmlformats.org/presentationml/2006/main">
   <p:cSld>
     <p:spTree>
@@ -22246,7 +27276,7 @@
 </p:sld>
 </file>
 
-<file path=ppt/slides/slide5.xml><?xml version="1.0" encoding="utf-8"?>
+<file path=ppt/slides/slide6.xml><?xml version="1.0" encoding="utf-8"?>
 <p:sld xmlns:a="http://schemas.openxmlformats.org/drawingml/2006/main" xmlns:r="http://schemas.openxmlformats.org/officeDocument/2006/relationships" xmlns:p="http://schemas.openxmlformats.org/presentationml/2006/main">
   <p:cSld>
     <p:spTree>
@@ -24959,7 +29989,7 @@
 </p:sld>
 </file>
 
-<file path=ppt/slides/slide6.xml><?xml version="1.0" encoding="utf-8"?>
+<file path=ppt/slides/slide7.xml><?xml version="1.0" encoding="utf-8"?>
 <p:sld xmlns:a="http://schemas.openxmlformats.org/drawingml/2006/main" xmlns:r="http://schemas.openxmlformats.org/officeDocument/2006/relationships" xmlns:p="http://schemas.openxmlformats.org/presentationml/2006/main">
   <p:cSld>
     <p:spTree>
@@ -26520,7 +31550,7 @@
 </p:sld>
 </file>
 
-<file path=ppt/slides/slide7.xml><?xml version="1.0" encoding="utf-8"?>
+<file path=ppt/slides/slide8.xml><?xml version="1.0" encoding="utf-8"?>
 <p:sld xmlns:a="http://schemas.openxmlformats.org/drawingml/2006/main" xmlns:r="http://schemas.openxmlformats.org/officeDocument/2006/relationships" xmlns:p="http://schemas.openxmlformats.org/presentationml/2006/main">
   <p:cSld>
     <p:spTree>
@@ -31052,7 +36082,7 @@
 </p:sld>
 </file>
 
-<file path=ppt/slides/slide8.xml><?xml version="1.0" encoding="utf-8"?>
+<file path=ppt/slides/slide9.xml><?xml version="1.0" encoding="utf-8"?>
 <p:sld xmlns:a="http://schemas.openxmlformats.org/drawingml/2006/main" xmlns:r="http://schemas.openxmlformats.org/officeDocument/2006/relationships" xmlns:p="http://schemas.openxmlformats.org/presentationml/2006/main">
   <p:cSld>
     <p:spTree>

--- a/rc_network.pptx
+++ b/rc_network.pptx
@@ -20449,8 +20449,8 @@
           </p:sp>
         </mc:Fallback>
       </mc:AlternateContent>
-      <mc:AlternateContent xmlns:mc="http://schemas.openxmlformats.org/markup-compatibility/2006">
-        <mc:Choice xmlns:a14="http://schemas.microsoft.com/office/drawing/2010/main" Requires="a14">
+      <mc:AlternateContent xmlns:mc="http://schemas.openxmlformats.org/markup-compatibility/2006" xmlns:a14="http://schemas.microsoft.com/office/drawing/2010/main">
+        <mc:Choice Requires="a14">
           <p:sp>
             <p:nvSpPr>
               <p:cNvPr id="38" name="TextBox 37">
@@ -20541,7 +20541,7 @@
             </p:txBody>
           </p:sp>
         </mc:Choice>
-        <mc:Fallback>
+        <mc:Fallback xmlns="">
           <p:sp>
             <p:nvSpPr>
               <p:cNvPr id="38" name="TextBox 37">

--- a/rc_network.pptx
+++ b/rc_network.pptx
@@ -228,7 +228,7 @@
           <a:p>
             <a:fld id="{F9805C6D-A8D8-4D9B-9408-35BCC045E291}" type="datetimeFigureOut">
               <a:rPr lang="en-US" smtClean="0"/>
-              <a:t>3/23/2022</a:t>
+              <a:t>3/24/2022</a:t>
             </a:fld>
             <a:endParaRPr lang="en-US"/>
           </a:p>
@@ -1230,7 +1230,7 @@
           <a:p>
             <a:fld id="{4A870DC3-5F4C-4826-B1E0-8BEE18E96C2E}" type="datetimeFigureOut">
               <a:rPr lang="en-US" smtClean="0"/>
-              <a:t>3/23/2022</a:t>
+              <a:t>3/24/2022</a:t>
             </a:fld>
             <a:endParaRPr lang="en-US"/>
           </a:p>
@@ -1428,7 +1428,7 @@
           <a:p>
             <a:fld id="{4A870DC3-5F4C-4826-B1E0-8BEE18E96C2E}" type="datetimeFigureOut">
               <a:rPr lang="en-US" smtClean="0"/>
-              <a:t>3/23/2022</a:t>
+              <a:t>3/24/2022</a:t>
             </a:fld>
             <a:endParaRPr lang="en-US"/>
           </a:p>
@@ -1636,7 +1636,7 @@
           <a:p>
             <a:fld id="{4A870DC3-5F4C-4826-B1E0-8BEE18E96C2E}" type="datetimeFigureOut">
               <a:rPr lang="en-US" smtClean="0"/>
-              <a:t>3/23/2022</a:t>
+              <a:t>3/24/2022</a:t>
             </a:fld>
             <a:endParaRPr lang="en-US"/>
           </a:p>
@@ -1834,7 +1834,7 @@
           <a:p>
             <a:fld id="{4A870DC3-5F4C-4826-B1E0-8BEE18E96C2E}" type="datetimeFigureOut">
               <a:rPr lang="en-US" smtClean="0"/>
-              <a:t>3/23/2022</a:t>
+              <a:t>3/24/2022</a:t>
             </a:fld>
             <a:endParaRPr lang="en-US"/>
           </a:p>
@@ -2109,7 +2109,7 @@
           <a:p>
             <a:fld id="{4A870DC3-5F4C-4826-B1E0-8BEE18E96C2E}" type="datetimeFigureOut">
               <a:rPr lang="en-US" smtClean="0"/>
-              <a:t>3/23/2022</a:t>
+              <a:t>3/24/2022</a:t>
             </a:fld>
             <a:endParaRPr lang="en-US"/>
           </a:p>
@@ -2374,7 +2374,7 @@
           <a:p>
             <a:fld id="{4A870DC3-5F4C-4826-B1E0-8BEE18E96C2E}" type="datetimeFigureOut">
               <a:rPr lang="en-US" smtClean="0"/>
-              <a:t>3/23/2022</a:t>
+              <a:t>3/24/2022</a:t>
             </a:fld>
             <a:endParaRPr lang="en-US"/>
           </a:p>
@@ -2786,7 +2786,7 @@
           <a:p>
             <a:fld id="{4A870DC3-5F4C-4826-B1E0-8BEE18E96C2E}" type="datetimeFigureOut">
               <a:rPr lang="en-US" smtClean="0"/>
-              <a:t>3/23/2022</a:t>
+              <a:t>3/24/2022</a:t>
             </a:fld>
             <a:endParaRPr lang="en-US"/>
           </a:p>
@@ -2927,7 +2927,7 @@
           <a:p>
             <a:fld id="{4A870DC3-5F4C-4826-B1E0-8BEE18E96C2E}" type="datetimeFigureOut">
               <a:rPr lang="en-US" smtClean="0"/>
-              <a:t>3/23/2022</a:t>
+              <a:t>3/24/2022</a:t>
             </a:fld>
             <a:endParaRPr lang="en-US"/>
           </a:p>
@@ -3040,7 +3040,7 @@
           <a:p>
             <a:fld id="{4A870DC3-5F4C-4826-B1E0-8BEE18E96C2E}" type="datetimeFigureOut">
               <a:rPr lang="en-US" smtClean="0"/>
-              <a:t>3/23/2022</a:t>
+              <a:t>3/24/2022</a:t>
             </a:fld>
             <a:endParaRPr lang="en-US"/>
           </a:p>
@@ -3351,7 +3351,7 @@
           <a:p>
             <a:fld id="{4A870DC3-5F4C-4826-B1E0-8BEE18E96C2E}" type="datetimeFigureOut">
               <a:rPr lang="en-US" smtClean="0"/>
-              <a:t>3/23/2022</a:t>
+              <a:t>3/24/2022</a:t>
             </a:fld>
             <a:endParaRPr lang="en-US"/>
           </a:p>
@@ -3639,7 +3639,7 @@
           <a:p>
             <a:fld id="{4A870DC3-5F4C-4826-B1E0-8BEE18E96C2E}" type="datetimeFigureOut">
               <a:rPr lang="en-US" smtClean="0"/>
-              <a:t>3/23/2022</a:t>
+              <a:t>3/24/2022</a:t>
             </a:fld>
             <a:endParaRPr lang="en-US"/>
           </a:p>
@@ -3880,7 +3880,7 @@
           <a:p>
             <a:fld id="{4A870DC3-5F4C-4826-B1E0-8BEE18E96C2E}" type="datetimeFigureOut">
               <a:rPr lang="en-US" smtClean="0"/>
-              <a:t>3/23/2022</a:t>
+              <a:t>3/24/2022</a:t>
             </a:fld>
             <a:endParaRPr lang="en-US"/>
           </a:p>
@@ -15847,130 +15847,6 @@
           </p:sp>
         </mc:Fallback>
       </mc:AlternateContent>
-      <mc:AlternateContent xmlns:mc="http://schemas.openxmlformats.org/markup-compatibility/2006" xmlns:a14="http://schemas.microsoft.com/office/drawing/2010/main">
-        <mc:Choice Requires="a14">
-          <p:sp>
-            <p:nvSpPr>
-              <p:cNvPr id="78" name="TextBox 77">
-                <a:extLst>
-                  <a:ext uri="{FF2B5EF4-FFF2-40B4-BE49-F238E27FC236}">
-                    <a16:creationId xmlns:a16="http://schemas.microsoft.com/office/drawing/2014/main" id="{0633C950-D675-4D2A-9F7A-13148DA30570}"/>
-                  </a:ext>
-                </a:extLst>
-              </p:cNvPr>
-              <p:cNvSpPr txBox="1"/>
-              <p:nvPr/>
-            </p:nvSpPr>
-            <p:spPr>
-              <a:xfrm>
-                <a:off x="5100277" y="3406114"/>
-                <a:ext cx="621517" cy="220958"/>
-              </a:xfrm>
-              <a:prstGeom prst="rect">
-                <a:avLst/>
-              </a:prstGeom>
-              <a:noFill/>
-            </p:spPr>
-            <p:txBody>
-              <a:bodyPr wrap="none" rtlCol="0">
-                <a:spAutoFit/>
-              </a:bodyPr>
-              <a:lstStyle/>
-              <a:p>
-                <a14:m>
-                  <m:oMath xmlns:m="http://schemas.openxmlformats.org/officeDocument/2006/math">
-                    <m:sSub>
-                      <m:sSubPr>
-                        <m:ctrlPr>
-                          <a:rPr lang="en-US" sz="800" b="0" i="1" smtClean="0">
-                            <a:latin typeface="Cambria Math" panose="02040503050406030204" pitchFamily="18" charset="0"/>
-                          </a:rPr>
-                        </m:ctrlPr>
-                      </m:sSubPr>
-                      <m:e>
-                        <m:r>
-                          <a:rPr lang="en-US" sz="800" b="0" i="1" smtClean="0">
-                            <a:latin typeface="Cambria Math" panose="02040503050406030204" pitchFamily="18" charset="0"/>
-                          </a:rPr>
-                          <m:t>𝑅</m:t>
-                        </m:r>
-                      </m:e>
-                      <m:sub>
-                        <m:r>
-                          <a:rPr lang="en-US" sz="800" b="0" i="1" smtClean="0">
-                            <a:latin typeface="Cambria Math" panose="02040503050406030204" pitchFamily="18" charset="0"/>
-                          </a:rPr>
-                          <m:t>𝑐𝑎𝑣</m:t>
-                        </m:r>
-                        <m:r>
-                          <a:rPr lang="en-US" sz="800" b="0" i="1" smtClean="0">
-                            <a:latin typeface="Cambria Math" panose="02040503050406030204" pitchFamily="18" charset="0"/>
-                          </a:rPr>
-                          <m:t>, </m:t>
-                        </m:r>
-                        <m:r>
-                          <a:rPr lang="en-US" sz="800" b="0" i="1" smtClean="0">
-                            <a:latin typeface="Cambria Math" panose="02040503050406030204" pitchFamily="18" charset="0"/>
-                          </a:rPr>
-                          <m:t>𝑟𝑜𝑜𝑚</m:t>
-                        </m:r>
-                      </m:sub>
-                    </m:sSub>
-                  </m:oMath>
-                </a14:m>
-                <a:r>
-                  <a:rPr lang="en-US" sz="800" dirty="0"/>
-                  <a:t> </a:t>
-                </a:r>
-              </a:p>
-            </p:txBody>
-          </p:sp>
-        </mc:Choice>
-        <mc:Fallback xmlns="">
-          <p:sp>
-            <p:nvSpPr>
-              <p:cNvPr id="78" name="TextBox 77">
-                <a:extLst>
-                  <a:ext uri="{FF2B5EF4-FFF2-40B4-BE49-F238E27FC236}">
-                    <a16:creationId xmlns:a16="http://schemas.microsoft.com/office/drawing/2014/main" id="{0633C950-D675-4D2A-9F7A-13148DA30570}"/>
-                  </a:ext>
-                </a:extLst>
-              </p:cNvPr>
-              <p:cNvSpPr txBox="1">
-                <a:spLocks noRot="1" noChangeAspect="1" noMove="1" noResize="1" noEditPoints="1" noAdjustHandles="1" noChangeArrowheads="1" noChangeShapeType="1" noTextEdit="1"/>
-              </p:cNvSpPr>
-              <p:nvPr/>
-            </p:nvSpPr>
-            <p:spPr>
-              <a:xfrm>
-                <a:off x="5100277" y="3406114"/>
-                <a:ext cx="621517" cy="220958"/>
-              </a:xfrm>
-              <a:prstGeom prst="rect">
-                <a:avLst/>
-              </a:prstGeom>
-              <a:blipFill>
-                <a:blip r:embed="rId8"/>
-                <a:stretch>
-                  <a:fillRect/>
-                </a:stretch>
-              </a:blipFill>
-            </p:spPr>
-            <p:txBody>
-              <a:bodyPr/>
-              <a:lstStyle/>
-              <a:p>
-                <a:r>
-                  <a:rPr lang="en-US">
-                    <a:noFill/>
-                  </a:rPr>
-                  <a:t> </a:t>
-                </a:r>
-              </a:p>
-            </p:txBody>
-          </p:sp>
-        </mc:Fallback>
-      </mc:AlternateContent>
       <p:sp>
         <p:nvSpPr>
           <p:cNvPr id="85" name="Oval 84">
@@ -16025,139 +15901,6 @@
           </a:p>
         </p:txBody>
       </p:sp>
-      <mc:AlternateContent xmlns:mc="http://schemas.openxmlformats.org/markup-compatibility/2006" xmlns:a14="http://schemas.microsoft.com/office/drawing/2010/main">
-        <mc:Choice Requires="a14">
-          <p:sp>
-            <p:nvSpPr>
-              <p:cNvPr id="88" name="TextBox 87">
-                <a:extLst>
-                  <a:ext uri="{FF2B5EF4-FFF2-40B4-BE49-F238E27FC236}">
-                    <a16:creationId xmlns:a16="http://schemas.microsoft.com/office/drawing/2014/main" id="{3B09E3A2-424B-4EB9-A88A-C9E64C4EB228}"/>
-                  </a:ext>
-                </a:extLst>
-              </p:cNvPr>
-              <p:cNvSpPr txBox="1"/>
-              <p:nvPr/>
-            </p:nvSpPr>
-            <p:spPr>
-              <a:xfrm>
-                <a:off x="6382933" y="690284"/>
-                <a:ext cx="1105239" cy="381515"/>
-              </a:xfrm>
-              <a:prstGeom prst="rect">
-                <a:avLst/>
-              </a:prstGeom>
-              <a:noFill/>
-            </p:spPr>
-            <p:txBody>
-              <a:bodyPr wrap="none" rtlCol="0">
-                <a:spAutoFit/>
-              </a:bodyPr>
-              <a:lstStyle/>
-              <a:p>
-                <a:pPr/>
-                <a14:m>
-                  <m:oMathPara xmlns:m="http://schemas.openxmlformats.org/officeDocument/2006/math">
-                    <m:oMathParaPr>
-                      <m:jc m:val="centerGroup"/>
-                    </m:oMathParaPr>
-                    <m:oMath xmlns:m="http://schemas.openxmlformats.org/officeDocument/2006/math">
-                      <m:sSub>
-                        <m:sSubPr>
-                          <m:ctrlPr>
-                            <a:rPr lang="en-US" b="0" i="1" smtClean="0">
-                              <a:latin typeface="Cambria Math" panose="02040503050406030204" pitchFamily="18" charset="0"/>
-                            </a:rPr>
-                          </m:ctrlPr>
-                        </m:sSubPr>
-                        <m:e>
-                          <m:r>
-                            <a:rPr lang="en-US" b="0" i="1" smtClean="0">
-                              <a:latin typeface="Cambria Math" panose="02040503050406030204" pitchFamily="18" charset="0"/>
-                            </a:rPr>
-                            <m:t>𝑅</m:t>
-                          </m:r>
-                        </m:e>
-                        <m:sub>
-                          <m:r>
-                            <a:rPr lang="en-US" b="0" i="1" smtClean="0">
-                              <a:latin typeface="Cambria Math" panose="02040503050406030204" pitchFamily="18" charset="0"/>
-                            </a:rPr>
-                            <m:t>𝑜𝑢𝑡</m:t>
-                          </m:r>
-                          <m:r>
-                            <a:rPr lang="en-US" b="0" i="1" smtClean="0">
-                              <a:latin typeface="Cambria Math" panose="02040503050406030204" pitchFamily="18" charset="0"/>
-                            </a:rPr>
-                            <m:t>, </m:t>
-                          </m:r>
-                          <m:r>
-                            <a:rPr lang="en-US" b="0" i="1" smtClean="0">
-                              <a:latin typeface="Cambria Math" panose="02040503050406030204" pitchFamily="18" charset="0"/>
-                            </a:rPr>
-                            <m:t>𝑒𝑛𝑣</m:t>
-                          </m:r>
-                          <m:r>
-                            <a:rPr lang="en-US" b="0" i="1" smtClean="0">
-                              <a:latin typeface="Cambria Math" panose="02040503050406030204" pitchFamily="18" charset="0"/>
-                            </a:rPr>
-                            <m:t>1</m:t>
-                          </m:r>
-                        </m:sub>
-                      </m:sSub>
-                    </m:oMath>
-                  </m:oMathPara>
-                </a14:m>
-                <a:endParaRPr lang="en-US" dirty="0"/>
-              </a:p>
-            </p:txBody>
-          </p:sp>
-        </mc:Choice>
-        <mc:Fallback xmlns="">
-          <p:sp>
-            <p:nvSpPr>
-              <p:cNvPr id="88" name="TextBox 87">
-                <a:extLst>
-                  <a:ext uri="{FF2B5EF4-FFF2-40B4-BE49-F238E27FC236}">
-                    <a16:creationId xmlns:a16="http://schemas.microsoft.com/office/drawing/2014/main" id="{3B09E3A2-424B-4EB9-A88A-C9E64C4EB228}"/>
-                  </a:ext>
-                </a:extLst>
-              </p:cNvPr>
-              <p:cNvSpPr txBox="1">
-                <a:spLocks noRot="1" noChangeAspect="1" noMove="1" noResize="1" noEditPoints="1" noAdjustHandles="1" noChangeArrowheads="1" noChangeShapeType="1" noTextEdit="1"/>
-              </p:cNvSpPr>
-              <p:nvPr/>
-            </p:nvSpPr>
-            <p:spPr>
-              <a:xfrm>
-                <a:off x="6382933" y="690284"/>
-                <a:ext cx="1105239" cy="381515"/>
-              </a:xfrm>
-              <a:prstGeom prst="rect">
-                <a:avLst/>
-              </a:prstGeom>
-              <a:blipFill>
-                <a:blip r:embed="rId9"/>
-                <a:stretch>
-                  <a:fillRect/>
-                </a:stretch>
-              </a:blipFill>
-            </p:spPr>
-            <p:txBody>
-              <a:bodyPr/>
-              <a:lstStyle/>
-              <a:p>
-                <a:r>
-                  <a:rPr lang="en-US">
-                    <a:noFill/>
-                  </a:rPr>
-                  <a:t> </a:t>
-                </a:r>
-              </a:p>
-            </p:txBody>
-          </p:sp>
-        </mc:Fallback>
-      </mc:AlternateContent>
       <p:sp>
         <p:nvSpPr>
           <p:cNvPr id="89" name="Equals 88">
@@ -16759,8 +16502,8 @@
           </p:sp>
         </mc:Fallback>
       </mc:AlternateContent>
-      <mc:AlternateContent xmlns:mc="http://schemas.openxmlformats.org/markup-compatibility/2006" xmlns:a14="http://schemas.microsoft.com/office/drawing/2010/main">
-        <mc:Choice Requires="a14">
+      <mc:AlternateContent xmlns:mc="http://schemas.openxmlformats.org/markup-compatibility/2006">
+        <mc:Choice xmlns:a14="http://schemas.microsoft.com/office/drawing/2010/main" Requires="a14">
           <p:sp>
             <p:nvSpPr>
               <p:cNvPr id="60" name="TextBox 59">
@@ -16775,7 +16518,7 @@
             </p:nvSpPr>
             <p:spPr>
               <a:xfrm>
-                <a:off x="7888734" y="5934157"/>
+                <a:off x="8354798" y="4923896"/>
                 <a:ext cx="703590" cy="379848"/>
               </a:xfrm>
               <a:prstGeom prst="rect">
@@ -16841,7 +16584,7 @@
             </p:txBody>
           </p:sp>
         </mc:Choice>
-        <mc:Fallback xmlns="">
+        <mc:Fallback>
           <p:sp>
             <p:nvSpPr>
               <p:cNvPr id="60" name="TextBox 59">
@@ -16858,7 +16601,7 @@
             </p:nvSpPr>
             <p:spPr>
               <a:xfrm>
-                <a:off x="7888734" y="5934157"/>
+                <a:off x="8354798" y="4923896"/>
                 <a:ext cx="703590" cy="379848"/>
               </a:xfrm>
               <a:prstGeom prst="rect">
@@ -16867,7 +16610,7 @@
               <a:blipFill>
                 <a:blip r:embed="rId15"/>
                 <a:stretch>
-                  <a:fillRect b="-9524"/>
+                  <a:fillRect b="-9677"/>
                 </a:stretch>
               </a:blipFill>
             </p:spPr>
@@ -16902,8 +16645,8 @@
         </p:nvCxnSpPr>
         <p:spPr>
           <a:xfrm flipV="1">
-            <a:off x="8238236" y="4522971"/>
-            <a:ext cx="1064610" cy="1420629"/>
+            <a:off x="8792144" y="4522971"/>
+            <a:ext cx="510702" cy="499782"/>
           </a:xfrm>
           <a:prstGeom prst="straightConnector1">
             <a:avLst/>
@@ -16912,7 +16655,7 @@
             <a:solidFill>
               <a:schemeClr val="tx1"/>
             </a:solidFill>
-            <a:prstDash val="sysDash"/>
+            <a:prstDash val="solid"/>
             <a:tailEnd type="triangle"/>
           </a:ln>
         </p:spPr>
@@ -19558,60 +19301,6 @@
           </a:fontRef>
         </p:style>
       </p:cxnSp>
-      <p:sp>
-        <p:nvSpPr>
-          <p:cNvPr id="64" name="Oval 63">
-            <a:extLst>
-              <a:ext uri="{FF2B5EF4-FFF2-40B4-BE49-F238E27FC236}">
-                <a16:creationId xmlns:a16="http://schemas.microsoft.com/office/drawing/2014/main" id="{2AE4147D-C3B3-41DB-852F-060792B676FF}"/>
-              </a:ext>
-            </a:extLst>
-          </p:cNvPr>
-          <p:cNvSpPr/>
-          <p:nvPr/>
-        </p:nvSpPr>
-        <p:spPr>
-          <a:xfrm>
-            <a:off x="9302846" y="4397624"/>
-            <a:ext cx="150622" cy="120920"/>
-          </a:xfrm>
-          <a:prstGeom prst="ellipse">
-            <a:avLst/>
-          </a:prstGeom>
-          <a:solidFill>
-            <a:schemeClr val="tx1"/>
-          </a:solidFill>
-          <a:ln>
-            <a:solidFill>
-              <a:schemeClr val="tx1"/>
-            </a:solidFill>
-          </a:ln>
-        </p:spPr>
-        <p:style>
-          <a:lnRef idx="2">
-            <a:schemeClr val="accent1">
-              <a:shade val="50000"/>
-            </a:schemeClr>
-          </a:lnRef>
-          <a:fillRef idx="1">
-            <a:schemeClr val="accent1"/>
-          </a:fillRef>
-          <a:effectRef idx="0">
-            <a:schemeClr val="accent1"/>
-          </a:effectRef>
-          <a:fontRef idx="minor">
-            <a:schemeClr val="lt1"/>
-          </a:fontRef>
-        </p:style>
-        <p:txBody>
-          <a:bodyPr rtlCol="0" anchor="ctr"/>
-          <a:lstStyle/>
-          <a:p>
-            <a:pPr algn="ctr"/>
-            <a:endParaRPr lang="en-US"/>
-          </a:p>
-        </p:txBody>
-      </p:sp>
       <mc:AlternateContent xmlns:mc="http://schemas.openxmlformats.org/markup-compatibility/2006" xmlns:a14="http://schemas.microsoft.com/office/drawing/2010/main">
         <mc:Choice Requires="a14">
           <p:sp>
@@ -20644,47 +20333,6 @@
           </p:sp>
         </mc:Fallback>
       </mc:AlternateContent>
-      <p:pic>
-        <p:nvPicPr>
-          <p:cNvPr id="7" name="Picture 6" descr="Chart&#10;&#10;Description automatically generated">
-            <a:extLst>
-              <a:ext uri="{FF2B5EF4-FFF2-40B4-BE49-F238E27FC236}">
-                <a16:creationId xmlns:a16="http://schemas.microsoft.com/office/drawing/2014/main" id="{73884105-D2C2-442A-94E8-0B780802F1A2}"/>
-              </a:ext>
-            </a:extLst>
-          </p:cNvPr>
-          <p:cNvPicPr>
-            <a:picLocks noChangeAspect="1"/>
-          </p:cNvPicPr>
-          <p:nvPr/>
-        </p:nvPicPr>
-        <p:blipFill>
-          <a:blip r:embed="rId40">
-            <a:extLst>
-              <a:ext uri="{28A0092B-C50C-407E-A947-70E740481C1C}">
-                <a14:useLocalDpi xmlns:a14="http://schemas.microsoft.com/office/drawing/2010/main" val="0"/>
-              </a:ext>
-            </a:extLst>
-          </a:blip>
-          <a:stretch>
-            <a:fillRect/>
-          </a:stretch>
-        </p:blipFill>
-        <p:spPr>
-          <a:xfrm>
-            <a:off x="85291" y="1561232"/>
-            <a:ext cx="3270819" cy="1626892"/>
-          </a:xfrm>
-          <a:prstGeom prst="rect">
-            <a:avLst/>
-          </a:prstGeom>
-          <a:ln>
-            <a:solidFill>
-              <a:schemeClr val="tx1"/>
-            </a:solidFill>
-          </a:ln>
-        </p:spPr>
-      </p:pic>
       <p:sp>
         <p:nvSpPr>
           <p:cNvPr id="8" name="Arrow: Down 7">
@@ -20708,6 +20356,516 @@
           <a:solidFill>
             <a:schemeClr val="tx1"/>
           </a:solidFill>
+        </p:spPr>
+        <p:style>
+          <a:lnRef idx="2">
+            <a:schemeClr val="accent1">
+              <a:shade val="50000"/>
+            </a:schemeClr>
+          </a:lnRef>
+          <a:fillRef idx="1">
+            <a:schemeClr val="accent1"/>
+          </a:fillRef>
+          <a:effectRef idx="0">
+            <a:schemeClr val="accent1"/>
+          </a:effectRef>
+          <a:fontRef idx="minor">
+            <a:schemeClr val="lt1"/>
+          </a:fontRef>
+        </p:style>
+        <p:txBody>
+          <a:bodyPr rtlCol="0" anchor="ctr"/>
+          <a:lstStyle/>
+          <a:p>
+            <a:pPr algn="ctr"/>
+            <a:endParaRPr lang="en-US"/>
+          </a:p>
+        </p:txBody>
+      </p:sp>
+      <p:pic>
+        <p:nvPicPr>
+          <p:cNvPr id="3" name="Picture 2" descr="Graphical user interface, application&#10;&#10;Description automatically generated">
+            <a:extLst>
+              <a:ext uri="{FF2B5EF4-FFF2-40B4-BE49-F238E27FC236}">
+                <a16:creationId xmlns:a16="http://schemas.microsoft.com/office/drawing/2014/main" id="{C009E355-A0B1-47D6-A042-848CF3FB2B50}"/>
+              </a:ext>
+            </a:extLst>
+          </p:cNvPr>
+          <p:cNvPicPr>
+            <a:picLocks noChangeAspect="1"/>
+          </p:cNvPicPr>
+          <p:nvPr/>
+        </p:nvPicPr>
+        <p:blipFill>
+          <a:blip r:embed="rId40">
+            <a:extLst>
+              <a:ext uri="{28A0092B-C50C-407E-A947-70E740481C1C}">
+                <a14:useLocalDpi xmlns:a14="http://schemas.microsoft.com/office/drawing/2010/main" val="0"/>
+              </a:ext>
+            </a:extLst>
+          </a:blip>
+          <a:stretch>
+            <a:fillRect/>
+          </a:stretch>
+        </p:blipFill>
+        <p:spPr>
+          <a:xfrm>
+            <a:off x="106230" y="4392319"/>
+            <a:ext cx="3263508" cy="1623255"/>
+          </a:xfrm>
+          <a:prstGeom prst="rect">
+            <a:avLst/>
+          </a:prstGeom>
+          <a:ln>
+            <a:solidFill>
+              <a:schemeClr val="tx1"/>
+            </a:solidFill>
+          </a:ln>
+        </p:spPr>
+      </p:pic>
+      <p:pic>
+        <p:nvPicPr>
+          <p:cNvPr id="9" name="Picture 8" descr="Graphical user interface, application&#10;&#10;Description automatically generated">
+            <a:extLst>
+              <a:ext uri="{FF2B5EF4-FFF2-40B4-BE49-F238E27FC236}">
+                <a16:creationId xmlns:a16="http://schemas.microsoft.com/office/drawing/2014/main" id="{DB2D02CF-2F4F-4835-AD44-A76D31BD6200}"/>
+              </a:ext>
+            </a:extLst>
+          </p:cNvPr>
+          <p:cNvPicPr>
+            <a:picLocks noChangeAspect="1"/>
+          </p:cNvPicPr>
+          <p:nvPr/>
+        </p:nvPicPr>
+        <p:blipFill>
+          <a:blip r:embed="rId41">
+            <a:extLst>
+              <a:ext uri="{28A0092B-C50C-407E-A947-70E740481C1C}">
+                <a14:useLocalDpi xmlns:a14="http://schemas.microsoft.com/office/drawing/2010/main" val="0"/>
+              </a:ext>
+            </a:extLst>
+          </a:blip>
+          <a:stretch>
+            <a:fillRect/>
+          </a:stretch>
+        </p:blipFill>
+        <p:spPr>
+          <a:xfrm>
+            <a:off x="65691" y="1621520"/>
+            <a:ext cx="3304047" cy="1643419"/>
+          </a:xfrm>
+          <a:prstGeom prst="rect">
+            <a:avLst/>
+          </a:prstGeom>
+          <a:ln>
+            <a:solidFill>
+              <a:schemeClr val="tx1"/>
+            </a:solidFill>
+          </a:ln>
+        </p:spPr>
+      </p:pic>
+      <p:sp>
+        <p:nvSpPr>
+          <p:cNvPr id="86" name="Oval 85">
+            <a:extLst>
+              <a:ext uri="{FF2B5EF4-FFF2-40B4-BE49-F238E27FC236}">
+                <a16:creationId xmlns:a16="http://schemas.microsoft.com/office/drawing/2014/main" id="{F3208EEA-21A3-4FD3-9218-1A88F46B4CEE}"/>
+              </a:ext>
+            </a:extLst>
+          </p:cNvPr>
+          <p:cNvSpPr/>
+          <p:nvPr/>
+        </p:nvSpPr>
+        <p:spPr>
+          <a:xfrm>
+            <a:off x="9259536" y="4355383"/>
+            <a:ext cx="265176" cy="256032"/>
+          </a:xfrm>
+          <a:prstGeom prst="ellipse">
+            <a:avLst/>
+          </a:prstGeom>
+          <a:solidFill>
+            <a:schemeClr val="tx1"/>
+          </a:solidFill>
+          <a:ln>
+            <a:solidFill>
+              <a:schemeClr val="tx1"/>
+            </a:solidFill>
+          </a:ln>
+        </p:spPr>
+        <p:style>
+          <a:lnRef idx="2">
+            <a:schemeClr val="accent1">
+              <a:shade val="50000"/>
+            </a:schemeClr>
+          </a:lnRef>
+          <a:fillRef idx="1">
+            <a:schemeClr val="accent1"/>
+          </a:fillRef>
+          <a:effectRef idx="0">
+            <a:schemeClr val="accent1"/>
+          </a:effectRef>
+          <a:fontRef idx="minor">
+            <a:schemeClr val="lt1"/>
+          </a:fontRef>
+        </p:style>
+        <p:txBody>
+          <a:bodyPr rtlCol="0" anchor="ctr"/>
+          <a:lstStyle/>
+          <a:p>
+            <a:pPr algn="ctr"/>
+            <a:endParaRPr lang="en-US"/>
+          </a:p>
+        </p:txBody>
+      </p:sp>
+      <p:sp>
+        <p:nvSpPr>
+          <p:cNvPr id="93" name="Oval 92">
+            <a:extLst>
+              <a:ext uri="{FF2B5EF4-FFF2-40B4-BE49-F238E27FC236}">
+                <a16:creationId xmlns:a16="http://schemas.microsoft.com/office/drawing/2014/main" id="{E4178F63-9391-4AFC-8112-DEC5D9B7731E}"/>
+              </a:ext>
+            </a:extLst>
+          </p:cNvPr>
+          <p:cNvSpPr/>
+          <p:nvPr/>
+        </p:nvSpPr>
+        <p:spPr>
+          <a:xfrm>
+            <a:off x="4357857" y="4791798"/>
+            <a:ext cx="265176" cy="256032"/>
+          </a:xfrm>
+          <a:prstGeom prst="ellipse">
+            <a:avLst/>
+          </a:prstGeom>
+          <a:solidFill>
+            <a:schemeClr val="tx1"/>
+          </a:solidFill>
+          <a:ln>
+            <a:solidFill>
+              <a:schemeClr val="tx1"/>
+            </a:solidFill>
+          </a:ln>
+        </p:spPr>
+        <p:style>
+          <a:lnRef idx="2">
+            <a:schemeClr val="accent1">
+              <a:shade val="50000"/>
+            </a:schemeClr>
+          </a:lnRef>
+          <a:fillRef idx="1">
+            <a:schemeClr val="accent1"/>
+          </a:fillRef>
+          <a:effectRef idx="0">
+            <a:schemeClr val="accent1"/>
+          </a:effectRef>
+          <a:fontRef idx="minor">
+            <a:schemeClr val="lt1"/>
+          </a:fontRef>
+        </p:style>
+        <p:txBody>
+          <a:bodyPr rtlCol="0" anchor="ctr"/>
+          <a:lstStyle/>
+          <a:p>
+            <a:pPr algn="ctr"/>
+            <a:endParaRPr lang="en-US"/>
+          </a:p>
+        </p:txBody>
+      </p:sp>
+      <mc:AlternateContent xmlns:mc="http://schemas.openxmlformats.org/markup-compatibility/2006">
+        <mc:Choice xmlns:a14="http://schemas.microsoft.com/office/drawing/2010/main" Requires="a14">
+          <p:sp>
+            <p:nvSpPr>
+              <p:cNvPr id="94" name="TextBox 93">
+                <a:extLst>
+                  <a:ext uri="{FF2B5EF4-FFF2-40B4-BE49-F238E27FC236}">
+                    <a16:creationId xmlns:a16="http://schemas.microsoft.com/office/drawing/2014/main" id="{0D4D58E1-9860-4AC8-B1F4-21EE56DA8E18}"/>
+                  </a:ext>
+                </a:extLst>
+              </p:cNvPr>
+              <p:cNvSpPr txBox="1"/>
+              <p:nvPr/>
+            </p:nvSpPr>
+            <p:spPr>
+              <a:xfrm>
+                <a:off x="4597862" y="4735294"/>
+                <a:ext cx="2665538" cy="369332"/>
+              </a:xfrm>
+              <a:prstGeom prst="rect">
+                <a:avLst/>
+              </a:prstGeom>
+              <a:noFill/>
+            </p:spPr>
+            <p:txBody>
+              <a:bodyPr wrap="none" rtlCol="0">
+                <a:spAutoFit/>
+              </a:bodyPr>
+              <a:lstStyle/>
+              <a:p>
+                <a:pPr/>
+                <a14:m>
+                  <m:oMathPara xmlns:m="http://schemas.openxmlformats.org/officeDocument/2006/math">
+                    <m:oMathParaPr>
+                      <m:jc m:val="centerGroup"/>
+                    </m:oMathParaPr>
+                    <m:oMath xmlns:m="http://schemas.openxmlformats.org/officeDocument/2006/math">
+                      <m:r>
+                        <a:rPr lang="en-US" b="0" i="1" smtClean="0">
+                          <a:latin typeface="Cambria Math" panose="02040503050406030204" pitchFamily="18" charset="0"/>
+                        </a:rPr>
+                        <m:t>𝐵𝑜𝑢𝑛𝑑𝑎𝑟𝑦</m:t>
+                      </m:r>
+                      <m:r>
+                        <a:rPr lang="en-US" b="0" i="1" smtClean="0">
+                          <a:latin typeface="Cambria Math" panose="02040503050406030204" pitchFamily="18" charset="0"/>
+                        </a:rPr>
+                        <m:t> </m:t>
+                      </m:r>
+                      <m:r>
+                        <a:rPr lang="en-US" b="0" i="1" smtClean="0">
+                          <a:latin typeface="Cambria Math" panose="02040503050406030204" pitchFamily="18" charset="0"/>
+                        </a:rPr>
+                        <m:t>𝑡𝑒𝑚𝑝𝑒𝑟𝑎𝑡𝑢𝑟𝑒</m:t>
+                      </m:r>
+                    </m:oMath>
+                  </m:oMathPara>
+                </a14:m>
+                <a:endParaRPr lang="en-US" dirty="0"/>
+              </a:p>
+            </p:txBody>
+          </p:sp>
+        </mc:Choice>
+        <mc:Fallback>
+          <p:sp>
+            <p:nvSpPr>
+              <p:cNvPr id="94" name="TextBox 93">
+                <a:extLst>
+                  <a:ext uri="{FF2B5EF4-FFF2-40B4-BE49-F238E27FC236}">
+                    <a16:creationId xmlns:a16="http://schemas.microsoft.com/office/drawing/2014/main" id="{0D4D58E1-9860-4AC8-B1F4-21EE56DA8E18}"/>
+                  </a:ext>
+                </a:extLst>
+              </p:cNvPr>
+              <p:cNvSpPr txBox="1">
+                <a:spLocks noRot="1" noChangeAspect="1" noMove="1" noResize="1" noEditPoints="1" noAdjustHandles="1" noChangeArrowheads="1" noChangeShapeType="1" noTextEdit="1"/>
+              </p:cNvSpPr>
+              <p:nvPr/>
+            </p:nvSpPr>
+            <p:spPr>
+              <a:xfrm>
+                <a:off x="4597862" y="4735294"/>
+                <a:ext cx="2665538" cy="369332"/>
+              </a:xfrm>
+              <a:prstGeom prst="rect">
+                <a:avLst/>
+              </a:prstGeom>
+              <a:blipFill>
+                <a:blip r:embed="rId42"/>
+                <a:stretch>
+                  <a:fillRect b="-13333"/>
+                </a:stretch>
+              </a:blipFill>
+            </p:spPr>
+            <p:txBody>
+              <a:bodyPr/>
+              <a:lstStyle/>
+              <a:p>
+                <a:r>
+                  <a:rPr lang="en-US">
+                    <a:noFill/>
+                  </a:rPr>
+                  <a:t> </a:t>
+                </a:r>
+              </a:p>
+            </p:txBody>
+          </p:sp>
+        </mc:Fallback>
+      </mc:AlternateContent>
+      <p:sp>
+        <p:nvSpPr>
+          <p:cNvPr id="97" name="Oval 96">
+            <a:extLst>
+              <a:ext uri="{FF2B5EF4-FFF2-40B4-BE49-F238E27FC236}">
+                <a16:creationId xmlns:a16="http://schemas.microsoft.com/office/drawing/2014/main" id="{667F40B5-D060-4739-8C39-6D4AC8EDC9A7}"/>
+              </a:ext>
+            </a:extLst>
+          </p:cNvPr>
+          <p:cNvSpPr/>
+          <p:nvPr/>
+        </p:nvSpPr>
+        <p:spPr>
+          <a:xfrm>
+            <a:off x="4357857" y="5160838"/>
+            <a:ext cx="265176" cy="256032"/>
+          </a:xfrm>
+          <a:prstGeom prst="ellipse">
+            <a:avLst/>
+          </a:prstGeom>
+          <a:noFill/>
+          <a:ln>
+            <a:solidFill>
+              <a:schemeClr val="tx1"/>
+            </a:solidFill>
+          </a:ln>
+        </p:spPr>
+        <p:style>
+          <a:lnRef idx="2">
+            <a:schemeClr val="accent1">
+              <a:shade val="50000"/>
+            </a:schemeClr>
+          </a:lnRef>
+          <a:fillRef idx="1">
+            <a:schemeClr val="accent1"/>
+          </a:fillRef>
+          <a:effectRef idx="0">
+            <a:schemeClr val="accent1"/>
+          </a:effectRef>
+          <a:fontRef idx="minor">
+            <a:schemeClr val="lt1"/>
+          </a:fontRef>
+        </p:style>
+        <p:txBody>
+          <a:bodyPr rtlCol="0" anchor="ctr"/>
+          <a:lstStyle/>
+          <a:p>
+            <a:pPr algn="ctr"/>
+            <a:endParaRPr lang="en-US"/>
+          </a:p>
+        </p:txBody>
+      </p:sp>
+      <mc:AlternateContent xmlns:mc="http://schemas.openxmlformats.org/markup-compatibility/2006">
+        <mc:Choice xmlns:a14="http://schemas.microsoft.com/office/drawing/2010/main" Requires="a14">
+          <p:sp>
+            <p:nvSpPr>
+              <p:cNvPr id="98" name="TextBox 97">
+                <a:extLst>
+                  <a:ext uri="{FF2B5EF4-FFF2-40B4-BE49-F238E27FC236}">
+                    <a16:creationId xmlns:a16="http://schemas.microsoft.com/office/drawing/2014/main" id="{7A9DEEC5-BC0D-4B38-AB6A-1E74C1A8AA8D}"/>
+                  </a:ext>
+                </a:extLst>
+              </p:cNvPr>
+              <p:cNvSpPr txBox="1"/>
+              <p:nvPr/>
+            </p:nvSpPr>
+            <p:spPr>
+              <a:xfrm>
+                <a:off x="4597862" y="5104334"/>
+                <a:ext cx="2171300" cy="369332"/>
+              </a:xfrm>
+              <a:prstGeom prst="rect">
+                <a:avLst/>
+              </a:prstGeom>
+              <a:noFill/>
+            </p:spPr>
+            <p:txBody>
+              <a:bodyPr wrap="none" rtlCol="0">
+                <a:spAutoFit/>
+              </a:bodyPr>
+              <a:lstStyle/>
+              <a:p>
+                <a:pPr/>
+                <a14:m>
+                  <m:oMathPara xmlns:m="http://schemas.openxmlformats.org/officeDocument/2006/math">
+                    <m:oMathParaPr>
+                      <m:jc m:val="centerGroup"/>
+                    </m:oMathParaPr>
+                    <m:oMath xmlns:m="http://schemas.openxmlformats.org/officeDocument/2006/math">
+                      <m:r>
+                        <a:rPr lang="en-US" b="0" i="1" smtClean="0">
+                          <a:latin typeface="Cambria Math" panose="02040503050406030204" pitchFamily="18" charset="0"/>
+                        </a:rPr>
+                        <m:t>𝑆𝑡𝑎𝑡𝑒</m:t>
+                      </m:r>
+                      <m:r>
+                        <a:rPr lang="en-US" b="0" i="1" smtClean="0">
+                          <a:latin typeface="Cambria Math" panose="02040503050406030204" pitchFamily="18" charset="0"/>
+                        </a:rPr>
+                        <m:t> </m:t>
+                      </m:r>
+                      <m:r>
+                        <a:rPr lang="en-US" b="0" i="1" smtClean="0">
+                          <a:latin typeface="Cambria Math" panose="02040503050406030204" pitchFamily="18" charset="0"/>
+                        </a:rPr>
+                        <m:t>𝑡𝑒𝑚𝑝𝑒𝑟𝑎𝑡𝑢𝑟𝑒</m:t>
+                      </m:r>
+                    </m:oMath>
+                  </m:oMathPara>
+                </a14:m>
+                <a:endParaRPr lang="en-US" dirty="0"/>
+              </a:p>
+            </p:txBody>
+          </p:sp>
+        </mc:Choice>
+        <mc:Fallback>
+          <p:sp>
+            <p:nvSpPr>
+              <p:cNvPr id="98" name="TextBox 97">
+                <a:extLst>
+                  <a:ext uri="{FF2B5EF4-FFF2-40B4-BE49-F238E27FC236}">
+                    <a16:creationId xmlns:a16="http://schemas.microsoft.com/office/drawing/2014/main" id="{7A9DEEC5-BC0D-4B38-AB6A-1E74C1A8AA8D}"/>
+                  </a:ext>
+                </a:extLst>
+              </p:cNvPr>
+              <p:cNvSpPr txBox="1">
+                <a:spLocks noRot="1" noChangeAspect="1" noMove="1" noResize="1" noEditPoints="1" noAdjustHandles="1" noChangeArrowheads="1" noChangeShapeType="1" noTextEdit="1"/>
+              </p:cNvSpPr>
+              <p:nvPr/>
+            </p:nvSpPr>
+            <p:spPr>
+              <a:xfrm>
+                <a:off x="4597862" y="5104334"/>
+                <a:ext cx="2171300" cy="369332"/>
+              </a:xfrm>
+              <a:prstGeom prst="rect">
+                <a:avLst/>
+              </a:prstGeom>
+              <a:blipFill>
+                <a:blip r:embed="rId43"/>
+                <a:stretch>
+                  <a:fillRect b="-9836"/>
+                </a:stretch>
+              </a:blipFill>
+            </p:spPr>
+            <p:txBody>
+              <a:bodyPr/>
+              <a:lstStyle/>
+              <a:p>
+                <a:r>
+                  <a:rPr lang="en-US">
+                    <a:noFill/>
+                  </a:rPr>
+                  <a:t> </a:t>
+                </a:r>
+              </a:p>
+            </p:txBody>
+          </p:sp>
+        </mc:Fallback>
+      </mc:AlternateContent>
+      <p:sp>
+        <p:nvSpPr>
+          <p:cNvPr id="99" name="Rectangle 98">
+            <a:extLst>
+              <a:ext uri="{FF2B5EF4-FFF2-40B4-BE49-F238E27FC236}">
+                <a16:creationId xmlns:a16="http://schemas.microsoft.com/office/drawing/2014/main" id="{2F207421-251E-441C-ACDF-268873BD084A}"/>
+              </a:ext>
+            </a:extLst>
+          </p:cNvPr>
+          <p:cNvSpPr/>
+          <p:nvPr/>
+        </p:nvSpPr>
+        <p:spPr>
+          <a:xfrm>
+            <a:off x="4296964" y="4751984"/>
+            <a:ext cx="2920055" cy="719753"/>
+          </a:xfrm>
+          <a:prstGeom prst="rect">
+            <a:avLst/>
+          </a:prstGeom>
+          <a:noFill/>
+          <a:ln>
+            <a:solidFill>
+              <a:schemeClr val="tx1"/>
+            </a:solidFill>
+          </a:ln>
         </p:spPr>
         <p:style>
           <a:lnRef idx="2">
